--- a/tutorial-07-sdag.pptx
+++ b/tutorial-07-sdag.pptx
@@ -234,7 +234,7 @@
           <a:p>
             <a:fld id="{775CE290-E0F5-444C-B849-A8F17CD4104C}" type="datetimeFigureOut">
               <a:rPr lang="en-US" smtClean="0"/>
-              <a:t>9/9/14</a:t>
+              <a:t>9/10/14</a:t>
             </a:fld>
             <a:endParaRPr lang="en-US" dirty="0"/>
           </a:p>
@@ -400,7 +400,7 @@
           <a:p>
             <a:fld id="{AD53A24C-4135-094C-957B-35852E7EDFA4}" type="datetimeFigureOut">
               <a:rPr lang="en-US" smtClean="0"/>
-              <a:t>9/9/14</a:t>
+              <a:t>9/10/14</a:t>
             </a:fld>
             <a:endParaRPr lang="en-US" dirty="0"/>
           </a:p>
@@ -861,7 +861,7 @@
           <a:p>
             <a:fld id="{B594EA25-E4F4-3746-A0BA-A11E27330E0F}" type="datetime2">
               <a:rPr lang="en-US" smtClean="0"/>
-              <a:t>Tuesday, September 9, 14</a:t>
+              <a:t>Wednesday, September 10, 14</a:t>
             </a:fld>
             <a:endParaRPr lang="en-US" dirty="0"/>
           </a:p>
@@ -1164,7 +1164,7 @@
                 <a:latin typeface="Times New Roman"/>
                 <a:cs typeface="Times New Roman"/>
               </a:rPr>
-              <a:t>September 9, 2014</a:t>
+              <a:t>September 10, 2014</a:t>
             </a:fld>
             <a:endParaRPr lang="en-US" dirty="0">
               <a:latin typeface="Times New Roman"/>
@@ -1438,7 +1438,7 @@
                 <a:latin typeface="Times New Roman"/>
                 <a:cs typeface="Times New Roman"/>
               </a:rPr>
-              <a:t>September 9, 2014</a:t>
+              <a:t>September 10, 2014</a:t>
             </a:fld>
             <a:endParaRPr lang="en-US" dirty="0">
               <a:latin typeface="Times New Roman"/>
@@ -1673,7 +1673,7 @@
           <a:p>
             <a:fld id="{EA699BF9-66CB-F244-8E74-7B1BE1C77046}" type="datetime2">
               <a:rPr lang="en-US" smtClean="0"/>
-              <a:t>Tuesday, September 9, 14</a:t>
+              <a:t>Wednesday, September 10, 14</a:t>
             </a:fld>
             <a:endParaRPr lang="en-US" dirty="0"/>
           </a:p>
@@ -1984,7 +1984,7 @@
           <a:p>
             <a:fld id="{D300BE84-9843-8B4F-B3C8-647B06AC46C9}" type="datetime2">
               <a:rPr lang="en-US" smtClean="0"/>
-              <a:t>Tuesday, September 9, 14</a:t>
+              <a:t>Wednesday, September 10, 14</a:t>
             </a:fld>
             <a:endParaRPr lang="en-US" dirty="0"/>
           </a:p>
@@ -2155,7 +2155,7 @@
           <a:p>
             <a:fld id="{C460AE39-2092-A945-8296-F25085B9A0F1}" type="datetime2">
               <a:rPr lang="en-US" smtClean="0"/>
-              <a:t>Tuesday, September 9, 14</a:t>
+              <a:t>Wednesday, September 10, 14</a:t>
             </a:fld>
             <a:endParaRPr lang="en-US" dirty="0"/>
           </a:p>
@@ -2336,7 +2336,7 @@
           <a:p>
             <a:fld id="{63BC7E9D-3218-5E49-A867-E087AB2F4618}" type="datetime2">
               <a:rPr lang="en-US" smtClean="0"/>
-              <a:t>Tuesday, September 9, 14</a:t>
+              <a:t>Wednesday, September 10, 14</a:t>
             </a:fld>
             <a:endParaRPr lang="en-US" dirty="0"/>
           </a:p>
@@ -2590,7 +2590,7 @@
           <a:p>
             <a:fld id="{B594EA25-E4F4-3746-A0BA-A11E27330E0F}" type="datetime2">
               <a:rPr lang="en-US" smtClean="0"/>
-              <a:t>Tuesday, September 9, 14</a:t>
+              <a:t>Wednesday, September 10, 14</a:t>
             </a:fld>
             <a:endParaRPr lang="en-US" dirty="0"/>
           </a:p>
@@ -2893,7 +2893,7 @@
                 <a:latin typeface="Times New Roman"/>
                 <a:cs typeface="Times New Roman"/>
               </a:rPr>
-              <a:t>September 9, 2014</a:t>
+              <a:t>September 10, 2014</a:t>
             </a:fld>
             <a:endParaRPr lang="en-US" dirty="0">
               <a:latin typeface="Times New Roman"/>
@@ -3019,7 +3019,7 @@
           <a:p>
             <a:fld id="{BD5AFB16-13FE-DF4A-8CB7-09756A57B2EA}" type="datetime2">
               <a:rPr lang="en-US" smtClean="0"/>
-              <a:t>Tuesday, September 9, 14</a:t>
+              <a:t>Wednesday, September 10, 14</a:t>
             </a:fld>
             <a:endParaRPr lang="en-US" dirty="0"/>
           </a:p>
@@ -3548,7 +3548,7 @@
           <a:p>
             <a:fld id="{30545249-FD76-6844-B252-CAB05FC2DAA8}" type="datetime2">
               <a:rPr lang="en-US" smtClean="0"/>
-              <a:t>Tuesday, September 9, 14</a:t>
+              <a:t>Wednesday, September 10, 14</a:t>
             </a:fld>
             <a:endParaRPr lang="en-US" dirty="0"/>
           </a:p>
@@ -3844,7 +3844,7 @@
           <a:p>
             <a:fld id="{34621E95-60A9-FF44-9869-513D9D7A859F}" type="datetime2">
               <a:rPr lang="en-US" smtClean="0"/>
-              <a:t>Tuesday, September 9, 14</a:t>
+              <a:t>Wednesday, September 10, 14</a:t>
             </a:fld>
             <a:endParaRPr lang="en-US" dirty="0"/>
           </a:p>
@@ -3963,7 +3963,7 @@
           <a:p>
             <a:fld id="{BD5AFB16-13FE-DF4A-8CB7-09756A57B2EA}" type="datetime2">
               <a:rPr lang="en-US" smtClean="0"/>
-              <a:t>Tuesday, September 9, 14</a:t>
+              <a:t>Wednesday, September 10, 14</a:t>
             </a:fld>
             <a:endParaRPr lang="en-US" dirty="0"/>
           </a:p>
@@ -4450,7 +4450,7 @@
           <a:p>
             <a:fld id="{1BDEC705-8EA9-6C46-8E3B-2CAC7E2C0F7D}" type="datetime2">
               <a:rPr lang="en-US" smtClean="0"/>
-              <a:t>Tuesday, September 9, 14</a:t>
+              <a:t>Wednesday, September 10, 14</a:t>
             </a:fld>
             <a:endParaRPr lang="en-US" dirty="0"/>
           </a:p>
@@ -4781,7 +4781,7 @@
           <a:p>
             <a:fld id="{BF613BD3-C5FD-9543-B738-679BF38D8C83}" type="datetime2">
               <a:rPr lang="en-US" smtClean="0"/>
-              <a:t>Tuesday, September 9, 14</a:t>
+              <a:t>Wednesday, September 10, 14</a:t>
             </a:fld>
             <a:endParaRPr lang="en-US" dirty="0"/>
           </a:p>
@@ -5260,7 +5260,7 @@
           <a:p>
             <a:fld id="{4B5E4F0C-9A9C-5448-99FD-D30288B385C9}" type="datetime2">
               <a:rPr lang="en-US" smtClean="0"/>
-              <a:t>Tuesday, September 9, 14</a:t>
+              <a:t>Wednesday, September 10, 14</a:t>
             </a:fld>
             <a:endParaRPr lang="en-US" dirty="0"/>
           </a:p>
@@ -5556,7 +5556,7 @@
           <a:p>
             <a:fld id="{30545249-FD76-6844-B252-CAB05FC2DAA8}" type="datetime2">
               <a:rPr lang="en-US" smtClean="0"/>
-              <a:t>Tuesday, September 9, 14</a:t>
+              <a:t>Wednesday, September 10, 14</a:t>
             </a:fld>
             <a:endParaRPr lang="en-US" dirty="0"/>
           </a:p>
@@ -5799,7 +5799,7 @@
           <a:p>
             <a:fld id="{CC859171-EEDD-0B48-A5C0-E7218AE20EA7}" type="datetime2">
               <a:rPr lang="en-US" smtClean="0"/>
-              <a:t>Tuesday, September 9, 14</a:t>
+              <a:t>Wednesday, September 10, 14</a:t>
             </a:fld>
             <a:endParaRPr lang="en-US" dirty="0"/>
           </a:p>
@@ -5895,7 +5895,7 @@
           <a:p>
             <a:fld id="{C32F9216-0342-7440-9504-BD6C1382BF27}" type="datetime2">
               <a:rPr lang="en-US" smtClean="0"/>
-              <a:t>Tuesday, September 9, 14</a:t>
+              <a:t>Wednesday, September 10, 14</a:t>
             </a:fld>
             <a:endParaRPr lang="en-US" dirty="0"/>
           </a:p>
@@ -6210,7 +6210,7 @@
           <a:p>
             <a:fld id="{D36DC8F2-AD63-E841-8C23-5DC3A41041BE}" type="datetime2">
               <a:rPr lang="en-US" smtClean="0"/>
-              <a:t>Tuesday, September 9, 14</a:t>
+              <a:t>Wednesday, September 10, 14</a:t>
             </a:fld>
             <a:endParaRPr lang="en-US" dirty="0"/>
           </a:p>
@@ -6882,7 +6882,7 @@
           <a:p>
             <a:fld id="{8ADAB7C0-00B4-3F4D-A690-E12D330195D4}" type="datetime2">
               <a:rPr lang="en-US" smtClean="0"/>
-              <a:t>Tuesday, September 9, 14</a:t>
+              <a:t>Wednesday, September 10, 14</a:t>
             </a:fld>
             <a:endParaRPr lang="en-US" dirty="0"/>
           </a:p>
@@ -8066,7 +8066,7 @@
           <a:p>
             <a:fld id="{A145CD19-9E52-0D48-98E0-B971752DA025}" type="datetime2">
               <a:rPr lang="en-US" smtClean="0"/>
-              <a:t>Tuesday, September 9, 14</a:t>
+              <a:t>Wednesday, September 10, 14</a:t>
             </a:fld>
             <a:endParaRPr lang="en-US" dirty="0"/>
           </a:p>
@@ -8346,7 +8346,7 @@
           <a:p>
             <a:fld id="{7876991C-AA20-0F44-988F-6F19415B10C5}" type="datetime2">
               <a:rPr lang="en-US" smtClean="0"/>
-              <a:t>Tuesday, September 9, 14</a:t>
+              <a:t>Wednesday, September 10, 14</a:t>
             </a:fld>
             <a:endParaRPr lang="en-US" dirty="0"/>
           </a:p>
@@ -9065,14 +9065,51 @@
                 <a:latin typeface="Consolas"/>
                 <a:cs typeface="Consolas"/>
               </a:rPr>
-              <a:t> </a:t>
+              <a:t> CBase</a:t>
+            </a:r>
+            <a:r>
+              <a:rPr lang="en-US" spc="10" dirty="0">
+                <a:latin typeface="Consolas"/>
+                <a:cs typeface="Consolas"/>
+              </a:rPr>
+              <a:t>_</a:t>
             </a:r>
             <a:r>
               <a:rPr lang="en-US" spc="10" dirty="0" smtClean="0">
                 <a:latin typeface="Consolas"/>
                 <a:cs typeface="Consolas"/>
               </a:rPr>
-              <a:t>CBase</a:t>
+              <a:t>MyFoo {</a:t>
+            </a:r>
+          </a:p>
+          <a:p>
+            <a:pPr marL="0" indent="0">
+              <a:spcBef>
+                <a:spcPts val="484"/>
+              </a:spcBef>
+              <a:buFont typeface="Arial" pitchFamily="34" charset="0"/>
+              <a:buNone/>
+            </a:pPr>
+            <a:r>
+              <a:rPr lang="en-US" b="1" spc="10" dirty="0">
+                <a:latin typeface="Consolas"/>
+                <a:cs typeface="Consolas"/>
+              </a:rPr>
+              <a:t> </a:t>
+            </a:r>
+            <a:r>
+              <a:rPr lang="en-US" b="1" spc="10" dirty="0" smtClean="0">
+                <a:latin typeface="Consolas"/>
+                <a:cs typeface="Consolas"/>
+              </a:rPr>
+              <a:t>       </a:t>
+            </a:r>
+            <a:r>
+              <a:rPr lang="en-US" spc="10" dirty="0" smtClean="0">
+                <a:latin typeface="Consolas"/>
+                <a:cs typeface="Consolas"/>
+              </a:rPr>
+              <a:t>MyFoo</a:t>
             </a:r>
             <a:r>
               <a:rPr lang="en-US" spc="10" dirty="0">
@@ -9086,65 +9123,7 @@
                 <a:latin typeface="Consolas"/>
                 <a:cs typeface="Consolas"/>
               </a:rPr>
-              <a:t>MyFoo </a:t>
-            </a:r>
-            <a:r>
-              <a:rPr lang="en-US" spc="10" dirty="0" smtClean="0">
-                <a:latin typeface="Consolas"/>
-                <a:cs typeface="Consolas"/>
-              </a:rPr>
-              <a:t>{</a:t>
-            </a:r>
-          </a:p>
-          <a:p>
-            <a:pPr marL="0" indent="0">
-              <a:spcBef>
-                <a:spcPts val="484"/>
-              </a:spcBef>
-              <a:buFont typeface="Arial" pitchFamily="34" charset="0"/>
-              <a:buNone/>
-            </a:pPr>
-            <a:r>
-              <a:rPr lang="en-US" b="1" spc="10" dirty="0">
-                <a:latin typeface="Consolas"/>
-                <a:cs typeface="Consolas"/>
-              </a:rPr>
-              <a:t> </a:t>
-            </a:r>
-            <a:r>
-              <a:rPr lang="en-US" b="1" spc="10" dirty="0" smtClean="0">
-                <a:latin typeface="Consolas"/>
-                <a:cs typeface="Consolas"/>
-              </a:rPr>
-              <a:t>       </a:t>
-            </a:r>
-            <a:r>
-              <a:rPr lang="en-US" spc="10" dirty="0" smtClean="0">
-                <a:latin typeface="Consolas"/>
-                <a:cs typeface="Consolas"/>
-              </a:rPr>
-              <a:t>MyFoo</a:t>
-            </a:r>
-            <a:r>
-              <a:rPr lang="en-US" spc="10" dirty="0">
-                <a:latin typeface="Consolas"/>
-                <a:cs typeface="Consolas"/>
-              </a:rPr>
-              <a:t>_</a:t>
-            </a:r>
-            <a:r>
-              <a:rPr lang="en-US" spc="10" dirty="0" smtClean="0">
-                <a:latin typeface="Consolas"/>
-                <a:cs typeface="Consolas"/>
-              </a:rPr>
-              <a:t>SDAG_Code</a:t>
-            </a:r>
-            <a:r>
-              <a:rPr lang="en-US" spc="10" dirty="0" smtClean="0">
-                <a:latin typeface="Consolas"/>
-                <a:cs typeface="Consolas"/>
-              </a:rPr>
-              <a:t>/* </a:t>
+              <a:t>SDAG_Code/* </a:t>
             </a:r>
             <a:r>
               <a:rPr lang="en-US" i="1" spc="10" dirty="0" smtClean="0">
@@ -10081,7 +10060,7 @@
           <a:p>
             <a:fld id="{C276A2B2-2E5A-EA46-98F7-94DEAC9D3327}" type="datetime2">
               <a:rPr lang="en-US" smtClean="0"/>
-              <a:t>Tuesday, September 9, 14</a:t>
+              <a:t>Wednesday, September 10, 14</a:t>
             </a:fld>
             <a:endParaRPr lang="en-US" dirty="0"/>
           </a:p>
@@ -10664,14 +10643,7 @@
                 <a:latin typeface="Consolas"/>
                 <a:cs typeface="Consolas"/>
               </a:rPr>
-              <a:t>isRoot_, </a:t>
-            </a:r>
-            <a:r>
-              <a:rPr lang="en-US" dirty="0" smtClean="0">
-                <a:latin typeface="Consolas"/>
-                <a:cs typeface="Consolas"/>
-              </a:rPr>
-              <a:t>CProxy_Fib parent_)</a:t>
+              <a:t>isRoot_, CProxy_Fib parent_)</a:t>
             </a:r>
             <a:endParaRPr lang="en-US" dirty="0">
               <a:latin typeface="Consolas"/>
@@ -11142,7 +11114,7 @@
           <a:p>
             <a:fld id="{6AF1170F-54D2-5E48-BEB2-3AD0D2B9BD4E}" type="datetime2">
               <a:rPr lang="en-US" smtClean="0"/>
-              <a:t>Tuesday, September 9, 14</a:t>
+              <a:t>Wednesday, September 10, 14</a:t>
             </a:fld>
             <a:endParaRPr lang="en-US" dirty="0"/>
           </a:p>
@@ -12254,7 +12226,7 @@
           <a:p>
             <a:fld id="{2BA12DED-CA11-874A-AADE-C9EEBF212C9B}" type="datetime2">
               <a:rPr lang="en-US" smtClean="0"/>
-              <a:t>Tuesday, September 9, 14</a:t>
+              <a:t>Wednesday, September 10, 14</a:t>
             </a:fld>
             <a:endParaRPr lang="en-US" dirty="0"/>
           </a:p>
@@ -12517,14 +12489,64 @@
                 <a:latin typeface="Consolas"/>
                 <a:cs typeface="Consolas"/>
               </a:rPr>
-              <a:t> </a:t>
-            </a:r>
+              <a:t>  </a:t>
+            </a:r>
+            <a:r>
+              <a:rPr lang="en-US" b="1" spc="10" dirty="0" smtClean="0">
+                <a:latin typeface="Consolas"/>
+                <a:cs typeface="Consolas"/>
+              </a:rPr>
+              <a:t>when </a:t>
+            </a:r>
+            <a:r>
+              <a:rPr lang="en-US" spc="10" dirty="0">
+                <a:latin typeface="Consolas"/>
+                <a:cs typeface="Consolas"/>
+              </a:rPr>
+              <a:t>myMethod1(</a:t>
+            </a:r>
+            <a:r>
+              <a:rPr lang="en-US" b="1" spc="10" dirty="0">
+                <a:latin typeface="Consolas"/>
+                <a:cs typeface="Consolas"/>
+              </a:rPr>
+              <a:t>int </a:t>
+            </a:r>
+            <a:r>
+              <a:rPr lang="en-US" spc="10" dirty="0">
+                <a:latin typeface="Consolas"/>
+                <a:cs typeface="Consolas"/>
+              </a:rPr>
+              <a:t>param1, </a:t>
+            </a:r>
+            <a:r>
+              <a:rPr lang="en-US" b="1" spc="10" dirty="0">
+                <a:latin typeface="Consolas"/>
+                <a:cs typeface="Consolas"/>
+              </a:rPr>
+              <a:t>int </a:t>
+            </a:r>
+            <a:r>
+              <a:rPr lang="en-US" spc="10" dirty="0">
+                <a:latin typeface="Consolas"/>
+                <a:cs typeface="Consolas"/>
+              </a:rPr>
+              <a:t>param2) {</a:t>
+            </a:r>
+          </a:p>
+          <a:p>
+            <a:pPr marL="0" indent="0">
+              <a:spcBef>
+                <a:spcPts val="484"/>
+              </a:spcBef>
+              <a:buNone/>
+            </a:pPr>
             <a:r>
               <a:rPr lang="en-US" spc="10" dirty="0" smtClean="0">
                 <a:latin typeface="Consolas"/>
                 <a:cs typeface="Consolas"/>
               </a:rPr>
-              <a:t> </a:t>
+              <a:t>      </a:t>
             </a:r>
             <a:r>
               <a:rPr lang="en-US" b="1" spc="10" dirty="0" smtClean="0">
@@ -12538,35 +12560,21 @@
                 <a:latin typeface="Consolas"/>
                 <a:cs typeface="Consolas"/>
               </a:rPr>
-              <a:t>myMethod1(</a:t>
+              <a:t>myMethod2(</a:t>
             </a:r>
             <a:r>
               <a:rPr lang="en-US" b="1" spc="10" dirty="0">
                 <a:latin typeface="Consolas"/>
                 <a:cs typeface="Consolas"/>
               </a:rPr>
-              <a:t>int </a:t>
+              <a:t>bool </a:t>
             </a:r>
             <a:r>
               <a:rPr lang="en-US" spc="10" dirty="0">
                 <a:latin typeface="Consolas"/>
                 <a:cs typeface="Consolas"/>
               </a:rPr>
-              <a:t>param1, </a:t>
-            </a:r>
-            <a:r>
-              <a:rPr lang="en-US" b="1" spc="10" dirty="0">
-                <a:latin typeface="Consolas"/>
-                <a:cs typeface="Consolas"/>
-              </a:rPr>
-              <a:t>int </a:t>
-            </a:r>
-            <a:r>
-              <a:rPr lang="en-US" spc="10" dirty="0">
-                <a:latin typeface="Consolas"/>
-                <a:cs typeface="Consolas"/>
-              </a:rPr>
-              <a:t>param2) {</a:t>
+              <a:t>param3),</a:t>
             </a:r>
           </a:p>
           <a:p>
@@ -12581,57 +12589,7 @@
                 <a:latin typeface="Consolas"/>
                 <a:cs typeface="Consolas"/>
               </a:rPr>
-              <a:t>      </a:t>
-            </a:r>
-            <a:r>
-              <a:rPr lang="en-US" b="1" spc="10" dirty="0" smtClean="0">
-                <a:latin typeface="Consolas"/>
-                <a:cs typeface="Consolas"/>
-              </a:rPr>
-              <a:t>when </a:t>
-            </a:r>
-            <a:r>
-              <a:rPr lang="en-US" spc="10" dirty="0">
-                <a:latin typeface="Consolas"/>
-                <a:cs typeface="Consolas"/>
-              </a:rPr>
-              <a:t>myMethod2(</a:t>
-            </a:r>
-            <a:r>
-              <a:rPr lang="en-US" b="1" spc="10" dirty="0">
-                <a:latin typeface="Consolas"/>
-                <a:cs typeface="Consolas"/>
-              </a:rPr>
-              <a:t>bool </a:t>
-            </a:r>
-            <a:r>
-              <a:rPr lang="en-US" spc="10" dirty="0">
-                <a:latin typeface="Consolas"/>
-                <a:cs typeface="Consolas"/>
-              </a:rPr>
-              <a:t>param3),</a:t>
-            </a:r>
-          </a:p>
-          <a:p>
-            <a:pPr marL="0" indent="0">
-              <a:spcBef>
-                <a:spcPts val="484"/>
-              </a:spcBef>
-              <a:buNone/>
-            </a:pPr>
-            <a:r>
-              <a:rPr lang="en-US" spc="10" dirty="0" smtClean="0">
-                <a:latin typeface="Consolas"/>
-                <a:cs typeface="Consolas"/>
-              </a:rPr>
-              <a:t>              </a:t>
-            </a:r>
-            <a:r>
-              <a:rPr lang="en-US" spc="10" dirty="0" smtClean="0">
-                <a:latin typeface="Consolas"/>
-                <a:cs typeface="Consolas"/>
-              </a:rPr>
-              <a:t>myMethod3</a:t>
+              <a:t>              myMethod3</a:t>
             </a:r>
             <a:r>
               <a:rPr lang="en-US" spc="10" dirty="0">
@@ -12728,14 +12686,7 @@
                 <a:latin typeface="Consolas"/>
                 <a:cs typeface="Consolas"/>
               </a:rPr>
-              <a:t>  </a:t>
-            </a:r>
-            <a:r>
-              <a:rPr lang="en-US" spc="10" dirty="0" smtClean="0">
-                <a:latin typeface="Consolas"/>
-                <a:cs typeface="Consolas"/>
-              </a:rPr>
-              <a:t>}</a:t>
+              <a:t>  }</a:t>
             </a:r>
             <a:endParaRPr lang="en-US" spc="10" dirty="0">
               <a:latin typeface="Consolas"/>
@@ -14092,7 +14043,7 @@
           <a:p>
             <a:fld id="{EEB774C7-BB42-AD47-9DFE-C2F15F5B505F}" type="datetime2">
               <a:rPr lang="en-US" smtClean="0"/>
-              <a:t>Tuesday, September 9, 14</a:t>
+              <a:t>Wednesday, September 10, 14</a:t>
             </a:fld>
             <a:endParaRPr lang="en-US" dirty="0"/>
           </a:p>
@@ -14691,7 +14642,7 @@
           <a:p>
             <a:fld id="{649FC6E8-BD3C-E24F-ABCE-A0069012B335}" type="datetime2">
               <a:rPr lang="en-US" smtClean="0"/>
-              <a:t>Tuesday, September 9, 14</a:t>
+              <a:t>Wednesday, September 10, 14</a:t>
             </a:fld>
             <a:endParaRPr lang="en-US" dirty="0"/>
           </a:p>
@@ -15651,7 +15602,7 @@
           <a:p>
             <a:fld id="{B80D1EF0-2EB2-654F-80FC-FFD486F49012}" type="datetime2">
               <a:rPr lang="en-US" smtClean="0"/>
-              <a:t>Tuesday, September 9, 14</a:t>
+              <a:t>Wednesday, September 10, 14</a:t>
             </a:fld>
             <a:endParaRPr lang="en-US" dirty="0"/>
           </a:p>
@@ -17131,7 +17082,7 @@
           <a:p>
             <a:fld id="{DEC71C86-5730-9A4F-8DFF-6C11A2568F8D}" type="datetime2">
               <a:rPr lang="en-US" smtClean="0"/>
-              <a:t>Tuesday, September 9, 14</a:t>
+              <a:t>Wednesday, September 10, 14</a:t>
             </a:fld>
             <a:endParaRPr lang="en-US" dirty="0"/>
           </a:p>
@@ -17212,7 +17163,7 @@
         </p:spPr>
         <p:txBody>
           <a:bodyPr vert="horz" lIns="91440" tIns="45720" rIns="91440" bIns="45720" rtlCol="0">
-            <a:normAutofit fontScale="92500" lnSpcReduction="10000"/>
+            <a:normAutofit/>
           </a:bodyPr>
           <a:lstStyle>
             <a:lvl1pPr marL="182880" indent="-182880" algn="l" defTabSz="914400" rtl="0" eaLnBrk="1" latinLnBrk="0" hangingPunct="1">
@@ -17390,21 +17341,21 @@
               <a:buNone/>
             </a:pPr>
             <a:r>
-              <a:rPr lang="en-US" spc="10" dirty="0" smtClean="0">
+              <a:rPr lang="en-US" sz="2000" spc="10" dirty="0" smtClean="0">
                 <a:latin typeface="Consolas"/>
                 <a:cs typeface="Consolas"/>
               </a:rPr>
               <a:t>    </a:t>
             </a:r>
             <a:r>
-              <a:rPr lang="en-US" b="1" spc="10" dirty="0" smtClean="0">
+              <a:rPr lang="en-US" sz="2000" b="1" spc="10" dirty="0" smtClean="0">
                 <a:latin typeface="Consolas"/>
                 <a:cs typeface="Consolas"/>
               </a:rPr>
               <a:t>while </a:t>
             </a:r>
             <a:r>
-              <a:rPr lang="en-US" spc="10" dirty="0">
+              <a:rPr lang="en-US" sz="2000" spc="10" dirty="0">
                 <a:latin typeface="Consolas"/>
                 <a:cs typeface="Consolas"/>
               </a:rPr>
@@ -17419,49 +17370,49 @@
               <a:buNone/>
             </a:pPr>
             <a:r>
-              <a:rPr lang="en-US" spc="10" dirty="0" smtClean="0">
+              <a:rPr lang="en-US" sz="2000" spc="10" dirty="0" smtClean="0">
                 <a:latin typeface="Consolas"/>
                 <a:cs typeface="Consolas"/>
               </a:rPr>
               <a:t>        </a:t>
             </a:r>
             <a:r>
-              <a:rPr lang="en-US" b="1" spc="10" dirty="0" smtClean="0">
+              <a:rPr lang="en-US" sz="2000" b="1" spc="10" dirty="0" smtClean="0">
                 <a:latin typeface="Consolas"/>
                 <a:cs typeface="Consolas"/>
               </a:rPr>
               <a:t>when </a:t>
             </a:r>
             <a:r>
-              <a:rPr lang="en-US" spc="10" dirty="0">
+              <a:rPr lang="en-US" sz="2000" spc="10" dirty="0">
                 <a:latin typeface="Consolas"/>
                 <a:cs typeface="Consolas"/>
               </a:rPr>
               <a:t>recvData(</a:t>
             </a:r>
             <a:r>
-              <a:rPr lang="en-US" b="1" spc="10" dirty="0">
+              <a:rPr lang="en-US" sz="2000" b="1" spc="10" dirty="0">
                 <a:latin typeface="Consolas"/>
                 <a:cs typeface="Consolas"/>
               </a:rPr>
               <a:t>int </a:t>
             </a:r>
             <a:r>
-              <a:rPr lang="en-US" spc="10" dirty="0">
+              <a:rPr lang="en-US" sz="2000" spc="10" dirty="0">
                 <a:latin typeface="Consolas"/>
                 <a:cs typeface="Consolas"/>
               </a:rPr>
               <a:t>len, </a:t>
             </a:r>
             <a:r>
-              <a:rPr lang="en-US" b="1" spc="10" dirty="0">
+              <a:rPr lang="en-US" sz="2000" b="1" spc="10" dirty="0">
                 <a:latin typeface="Consolas"/>
                 <a:cs typeface="Consolas"/>
               </a:rPr>
               <a:t>double </a:t>
             </a:r>
             <a:r>
-              <a:rPr lang="en-US" spc="10" dirty="0">
+              <a:rPr lang="en-US" sz="2000" spc="10" dirty="0">
                 <a:latin typeface="Consolas"/>
                 <a:cs typeface="Consolas"/>
               </a:rPr>
@@ -17476,21 +17427,21 @@
               <a:buNone/>
             </a:pPr>
             <a:r>
-              <a:rPr lang="en-US" spc="10" dirty="0" smtClean="0">
+              <a:rPr lang="en-US" sz="2000" spc="10" dirty="0" smtClean="0">
                 <a:latin typeface="Consolas"/>
                 <a:cs typeface="Consolas"/>
               </a:rPr>
               <a:t>            </a:t>
             </a:r>
             <a:r>
-              <a:rPr lang="en-US" b="1" spc="10" dirty="0" smtClean="0">
+              <a:rPr lang="en-US" sz="2000" b="1" spc="10" dirty="0" smtClean="0">
                 <a:latin typeface="Consolas"/>
                 <a:cs typeface="Consolas"/>
               </a:rPr>
               <a:t>serial </a:t>
             </a:r>
             <a:r>
-              <a:rPr lang="en-US" spc="10" dirty="0">
+              <a:rPr lang="en-US" sz="2000" spc="10" dirty="0">
                 <a:latin typeface="Consolas"/>
                 <a:cs typeface="Consolas"/>
               </a:rPr>
@@ -17505,21 +17456,21 @@
               <a:buNone/>
             </a:pPr>
             <a:r>
-              <a:rPr lang="en-US" spc="10" dirty="0" smtClean="0">
+              <a:rPr lang="en-US" sz="2000" spc="10" dirty="0" smtClean="0">
                 <a:latin typeface="Consolas"/>
                 <a:cs typeface="Consolas"/>
               </a:rPr>
               <a:t>                 </a:t>
             </a:r>
             <a:r>
-              <a:rPr lang="en-US" i="1" spc="10" dirty="0" smtClean="0">
+              <a:rPr lang="en-US" sz="2000" i="1" spc="10" dirty="0" smtClean="0">
                 <a:latin typeface="Consolas"/>
                 <a:cs typeface="Consolas"/>
               </a:rPr>
               <a:t>/</a:t>
             </a:r>
             <a:r>
-              <a:rPr lang="en-US" i="1" spc="10" dirty="0">
+              <a:rPr lang="en-US" sz="2000" i="1" spc="10" dirty="0">
                 <a:latin typeface="Consolas"/>
                 <a:cs typeface="Consolas"/>
               </a:rPr>
@@ -17534,13 +17485,13 @@
               <a:buNone/>
             </a:pPr>
             <a:r>
-              <a:rPr lang="en-US" spc="10" dirty="0" smtClean="0">
+              <a:rPr lang="en-US" sz="2000" spc="10" dirty="0" smtClean="0">
                 <a:latin typeface="Consolas"/>
                 <a:cs typeface="Consolas"/>
               </a:rPr>
               <a:t>            }</a:t>
             </a:r>
-            <a:endParaRPr lang="en-US" spc="10" dirty="0">
+            <a:endParaRPr lang="en-US" sz="2000" spc="10" dirty="0">
               <a:latin typeface="Consolas"/>
               <a:cs typeface="Consolas"/>
             </a:endParaRPr>
@@ -17553,28 +17504,28 @@
               <a:buNone/>
             </a:pPr>
             <a:r>
-              <a:rPr lang="en-US" spc="10" dirty="0" smtClean="0">
+              <a:rPr lang="en-US" sz="2000" spc="10" dirty="0" smtClean="0">
                 <a:latin typeface="Consolas"/>
                 <a:cs typeface="Consolas"/>
               </a:rPr>
               <a:t>            </a:t>
             </a:r>
             <a:r>
-              <a:rPr lang="en-US" b="1" spc="10" dirty="0" smtClean="0">
+              <a:rPr lang="en-US" sz="2000" b="1" spc="10" dirty="0" smtClean="0">
                 <a:latin typeface="Consolas"/>
                 <a:cs typeface="Consolas"/>
               </a:rPr>
               <a:t>when </a:t>
             </a:r>
             <a:r>
-              <a:rPr lang="en-US" spc="10" dirty="0">
+              <a:rPr lang="en-US" sz="2000" spc="10" dirty="0">
                 <a:latin typeface="Consolas"/>
                 <a:cs typeface="Consolas"/>
               </a:rPr>
               <a:t>method1() </a:t>
             </a:r>
             <a:r>
-              <a:rPr lang="en-US" i="1" spc="10" dirty="0">
+              <a:rPr lang="en-US" sz="2000" i="1" spc="10" dirty="0">
                 <a:latin typeface="Consolas"/>
                 <a:cs typeface="Consolas"/>
               </a:rPr>
@@ -17589,28 +17540,28 @@
               <a:buNone/>
             </a:pPr>
             <a:r>
-              <a:rPr lang="en-US" spc="10" dirty="0" smtClean="0">
+              <a:rPr lang="en-US" sz="2000" spc="10" dirty="0" smtClean="0">
                 <a:latin typeface="Consolas"/>
                 <a:cs typeface="Consolas"/>
               </a:rPr>
               <a:t>            </a:t>
             </a:r>
             <a:r>
-              <a:rPr lang="en-US" b="1" spc="10" dirty="0" smtClean="0">
+              <a:rPr lang="en-US" sz="2000" b="1" spc="10" dirty="0" smtClean="0">
                 <a:latin typeface="Consolas"/>
                 <a:cs typeface="Consolas"/>
               </a:rPr>
               <a:t>when </a:t>
             </a:r>
             <a:r>
-              <a:rPr lang="en-US" spc="10" dirty="0">
+              <a:rPr lang="en-US" sz="2000" spc="10" dirty="0">
                 <a:latin typeface="Consolas"/>
                 <a:cs typeface="Consolas"/>
               </a:rPr>
               <a:t>method2() </a:t>
             </a:r>
             <a:r>
-              <a:rPr lang="en-US" i="1" spc="10" dirty="0">
+              <a:rPr lang="en-US" sz="2000" i="1" spc="10" dirty="0">
                 <a:latin typeface="Consolas"/>
                 <a:cs typeface="Consolas"/>
               </a:rPr>
@@ -17625,13 +17576,13 @@
               <a:buNone/>
             </a:pPr>
             <a:r>
-              <a:rPr lang="en-US" spc="10" dirty="0" smtClean="0">
+              <a:rPr lang="en-US" sz="2000" spc="10" dirty="0" smtClean="0">
                 <a:latin typeface="Consolas"/>
                 <a:cs typeface="Consolas"/>
               </a:rPr>
               <a:t>        }</a:t>
             </a:r>
-            <a:endParaRPr lang="en-US" spc="10" dirty="0">
+            <a:endParaRPr lang="en-US" sz="2000" spc="10" dirty="0">
               <a:latin typeface="Consolas"/>
               <a:cs typeface="Consolas"/>
             </a:endParaRPr>
@@ -17644,21 +17595,21 @@
               <a:buNone/>
             </a:pPr>
             <a:r>
-              <a:rPr lang="en-US" spc="10" dirty="0" smtClean="0">
+              <a:rPr lang="en-US" sz="2000" spc="10" dirty="0" smtClean="0">
                 <a:latin typeface="Consolas"/>
                 <a:cs typeface="Consolas"/>
               </a:rPr>
               <a:t>        </a:t>
             </a:r>
             <a:r>
-              <a:rPr lang="en-US" b="1" spc="10" dirty="0" smtClean="0">
+              <a:rPr lang="en-US" sz="2000" b="1" spc="10" dirty="0" smtClean="0">
                 <a:latin typeface="Consolas"/>
                 <a:cs typeface="Consolas"/>
               </a:rPr>
               <a:t>serial </a:t>
             </a:r>
             <a:r>
-              <a:rPr lang="en-US" spc="10" dirty="0">
+              <a:rPr lang="en-US" sz="2000" spc="10" dirty="0">
                 <a:latin typeface="Consolas"/>
                 <a:cs typeface="Consolas"/>
               </a:rPr>
@@ -17673,13 +17624,13 @@
               <a:buNone/>
             </a:pPr>
             <a:r>
-              <a:rPr lang="en-US" spc="10" dirty="0" smtClean="0">
+              <a:rPr lang="en-US" sz="2000" spc="10" dirty="0" smtClean="0">
                 <a:latin typeface="Consolas"/>
                 <a:cs typeface="Consolas"/>
               </a:rPr>
               <a:t>    }</a:t>
             </a:r>
-            <a:endParaRPr lang="en-US" spc="10" dirty="0">
+            <a:endParaRPr lang="en-US" sz="2000" spc="10" dirty="0">
               <a:latin typeface="Consolas"/>
               <a:cs typeface="Consolas"/>
             </a:endParaRPr>
@@ -19177,7 +19128,7 @@
           <a:p>
             <a:fld id="{3D6C79A4-7AED-7F42-8FDB-9C60F0C27FD7}" type="datetime2">
               <a:rPr lang="en-US" smtClean="0"/>
-              <a:t>Tuesday, September 9, 14</a:t>
+              <a:t>Wednesday, September 10, 14</a:t>
             </a:fld>
             <a:endParaRPr lang="en-US" dirty="0"/>
           </a:p>
@@ -19917,7 +19868,7 @@
           <a:p>
             <a:fld id="{C0B7AECD-5D39-0A4F-A1B6-D58D5BE387E5}" type="datetime2">
               <a:rPr lang="en-US" smtClean="0"/>
-              <a:t>Tuesday, September 9, 14</a:t>
+              <a:t>Wednesday, September 10, 14</a:t>
             </a:fld>
             <a:endParaRPr lang="en-US" dirty="0"/>
           </a:p>
@@ -20568,7 +20519,7 @@
           <a:p>
             <a:fld id="{F7E06CF4-0FD8-484C-93EC-0AF340E9BF60}" type="datetime2">
               <a:rPr lang="en-US" smtClean="0"/>
-              <a:t>Tuesday, September 9, 14</a:t>
+              <a:t>Wednesday, September 10, 14</a:t>
             </a:fld>
             <a:endParaRPr lang="en-US" dirty="0"/>
           </a:p>
@@ -21169,7 +21120,7 @@
           <a:p>
             <a:fld id="{301CBB59-B693-1146-BFCE-B6F69337C5D3}" type="datetime2">
               <a:rPr lang="en-US" smtClean="0"/>
-              <a:t>Tuesday, September 9, 14</a:t>
+              <a:t>Wednesday, September 10, 14</a:t>
             </a:fld>
             <a:endParaRPr lang="en-US" dirty="0"/>
           </a:p>
@@ -22455,7 +22406,7 @@
           <a:p>
             <a:fld id="{AF326E96-1509-BA4A-BD5E-23E11A1BB98A}" type="datetime2">
               <a:rPr lang="en-US" smtClean="0"/>
-              <a:t>Tuesday, September 9, 14</a:t>
+              <a:t>Wednesday, September 10, 14</a:t>
             </a:fld>
             <a:endParaRPr lang="en-US" dirty="0"/>
           </a:p>
@@ -22941,14 +22892,7 @@
                 <a:latin typeface="Consolas"/>
                 <a:cs typeface="Consolas"/>
               </a:rPr>
-              <a:t>              thisProxy</a:t>
-            </a:r>
-            <a:r>
-              <a:rPr lang="en-US" sz="1400" dirty="0" smtClean="0">
-                <a:latin typeface="Consolas"/>
-                <a:cs typeface="Consolas"/>
-              </a:rPr>
-              <a:t>[targetIndex].passValue(stage, value);</a:t>
+              <a:t>              thisProxy[targetIndex].passValue(stage, value);</a:t>
             </a:r>
           </a:p>
           <a:p>
@@ -23212,10 +23156,6 @@
               </a:rPr>
               <a:t>         }</a:t>
             </a:r>
-            <a:endParaRPr lang="en-US" sz="1400" dirty="0" smtClean="0">
-              <a:latin typeface="Consolas"/>
-              <a:cs typeface="Consolas"/>
-            </a:endParaRPr>
           </a:p>
           <a:p>
             <a:pPr marL="0" indent="0">
@@ -23226,33 +23166,19 @@
                 <a:latin typeface="Consolas"/>
                 <a:cs typeface="Consolas"/>
               </a:rPr>
-              <a:t>      }</a:t>
-            </a:r>
+              <a:t>      };</a:t>
+            </a:r>
+          </a:p>
+          <a:p>
+            <a:pPr marL="0" indent="0">
+              <a:buNone/>
+            </a:pPr>
             <a:r>
               <a:rPr lang="en-US" sz="1400" dirty="0" smtClean="0">
                 <a:latin typeface="Consolas"/>
                 <a:cs typeface="Consolas"/>
               </a:rPr>
-              <a:t>;</a:t>
-            </a:r>
-          </a:p>
-          <a:p>
-            <a:pPr marL="0" indent="0">
-              <a:buNone/>
-            </a:pPr>
-            <a:r>
-              <a:rPr lang="en-US" sz="1400" dirty="0" smtClean="0">
-                <a:latin typeface="Consolas"/>
-                <a:cs typeface="Consolas"/>
-              </a:rPr>
-              <a:t>   }</a:t>
-            </a:r>
-            <a:r>
-              <a:rPr lang="en-US" sz="1400" dirty="0" smtClean="0">
-                <a:latin typeface="Consolas"/>
-                <a:cs typeface="Consolas"/>
-              </a:rPr>
-              <a:t>;</a:t>
+              <a:t>   };</a:t>
             </a:r>
           </a:p>
           <a:p>
@@ -23290,7 +23216,7 @@
           <a:p>
             <a:fld id="{5751AFB5-36D4-A04A-902D-17C72C17DF15}" type="datetime2">
               <a:rPr lang="en-US" smtClean="0"/>
-              <a:t>Tuesday, September 9, 14</a:t>
+              <a:t>Wednesday, September 10, 14</a:t>
             </a:fld>
             <a:endParaRPr lang="en-US" dirty="0"/>
           </a:p>
@@ -24148,7 +24074,7 @@
           <a:p>
             <a:fld id="{0B7B4E02-CF77-8840-B883-42349F8423A8}" type="datetime2">
               <a:rPr lang="en-US" smtClean="0"/>
-              <a:t>Tuesday, September 9, 14</a:t>
+              <a:t>Wednesday, September 10, 14</a:t>
             </a:fld>
             <a:endParaRPr lang="en-US" dirty="0"/>
           </a:p>
@@ -24870,7 +24796,7 @@
           <a:p>
             <a:fld id="{815139AC-D3FB-8A42-81BB-E581AF3F8A6E}" type="datetime2">
               <a:rPr lang="en-US" smtClean="0"/>
-              <a:t>Tuesday, September 9, 14</a:t>
+              <a:t>Wednesday, September 10, 14</a:t>
             </a:fld>
             <a:endParaRPr lang="en-US" dirty="0"/>
           </a:p>
@@ -25617,7 +25543,7 @@
           <a:p>
             <a:fld id="{DFD622F6-CD8B-B049-9D5F-9F5099186C9C}" type="datetime2">
               <a:rPr lang="en-US" smtClean="0"/>
-              <a:t>Tuesday, September 9, 14</a:t>
+              <a:t>Wednesday, September 10, 14</a:t>
             </a:fld>
             <a:endParaRPr lang="en-US" dirty="0"/>
           </a:p>
@@ -25781,7 +25707,7 @@
           <a:p>
             <a:fld id="{AB41A94A-B5C1-EE44-93C9-13CA56F2FBD4}" type="datetime2">
               <a:rPr lang="en-US" smtClean="0"/>
-              <a:t>Tuesday, September 9, 14</a:t>
+              <a:t>Wednesday, September 10, 14</a:t>
             </a:fld>
             <a:endParaRPr lang="en-US" dirty="0"/>
           </a:p>
@@ -25945,7 +25871,7 @@
           <a:p>
             <a:fld id="{5582CAD5-4F01-7142-8CA3-A59F28CD6DA4}" type="datetime2">
               <a:rPr lang="en-US" smtClean="0"/>
-              <a:t>Tuesday, September 9, 14</a:t>
+              <a:t>Wednesday, September 10, 14</a:t>
             </a:fld>
             <a:endParaRPr lang="en-US" dirty="0"/>
           </a:p>
@@ -26109,7 +26035,7 @@
           <a:p>
             <a:fld id="{4733F011-31A4-1949-A425-D7F6E11E722D}" type="datetime2">
               <a:rPr lang="en-US" smtClean="0"/>
-              <a:t>Tuesday, September 9, 14</a:t>
+              <a:t>Wednesday, September 10, 14</a:t>
             </a:fld>
             <a:endParaRPr lang="en-US" dirty="0"/>
           </a:p>
@@ -26270,14 +26196,14 @@
               <a:buNone/>
             </a:pPr>
             <a:r>
-              <a:rPr lang="en-US" b="1" dirty="0">
+              <a:rPr lang="en-US" sz="2000" b="1" dirty="0">
                 <a:latin typeface="Consolas"/>
                 <a:cs typeface="Consolas"/>
               </a:rPr>
               <a:t>mainmodule</a:t>
             </a:r>
             <a:r>
-              <a:rPr lang="en-US" dirty="0">
+              <a:rPr lang="en-US" sz="2000" dirty="0">
                 <a:latin typeface="Consolas"/>
                 <a:cs typeface="Consolas"/>
               </a:rPr>
@@ -26289,28 +26215,28 @@
               <a:buNone/>
             </a:pPr>
             <a:r>
-              <a:rPr lang="en-US" b="1" dirty="0">
-                <a:latin typeface="Consolas"/>
-                <a:cs typeface="Consolas"/>
-              </a:rPr>
-              <a:t> </a:t>
-            </a:r>
-            <a:r>
-              <a:rPr lang="en-US" b="1" dirty="0" smtClean="0">
+              <a:rPr lang="en-US" sz="2000" b="1" dirty="0">
+                <a:latin typeface="Consolas"/>
+                <a:cs typeface="Consolas"/>
+              </a:rPr>
+              <a:t> </a:t>
+            </a:r>
+            <a:r>
+              <a:rPr lang="en-US" sz="2000" b="1" dirty="0" smtClean="0">
                 <a:latin typeface="Consolas"/>
                 <a:cs typeface="Consolas"/>
               </a:rPr>
               <a:t>   mainchare</a:t>
             </a:r>
             <a:r>
-              <a:rPr lang="en-US" dirty="0" smtClean="0">
-                <a:latin typeface="Consolas"/>
-                <a:cs typeface="Consolas"/>
-              </a:rPr>
-              <a:t> </a:t>
-            </a:r>
-            <a:r>
-              <a:rPr lang="en-US" dirty="0">
+              <a:rPr lang="en-US" sz="2000" dirty="0" smtClean="0">
+                <a:latin typeface="Consolas"/>
+                <a:cs typeface="Consolas"/>
+              </a:rPr>
+              <a:t> </a:t>
+            </a:r>
+            <a:r>
+              <a:rPr lang="en-US" sz="2000" dirty="0">
                 <a:latin typeface="Consolas"/>
                 <a:cs typeface="Consolas"/>
               </a:rPr>
@@ -26322,21 +26248,21 @@
               <a:buNone/>
             </a:pPr>
             <a:r>
-              <a:rPr lang="en-US" dirty="0" smtClean="0">
+              <a:rPr lang="en-US" sz="2000" dirty="0" smtClean="0">
                 <a:latin typeface="Consolas"/>
                 <a:cs typeface="Consolas"/>
               </a:rPr>
               <a:t>        </a:t>
             </a:r>
             <a:r>
-              <a:rPr lang="en-US" b="1" dirty="0" smtClean="0">
+              <a:rPr lang="en-US" sz="2000" b="1" dirty="0" smtClean="0">
                 <a:latin typeface="Consolas"/>
                 <a:cs typeface="Consolas"/>
               </a:rPr>
               <a:t>entry </a:t>
             </a:r>
             <a:r>
-              <a:rPr lang="en-US" dirty="0">
+              <a:rPr lang="en-US" sz="2000" dirty="0">
                 <a:latin typeface="Consolas"/>
                 <a:cs typeface="Consolas"/>
               </a:rPr>
@@ -26348,14 +26274,14 @@
               <a:buNone/>
             </a:pPr>
             <a:r>
-              <a:rPr lang="en-US" dirty="0" smtClean="0">
+              <a:rPr lang="en-US" sz="2000" dirty="0" smtClean="0">
                 <a:latin typeface="Consolas"/>
                 <a:cs typeface="Consolas"/>
               </a:rPr>
               <a:t>    }</a:t>
             </a:r>
             <a:r>
-              <a:rPr lang="en-US" dirty="0">
+              <a:rPr lang="en-US" sz="2000" dirty="0">
                 <a:latin typeface="Consolas"/>
                 <a:cs typeface="Consolas"/>
               </a:rPr>
@@ -26366,7 +26292,7 @@
             <a:pPr marL="0" indent="0">
               <a:buNone/>
             </a:pPr>
-            <a:endParaRPr lang="en-US" dirty="0">
+            <a:endParaRPr lang="en-US" sz="2000" dirty="0">
               <a:latin typeface="Consolas"/>
               <a:cs typeface="Consolas"/>
             </a:endParaRPr>
@@ -26376,21 +26302,21 @@
               <a:buNone/>
             </a:pPr>
             <a:r>
-              <a:rPr lang="en-US" dirty="0" smtClean="0">
+              <a:rPr lang="en-US" sz="2000" dirty="0" smtClean="0">
                 <a:latin typeface="Consolas"/>
                 <a:cs typeface="Consolas"/>
               </a:rPr>
               <a:t>    </a:t>
             </a:r>
             <a:r>
-              <a:rPr lang="en-US" b="1" dirty="0" smtClean="0">
+              <a:rPr lang="en-US" sz="2000" b="1" dirty="0" smtClean="0">
                 <a:latin typeface="Consolas"/>
                 <a:cs typeface="Consolas"/>
               </a:rPr>
               <a:t>chare </a:t>
             </a:r>
             <a:r>
-              <a:rPr lang="en-US" dirty="0">
+              <a:rPr lang="en-US" sz="2000" dirty="0">
                 <a:latin typeface="Consolas"/>
                 <a:cs typeface="Consolas"/>
               </a:rPr>
@@ -26402,63 +26328,63 @@
               <a:buNone/>
             </a:pPr>
             <a:r>
-              <a:rPr lang="en-US" dirty="0" smtClean="0">
+              <a:rPr lang="en-US" sz="2000" dirty="0" smtClean="0">
                 <a:latin typeface="Consolas"/>
                 <a:cs typeface="Consolas"/>
               </a:rPr>
               <a:t>        </a:t>
             </a:r>
             <a:r>
-              <a:rPr lang="en-US" b="1" dirty="0" smtClean="0">
+              <a:rPr lang="en-US" sz="2000" b="1" dirty="0" smtClean="0">
                 <a:latin typeface="Consolas"/>
                 <a:cs typeface="Consolas"/>
               </a:rPr>
               <a:t>entry </a:t>
             </a:r>
             <a:r>
-              <a:rPr lang="en-US" dirty="0">
+              <a:rPr lang="en-US" sz="2000" dirty="0">
                 <a:latin typeface="Consolas"/>
                 <a:cs typeface="Consolas"/>
               </a:rPr>
               <a:t>Fib(</a:t>
             </a:r>
             <a:r>
-              <a:rPr lang="en-US" b="1" dirty="0">
+              <a:rPr lang="en-US" sz="2000" b="1" dirty="0">
                 <a:latin typeface="Consolas"/>
                 <a:cs typeface="Consolas"/>
               </a:rPr>
               <a:t>int</a:t>
             </a:r>
             <a:r>
-              <a:rPr lang="en-US" dirty="0">
+              <a:rPr lang="en-US" sz="2000" dirty="0">
                 <a:latin typeface="Consolas"/>
                 <a:cs typeface="Consolas"/>
               </a:rPr>
               <a:t> n, </a:t>
             </a:r>
             <a:r>
-              <a:rPr lang="en-US" b="1" dirty="0">
+              <a:rPr lang="en-US" sz="2000" b="1" dirty="0">
                 <a:latin typeface="Consolas"/>
                 <a:cs typeface="Consolas"/>
               </a:rPr>
               <a:t>bool</a:t>
             </a:r>
             <a:r>
-              <a:rPr lang="en-US" dirty="0">
+              <a:rPr lang="en-US" sz="2000" dirty="0">
                 <a:latin typeface="Consolas"/>
                 <a:cs typeface="Consolas"/>
               </a:rPr>
               <a:t> isRoot, </a:t>
             </a:r>
             <a:r>
-              <a:rPr lang="en-US" dirty="0" smtClean="0">
+              <a:rPr lang="en-US" sz="2000" dirty="0" smtClean="0">
                 <a:latin typeface="Consolas"/>
                 <a:cs typeface="Consolas"/>
               </a:rPr>
               <a:t>CProxy_Fib </a:t>
             </a:r>
             <a:r>
-              <a:rPr lang="en-US" dirty="0">
+              <a:rPr lang="en-US" sz="2000" dirty="0">
                 <a:latin typeface="Consolas"/>
                 <a:cs typeface="Consolas"/>
               </a:rPr>
@@ -26470,42 +26396,42 @@
               <a:buNone/>
             </a:pPr>
             <a:r>
-              <a:rPr lang="en-US" dirty="0" smtClean="0">
+              <a:rPr lang="en-US" sz="2000" dirty="0" smtClean="0">
                 <a:latin typeface="Consolas"/>
                 <a:cs typeface="Consolas"/>
               </a:rPr>
               <a:t>        </a:t>
             </a:r>
             <a:r>
-              <a:rPr lang="en-US" b="1" dirty="0" smtClean="0">
+              <a:rPr lang="en-US" sz="2000" b="1" dirty="0" smtClean="0">
                 <a:latin typeface="Consolas"/>
                 <a:cs typeface="Consolas"/>
               </a:rPr>
               <a:t>entry </a:t>
             </a:r>
             <a:r>
-              <a:rPr lang="en-US" b="1" dirty="0">
+              <a:rPr lang="en-US" sz="2000" b="1" dirty="0">
                 <a:latin typeface="Consolas"/>
                 <a:cs typeface="Consolas"/>
               </a:rPr>
               <a:t>void </a:t>
             </a:r>
             <a:r>
-              <a:rPr lang="en-US" dirty="0">
+              <a:rPr lang="en-US" sz="2000" dirty="0">
                 <a:latin typeface="Consolas"/>
                 <a:cs typeface="Consolas"/>
               </a:rPr>
               <a:t>respond(</a:t>
             </a:r>
             <a:r>
-              <a:rPr lang="en-US" b="1" dirty="0">
+              <a:rPr lang="en-US" sz="2000" b="1" dirty="0">
                 <a:latin typeface="Consolas"/>
                 <a:cs typeface="Consolas"/>
               </a:rPr>
               <a:t>int </a:t>
             </a:r>
             <a:r>
-              <a:rPr lang="en-US" dirty="0">
+              <a:rPr lang="en-US" sz="2000" dirty="0">
                 <a:latin typeface="Consolas"/>
                 <a:cs typeface="Consolas"/>
               </a:rPr>
@@ -26517,14 +26443,14 @@
               <a:buNone/>
             </a:pPr>
             <a:r>
-              <a:rPr lang="en-US" dirty="0" smtClean="0">
+              <a:rPr lang="en-US" sz="2000" dirty="0" smtClean="0">
                 <a:latin typeface="Consolas"/>
                 <a:cs typeface="Consolas"/>
               </a:rPr>
               <a:t>    }</a:t>
             </a:r>
             <a:r>
-              <a:rPr lang="en-US" dirty="0">
+              <a:rPr lang="en-US" sz="2000" dirty="0">
                 <a:latin typeface="Consolas"/>
                 <a:cs typeface="Consolas"/>
               </a:rPr>
@@ -26536,13 +26462,13 @@
               <a:buNone/>
             </a:pPr>
             <a:r>
-              <a:rPr lang="en-US" dirty="0" smtClean="0">
+              <a:rPr lang="en-US" sz="2000" dirty="0" smtClean="0">
                 <a:latin typeface="Consolas"/>
                 <a:cs typeface="Consolas"/>
               </a:rPr>
               <a:t>};</a:t>
             </a:r>
-            <a:endParaRPr lang="en-US" dirty="0">
+            <a:endParaRPr lang="en-US" sz="2000" dirty="0">
               <a:latin typeface="Consolas"/>
               <a:cs typeface="Consolas"/>
             </a:endParaRPr>
@@ -26566,7 +26492,7 @@
           <a:p>
             <a:fld id="{84888D6F-3227-5A4B-9318-4BD6B284E2F3}" type="datetime2">
               <a:rPr lang="en-US" smtClean="0"/>
-              <a:t>Tuesday, September 9, 14</a:t>
+              <a:t>Wednesday, September 10, 14</a:t>
             </a:fld>
             <a:endParaRPr lang="en-US" dirty="0"/>
           </a:p>
@@ -27304,7 +27230,7 @@
           <a:p>
             <a:fld id="{A227B2BA-3D10-B748-A37C-B75011CAA706}" type="datetime2">
               <a:rPr lang="en-US" smtClean="0"/>
-              <a:t>Tuesday, September 9, 14</a:t>
+              <a:t>Wednesday, September 10, 14</a:t>
             </a:fld>
             <a:endParaRPr lang="en-US" dirty="0"/>
           </a:p>
@@ -27417,15 +27343,10 @@
             <p:ph type="title"/>
           </p:nvPr>
         </p:nvSpPr>
-        <p:spPr>
-          <a:xfrm>
-            <a:off x="0" y="0"/>
-            <a:ext cx="9144000" cy="521368"/>
-          </a:xfrm>
-        </p:spPr>
+        <p:spPr/>
         <p:txBody>
           <a:bodyPr>
-            <a:normAutofit fontScale="90000"/>
+            <a:normAutofit/>
           </a:bodyPr>
           <a:lstStyle/>
           <a:p>
@@ -27494,10 +27415,6 @@
           </p:nvPr>
         </p:nvSpPr>
         <p:spPr>
-          <a:xfrm>
-            <a:off x="457200" y="521368"/>
-            <a:ext cx="8229600" cy="5975685"/>
-          </a:xfrm>
           <a:solidFill>
             <a:srgbClr val="CCD1D9"/>
           </a:solidFill>
@@ -27844,14 +27761,7 @@
                 <a:latin typeface="Consolas"/>
                 <a:cs typeface="Consolas"/>
               </a:rPr>
-              <a:t>        </a:t>
-            </a:r>
-            <a:r>
-              <a:rPr lang="en-US" dirty="0" smtClean="0">
-                <a:latin typeface="Consolas"/>
-                <a:cs typeface="Consolas"/>
-              </a:rPr>
-              <a:t>freeBoundaries</a:t>
+              <a:t>        freeBoundaries</a:t>
             </a:r>
             <a:r>
               <a:rPr lang="en-US" dirty="0">
@@ -28391,7 +28301,7 @@
           <a:p>
             <a:fld id="{86D28A4A-5AF3-3B4B-886D-FC7E1CF561DB}" type="datetime2">
               <a:rPr lang="en-US" smtClean="0"/>
-              <a:t>Tuesday, September 9, 14</a:t>
+              <a:t>Wednesday, September 10, 14</a:t>
             </a:fld>
             <a:endParaRPr lang="en-US" dirty="0"/>
           </a:p>
@@ -28642,8 +28552,8 @@
         </p:nvSpPr>
         <p:spPr>
           <a:xfrm>
-            <a:off x="457200" y="526889"/>
-            <a:ext cx="8229600" cy="5974155"/>
+            <a:off x="261865" y="526889"/>
+            <a:ext cx="8615360" cy="5974155"/>
           </a:xfrm>
           <a:solidFill>
             <a:srgbClr val="CCD1D9"/>
@@ -29548,7 +29458,7 @@
           <a:p>
             <a:fld id="{7053347E-5888-8046-9690-52F489996326}" type="datetime2">
               <a:rPr lang="en-US" smtClean="0"/>
-              <a:t>Tuesday, September 9, 14</a:t>
+              <a:t>Wednesday, September 10, 14</a:t>
             </a:fld>
             <a:endParaRPr lang="en-US" dirty="0"/>
           </a:p>
@@ -30850,7 +30760,7 @@
           <a:p>
             <a:fld id="{6EE2E4D4-FE0F-3F4C-9166-90D0BEF5F0C4}" type="datetime2">
               <a:rPr lang="en-US" smtClean="0"/>
-              <a:t>Tuesday, September 9, 14</a:t>
+              <a:t>Wednesday, September 10, 14</a:t>
             </a:fld>
             <a:endParaRPr lang="en-US" dirty="0"/>
           </a:p>
@@ -31342,7 +31252,7 @@
           <a:p>
             <a:fld id="{F79827C5-A48F-E643-A81A-C484927AD4ED}" type="datetime2">
               <a:rPr lang="en-US" smtClean="0"/>
-              <a:t>Tuesday, September 9, 14</a:t>
+              <a:t>Wednesday, September 10, 14</a:t>
             </a:fld>
             <a:endParaRPr lang="en-US" dirty="0"/>
           </a:p>
@@ -32341,52 +32251,38 @@
                 <a:latin typeface="Consolas"/>
                 <a:cs typeface="Consolas"/>
               </a:rPr>
-              <a:t>CBase_Main </a:t>
-            </a:r>
+              <a:t>CBase_Main {</a:t>
+            </a:r>
+          </a:p>
+          <a:p>
+            <a:pPr marL="0" indent="0">
+              <a:buNone/>
+            </a:pPr>
+            <a:r>
+              <a:rPr lang="en-US" sz="1600" b="1" dirty="0" smtClean="0">
+                <a:latin typeface="Consolas"/>
+                <a:cs typeface="Consolas"/>
+              </a:rPr>
+              <a:t>public</a:t>
+            </a:r>
+            <a:r>
+              <a:rPr lang="en-US" sz="1600" dirty="0">
+                <a:latin typeface="Consolas"/>
+                <a:cs typeface="Consolas"/>
+              </a:rPr>
+              <a:t>: Main(CkArgMsg∗  m) {</a:t>
+            </a:r>
+          </a:p>
+          <a:p>
+            <a:pPr marL="0" indent="0">
+              <a:buNone/>
+            </a:pPr>
             <a:r>
               <a:rPr lang="en-US" sz="1600" dirty="0" smtClean="0">
                 <a:latin typeface="Consolas"/>
                 <a:cs typeface="Consolas"/>
               </a:rPr>
-              <a:t>{</a:t>
-            </a:r>
-          </a:p>
-          <a:p>
-            <a:pPr marL="0" indent="0">
-              <a:buNone/>
-            </a:pPr>
-            <a:r>
-              <a:rPr lang="en-US" sz="1600" b="1" dirty="0" smtClean="0">
-                <a:latin typeface="Consolas"/>
-                <a:cs typeface="Consolas"/>
-              </a:rPr>
-              <a:t>public</a:t>
-            </a:r>
-            <a:r>
-              <a:rPr lang="en-US" sz="1600" dirty="0">
-                <a:latin typeface="Consolas"/>
-                <a:cs typeface="Consolas"/>
-              </a:rPr>
-              <a:t>: Main(CkArgMsg∗  m) {</a:t>
-            </a:r>
-          </a:p>
-          <a:p>
-            <a:pPr marL="0" indent="0">
-              <a:buNone/>
-            </a:pPr>
-            <a:r>
-              <a:rPr lang="en-US" sz="1600" dirty="0" smtClean="0">
-                <a:latin typeface="Consolas"/>
-                <a:cs typeface="Consolas"/>
-              </a:rPr>
-              <a:t>        </a:t>
-            </a:r>
-            <a:r>
-              <a:rPr lang="en-US" sz="1600" dirty="0" smtClean="0">
-                <a:latin typeface="Consolas"/>
-                <a:cs typeface="Consolas"/>
-              </a:rPr>
-              <a:t>CProxy_Fib</a:t>
+              <a:t>        CProxy_Fib</a:t>
             </a:r>
             <a:r>
               <a:rPr lang="en-US" sz="1600" dirty="0">
@@ -32724,14 +32620,7 @@
                 <a:latin typeface="Consolas"/>
                 <a:cs typeface="Consolas"/>
               </a:rPr>
-              <a:t>            </a:t>
-            </a:r>
-            <a:r>
-              <a:rPr lang="en-US" sz="1600" dirty="0" smtClean="0">
-                <a:latin typeface="Consolas"/>
-                <a:cs typeface="Consolas"/>
-              </a:rPr>
-              <a:t>CProxy_Fib</a:t>
+              <a:t>            CProxy_Fib</a:t>
             </a:r>
             <a:r>
               <a:rPr lang="en-US" sz="1600" dirty="0">
@@ -32775,14 +32664,7 @@
                 <a:latin typeface="Consolas"/>
                 <a:cs typeface="Consolas"/>
               </a:rPr>
-              <a:t>           </a:t>
-            </a:r>
-            <a:r>
-              <a:rPr lang="en-US" sz="1600" dirty="0" smtClean="0">
-                <a:latin typeface="Consolas"/>
-                <a:cs typeface="Consolas"/>
-              </a:rPr>
-              <a:t>CProxy_Fib</a:t>
+              <a:t>           CProxy_Fib</a:t>
             </a:r>
             <a:r>
               <a:rPr lang="en-US" sz="1600" dirty="0">
@@ -33203,7 +33085,7 @@
           <a:p>
             <a:fld id="{ECA2F6FF-9D51-9B4A-8670-1F26E9F25641}" type="datetime2">
               <a:rPr lang="en-US" smtClean="0"/>
-              <a:t>Tuesday, September 9, 14</a:t>
+              <a:t>Wednesday, September 10, 14</a:t>
             </a:fld>
             <a:endParaRPr lang="en-US" dirty="0"/>
           </a:p>
@@ -34663,7 +34545,7 @@
           <a:p>
             <a:fld id="{0346D200-CB40-C24C-B17E-60D92F636ED5}" type="datetime2">
               <a:rPr lang="en-US" smtClean="0"/>
-              <a:t>Tuesday, September 9, 14</a:t>
+              <a:t>Wednesday, September 10, 14</a:t>
             </a:fld>
             <a:endParaRPr lang="en-US" dirty="0"/>
           </a:p>
@@ -35239,7 +35121,7 @@
           <a:p>
             <a:fld id="{969D7CF8-B7D1-1643-8DF7-97B38AFFEB1C}" type="datetime2">
               <a:rPr lang="en-US" smtClean="0"/>
-              <a:t>Tuesday, September 9, 14</a:t>
+              <a:t>Wednesday, September 10, 14</a:t>
             </a:fld>
             <a:endParaRPr lang="en-US" dirty="0"/>
           </a:p>
@@ -36227,7 +36109,7 @@
           <a:p>
             <a:fld id="{F7D5B179-70B7-D24B-898D-EAC2D795AAF7}" type="datetime2">
               <a:rPr lang="en-US" smtClean="0"/>
-              <a:t>Tuesday, September 9, 14</a:t>
+              <a:t>Wednesday, September 10, 14</a:t>
             </a:fld>
             <a:endParaRPr lang="en-US" dirty="0"/>
           </a:p>
@@ -37038,7 +36920,7 @@
         </p:nvSpPr>
         <p:spPr>
           <a:xfrm>
-            <a:off x="261865" y="3353669"/>
+            <a:off x="261866" y="3488769"/>
             <a:ext cx="8615359" cy="2238263"/>
           </a:xfrm>
         </p:spPr>
@@ -37796,7 +37678,7 @@
           <a:p>
             <a:fld id="{22A8133F-B97A-2E4B-B0BD-B9DEA03C944F}" type="datetime2">
               <a:rPr lang="en-US" smtClean="0"/>
-              <a:t>Tuesday, September 9, 14</a:t>
+              <a:t>Wednesday, September 10, 14</a:t>
             </a:fld>
             <a:endParaRPr lang="en-US" dirty="0"/>
           </a:p>
@@ -38568,7 +38450,7 @@
           <a:p>
             <a:fld id="{EC4DDAD1-5F68-C243-9BC3-AD19DE5ADD4F}" type="datetime2">
               <a:rPr lang="en-US" smtClean="0"/>
-              <a:t>Tuesday, September 9, 14</a:t>
+              <a:t>Wednesday, September 10, 14</a:t>
             </a:fld>
             <a:endParaRPr lang="en-US" dirty="0"/>
           </a:p>
@@ -38965,14 +38847,7 @@
                 <a:latin typeface="Consolas"/>
                 <a:cs typeface="Consolas"/>
               </a:rPr>
-              <a:t>    </a:t>
-            </a:r>
-            <a:r>
-              <a:rPr lang="en-US" sz="2200" i="1" dirty="0" smtClean="0">
-                <a:latin typeface="Consolas"/>
-                <a:cs typeface="Consolas"/>
-              </a:rPr>
-              <a:t>    /</a:t>
+              <a:t>        /</a:t>
             </a:r>
             <a:r>
               <a:rPr lang="en-US" sz="2200" i="1" dirty="0">

--- a/tutorial-07-sdag.pptx
+++ b/tutorial-07-sdag.pptx
@@ -32510,44 +32510,83 @@
               <a:t>bool </a:t>
             </a:r>
             <a:r>
+              <a:rPr lang="en-US" sz="1600" dirty="0" smtClean="0">
+                <a:latin typeface="Consolas"/>
+                <a:cs typeface="Consolas"/>
+              </a:rPr>
+              <a:t>isRoot_, </a:t>
+            </a:r>
+            <a:r>
+              <a:rPr lang="en-US" sz="1600" dirty="0" smtClean="0">
+                <a:latin typeface="Consolas"/>
+                <a:cs typeface="Consolas"/>
+              </a:rPr>
+              <a:t>CProxy_Fib </a:t>
+            </a:r>
+            <a:r>
+              <a:rPr lang="en-US" sz="1600" dirty="0" smtClean="0">
+                <a:latin typeface="Consolas"/>
+                <a:cs typeface="Consolas"/>
+              </a:rPr>
+              <a:t>parent_)</a:t>
+            </a:r>
+            <a:endParaRPr lang="en-US" sz="1600" dirty="0">
+              <a:latin typeface="Consolas"/>
+              <a:cs typeface="Consolas"/>
+            </a:endParaRPr>
+          </a:p>
+          <a:p>
+            <a:pPr marL="0" indent="0">
+              <a:buNone/>
+            </a:pPr>
+            <a:r>
+              <a:rPr lang="en-US" sz="1600" dirty="0" smtClean="0">
+                <a:latin typeface="Consolas"/>
+                <a:cs typeface="Consolas"/>
+              </a:rPr>
+              <a:t>        : </a:t>
+            </a:r>
+            <a:r>
               <a:rPr lang="en-US" sz="1600" dirty="0">
                 <a:latin typeface="Consolas"/>
                 <a:cs typeface="Consolas"/>
               </a:rPr>
-              <a:t>isRoot  , </a:t>
+              <a:t>parent</a:t>
+            </a:r>
+            <a:r>
+              <a:rPr lang="en-US" sz="1600">
+                <a:latin typeface="Consolas"/>
+                <a:cs typeface="Consolas"/>
+              </a:rPr>
+              <a:t>(</a:t>
+            </a:r>
+            <a:r>
+              <a:rPr lang="en-US" sz="1600" smtClean="0">
+                <a:latin typeface="Consolas"/>
+                <a:cs typeface="Consolas"/>
+              </a:rPr>
+              <a:t>parent_)</a:t>
+            </a:r>
+            <a:r>
+              <a:rPr lang="en-US" sz="1600" dirty="0">
+                <a:latin typeface="Consolas"/>
+                <a:cs typeface="Consolas"/>
+              </a:rPr>
+              <a:t>, isRoot(</a:t>
             </a:r>
             <a:r>
               <a:rPr lang="en-US" sz="1600" dirty="0" smtClean="0">
                 <a:latin typeface="Consolas"/>
                 <a:cs typeface="Consolas"/>
               </a:rPr>
-              <a:t>CProxy_Fib </a:t>
+              <a:t>isRoot_)</a:t>
             </a:r>
             <a:r>
               <a:rPr lang="en-US" sz="1600" dirty="0">
                 <a:latin typeface="Consolas"/>
                 <a:cs typeface="Consolas"/>
               </a:rPr>
-              <a:t>parent  )</a:t>
-            </a:r>
-          </a:p>
-          <a:p>
-            <a:pPr marL="0" indent="0">
-              <a:buNone/>
-            </a:pPr>
-            <a:r>
-              <a:rPr lang="en-US" sz="1600" dirty="0" smtClean="0">
-                <a:latin typeface="Consolas"/>
-                <a:cs typeface="Consolas"/>
-              </a:rPr>
-              <a:t>        : </a:t>
-            </a:r>
-            <a:r>
-              <a:rPr lang="en-US" sz="1600" dirty="0">
-                <a:latin typeface="Consolas"/>
-                <a:cs typeface="Consolas"/>
-              </a:rPr>
-              <a:t>parent(parent  ), isRoot(isRoot  ), result(0), count(2) {</a:t>
+              <a:t>, result(0), count(2) {</a:t>
             </a:r>
           </a:p>
           <a:p>

--- a/tutorial-07-sdag.pptx
+++ b/tutorial-07-sdag.pptx
@@ -32514,21 +32514,7 @@
                 <a:latin typeface="Consolas"/>
                 <a:cs typeface="Consolas"/>
               </a:rPr>
-              <a:t>isRoot_, </a:t>
-            </a:r>
-            <a:r>
-              <a:rPr lang="en-US" sz="1600" dirty="0" smtClean="0">
-                <a:latin typeface="Consolas"/>
-                <a:cs typeface="Consolas"/>
-              </a:rPr>
-              <a:t>CProxy_Fib </a:t>
-            </a:r>
-            <a:r>
-              <a:rPr lang="en-US" sz="1600" dirty="0" smtClean="0">
-                <a:latin typeface="Consolas"/>
-                <a:cs typeface="Consolas"/>
-              </a:rPr>
-              <a:t>parent_)</a:t>
+              <a:t>isRoot_, CProxy_Fib parent_)</a:t>
             </a:r>
             <a:endParaRPr lang="en-US" sz="1600" dirty="0">
               <a:latin typeface="Consolas"/>
@@ -39792,60 +39778,53 @@
               <a:t>Execute </a:t>
             </a:r>
             <a:r>
-              <a:rPr lang="en-US" i="1" dirty="0" smtClean="0">
-                <a:latin typeface="Lucida Console"/>
-                <a:cs typeface="Lucida Console"/>
-              </a:rPr>
-              <a:t>/*</a:t>
-            </a:r>
-            <a:r>
-              <a:rPr lang="en-US" i="1" spc="-90" dirty="0" smtClean="0">
-                <a:latin typeface="Lucida Console"/>
-                <a:cs typeface="Lucida Console"/>
-              </a:rPr>
-              <a:t> </a:t>
-            </a:r>
-            <a:r>
-              <a:rPr lang="en-US" i="1" dirty="0" smtClean="0">
-                <a:latin typeface="Lucida Console"/>
-                <a:cs typeface="Lucida Console"/>
-              </a:rPr>
-              <a:t>further</a:t>
-            </a:r>
-            <a:r>
-              <a:rPr lang="en-US" i="1" spc="-90" dirty="0" smtClean="0">
-                <a:latin typeface="Lucida Console"/>
-                <a:cs typeface="Lucida Console"/>
-              </a:rPr>
-              <a:t> </a:t>
-            </a:r>
-            <a:r>
-              <a:rPr lang="en-US" i="1" dirty="0" smtClean="0">
-                <a:latin typeface="Lucida Console"/>
-                <a:cs typeface="Lucida Console"/>
-              </a:rPr>
-              <a:t>sdag</a:t>
-            </a:r>
-            <a:r>
-              <a:rPr lang="en-US" i="1" spc="-90" dirty="0" smtClean="0">
-                <a:latin typeface="Lucida Console"/>
-                <a:cs typeface="Lucida Console"/>
-              </a:rPr>
-              <a:t> </a:t>
-            </a:r>
-            <a:r>
-              <a:rPr lang="en-US" i="1" dirty="0" smtClean="0">
-                <a:latin typeface="Lucida Console"/>
-                <a:cs typeface="Lucida Console"/>
-              </a:rPr>
-              <a:t>*/</a:t>
-            </a:r>
-            <a:r>
               <a:rPr lang="en-US" dirty="0" smtClean="0">
                 <a:latin typeface="Lucida Console"/>
                 <a:cs typeface="Lucida Console"/>
               </a:rPr>
-              <a:t> </a:t>
+              <a:t>/*</a:t>
+            </a:r>
+            <a:r>
+              <a:rPr lang="en-US" spc="-90" dirty="0" smtClean="0">
+                <a:latin typeface="Lucida Console"/>
+                <a:cs typeface="Lucida Console"/>
+              </a:rPr>
+              <a:t> </a:t>
+            </a:r>
+            <a:r>
+              <a:rPr lang="en-US" dirty="0" smtClean="0">
+                <a:latin typeface="Lucida Console"/>
+                <a:cs typeface="Lucida Console"/>
+              </a:rPr>
+              <a:t>further</a:t>
+            </a:r>
+            <a:r>
+              <a:rPr lang="en-US" spc="-90" dirty="0" smtClean="0">
+                <a:latin typeface="Lucida Console"/>
+                <a:cs typeface="Lucida Console"/>
+              </a:rPr>
+              <a:t> </a:t>
+            </a:r>
+            <a:r>
+              <a:rPr lang="en-US" dirty="0" smtClean="0">
+                <a:latin typeface="Lucida Console"/>
+                <a:cs typeface="Lucida Console"/>
+              </a:rPr>
+              <a:t>sdag</a:t>
+            </a:r>
+            <a:r>
+              <a:rPr lang="en-US" spc="-90" dirty="0" smtClean="0">
+                <a:latin typeface="Lucida Console"/>
+                <a:cs typeface="Lucida Console"/>
+              </a:rPr>
+              <a:t> </a:t>
+            </a:r>
+            <a:r>
+              <a:rPr lang="en-US" dirty="0" smtClean="0">
+                <a:latin typeface="Lucida Console"/>
+                <a:cs typeface="Lucida Console"/>
+              </a:rPr>
+              <a:t>*/ </a:t>
             </a:r>
             <a:r>
               <a:rPr lang="en-US" dirty="0" smtClean="0">

--- a/tutorial-07-sdag.pptx
+++ b/tutorial-07-sdag.pptx
@@ -22117,21 +22117,21 @@
               <a:buNone/>
             </a:pPr>
             <a:r>
-              <a:rPr lang="en-US" b="1" dirty="0" smtClean="0">
+              <a:rPr lang="en-US" sz="2000" b="1" dirty="0" smtClean="0">
                 <a:latin typeface="Consolas"/>
                 <a:cs typeface="Consolas"/>
               </a:rPr>
               <a:t>mainmodule </a:t>
             </a:r>
             <a:r>
-              <a:rPr lang="en-US" dirty="0">
+              <a:rPr lang="en-US" sz="2000" dirty="0">
                 <a:latin typeface="Consolas"/>
                 <a:cs typeface="Consolas"/>
               </a:rPr>
               <a:t>prefix </a:t>
             </a:r>
             <a:r>
-              <a:rPr lang="en-US" dirty="0" smtClean="0">
+              <a:rPr lang="en-US" sz="2000" dirty="0" smtClean="0">
                 <a:latin typeface="Consolas"/>
                 <a:cs typeface="Consolas"/>
               </a:rPr>
@@ -22142,7 +22142,7 @@
             <a:pPr marL="0" indent="0">
               <a:buNone/>
             </a:pPr>
-            <a:endParaRPr lang="en-US" dirty="0">
+            <a:endParaRPr lang="en-US" sz="2000" dirty="0">
               <a:latin typeface="Consolas"/>
               <a:cs typeface="Consolas"/>
             </a:endParaRPr>
@@ -22152,21 +22152,21 @@
               <a:buNone/>
             </a:pPr>
             <a:r>
-              <a:rPr lang="en-US" dirty="0" smtClean="0">
+              <a:rPr lang="en-US" sz="2000" dirty="0" smtClean="0">
                 <a:latin typeface="Consolas"/>
                 <a:cs typeface="Consolas"/>
               </a:rPr>
               <a:t>   </a:t>
             </a:r>
             <a:r>
-              <a:rPr lang="en-US" b="1" dirty="0" smtClean="0">
+              <a:rPr lang="en-US" sz="2000" b="1" dirty="0" smtClean="0">
                 <a:latin typeface="Consolas"/>
                 <a:cs typeface="Consolas"/>
               </a:rPr>
               <a:t>mainchare </a:t>
             </a:r>
             <a:r>
-              <a:rPr lang="en-US" dirty="0">
+              <a:rPr lang="en-US" sz="2000" dirty="0">
                 <a:latin typeface="Consolas"/>
                 <a:cs typeface="Consolas"/>
               </a:rPr>
@@ -22178,21 +22178,21 @@
               <a:buNone/>
             </a:pPr>
             <a:r>
-              <a:rPr lang="en-US" dirty="0" smtClean="0">
+              <a:rPr lang="en-US" sz="2000" dirty="0" smtClean="0">
                 <a:latin typeface="Consolas"/>
                 <a:cs typeface="Consolas"/>
               </a:rPr>
               <a:t>      </a:t>
             </a:r>
             <a:r>
-              <a:rPr lang="en-US" b="1" dirty="0" smtClean="0">
+              <a:rPr lang="en-US" sz="2000" b="1" dirty="0" smtClean="0">
                 <a:latin typeface="Consolas"/>
                 <a:cs typeface="Consolas"/>
               </a:rPr>
               <a:t>entry </a:t>
             </a:r>
             <a:r>
-              <a:rPr lang="en-US" dirty="0">
+              <a:rPr lang="en-US" sz="2000" dirty="0">
                 <a:latin typeface="Consolas"/>
                 <a:cs typeface="Consolas"/>
               </a:rPr>
@@ -22204,21 +22204,21 @@
               <a:buNone/>
             </a:pPr>
             <a:r>
-              <a:rPr lang="en-US" dirty="0" smtClean="0">
+              <a:rPr lang="en-US" sz="2000" dirty="0" smtClean="0">
                 <a:latin typeface="Consolas"/>
                 <a:cs typeface="Consolas"/>
               </a:rPr>
               <a:t>      </a:t>
             </a:r>
             <a:r>
-              <a:rPr lang="en-US" b="1" dirty="0" smtClean="0">
+              <a:rPr lang="en-US" sz="2000" b="1" dirty="0" smtClean="0">
                 <a:latin typeface="Consolas"/>
                 <a:cs typeface="Consolas"/>
               </a:rPr>
               <a:t>entry </a:t>
             </a:r>
             <a:r>
-              <a:rPr lang="en-US" dirty="0">
+              <a:rPr lang="en-US" sz="2000" dirty="0">
                 <a:latin typeface="Consolas"/>
                 <a:cs typeface="Consolas"/>
               </a:rPr>
@@ -22230,14 +22230,14 @@
               <a:buNone/>
             </a:pPr>
             <a:r>
-              <a:rPr lang="en-US" dirty="0" smtClean="0">
+              <a:rPr lang="en-US" sz="2000" dirty="0" smtClean="0">
                 <a:latin typeface="Consolas"/>
                 <a:cs typeface="Consolas"/>
               </a:rPr>
               <a:t>   }</a:t>
             </a:r>
             <a:r>
-              <a:rPr lang="en-US" dirty="0">
+              <a:rPr lang="en-US" sz="2000" dirty="0">
                 <a:latin typeface="Consolas"/>
                 <a:cs typeface="Consolas"/>
               </a:rPr>
@@ -22248,7 +22248,7 @@
             <a:pPr marL="0" indent="0">
               <a:buNone/>
             </a:pPr>
-            <a:endParaRPr lang="en-US" dirty="0" smtClean="0">
+            <a:endParaRPr lang="en-US" sz="2000" dirty="0" smtClean="0">
               <a:latin typeface="Consolas"/>
               <a:cs typeface="Consolas"/>
             </a:endParaRPr>
@@ -22258,28 +22258,28 @@
               <a:buNone/>
             </a:pPr>
             <a:r>
-              <a:rPr lang="en-US" dirty="0">
-                <a:latin typeface="Consolas"/>
-                <a:cs typeface="Consolas"/>
-              </a:rPr>
-              <a:t> </a:t>
-            </a:r>
-            <a:r>
-              <a:rPr lang="en-US" dirty="0" smtClean="0">
+              <a:rPr lang="en-US" sz="2000" dirty="0">
+                <a:latin typeface="Consolas"/>
+                <a:cs typeface="Consolas"/>
+              </a:rPr>
+              <a:t> </a:t>
+            </a:r>
+            <a:r>
+              <a:rPr lang="en-US" sz="2000" dirty="0" smtClean="0">
                 <a:latin typeface="Consolas"/>
                 <a:cs typeface="Consolas"/>
               </a:rPr>
               <a:t>  </a:t>
             </a:r>
             <a:r>
-              <a:rPr lang="en-US" b="1" dirty="0" smtClean="0">
+              <a:rPr lang="en-US" sz="2000" b="1" dirty="0" smtClean="0">
                 <a:latin typeface="Consolas"/>
                 <a:cs typeface="Consolas"/>
               </a:rPr>
               <a:t>array </a:t>
             </a:r>
             <a:r>
-              <a:rPr lang="en-US" dirty="0">
+              <a:rPr lang="en-US" sz="2000" dirty="0">
                 <a:latin typeface="Consolas"/>
                 <a:cs typeface="Consolas"/>
               </a:rPr>
@@ -22291,35 +22291,35 @@
               <a:buNone/>
             </a:pPr>
             <a:r>
-              <a:rPr lang="en-US" dirty="0" smtClean="0">
+              <a:rPr lang="en-US" sz="2000" dirty="0" smtClean="0">
                 <a:latin typeface="Consolas"/>
                 <a:cs typeface="Consolas"/>
               </a:rPr>
               <a:t>      </a:t>
             </a:r>
             <a:r>
-              <a:rPr lang="en-US" b="1" dirty="0" smtClean="0">
+              <a:rPr lang="en-US" sz="2000" b="1" dirty="0" smtClean="0">
                 <a:latin typeface="Consolas"/>
                 <a:cs typeface="Consolas"/>
               </a:rPr>
               <a:t>entry </a:t>
             </a:r>
             <a:r>
-              <a:rPr lang="en-US" dirty="0">
+              <a:rPr lang="en-US" sz="2000" dirty="0">
                 <a:latin typeface="Consolas"/>
                 <a:cs typeface="Consolas"/>
               </a:rPr>
               <a:t>Prefix(int n, </a:t>
             </a:r>
             <a:r>
-              <a:rPr lang="en-US" dirty="0" smtClean="0">
+              <a:rPr lang="en-US" sz="2000" dirty="0" smtClean="0">
                 <a:latin typeface="Consolas"/>
                 <a:cs typeface="Consolas"/>
               </a:rPr>
               <a:t>CProxy_Main </a:t>
             </a:r>
             <a:r>
-              <a:rPr lang="en-US" dirty="0">
+              <a:rPr lang="en-US" sz="2000" dirty="0">
                 <a:latin typeface="Consolas"/>
                 <a:cs typeface="Consolas"/>
               </a:rPr>
@@ -22331,56 +22331,56 @@
               <a:buNone/>
             </a:pPr>
             <a:r>
-              <a:rPr lang="en-US" dirty="0" smtClean="0">
+              <a:rPr lang="en-US" sz="2000" dirty="0" smtClean="0">
                 <a:latin typeface="Consolas"/>
                 <a:cs typeface="Consolas"/>
               </a:rPr>
               <a:t>      </a:t>
             </a:r>
             <a:r>
-              <a:rPr lang="en-US" b="1" dirty="0" smtClean="0">
+              <a:rPr lang="en-US" sz="1800" b="1" dirty="0" smtClean="0">
                 <a:latin typeface="Consolas"/>
                 <a:cs typeface="Consolas"/>
               </a:rPr>
               <a:t>entry </a:t>
             </a:r>
             <a:r>
-              <a:rPr lang="en-US" b="1" dirty="0">
+              <a:rPr lang="en-US" sz="1800" b="1" dirty="0">
                 <a:latin typeface="Consolas"/>
                 <a:cs typeface="Consolas"/>
               </a:rPr>
               <a:t>void </a:t>
             </a:r>
             <a:r>
-              <a:rPr lang="en-US" dirty="0">
+              <a:rPr lang="en-US" sz="1800" dirty="0">
                 <a:latin typeface="Consolas"/>
                 <a:cs typeface="Consolas"/>
               </a:rPr>
               <a:t>passValue(</a:t>
             </a:r>
             <a:r>
-              <a:rPr lang="en-US" b="1" dirty="0">
+              <a:rPr lang="en-US" sz="1800" b="1" dirty="0">
                 <a:latin typeface="Consolas"/>
                 <a:cs typeface="Consolas"/>
               </a:rPr>
               <a:t>int </a:t>
             </a:r>
             <a:r>
-              <a:rPr lang="en-US" dirty="0">
+              <a:rPr lang="en-US" sz="1800" dirty="0">
                 <a:latin typeface="Consolas"/>
                 <a:cs typeface="Consolas"/>
               </a:rPr>
               <a:t>step, </a:t>
             </a:r>
             <a:r>
-              <a:rPr lang="en-US" b="1" dirty="0">
+              <a:rPr lang="en-US" sz="1800" b="1" dirty="0">
                 <a:latin typeface="Consolas"/>
                 <a:cs typeface="Consolas"/>
               </a:rPr>
               <a:t>unsigned int </a:t>
             </a:r>
             <a:r>
-              <a:rPr lang="en-US" dirty="0">
+              <a:rPr lang="en-US" sz="1800" dirty="0">
                 <a:latin typeface="Consolas"/>
                 <a:cs typeface="Consolas"/>
               </a:rPr>

--- a/tutorial-07-sdag.pptx
+++ b/tutorial-07-sdag.pptx
@@ -2,7 +2,7 @@
 <file path=ppt/presentation.xml><?xml version="1.0" encoding="utf-8"?>
 <p:presentation xmlns:a="http://schemas.openxmlformats.org/drawingml/2006/main" xmlns:r="http://schemas.openxmlformats.org/officeDocument/2006/relationships" xmlns:p="http://schemas.openxmlformats.org/presentationml/2006/main" showSpecialPlsOnTitleSld="0" saveSubsetFonts="1">
   <p:sldMasterIdLst>
-    <p:sldMasterId id="2147483974" r:id="rId1"/>
+    <p:sldMasterId id="2147483988" r:id="rId1"/>
   </p:sldMasterIdLst>
   <p:notesMasterIdLst>
     <p:notesMasterId r:id="rId36"/>
@@ -884,7 +884,7 @@
           <a:p>
             <a:pPr algn="r"/>
             <a:r>
-              <a:rPr lang="en-US" dirty="0" smtClean="0"/>
+              <a:rPr lang="en-US" smtClean="0"/>
               <a:t>Sanjay Kalé and PPL (UIUC) – Parallel Migratable Objects </a:t>
             </a:r>
             <a:endParaRPr lang="en-US" dirty="0"/>
@@ -1696,7 +1696,7 @@
           <a:p>
             <a:pPr algn="r"/>
             <a:r>
-              <a:rPr lang="en-US" dirty="0" smtClean="0"/>
+              <a:rPr lang="en-US" smtClean="0"/>
               <a:t>Sanjay Kalé and PPL (UIUC) – Parallel Migratable Objects </a:t>
             </a:r>
             <a:endParaRPr lang="en-US" dirty="0"/>
@@ -1895,7 +1895,7 @@
           </a:lstStyle>
           <a:p>
             <a:r>
-              <a:rPr lang="en-US" dirty="0" smtClean="0"/>
+              <a:rPr lang="en-US" smtClean="0"/>
               <a:t>Drag picture to placeholder or click icon to add</a:t>
             </a:r>
             <a:endParaRPr lang="en-US" dirty="0"/>
@@ -2007,7 +2007,7 @@
           <a:p>
             <a:pPr algn="r"/>
             <a:r>
-              <a:rPr lang="en-US" dirty="0" smtClean="0"/>
+              <a:rPr lang="en-US" smtClean="0"/>
               <a:t>Sanjay Kalé and PPL (UIUC) – Parallel Migratable Objects </a:t>
             </a:r>
             <a:endParaRPr lang="en-US" dirty="0"/>
@@ -2178,7 +2178,7 @@
           <a:p>
             <a:pPr algn="r"/>
             <a:r>
-              <a:rPr lang="en-US" dirty="0" smtClean="0"/>
+              <a:rPr lang="en-US" smtClean="0"/>
               <a:t>Sanjay Kalé and PPL (UIUC) – Parallel Migratable Objects </a:t>
             </a:r>
             <a:endParaRPr lang="en-US" dirty="0"/>
@@ -2359,7 +2359,7 @@
           <a:p>
             <a:pPr algn="r"/>
             <a:r>
-              <a:rPr lang="en-US" dirty="0" smtClean="0"/>
+              <a:rPr lang="en-US" smtClean="0"/>
               <a:t>Sanjay Kalé and PPL (UIUC) – Parallel Migratable Objects </a:t>
             </a:r>
             <a:endParaRPr lang="en-US" dirty="0"/>
@@ -3867,7 +3867,7 @@
           <a:p>
             <a:pPr algn="r"/>
             <a:r>
-              <a:rPr lang="en-US" dirty="0" smtClean="0"/>
+              <a:rPr lang="en-US" smtClean="0"/>
               <a:t>Sanjay Kalé and PPL (UIUC) – Parallel Migratable Objects </a:t>
             </a:r>
             <a:endParaRPr lang="en-US" dirty="0"/>
@@ -3986,7 +3986,7 @@
           <a:p>
             <a:pPr algn="r"/>
             <a:r>
-              <a:rPr lang="en-US" dirty="0" smtClean="0"/>
+              <a:rPr lang="en-US" smtClean="0"/>
               <a:t>Sanjay Kalé and PPL (UIUC) – Parallel Migratable Objects </a:t>
             </a:r>
             <a:endParaRPr lang="en-US" dirty="0"/>
@@ -4473,7 +4473,7 @@
           <a:p>
             <a:pPr algn="r"/>
             <a:r>
-              <a:rPr lang="en-US" dirty="0" smtClean="0"/>
+              <a:rPr lang="en-US" smtClean="0"/>
               <a:t>Sanjay Kalé and PPL (UIUC) – Parallel Migratable Objects </a:t>
             </a:r>
             <a:endParaRPr lang="en-US" dirty="0"/>
@@ -4811,7 +4811,7 @@
           <a:p>
             <a:pPr algn="r"/>
             <a:r>
-              <a:rPr lang="en-US" dirty="0" smtClean="0"/>
+              <a:rPr lang="en-US" smtClean="0"/>
               <a:t>Sanjay Kalé and PPL (UIUC) – Parallel Migratable Objects </a:t>
             </a:r>
             <a:endParaRPr lang="en-US" dirty="0"/>
@@ -5283,7 +5283,7 @@
           <a:p>
             <a:pPr algn="r"/>
             <a:r>
-              <a:rPr lang="en-US" dirty="0" smtClean="0"/>
+              <a:rPr lang="en-US" smtClean="0"/>
               <a:t>Sanjay Kalé and PPL (UIUC) – Parallel Migratable Objects </a:t>
             </a:r>
             <a:endParaRPr lang="en-US" dirty="0"/>
@@ -5586,7 +5586,7 @@
           <a:p>
             <a:pPr algn="r"/>
             <a:r>
-              <a:rPr lang="en-US" dirty="0" smtClean="0"/>
+              <a:rPr lang="en-US" smtClean="0"/>
               <a:t>Sanjay Kalé and PPL (UIUC) – Parallel Migratable Objects </a:t>
             </a:r>
             <a:endParaRPr lang="en-US" dirty="0"/>
@@ -5822,7 +5822,7 @@
           <a:p>
             <a:pPr algn="r"/>
             <a:r>
-              <a:rPr lang="en-US" dirty="0" smtClean="0"/>
+              <a:rPr lang="en-US" smtClean="0"/>
               <a:t>Sanjay Kalé and PPL (UIUC) – Parallel Migratable Objects </a:t>
             </a:r>
             <a:endParaRPr lang="en-US" dirty="0"/>
@@ -5918,7 +5918,7 @@
           <a:p>
             <a:pPr algn="r"/>
             <a:r>
-              <a:rPr lang="en-US" dirty="0" smtClean="0"/>
+              <a:rPr lang="en-US" smtClean="0"/>
               <a:t>Sanjay Kalé and PPL (UIUC) – Parallel Migratable Objects </a:t>
             </a:r>
             <a:endParaRPr lang="en-US" dirty="0"/>
@@ -6056,7 +6056,7 @@
           <a:bodyPr vert="horz" lIns="91440" tIns="45720" rIns="91440" bIns="45720" rtlCol="0" anchor="ctr"/>
           <a:lstStyle>
             <a:lvl1pPr algn="ctr">
-              <a:defRPr sz="1200" b="1">
+              <a:defRPr sz="1200" b="0">
                 <a:solidFill>
                   <a:srgbClr val="FFFFFF"/>
                 </a:solidFill>
@@ -6067,7 +6067,7 @@
           </a:lstStyle>
           <a:p>
             <a:r>
-              <a:rPr lang="en-US" dirty="0" smtClean="0"/>
+              <a:rPr lang="en-US" smtClean="0"/>
               <a:t>Sanjay Kalé and PPL (UIUC) – Parallel Migratable Objects </a:t>
             </a:r>
             <a:endParaRPr lang="en-US" dirty="0"/>
@@ -6262,19 +6262,19 @@
   </p:cSld>
   <p:clrMap bg1="lt1" tx1="dk1" bg2="lt2" tx2="dk2" accent1="accent1" accent2="accent2" accent3="accent3" accent4="accent4" accent5="accent5" accent6="accent6" hlink="hlink" folHlink="folHlink"/>
   <p:sldLayoutIdLst>
-    <p:sldLayoutId id="2147483975" r:id="rId1"/>
-    <p:sldLayoutId id="2147483976" r:id="rId2"/>
-    <p:sldLayoutId id="2147483977" r:id="rId3"/>
-    <p:sldLayoutId id="2147483978" r:id="rId4"/>
-    <p:sldLayoutId id="2147483979" r:id="rId5"/>
-    <p:sldLayoutId id="2147483980" r:id="rId6"/>
-    <p:sldLayoutId id="2147483981" r:id="rId7"/>
-    <p:sldLayoutId id="2147483982" r:id="rId8"/>
-    <p:sldLayoutId id="2147483983" r:id="rId9"/>
-    <p:sldLayoutId id="2147483984" r:id="rId10"/>
-    <p:sldLayoutId id="2147483985" r:id="rId11"/>
-    <p:sldLayoutId id="2147483986" r:id="rId12"/>
-    <p:sldLayoutId id="2147483987" r:id="rId13"/>
+    <p:sldLayoutId id="2147483989" r:id="rId1"/>
+    <p:sldLayoutId id="2147483990" r:id="rId2"/>
+    <p:sldLayoutId id="2147483991" r:id="rId3"/>
+    <p:sldLayoutId id="2147483992" r:id="rId4"/>
+    <p:sldLayoutId id="2147483993" r:id="rId5"/>
+    <p:sldLayoutId id="2147483994" r:id="rId6"/>
+    <p:sldLayoutId id="2147483995" r:id="rId7"/>
+    <p:sldLayoutId id="2147483996" r:id="rId8"/>
+    <p:sldLayoutId id="2147483997" r:id="rId9"/>
+    <p:sldLayoutId id="2147483998" r:id="rId10"/>
+    <p:sldLayoutId id="2147483999" r:id="rId11"/>
+    <p:sldLayoutId id="2147484000" r:id="rId12"/>
+    <p:sldLayoutId id="2147484001" r:id="rId13"/>
     <p:sldLayoutId id="2147483961" r:id="rId14"/>
     <p:sldLayoutId id="2147483973" r:id="rId15"/>
     <p:sldLayoutId id="2147483972" r:id="rId16"/>

--- a/tutorial-07-sdag.pptx
+++ b/tutorial-07-sdag.pptx
@@ -7824,14 +7824,21 @@
                 <a:latin typeface="Lucida Console"/>
                 <a:cs typeface="Lucida Console"/>
               </a:rPr>
-              <a:t>[ClassName</a:t>
+              <a:t>[</a:t>
+            </a:r>
+            <a:r>
+              <a:rPr lang="en-US" sz="1800" spc="-80" dirty="0" err="1">
+                <a:latin typeface="Lucida Console"/>
+                <a:cs typeface="Lucida Console"/>
+              </a:rPr>
+              <a:t>ClassName</a:t>
             </a:r>
             <a:r>
               <a:rPr lang="en-US" sz="1800" spc="-80" dirty="0" smtClean="0">
                 <a:latin typeface="Lucida Console"/>
                 <a:cs typeface="Lucida Console"/>
               </a:rPr>
-              <a:t>] </a:t>
+              <a:t>]</a:t>
             </a:r>
             <a:r>
               <a:rPr lang="en-US" sz="1800" spc="-225" dirty="0" smtClean="0">
@@ -7952,25 +7959,32 @@
               <a:t>__</a:t>
             </a:r>
             <a:r>
-              <a:rPr lang="en-US" sz="1800" spc="-80" dirty="0" smtClean="0">
+              <a:rPr lang="en-US" sz="1800" spc="-80" dirty="0" err="1" smtClean="0">
                 <a:latin typeface="Lucida Console"/>
                 <a:cs typeface="Lucida Console"/>
               </a:rPr>
               <a:t>sdag</a:t>
             </a:r>
             <a:r>
-              <a:rPr lang="en-US" sz="1800" spc="-225" dirty="0" smtClean="0">
+              <a:rPr lang="en-US" sz="1800" spc="-225" dirty="0" err="1">
                 <a:latin typeface="Lucida Console"/>
                 <a:cs typeface="Lucida Console"/>
               </a:rPr>
-              <a:t> </a:t>
+              <a:t>_</a:t>
+            </a:r>
+            <a:r>
+              <a:rPr lang="en-US" sz="1800" spc="-80" dirty="0" err="1" smtClean="0">
+                <a:latin typeface="Lucida Console"/>
+                <a:cs typeface="Lucida Console"/>
+              </a:rPr>
+              <a:t>pup</a:t>
             </a:r>
             <a:r>
               <a:rPr lang="en-US" sz="1800" spc="-80" dirty="0">
                 <a:latin typeface="Lucida Console"/>
                 <a:cs typeface="Lucida Console"/>
               </a:rPr>
-              <a:t>pup()</a:t>
+              <a:t>()</a:t>
             </a:r>
             <a:r>
               <a:rPr lang="en-US" sz="1800" spc="30" dirty="0">
@@ -10311,11 +10325,25 @@
               <a:t>#include </a:t>
             </a:r>
             <a:r>
+              <a:rPr lang="en-US" dirty="0" smtClean="0">
+                <a:latin typeface="Consolas"/>
+                <a:cs typeface="Consolas"/>
+              </a:rPr>
+              <a:t>“</a:t>
+            </a:r>
+            <a:r>
+              <a:rPr lang="en-US" dirty="0" err="1" smtClean="0">
+                <a:latin typeface="Consolas"/>
+                <a:cs typeface="Consolas"/>
+              </a:rPr>
+              <a:t>fib.decl.h</a:t>
+            </a:r>
+            <a:r>
               <a:rPr lang="en-US" dirty="0">
                 <a:latin typeface="Consolas"/>
                 <a:cs typeface="Consolas"/>
               </a:rPr>
-              <a:t>”fib.decl.h”</a:t>
+              <a:t>”</a:t>
             </a:r>
           </a:p>
           <a:p>
@@ -10536,54 +10564,28 @@
                 <a:latin typeface="Consolas"/>
                 <a:cs typeface="Consolas"/>
               </a:rPr>
-              <a:t>    Fib  </a:t>
-            </a:r>
-            <a:r>
-              <a:rPr lang="en-US" dirty="0">
-                <a:latin typeface="Consolas"/>
-                <a:cs typeface="Consolas"/>
-              </a:rPr>
-              <a:t>SDAG  CODE</a:t>
-            </a:r>
-          </a:p>
-          <a:p>
-            <a:pPr marL="0" indent="0">
-              <a:buNone/>
-            </a:pPr>
-            <a:r>
-              <a:rPr lang="en-US" dirty="0" smtClean="0">
-                <a:latin typeface="Consolas"/>
-                <a:cs typeface="Consolas"/>
-              </a:rPr>
-              <a:t>    CProxy_Fib </a:t>
-            </a:r>
-            <a:r>
-              <a:rPr lang="en-US" dirty="0">
-                <a:latin typeface="Consolas"/>
-                <a:cs typeface="Consolas"/>
-              </a:rPr>
-              <a:t>parent; </a:t>
-            </a:r>
-            <a:r>
-              <a:rPr lang="en-US" b="1" dirty="0">
-                <a:latin typeface="Consolas"/>
-                <a:cs typeface="Consolas"/>
-              </a:rPr>
-              <a:t>bool </a:t>
-            </a:r>
-            <a:r>
-              <a:rPr lang="en-US" dirty="0">
-                <a:latin typeface="Consolas"/>
-                <a:cs typeface="Consolas"/>
-              </a:rPr>
-              <a:t>isRoot</a:t>
-            </a:r>
-            <a:r>
-              <a:rPr lang="en-US" dirty="0" smtClean="0">
-                <a:latin typeface="Consolas"/>
-                <a:cs typeface="Consolas"/>
-              </a:rPr>
-              <a:t>;</a:t>
+              <a:t>    </a:t>
+            </a:r>
+            <a:r>
+              <a:rPr lang="en-US" dirty="0" err="1" smtClean="0">
+                <a:latin typeface="Consolas"/>
+                <a:cs typeface="Consolas"/>
+              </a:rPr>
+              <a:t>Fib_SDAG</a:t>
+            </a:r>
+            <a:r>
+              <a:rPr lang="en-US" dirty="0" err="1">
+                <a:latin typeface="Consolas"/>
+                <a:cs typeface="Consolas"/>
+              </a:rPr>
+              <a:t>_</a:t>
+            </a:r>
+            <a:r>
+              <a:rPr lang="en-US" dirty="0" err="1" smtClean="0">
+                <a:latin typeface="Consolas"/>
+                <a:cs typeface="Consolas"/>
+              </a:rPr>
+              <a:t>CODE</a:t>
             </a:r>
             <a:endParaRPr lang="en-US" dirty="0">
               <a:latin typeface="Consolas"/>
@@ -10594,6 +10596,50 @@
             <a:pPr marL="0" indent="0">
               <a:buNone/>
             </a:pPr>
+            <a:r>
+              <a:rPr lang="en-US" dirty="0" smtClean="0">
+                <a:latin typeface="Consolas"/>
+                <a:cs typeface="Consolas"/>
+              </a:rPr>
+              <a:t>    CProxy_Fib </a:t>
+            </a:r>
+            <a:r>
+              <a:rPr lang="en-US" dirty="0">
+                <a:latin typeface="Consolas"/>
+                <a:cs typeface="Consolas"/>
+              </a:rPr>
+              <a:t>parent; </a:t>
+            </a:r>
+            <a:r>
+              <a:rPr lang="en-US" b="1" dirty="0">
+                <a:latin typeface="Consolas"/>
+                <a:cs typeface="Consolas"/>
+              </a:rPr>
+              <a:t>bool </a:t>
+            </a:r>
+            <a:r>
+              <a:rPr lang="en-US" dirty="0">
+                <a:latin typeface="Consolas"/>
+                <a:cs typeface="Consolas"/>
+              </a:rPr>
+              <a:t>isRoot</a:t>
+            </a:r>
+            <a:r>
+              <a:rPr lang="en-US" dirty="0" smtClean="0">
+                <a:latin typeface="Consolas"/>
+                <a:cs typeface="Consolas"/>
+              </a:rPr>
+              <a:t>;</a:t>
+            </a:r>
+            <a:endParaRPr lang="en-US" dirty="0">
+              <a:latin typeface="Consolas"/>
+              <a:cs typeface="Consolas"/>
+            </a:endParaRPr>
+          </a:p>
+          <a:p>
+            <a:pPr marL="0" indent="0">
+              <a:buNone/>
+            </a:pPr>
             <a:endParaRPr lang="en-US" dirty="0" smtClean="0">
               <a:latin typeface="Consolas"/>
               <a:cs typeface="Consolas"/>
@@ -10643,23 +10689,28 @@
                 <a:latin typeface="Consolas"/>
                 <a:cs typeface="Consolas"/>
               </a:rPr>
-              <a:t>isRoot_, CProxy_Fib parent_)</a:t>
-            </a:r>
-            <a:endParaRPr lang="en-US" dirty="0">
-              <a:latin typeface="Consolas"/>
-              <a:cs typeface="Consolas"/>
-            </a:endParaRPr>
-          </a:p>
-          <a:p>
-            <a:pPr marL="0" indent="0">
-              <a:buNone/>
-            </a:pPr>
+              <a:t>isRoot_, CProxy_Fib parent_</a:t>
+            </a:r>
             <a:r>
               <a:rPr lang="en-US" dirty="0" smtClean="0">
                 <a:latin typeface="Consolas"/>
                 <a:cs typeface="Consolas"/>
               </a:rPr>
-              <a:t>        : </a:t>
+              <a:t>)</a:t>
+            </a:r>
+            <a:r>
+              <a:rPr lang="en-US" dirty="0">
+                <a:latin typeface="Consolas"/>
+                <a:cs typeface="Consolas"/>
+              </a:rPr>
+              <a:t> </a:t>
+            </a:r>
+            <a:r>
+              <a:rPr lang="en-US" dirty="0" smtClean="0">
+                <a:latin typeface="Consolas"/>
+                <a:cs typeface="Consolas"/>
+              </a:rPr>
+              <a:t>: </a:t>
             </a:r>
             <a:r>
               <a:rPr lang="en-US" dirty="0">
@@ -18195,13 +18246,13 @@
         </p:nvSpPr>
         <p:spPr>
           <a:xfrm>
-            <a:off x="261865" y="1143000"/>
-            <a:ext cx="8615360" cy="3339353"/>
+            <a:off x="261865" y="917222"/>
+            <a:ext cx="8615360" cy="3565131"/>
           </a:xfrm>
         </p:spPr>
         <p:txBody>
           <a:bodyPr>
-            <a:normAutofit fontScale="85000" lnSpcReduction="10000"/>
+            <a:normAutofit fontScale="92500" lnSpcReduction="20000"/>
           </a:bodyPr>
           <a:lstStyle/>
           <a:p>
@@ -19020,7 +19071,7 @@
                 <a:latin typeface="Times New Roman"/>
                 <a:cs typeface="Times New Roman"/>
               </a:rPr>
-              <a:t>Syntax </a:t>
+              <a:t>Syntax: </a:t>
             </a:r>
             <a:r>
               <a:rPr lang="en-US" spc="-80" dirty="0">
@@ -19064,25 +19115,21 @@
               </a:rPr>
               <a:t>}</a:t>
             </a:r>
-            <a:endParaRPr lang="en-US" dirty="0">
+          </a:p>
+          <a:p>
+            <a:pPr marL="459740" marR="12700" indent="0">
+              <a:spcBef>
+                <a:spcPts val="0"/>
+              </a:spcBef>
+              <a:buNone/>
+            </a:pPr>
+            <a:endParaRPr lang="en-US" dirty="0" smtClean="0">
               <a:latin typeface="Lucida Console"/>
               <a:cs typeface="Lucida Console"/>
             </a:endParaRPr>
           </a:p>
           <a:p>
-            <a:pPr marL="459740" marR="12700" indent="0">
-              <a:spcBef>
-                <a:spcPts val="0"/>
-              </a:spcBef>
-              <a:buNone/>
-            </a:pPr>
-            <a:endParaRPr lang="en-US" dirty="0" smtClean="0">
-              <a:latin typeface="Times New Roman"/>
-              <a:cs typeface="Times New Roman"/>
-            </a:endParaRPr>
-          </a:p>
-          <a:p>
-            <a:pPr marL="459740" marR="12700" indent="0">
+            <a:pPr marL="0" marR="12700" indent="0">
               <a:spcBef>
                 <a:spcPts val="0"/>
               </a:spcBef>
@@ -19820,7 +19867,15 @@
             <a:pPr lvl="2"/>
             <a:r>
               <a:rPr lang="en-US" dirty="0"/>
-              <a:t>i.e.  some chars may be truly reactive, and the programmer does not know the life cycle</a:t>
+              <a:t>i.e</a:t>
+            </a:r>
+            <a:r>
+              <a:rPr lang="en-US" dirty="0" smtClean="0"/>
+              <a:t>. </a:t>
+            </a:r>
+            <a:r>
+              <a:rPr lang="en-US" dirty="0"/>
+              <a:t>some chars may be truly reactive, and the programmer does not know the life cycle</a:t>
             </a:r>
           </a:p>
           <a:p>
@@ -20973,7 +21028,21 @@
                 <a:latin typeface="Lucida Console"/>
                 <a:cs typeface="Lucida Console"/>
               </a:rPr>
-              <a:t>[&lt;ident&gt;] (&lt;min&gt; :	&lt;max&gt;, &lt;stride&gt;) &lt;body&gt;</a:t>
+              <a:t>[&lt;ident&gt;] (&lt;min&gt; </a:t>
+            </a:r>
+            <a:r>
+              <a:rPr lang="en-US" sz="2000" spc="-80" dirty="0" smtClean="0">
+                <a:latin typeface="Lucida Console"/>
+                <a:cs typeface="Lucida Console"/>
+              </a:rPr>
+              <a:t>: &lt;</a:t>
+            </a:r>
+            <a:r>
+              <a:rPr lang="en-US" sz="2000" spc="-80" dirty="0">
+                <a:latin typeface="Lucida Console"/>
+                <a:cs typeface="Lucida Console"/>
+              </a:rPr>
+              <a:t>max&gt;, &lt;stride&gt;) &lt;body&gt;</a:t>
             </a:r>
             <a:endParaRPr lang="en-US" sz="2000" dirty="0">
               <a:latin typeface="Lucida Console"/>
@@ -22222,7 +22291,21 @@
                 <a:latin typeface="Consolas"/>
                 <a:cs typeface="Consolas"/>
               </a:rPr>
-              <a:t>[reductiontarget] void checkIn();</a:t>
+              <a:t>[reductiontarget] </a:t>
+            </a:r>
+            <a:r>
+              <a:rPr lang="en-US" sz="2000" b="1" dirty="0">
+                <a:latin typeface="Consolas"/>
+                <a:cs typeface="Consolas"/>
+              </a:rPr>
+              <a:t>void</a:t>
+            </a:r>
+            <a:r>
+              <a:rPr lang="en-US" sz="2000" dirty="0">
+                <a:latin typeface="Consolas"/>
+                <a:cs typeface="Consolas"/>
+              </a:rPr>
+              <a:t> checkIn();</a:t>
             </a:r>
           </a:p>
           <a:p>
@@ -22309,7 +22392,21 @@
                 <a:latin typeface="Consolas"/>
                 <a:cs typeface="Consolas"/>
               </a:rPr>
-              <a:t>Prefix(int n, </a:t>
+              <a:t>Prefix(</a:t>
+            </a:r>
+            <a:r>
+              <a:rPr lang="en-US" sz="2000" b="1" dirty="0">
+                <a:latin typeface="Consolas"/>
+                <a:cs typeface="Consolas"/>
+              </a:rPr>
+              <a:t>int</a:t>
+            </a:r>
+            <a:r>
+              <a:rPr lang="en-US" sz="2000" dirty="0">
+                <a:latin typeface="Consolas"/>
+                <a:cs typeface="Consolas"/>
+              </a:rPr>
+              <a:t> n, </a:t>
             </a:r>
             <a:r>
               <a:rPr lang="en-US" sz="2000" dirty="0" smtClean="0">
@@ -22740,28 +22837,28 @@
               <a:buNone/>
             </a:pPr>
             <a:r>
-              <a:rPr lang="en-US" sz="1400" dirty="0" smtClean="0">
+              <a:rPr lang="en-US" sz="1500" dirty="0" smtClean="0">
                 <a:latin typeface="Consolas"/>
                 <a:cs typeface="Consolas"/>
               </a:rPr>
               <a:t>  </a:t>
             </a:r>
             <a:r>
-              <a:rPr lang="en-US" sz="1400" b="1" dirty="0" smtClean="0">
+              <a:rPr lang="en-US" sz="1500" b="1" dirty="0" smtClean="0">
                 <a:latin typeface="Consolas"/>
                 <a:cs typeface="Consolas"/>
               </a:rPr>
               <a:t>entry </a:t>
             </a:r>
             <a:r>
-              <a:rPr lang="en-US" sz="1400" b="1" dirty="0">
+              <a:rPr lang="en-US" sz="1500" b="1" dirty="0">
                 <a:latin typeface="Consolas"/>
                 <a:cs typeface="Consolas"/>
               </a:rPr>
               <a:t>void </a:t>
             </a:r>
             <a:r>
-              <a:rPr lang="en-US" sz="1400" dirty="0">
+              <a:rPr lang="en-US" sz="1500" dirty="0">
                 <a:latin typeface="Consolas"/>
                 <a:cs typeface="Consolas"/>
               </a:rPr>
@@ -22773,21 +22870,21 @@
               <a:buNone/>
             </a:pPr>
             <a:r>
-              <a:rPr lang="en-US" sz="1400" dirty="0" smtClean="0">
-                <a:latin typeface="Consolas"/>
-                <a:cs typeface="Consolas"/>
-              </a:rPr>
-              <a:t>     </a:t>
-            </a:r>
-            <a:r>
-              <a:rPr lang="en-US" sz="1400" b="1" dirty="0" smtClean="0">
+              <a:rPr lang="en-US" sz="1500" dirty="0" smtClean="0">
+                <a:latin typeface="Consolas"/>
+                <a:cs typeface="Consolas"/>
+              </a:rPr>
+              <a:t>    </a:t>
+            </a:r>
+            <a:r>
+              <a:rPr lang="en-US" sz="1500" b="1" dirty="0" smtClean="0">
                 <a:latin typeface="Consolas"/>
                 <a:cs typeface="Consolas"/>
               </a:rPr>
               <a:t>for</a:t>
             </a:r>
             <a:r>
-              <a:rPr lang="en-US" sz="1400" dirty="0">
+              <a:rPr lang="en-US" sz="1500" dirty="0">
                 <a:latin typeface="Consolas"/>
                 <a:cs typeface="Consolas"/>
               </a:rPr>
@@ -22799,86 +22896,114 @@
               <a:buNone/>
             </a:pPr>
             <a:r>
-              <a:rPr lang="en-US" sz="1400" dirty="0" smtClean="0">
+              <a:rPr lang="en-US" sz="1500" dirty="0" smtClean="0">
+                <a:latin typeface="Consolas"/>
+                <a:cs typeface="Consolas"/>
+              </a:rPr>
+              <a:t>      </a:t>
+            </a:r>
+            <a:r>
+              <a:rPr lang="en-US" sz="1500" b="1" dirty="0" smtClean="0">
+                <a:latin typeface="Consolas"/>
+                <a:cs typeface="Consolas"/>
+              </a:rPr>
+              <a:t>serial </a:t>
+            </a:r>
+            <a:r>
+              <a:rPr lang="en-US" sz="1500" dirty="0" smtClean="0">
+                <a:latin typeface="Consolas"/>
+                <a:cs typeface="Consolas"/>
+              </a:rPr>
+              <a:t>“</a:t>
+            </a:r>
+            <a:r>
+              <a:rPr lang="en-US" sz="1500" dirty="0" err="1" smtClean="0">
+                <a:latin typeface="Consolas"/>
+                <a:cs typeface="Consolas"/>
+              </a:rPr>
+              <a:t>send_value</a:t>
+            </a:r>
+            <a:r>
+              <a:rPr lang="en-US" sz="1500" dirty="0">
+                <a:latin typeface="Consolas"/>
+                <a:cs typeface="Consolas"/>
+              </a:rPr>
+              <a:t>” {</a:t>
+            </a:r>
+          </a:p>
+          <a:p>
+            <a:pPr marL="0" indent="0">
+              <a:buNone/>
+            </a:pPr>
+            <a:r>
+              <a:rPr lang="en-US" sz="1500" dirty="0" smtClean="0">
+                <a:latin typeface="Consolas"/>
+                <a:cs typeface="Consolas"/>
+              </a:rPr>
+              <a:t>      </a:t>
+            </a:r>
+            <a:r>
+              <a:rPr lang="en-US" sz="1500" dirty="0">
+                <a:latin typeface="Consolas"/>
+                <a:cs typeface="Consolas"/>
+              </a:rPr>
+              <a:t> </a:t>
+            </a:r>
+            <a:r>
+              <a:rPr lang="en-US" sz="1500" dirty="0" smtClean="0">
+                <a:latin typeface="Consolas"/>
+                <a:cs typeface="Consolas"/>
+              </a:rPr>
+              <a:t> </a:t>
+            </a:r>
+            <a:r>
+              <a:rPr lang="en-US" sz="1500" dirty="0" err="1" smtClean="0">
+                <a:latin typeface="Consolas"/>
+                <a:cs typeface="Consolas"/>
+              </a:rPr>
+              <a:t>targetIndex</a:t>
+            </a:r>
+            <a:r>
+              <a:rPr lang="en-US" sz="1500" dirty="0" smtClean="0">
+                <a:latin typeface="Consolas"/>
+                <a:cs typeface="Consolas"/>
+              </a:rPr>
+              <a:t> </a:t>
+            </a:r>
+            <a:r>
+              <a:rPr lang="en-US" sz="1500" dirty="0">
+                <a:latin typeface="Consolas"/>
+                <a:cs typeface="Consolas"/>
+              </a:rPr>
+              <a:t>= thisIndex + (1&lt;&lt;stage);</a:t>
+            </a:r>
+          </a:p>
+          <a:p>
+            <a:pPr marL="0" indent="0">
+              <a:buNone/>
+            </a:pPr>
+            <a:r>
+              <a:rPr lang="en-US" sz="1500" dirty="0" smtClean="0">
                 <a:latin typeface="Consolas"/>
                 <a:cs typeface="Consolas"/>
               </a:rPr>
               <a:t>        </a:t>
             </a:r>
             <a:r>
-              <a:rPr lang="en-US" sz="1400" b="1" dirty="0" smtClean="0">
-                <a:latin typeface="Consolas"/>
-                <a:cs typeface="Consolas"/>
-              </a:rPr>
-              <a:t>serial </a:t>
-            </a:r>
-            <a:r>
-              <a:rPr lang="en-US" sz="1400" dirty="0">
-                <a:latin typeface="Consolas"/>
-                <a:cs typeface="Consolas"/>
-              </a:rPr>
-              <a:t>”</a:t>
-            </a:r>
-            <a:r>
-              <a:rPr lang="en-US" sz="1400" dirty="0" smtClean="0">
-                <a:latin typeface="Consolas"/>
-                <a:cs typeface="Consolas"/>
-              </a:rPr>
-              <a:t>send_value</a:t>
-            </a:r>
-            <a:r>
-              <a:rPr lang="en-US" sz="1400" dirty="0">
-                <a:latin typeface="Consolas"/>
-                <a:cs typeface="Consolas"/>
-              </a:rPr>
-              <a:t>” {</a:t>
-            </a:r>
-          </a:p>
-          <a:p>
-            <a:pPr marL="0" indent="0">
-              <a:buNone/>
-            </a:pPr>
-            <a:r>
-              <a:rPr lang="en-US" sz="1400" dirty="0" smtClean="0">
-                <a:latin typeface="Consolas"/>
-                <a:cs typeface="Consolas"/>
-              </a:rPr>
-              <a:t>           targetIndex </a:t>
-            </a:r>
-            <a:r>
-              <a:rPr lang="en-US" sz="1400" dirty="0">
-                <a:latin typeface="Consolas"/>
-                <a:cs typeface="Consolas"/>
-              </a:rPr>
-              <a:t>= thisIndex + (1&lt;&lt;stage);</a:t>
-            </a:r>
-          </a:p>
-          <a:p>
-            <a:pPr marL="0" indent="0">
-              <a:buNone/>
-            </a:pPr>
-            <a:r>
-              <a:rPr lang="en-US" sz="1400" dirty="0" smtClean="0">
-                <a:latin typeface="Consolas"/>
-                <a:cs typeface="Consolas"/>
-              </a:rPr>
-              <a:t>           </a:t>
-            </a:r>
-            <a:r>
-              <a:rPr lang="en-US" sz="1400" b="1" dirty="0" smtClean="0">
+              <a:rPr lang="en-US" sz="1500" b="1" dirty="0" smtClean="0">
                 <a:latin typeface="Consolas"/>
                 <a:cs typeface="Consolas"/>
               </a:rPr>
               <a:t>if </a:t>
             </a:r>
             <a:r>
-              <a:rPr lang="en-US" sz="1400" dirty="0">
+              <a:rPr lang="en-US" sz="1500" dirty="0">
                 <a:latin typeface="Consolas"/>
                 <a:cs typeface="Consolas"/>
               </a:rPr>
               <a:t>(targetIndex &lt; numElements) </a:t>
             </a:r>
-            <a:endParaRPr lang="en-US" sz="1400" dirty="0" smtClean="0">
+            <a:endParaRPr lang="en-US" sz="1500" dirty="0" smtClean="0">
               <a:latin typeface="Consolas"/>
               <a:cs typeface="Consolas"/>
             </a:endParaRPr>
@@ -22888,11 +23013,39 @@
               <a:buNone/>
             </a:pPr>
             <a:r>
-              <a:rPr lang="en-US" sz="1400" dirty="0" smtClean="0">
-                <a:latin typeface="Consolas"/>
-                <a:cs typeface="Consolas"/>
-              </a:rPr>
-              <a:t>              thisProxy[targetIndex].passValue(stage, value);</a:t>
+              <a:rPr lang="en-US" sz="1500" dirty="0" smtClean="0">
+                <a:latin typeface="Consolas"/>
+                <a:cs typeface="Consolas"/>
+              </a:rPr>
+              <a:t>        </a:t>
+            </a:r>
+            <a:r>
+              <a:rPr lang="en-US" sz="1500" dirty="0">
+                <a:latin typeface="Consolas"/>
+                <a:cs typeface="Consolas"/>
+              </a:rPr>
+              <a:t> </a:t>
+            </a:r>
+            <a:r>
+              <a:rPr lang="en-US" sz="1500" dirty="0" smtClean="0">
+                <a:latin typeface="Consolas"/>
+                <a:cs typeface="Consolas"/>
+              </a:rPr>
+              <a:t> </a:t>
+            </a:r>
+            <a:r>
+              <a:rPr lang="en-US" sz="1500" dirty="0" err="1" smtClean="0">
+                <a:latin typeface="Consolas"/>
+                <a:cs typeface="Consolas"/>
+              </a:rPr>
+              <a:t>thisProxy</a:t>
+            </a:r>
+            <a:r>
+              <a:rPr lang="en-US" sz="1500" dirty="0" smtClean="0">
+                <a:latin typeface="Consolas"/>
+                <a:cs typeface="Consolas"/>
+              </a:rPr>
+              <a:t>[targetIndex].passValue(stage, value);</a:t>
             </a:r>
           </a:p>
           <a:p>
@@ -22900,13 +23053,20 @@
               <a:buNone/>
             </a:pPr>
             <a:r>
-              <a:rPr lang="en-US" sz="1400" dirty="0" smtClean="0">
-                <a:latin typeface="Consolas"/>
-                <a:cs typeface="Consolas"/>
-              </a:rPr>
-              <a:t>        }</a:t>
-            </a:r>
-            <a:endParaRPr lang="en-US" sz="1400" dirty="0">
+              <a:rPr lang="en-US" sz="1500" dirty="0" smtClean="0">
+                <a:latin typeface="Consolas"/>
+                <a:cs typeface="Consolas"/>
+              </a:rPr>
+              <a:t>      </a:t>
+            </a:r>
+            <a:r>
+              <a:rPr lang="en-US" sz="1500" dirty="0" smtClean="0">
+                <a:latin typeface="Consolas"/>
+                <a:cs typeface="Consolas"/>
+              </a:rPr>
+              <a:t>}</a:t>
+            </a:r>
+            <a:endParaRPr lang="en-US" sz="1500" dirty="0">
               <a:latin typeface="Consolas"/>
               <a:cs typeface="Consolas"/>
             </a:endParaRPr>
@@ -22916,21 +23076,21 @@
               <a:buNone/>
             </a:pPr>
             <a:r>
-              <a:rPr lang="en-US" sz="1400" dirty="0" smtClean="0">
-                <a:latin typeface="Consolas"/>
-                <a:cs typeface="Consolas"/>
-              </a:rPr>
-              <a:t>        </a:t>
-            </a:r>
-            <a:r>
-              <a:rPr lang="en-US" sz="1400" b="1" dirty="0" smtClean="0">
+              <a:rPr lang="en-US" sz="1500" dirty="0" smtClean="0">
+                <a:latin typeface="Consolas"/>
+                <a:cs typeface="Consolas"/>
+              </a:rPr>
+              <a:t>      </a:t>
+            </a:r>
+            <a:r>
+              <a:rPr lang="en-US" sz="1500" b="1" dirty="0" smtClean="0">
                 <a:latin typeface="Consolas"/>
                 <a:cs typeface="Consolas"/>
               </a:rPr>
               <a:t>if </a:t>
             </a:r>
             <a:r>
-              <a:rPr lang="en-US" sz="1400" dirty="0">
+              <a:rPr lang="en-US" sz="1500" dirty="0">
                 <a:latin typeface="Consolas"/>
                 <a:cs typeface="Consolas"/>
               </a:rPr>
@@ -22942,88 +23102,83 @@
               <a:buNone/>
             </a:pPr>
             <a:r>
-              <a:rPr lang="en-US" sz="1400" dirty="0" smtClean="0">
-                <a:latin typeface="Consolas"/>
-                <a:cs typeface="Consolas"/>
-              </a:rPr>
-              <a:t>            </a:t>
-            </a:r>
-            <a:r>
-              <a:rPr lang="en-US" sz="1200" b="1" dirty="0" smtClean="0">
+              <a:rPr lang="en-US" sz="1500" dirty="0" smtClean="0">
+                <a:latin typeface="Consolas"/>
+                <a:cs typeface="Consolas"/>
+              </a:rPr>
+              <a:t>      </a:t>
+            </a:r>
+            <a:r>
+              <a:rPr lang="en-US" sz="1500" dirty="0" smtClean="0">
+                <a:latin typeface="Consolas"/>
+                <a:cs typeface="Consolas"/>
+              </a:rPr>
+              <a:t>  </a:t>
+            </a:r>
+            <a:r>
+              <a:rPr lang="en-US" sz="1500" b="1" dirty="0" smtClean="0">
                 <a:latin typeface="Consolas"/>
                 <a:cs typeface="Consolas"/>
               </a:rPr>
               <a:t>when </a:t>
             </a:r>
             <a:r>
-              <a:rPr lang="en-US" sz="1200" dirty="0">
-                <a:latin typeface="Consolas"/>
-                <a:cs typeface="Consolas"/>
-              </a:rPr>
-              <a:t>passValue[stage] (</a:t>
-            </a:r>
-            <a:r>
-              <a:rPr lang="en-US" sz="1200" b="1" dirty="0">
+              <a:rPr lang="en-US" sz="1500" dirty="0">
+                <a:latin typeface="Consolas"/>
+                <a:cs typeface="Consolas"/>
+              </a:rPr>
+              <a:t>passValue[stage</a:t>
+            </a:r>
+            <a:r>
+              <a:rPr lang="en-US" sz="1500" dirty="0" smtClean="0">
+                <a:latin typeface="Consolas"/>
+                <a:cs typeface="Consolas"/>
+              </a:rPr>
+              <a:t>](</a:t>
+            </a:r>
+            <a:r>
+              <a:rPr lang="en-US" sz="1500" b="1" dirty="0">
                 <a:latin typeface="Consolas"/>
                 <a:cs typeface="Consolas"/>
               </a:rPr>
               <a:t>int </a:t>
             </a:r>
             <a:r>
-              <a:rPr lang="en-US" sz="1200" dirty="0" smtClean="0">
+              <a:rPr lang="en-US" sz="1500" dirty="0" smtClean="0">
                 <a:latin typeface="Consolas"/>
                 <a:cs typeface="Consolas"/>
               </a:rPr>
               <a:t>incoming_stage</a:t>
             </a:r>
             <a:r>
-              <a:rPr lang="en-US" sz="1200" dirty="0">
+              <a:rPr lang="en-US" sz="1500" dirty="0">
                 <a:latin typeface="Consolas"/>
                 <a:cs typeface="Consolas"/>
               </a:rPr>
               <a:t>, </a:t>
             </a:r>
             <a:r>
-              <a:rPr lang="en-US" sz="1200" b="1" dirty="0">
+              <a:rPr lang="en-US" sz="1500" b="1" dirty="0">
                 <a:latin typeface="Consolas"/>
                 <a:cs typeface="Consolas"/>
               </a:rPr>
               <a:t>unsigned int </a:t>
             </a:r>
             <a:r>
-              <a:rPr lang="en-US" sz="1200" dirty="0" smtClean="0">
+              <a:rPr lang="en-US" sz="1500" dirty="0" smtClean="0">
                 <a:latin typeface="Consolas"/>
                 <a:cs typeface="Consolas"/>
               </a:rPr>
               <a:t>incoming_value</a:t>
             </a:r>
             <a:r>
-              <a:rPr lang="en-US" sz="1200" dirty="0">
+              <a:rPr lang="en-US" sz="1500" dirty="0">
                 <a:latin typeface="Consolas"/>
                 <a:cs typeface="Consolas"/>
               </a:rPr>
               <a:t>) </a:t>
             </a:r>
-            <a:r>
-              <a:rPr lang="en-US" sz="1200" b="1" dirty="0">
-                <a:latin typeface="Consolas"/>
-                <a:cs typeface="Consolas"/>
-              </a:rPr>
-              <a:t>serial</a:t>
-            </a:r>
-          </a:p>
-          <a:p>
-            <a:pPr marL="0" indent="0">
-              <a:buNone/>
-            </a:pPr>
-            <a:r>
-              <a:rPr lang="en-US" sz="1400" dirty="0" smtClean="0">
-                <a:latin typeface="Consolas"/>
-                <a:cs typeface="Consolas"/>
-              </a:rPr>
-              <a:t>                   {</a:t>
-            </a:r>
-            <a:endParaRPr lang="en-US" sz="1400" dirty="0">
+            <a:endParaRPr lang="en-US" sz="1500" dirty="0" smtClean="0">
               <a:latin typeface="Consolas"/>
               <a:cs typeface="Consolas"/>
             </a:endParaRPr>
@@ -23033,46 +23188,62 @@
               <a:buNone/>
             </a:pPr>
             <a:r>
-              <a:rPr lang="en-US" sz="1400" dirty="0" smtClean="0">
-                <a:latin typeface="Consolas"/>
-                <a:cs typeface="Consolas"/>
-              </a:rPr>
-              <a:t>                value </a:t>
-            </a:r>
-            <a:r>
-              <a:rPr lang="en-US" sz="1400" dirty="0">
+              <a:rPr lang="en-US" sz="1500" b="1" dirty="0" smtClean="0">
+                <a:latin typeface="Consolas"/>
+                <a:cs typeface="Consolas"/>
+              </a:rPr>
+              <a:t>	 </a:t>
+            </a:r>
+            <a:r>
+              <a:rPr lang="en-US" sz="1500" b="1" dirty="0" smtClean="0">
+                <a:latin typeface="Consolas"/>
+                <a:cs typeface="Consolas"/>
+              </a:rPr>
+              <a:t>serial</a:t>
+            </a:r>
+            <a:r>
+              <a:rPr lang="en-US" sz="1500" b="1" dirty="0" smtClean="0">
+                <a:latin typeface="Consolas"/>
+                <a:cs typeface="Consolas"/>
+              </a:rPr>
+              <a:t> {</a:t>
+            </a:r>
+            <a:r>
+              <a:rPr lang="en-US" sz="1500" dirty="0">
+                <a:latin typeface="Consolas"/>
+                <a:cs typeface="Consolas"/>
+              </a:rPr>
+              <a:t> </a:t>
+            </a:r>
+            <a:r>
+              <a:rPr lang="en-US" sz="1500" dirty="0" smtClean="0">
+                <a:latin typeface="Consolas"/>
+                <a:cs typeface="Consolas"/>
+              </a:rPr>
+              <a:t>value </a:t>
+            </a:r>
+            <a:r>
+              <a:rPr lang="en-US" sz="1500" dirty="0">
                 <a:latin typeface="Consolas"/>
                 <a:cs typeface="Consolas"/>
               </a:rPr>
               <a:t>+= </a:t>
             </a:r>
             <a:r>
-              <a:rPr lang="en-US" sz="1400" dirty="0" smtClean="0">
+              <a:rPr lang="en-US" sz="1500" dirty="0" err="1" smtClean="0">
                 <a:latin typeface="Consolas"/>
                 <a:cs typeface="Consolas"/>
               </a:rPr>
               <a:t>incoming_value</a:t>
             </a:r>
             <a:r>
-              <a:rPr lang="en-US" sz="1400" dirty="0">
-                <a:latin typeface="Consolas"/>
-                <a:cs typeface="Consolas"/>
-              </a:rPr>
-              <a:t>;</a:t>
-            </a:r>
-          </a:p>
-          <a:p>
-            <a:pPr marL="0" indent="0">
-              <a:buNone/>
-            </a:pPr>
-            <a:r>
-              <a:rPr lang="en-US" sz="1400" dirty="0" smtClean="0">
-                <a:latin typeface="Consolas"/>
-                <a:cs typeface="Consolas"/>
-              </a:rPr>
-              <a:t>            }</a:t>
-            </a:r>
-            <a:endParaRPr lang="en-US" sz="1400" dirty="0">
+              <a:rPr lang="en-US" sz="1500" dirty="0" smtClean="0">
+                <a:latin typeface="Consolas"/>
+                <a:cs typeface="Consolas"/>
+              </a:rPr>
+              <a:t>; }</a:t>
+            </a:r>
+            <a:endParaRPr lang="en-US" sz="1500" dirty="0">
               <a:latin typeface="Consolas"/>
               <a:cs typeface="Consolas"/>
             </a:endParaRPr>
@@ -23082,13 +23253,20 @@
               <a:buNone/>
             </a:pPr>
             <a:r>
-              <a:rPr lang="en-US" sz="1400" dirty="0" smtClean="0">
-                <a:latin typeface="Consolas"/>
-                <a:cs typeface="Consolas"/>
-              </a:rPr>
-              <a:t>         }</a:t>
-            </a:r>
-            <a:endParaRPr lang="en-US" sz="1400" dirty="0">
+              <a:rPr lang="en-US" sz="1500" dirty="0" smtClean="0">
+                <a:latin typeface="Consolas"/>
+                <a:cs typeface="Consolas"/>
+              </a:rPr>
+              <a:t>      </a:t>
+            </a:r>
+            <a:r>
+              <a:rPr lang="en-US" sz="1500" dirty="0" smtClean="0">
+                <a:latin typeface="Consolas"/>
+                <a:cs typeface="Consolas"/>
+              </a:rPr>
+              <a:t>}</a:t>
+            </a:r>
+            <a:endParaRPr lang="en-US" sz="1500" dirty="0">
               <a:latin typeface="Consolas"/>
               <a:cs typeface="Consolas"/>
             </a:endParaRPr>
@@ -23098,25 +23276,39 @@
               <a:buNone/>
             </a:pPr>
             <a:r>
-              <a:rPr lang="en-US" sz="1400" dirty="0" smtClean="0">
-                <a:latin typeface="Consolas"/>
-                <a:cs typeface="Consolas"/>
-              </a:rPr>
-              <a:t>         </a:t>
-            </a:r>
-            <a:r>
-              <a:rPr lang="en-US" sz="1400" b="1" dirty="0" smtClean="0">
+              <a:rPr lang="en-US" sz="1500" dirty="0" smtClean="0">
+                <a:latin typeface="Consolas"/>
+                <a:cs typeface="Consolas"/>
+              </a:rPr>
+              <a:t>      </a:t>
+            </a:r>
+            <a:r>
+              <a:rPr lang="en-US" sz="1500" b="1" dirty="0" smtClean="0">
                 <a:latin typeface="Consolas"/>
                 <a:cs typeface="Consolas"/>
               </a:rPr>
               <a:t>serial </a:t>
             </a:r>
             <a:r>
-              <a:rPr lang="en-US" sz="1400" dirty="0">
-                <a:latin typeface="Consolas"/>
-                <a:cs typeface="Consolas"/>
-              </a:rPr>
-              <a:t>”done” {</a:t>
+              <a:rPr lang="en-US" sz="1500" dirty="0" smtClean="0">
+                <a:latin typeface="Consolas"/>
+                <a:cs typeface="Consolas"/>
+              </a:rPr>
+              <a:t>“</a:t>
+            </a:r>
+            <a:r>
+              <a:rPr lang="en-US" sz="1500" dirty="0" smtClean="0">
+                <a:latin typeface="Consolas"/>
+                <a:cs typeface="Consolas"/>
+              </a:rPr>
+              <a:t>done</a:t>
+            </a:r>
+            <a:r>
+              <a:rPr lang="en-US" sz="1500" dirty="0">
+                <a:latin typeface="Consolas"/>
+                <a:cs typeface="Consolas"/>
+              </a:rPr>
+              <a:t>” {</a:t>
             </a:r>
           </a:p>
           <a:p>
@@ -23124,21 +23316,28 @@
               <a:buNone/>
             </a:pPr>
             <a:r>
-              <a:rPr lang="en-US" sz="1400" dirty="0" smtClean="0">
-                <a:latin typeface="Consolas"/>
-                <a:cs typeface="Consolas"/>
-              </a:rPr>
-              <a:t>            contribute</a:t>
-            </a:r>
-            <a:r>
-              <a:rPr lang="en-US" sz="1400" dirty="0">
+              <a:rPr lang="en-US" sz="1500" dirty="0" smtClean="0">
+                <a:latin typeface="Consolas"/>
+                <a:cs typeface="Consolas"/>
+              </a:rPr>
+              <a:t>        </a:t>
+            </a:r>
+            <a:r>
+              <a:rPr lang="en-US" sz="1500" dirty="0" smtClean="0">
+                <a:latin typeface="Consolas"/>
+                <a:cs typeface="Consolas"/>
+              </a:rPr>
+              <a:t>contribute</a:t>
+            </a:r>
+            <a:r>
+              <a:rPr lang="en-US" sz="1500" dirty="0">
                 <a:latin typeface="Consolas"/>
                 <a:cs typeface="Consolas"/>
               </a:rPr>
               <a:t>(CkCallback(CkReductionTarget(Main, checkIn), mainProxy)</a:t>
             </a:r>
             <a:r>
-              <a:rPr lang="en-US" sz="1400" dirty="0" smtClean="0">
+              <a:rPr lang="en-US" sz="1500" dirty="0" smtClean="0">
                 <a:latin typeface="Consolas"/>
                 <a:cs typeface="Consolas"/>
               </a:rPr>
@@ -23150,35 +23349,78 @@
               <a:buNone/>
             </a:pPr>
             <a:r>
-              <a:rPr lang="en-US" sz="1400" dirty="0" smtClean="0">
-                <a:latin typeface="Consolas"/>
-                <a:cs typeface="Consolas"/>
-              </a:rPr>
-              <a:t>         }</a:t>
-            </a:r>
+              <a:rPr lang="en-US" sz="1500" dirty="0" smtClean="0">
+                <a:latin typeface="Consolas"/>
+                <a:cs typeface="Consolas"/>
+              </a:rPr>
+              <a:t>      </a:t>
+            </a:r>
+            <a:r>
+              <a:rPr lang="en-US" sz="1500" dirty="0" smtClean="0">
+                <a:latin typeface="Consolas"/>
+                <a:cs typeface="Consolas"/>
+              </a:rPr>
+              <a:t>}</a:t>
+            </a:r>
+            <a:endParaRPr lang="en-US" sz="1500" dirty="0" smtClean="0">
+              <a:latin typeface="Consolas"/>
+              <a:cs typeface="Consolas"/>
+            </a:endParaRPr>
           </a:p>
           <a:p>
             <a:pPr marL="0" indent="0">
               <a:buNone/>
             </a:pPr>
             <a:r>
-              <a:rPr lang="en-US" sz="1400" dirty="0" smtClean="0">
-                <a:latin typeface="Consolas"/>
-                <a:cs typeface="Consolas"/>
-              </a:rPr>
-              <a:t>      };</a:t>
-            </a:r>
+              <a:rPr lang="en-US" sz="1500" dirty="0" smtClean="0">
+                <a:latin typeface="Consolas"/>
+                <a:cs typeface="Consolas"/>
+              </a:rPr>
+              <a:t>    </a:t>
+            </a:r>
+            <a:r>
+              <a:rPr lang="en-US" sz="1500" dirty="0" smtClean="0">
+                <a:latin typeface="Consolas"/>
+                <a:cs typeface="Consolas"/>
+              </a:rPr>
+              <a:t>}</a:t>
+            </a:r>
+            <a:r>
+              <a:rPr lang="en-US" sz="1500" dirty="0">
+                <a:latin typeface="Consolas"/>
+                <a:cs typeface="Consolas"/>
+              </a:rPr>
+              <a:t>;</a:t>
+            </a:r>
+            <a:endParaRPr lang="en-US" sz="1500" dirty="0" smtClean="0">
+              <a:latin typeface="Consolas"/>
+              <a:cs typeface="Consolas"/>
+            </a:endParaRPr>
           </a:p>
           <a:p>
             <a:pPr marL="0" indent="0">
               <a:buNone/>
             </a:pPr>
             <a:r>
-              <a:rPr lang="en-US" sz="1400" dirty="0" smtClean="0">
-                <a:latin typeface="Consolas"/>
-                <a:cs typeface="Consolas"/>
-              </a:rPr>
-              <a:t>   };</a:t>
+              <a:rPr lang="en-US" sz="1500" dirty="0" smtClean="0">
+                <a:latin typeface="Consolas"/>
+                <a:cs typeface="Consolas"/>
+              </a:rPr>
+              <a:t>  </a:t>
+            </a:r>
+            <a:r>
+              <a:rPr lang="en-US" sz="1500" dirty="0" smtClean="0">
+                <a:latin typeface="Consolas"/>
+                <a:cs typeface="Consolas"/>
+              </a:rPr>
+              <a:t>}</a:t>
+            </a:r>
+            <a:r>
+              <a:rPr lang="en-US" sz="1500" dirty="0" smtClean="0">
+                <a:latin typeface="Consolas"/>
+                <a:cs typeface="Consolas"/>
+              </a:rPr>
+              <a:t>;</a:t>
             </a:r>
           </a:p>
           <a:p>
@@ -23186,13 +23428,13 @@
               <a:buNone/>
             </a:pPr>
             <a:r>
-              <a:rPr lang="en-US" sz="1400" dirty="0" smtClean="0">
+              <a:rPr lang="en-US" sz="1500" dirty="0" smtClean="0">
                 <a:latin typeface="Consolas"/>
                 <a:cs typeface="Consolas"/>
               </a:rPr>
               <a:t>};</a:t>
             </a:r>
-            <a:endParaRPr lang="en-US" sz="1400" dirty="0">
+            <a:endParaRPr lang="en-US" sz="1500" dirty="0">
               <a:latin typeface="Consolas"/>
               <a:cs typeface="Consolas"/>
             </a:endParaRPr>
@@ -23565,11 +23807,25 @@
               <a:t>#include </a:t>
             </a:r>
             <a:r>
+              <a:rPr lang="en-US" sz="1400" dirty="0" smtClean="0">
+                <a:latin typeface="Consolas"/>
+                <a:cs typeface="Consolas"/>
+              </a:rPr>
+              <a:t>“</a:t>
+            </a:r>
+            <a:r>
+              <a:rPr lang="en-US" sz="1400" dirty="0" err="1" smtClean="0">
+                <a:latin typeface="Consolas"/>
+                <a:cs typeface="Consolas"/>
+              </a:rPr>
+              <a:t>prefix.decl.h</a:t>
+            </a:r>
+            <a:r>
               <a:rPr lang="en-US" sz="1400" dirty="0">
                 <a:latin typeface="Consolas"/>
                 <a:cs typeface="Consolas"/>
               </a:rPr>
-              <a:t>”prefix.decl.h” </a:t>
+              <a:t>” </a:t>
             </a:r>
             <a:endParaRPr lang="en-US" sz="1400" dirty="0" smtClean="0">
               <a:latin typeface="Consolas"/>
@@ -23831,7 +24087,28 @@
                 <a:latin typeface="Consolas"/>
                 <a:cs typeface="Consolas"/>
               </a:rPr>
-              <a:t>(msg&gt;argc &gt; 1) </a:t>
+              <a:t>(</a:t>
+            </a:r>
+            <a:r>
+              <a:rPr lang="en-US" sz="1400" dirty="0" err="1" smtClean="0">
+                <a:latin typeface="Consolas"/>
+                <a:cs typeface="Consolas"/>
+              </a:rPr>
+              <a:t>msg</a:t>
+            </a:r>
+            <a:r>
+              <a:rPr lang="en-US" sz="1400" dirty="0" smtClean="0">
+                <a:latin typeface="Consolas"/>
+                <a:cs typeface="Consolas"/>
+              </a:rPr>
+              <a:t>-&gt;</a:t>
+            </a:r>
+            <a:r>
+              <a:rPr lang="en-US" sz="1400" dirty="0">
+                <a:latin typeface="Consolas"/>
+                <a:cs typeface="Consolas"/>
+              </a:rPr>
+              <a:t>argc &gt; 1) </a:t>
             </a:r>
           </a:p>
           <a:p>
@@ -23850,7 +24127,28 @@
                 <a:latin typeface="Consolas"/>
                 <a:cs typeface="Consolas"/>
               </a:rPr>
-              <a:t>= atoi(msg&gt;argv[1]);</a:t>
+              <a:t>= atoi(</a:t>
+            </a:r>
+            <a:r>
+              <a:rPr lang="en-US" sz="1400" dirty="0" err="1" smtClean="0">
+                <a:latin typeface="Consolas"/>
+                <a:cs typeface="Consolas"/>
+              </a:rPr>
+              <a:t>msg</a:t>
+            </a:r>
+            <a:r>
+              <a:rPr lang="en-US" sz="1400" dirty="0" smtClean="0">
+                <a:latin typeface="Consolas"/>
+                <a:cs typeface="Consolas"/>
+              </a:rPr>
+              <a:t>-&gt;</a:t>
+            </a:r>
+            <a:r>
+              <a:rPr lang="en-US" sz="1400" dirty="0">
+                <a:latin typeface="Consolas"/>
+                <a:cs typeface="Consolas"/>
+              </a:rPr>
+              <a:t>argv[1]);</a:t>
             </a:r>
             <a:br>
               <a:rPr lang="en-US" sz="1400" dirty="0">
@@ -24666,7 +24964,14 @@
                 <a:latin typeface="Consolas"/>
                 <a:cs typeface="Consolas"/>
               </a:rPr>
-              <a:t>(thisIndex);</a:t>
+              <a:t>(thisIndex)</a:t>
+            </a:r>
+            <a:r>
+              <a:rPr lang="en-US" sz="1600" dirty="0" smtClean="0">
+                <a:latin typeface="Consolas"/>
+                <a:cs typeface="Consolas"/>
+              </a:rPr>
+              <a:t>;</a:t>
             </a:r>
           </a:p>
           <a:p>
@@ -24674,44 +24979,39 @@
               <a:buNone/>
             </a:pPr>
             <a:r>
+              <a:rPr lang="en-US" sz="1600" dirty="0">
+                <a:latin typeface="Consolas"/>
+                <a:cs typeface="Consolas"/>
+              </a:rPr>
+              <a:t>	</a:t>
+            </a:r>
+            <a:r>
               <a:rPr lang="en-US" sz="1600" dirty="0" smtClean="0">
                 <a:latin typeface="Consolas"/>
                 <a:cs typeface="Consolas"/>
               </a:rPr>
-              <a:t>         </a:t>
-            </a:r>
-            <a:r>
-              <a:rPr lang="en-US" sz="1400" dirty="0" smtClean="0">
-                <a:latin typeface="Consolas"/>
-                <a:cs typeface="Consolas"/>
-              </a:rPr>
-              <a:t>value </a:t>
-            </a:r>
-            <a:r>
-              <a:rPr lang="en-US" sz="1400" dirty="0">
-                <a:latin typeface="Consolas"/>
-                <a:cs typeface="Consolas"/>
-              </a:rPr>
-              <a:t>= rand() % 10; </a:t>
-            </a:r>
-            <a:r>
-              <a:rPr lang="en-US" sz="1400" i="1" dirty="0">
-                <a:latin typeface="Consolas"/>
-                <a:cs typeface="Consolas"/>
-              </a:rPr>
-              <a:t>// Random positive int between 0 and 9 (inclusive)</a:t>
-            </a:r>
-          </a:p>
-          <a:p>
-            <a:pPr marL="0" indent="0">
-              <a:buNone/>
-            </a:pPr>
-            <a:r>
-              <a:rPr lang="en-US" sz="1600" dirty="0" smtClean="0">
-                <a:latin typeface="Consolas"/>
-                <a:cs typeface="Consolas"/>
-              </a:rPr>
-              <a:t>      }</a:t>
+              <a:t> </a:t>
+            </a:r>
+            <a:r>
+              <a:rPr lang="en-US" sz="1600" i="1" dirty="0">
+                <a:latin typeface="Consolas"/>
+                <a:cs typeface="Consolas"/>
+              </a:rPr>
+              <a:t>// Random positive </a:t>
+            </a:r>
+            <a:r>
+              <a:rPr lang="en-US" sz="1600" i="1" dirty="0" err="1">
+                <a:latin typeface="Consolas"/>
+                <a:cs typeface="Consolas"/>
+              </a:rPr>
+              <a:t>int</a:t>
+            </a:r>
+            <a:r>
+              <a:rPr lang="en-US" sz="1600" i="1" dirty="0">
+                <a:latin typeface="Consolas"/>
+                <a:cs typeface="Consolas"/>
+              </a:rPr>
+              <a:t> between 0 and 9 (inclusive)</a:t>
             </a:r>
             <a:endParaRPr lang="en-US" sz="1600" dirty="0">
               <a:latin typeface="Consolas"/>
@@ -24727,20 +25027,31 @@
                 <a:latin typeface="Consolas"/>
                 <a:cs typeface="Consolas"/>
               </a:rPr>
-              <a:t>      Prefix</a:t>
+              <a:t>         value </a:t>
             </a:r>
             <a:r>
               <a:rPr lang="en-US" sz="1600" dirty="0">
                 <a:latin typeface="Consolas"/>
                 <a:cs typeface="Consolas"/>
               </a:rPr>
-              <a:t>(CkMigrateMessage ∗msg) { }</a:t>
-            </a:r>
+              <a:t>= rand() % 10; </a:t>
+            </a:r>
+            <a:endParaRPr lang="en-US" sz="1600" i="1" dirty="0">
+              <a:latin typeface="Consolas"/>
+              <a:cs typeface="Consolas"/>
+            </a:endParaRPr>
           </a:p>
           <a:p>
             <a:pPr marL="0" indent="0">
               <a:buNone/>
             </a:pPr>
+            <a:r>
+              <a:rPr lang="en-US" sz="1600" dirty="0" smtClean="0">
+                <a:latin typeface="Consolas"/>
+                <a:cs typeface="Consolas"/>
+              </a:rPr>
+              <a:t>      }</a:t>
+            </a:r>
             <a:endParaRPr lang="en-US" sz="1600" dirty="0">
               <a:latin typeface="Consolas"/>
               <a:cs typeface="Consolas"/>
@@ -24755,6 +25066,34 @@
                 <a:latin typeface="Consolas"/>
                 <a:cs typeface="Consolas"/>
               </a:rPr>
+              <a:t>      Prefix</a:t>
+            </a:r>
+            <a:r>
+              <a:rPr lang="en-US" sz="1600" dirty="0">
+                <a:latin typeface="Consolas"/>
+                <a:cs typeface="Consolas"/>
+              </a:rPr>
+              <a:t>(CkMigrateMessage ∗msg) { }</a:t>
+            </a:r>
+          </a:p>
+          <a:p>
+            <a:pPr marL="0" indent="0">
+              <a:buNone/>
+            </a:pPr>
+            <a:endParaRPr lang="en-US" sz="1600" dirty="0">
+              <a:latin typeface="Consolas"/>
+              <a:cs typeface="Consolas"/>
+            </a:endParaRPr>
+          </a:p>
+          <a:p>
+            <a:pPr marL="0" indent="0">
+              <a:buNone/>
+            </a:pPr>
+            <a:r>
+              <a:rPr lang="en-US" sz="1600" dirty="0" smtClean="0">
+                <a:latin typeface="Consolas"/>
+                <a:cs typeface="Consolas"/>
+              </a:rPr>
               <a:t>}</a:t>
             </a:r>
             <a:r>
@@ -24774,7 +25113,28 @@
                 <a:latin typeface="Consolas"/>
                 <a:cs typeface="Consolas"/>
               </a:rPr>
-              <a:t>#include ”prefix.def.h”</a:t>
+              <a:t>#include </a:t>
+            </a:r>
+            <a:r>
+              <a:rPr lang="en-US" sz="1600" dirty="0" smtClean="0">
+                <a:latin typeface="Consolas"/>
+                <a:cs typeface="Consolas"/>
+              </a:rPr>
+              <a:t>“</a:t>
+            </a:r>
+            <a:r>
+              <a:rPr lang="en-US" sz="1600" dirty="0" err="1" smtClean="0">
+                <a:latin typeface="Consolas"/>
+                <a:cs typeface="Consolas"/>
+              </a:rPr>
+              <a:t>prefix.def.h</a:t>
+            </a:r>
+            <a:r>
+              <a:rPr lang="en-US" sz="1600" dirty="0">
+                <a:latin typeface="Consolas"/>
+                <a:cs typeface="Consolas"/>
+              </a:rPr>
+              <a:t>”</a:t>
             </a:r>
           </a:p>
         </p:txBody>
@@ -26266,7 +26626,28 @@
                 <a:latin typeface="Consolas"/>
                 <a:cs typeface="Consolas"/>
               </a:rPr>
-              <a:t>Main(CkArgMsg∗  m);</a:t>
+              <a:t>Main(</a:t>
+            </a:r>
+            <a:r>
+              <a:rPr lang="en-US" sz="2000" dirty="0" err="1">
+                <a:latin typeface="Consolas"/>
+                <a:cs typeface="Consolas"/>
+              </a:rPr>
+              <a:t>CkArgMsg</a:t>
+            </a:r>
+            <a:r>
+              <a:rPr lang="en-US" sz="2000" dirty="0" smtClean="0">
+                <a:latin typeface="Consolas"/>
+                <a:cs typeface="Consolas"/>
+              </a:rPr>
+              <a:t>∗ </a:t>
+            </a:r>
+            <a:r>
+              <a:rPr lang="en-US" sz="2000" dirty="0">
+                <a:latin typeface="Consolas"/>
+                <a:cs typeface="Consolas"/>
+              </a:rPr>
+              <a:t>m);</a:t>
             </a:r>
           </a:p>
           <a:p>
@@ -26949,97 +27330,104 @@
               <a:t>      </a:t>
             </a:r>
             <a:r>
-              <a:rPr lang="en-US" sz="1400" b="1" dirty="0" smtClean="0">
+              <a:rPr lang="en-US" sz="1600" b="1" dirty="0" smtClean="0">
                 <a:latin typeface="Consolas"/>
                 <a:cs typeface="Consolas"/>
               </a:rPr>
               <a:t>entry </a:t>
             </a:r>
             <a:r>
-              <a:rPr lang="en-US" sz="1400" b="1" dirty="0">
+              <a:rPr lang="en-US" sz="1600" b="1" dirty="0">
                 <a:latin typeface="Consolas"/>
                 <a:cs typeface="Consolas"/>
               </a:rPr>
               <a:t>void </a:t>
             </a:r>
             <a:r>
-              <a:rPr lang="en-US" sz="1400" dirty="0">
+              <a:rPr lang="en-US" sz="1600" dirty="0">
                 <a:latin typeface="Consolas"/>
                 <a:cs typeface="Consolas"/>
               </a:rPr>
               <a:t>updateGhosts(</a:t>
             </a:r>
             <a:r>
-              <a:rPr lang="en-US" sz="1400" b="1" dirty="0">
+              <a:rPr lang="en-US" sz="1500" b="1" dirty="0">
                 <a:latin typeface="Consolas"/>
                 <a:cs typeface="Consolas"/>
               </a:rPr>
               <a:t>int </a:t>
             </a:r>
             <a:r>
-              <a:rPr lang="en-US" sz="1400" dirty="0">
+              <a:rPr lang="en-US" sz="1500" dirty="0">
                 <a:latin typeface="Consolas"/>
                 <a:cs typeface="Consolas"/>
               </a:rPr>
               <a:t>ref, </a:t>
             </a:r>
             <a:r>
-              <a:rPr lang="en-US" sz="1400" b="1" dirty="0">
+              <a:rPr lang="en-US" sz="1500" b="1" dirty="0">
                 <a:latin typeface="Consolas"/>
                 <a:cs typeface="Consolas"/>
               </a:rPr>
               <a:t>int </a:t>
             </a:r>
             <a:r>
-              <a:rPr lang="en-US" sz="1400" dirty="0">
+              <a:rPr lang="en-US" sz="1500" dirty="0">
                 <a:latin typeface="Consolas"/>
                 <a:cs typeface="Consolas"/>
               </a:rPr>
               <a:t>dir, </a:t>
             </a:r>
             <a:r>
-              <a:rPr lang="en-US" sz="1400" b="1" dirty="0">
+              <a:rPr lang="en-US" sz="1500" b="1" dirty="0">
                 <a:latin typeface="Consolas"/>
                 <a:cs typeface="Consolas"/>
               </a:rPr>
               <a:t>int </a:t>
             </a:r>
             <a:r>
-              <a:rPr lang="en-US" sz="1400" dirty="0">
+              <a:rPr lang="en-US" sz="1500" dirty="0">
                 <a:latin typeface="Consolas"/>
                 <a:cs typeface="Consolas"/>
               </a:rPr>
               <a:t>w, </a:t>
             </a:r>
             <a:r>
-              <a:rPr lang="en-US" sz="1400" b="1" dirty="0">
+              <a:rPr lang="en-US" sz="1500" b="1" dirty="0">
                 <a:latin typeface="Consolas"/>
                 <a:cs typeface="Consolas"/>
               </a:rPr>
               <a:t>int </a:t>
             </a:r>
             <a:r>
-              <a:rPr lang="en-US" sz="1400" dirty="0">
+              <a:rPr lang="en-US" sz="1500" dirty="0">
                 <a:latin typeface="Consolas"/>
                 <a:cs typeface="Consolas"/>
               </a:rPr>
               <a:t>h, </a:t>
             </a:r>
             <a:r>
-              <a:rPr lang="en-US" sz="1400" b="1" dirty="0">
+              <a:rPr lang="en-US" sz="1500" b="1" dirty="0">
                 <a:latin typeface="Consolas"/>
                 <a:cs typeface="Consolas"/>
               </a:rPr>
               <a:t>double </a:t>
             </a:r>
             <a:r>
-              <a:rPr lang="en-US" sz="1400" dirty="0">
-                <a:latin typeface="Consolas"/>
-                <a:cs typeface="Consolas"/>
-              </a:rPr>
-              <a:t>gh[w∗h]); </a:t>
-            </a:r>
-            <a:endParaRPr lang="en-US" sz="1400" dirty="0" smtClean="0">
+              <a:rPr lang="en-US" sz="1500" dirty="0">
+                <a:latin typeface="Consolas"/>
+                <a:cs typeface="Consolas"/>
+              </a:rPr>
+              <a:t>gh[w∗h]</a:t>
+            </a:r>
+            <a:r>
+              <a:rPr lang="en-US" sz="1600" dirty="0">
+                <a:latin typeface="Consolas"/>
+                <a:cs typeface="Consolas"/>
+              </a:rPr>
+              <a:t>); </a:t>
+            </a:r>
+            <a:endParaRPr lang="en-US" sz="1600" dirty="0" smtClean="0">
               <a:latin typeface="Consolas"/>
               <a:cs typeface="Consolas"/>
             </a:endParaRPr>
@@ -27588,7 +27976,21 @@
                 <a:latin typeface="Consolas"/>
                 <a:cs typeface="Consolas"/>
               </a:rPr>
-              <a:t>(wrapX(x1),y,z).updateGhosts(iter, RIGHT, bdY, bdZ, rightGhost); </a:t>
+              <a:t>(wrapX(</a:t>
+            </a:r>
+            <a:r>
+              <a:rPr lang="en-US" dirty="0" smtClean="0">
+                <a:latin typeface="Consolas"/>
+                <a:cs typeface="Consolas"/>
+              </a:rPr>
+              <a:t>x-1</a:t>
+            </a:r>
+            <a:r>
+              <a:rPr lang="en-US" dirty="0">
+                <a:latin typeface="Consolas"/>
+                <a:cs typeface="Consolas"/>
+              </a:rPr>
+              <a:t>),y,z).updateGhosts(iter, RIGHT, bdY, bdZ, rightGhost); </a:t>
             </a:r>
             <a:endParaRPr lang="en-US" dirty="0" smtClean="0">
               <a:latin typeface="Consolas"/>
@@ -27648,7 +28050,21 @@
                 <a:latin typeface="Consolas"/>
                 <a:cs typeface="Consolas"/>
               </a:rPr>
-              <a:t>(x,wrapY(y1),z).updateGhosts(iter, TOP, bdX, bdZ, topGhost); </a:t>
+              <a:t>(x,wrapY(</a:t>
+            </a:r>
+            <a:r>
+              <a:rPr lang="en-US" dirty="0" smtClean="0">
+                <a:latin typeface="Consolas"/>
+                <a:cs typeface="Consolas"/>
+              </a:rPr>
+              <a:t>y-1</a:t>
+            </a:r>
+            <a:r>
+              <a:rPr lang="en-US" dirty="0">
+                <a:latin typeface="Consolas"/>
+                <a:cs typeface="Consolas"/>
+              </a:rPr>
+              <a:t>),z).updateGhosts(iter, TOP, bdX, bdZ, topGhost); </a:t>
             </a:r>
             <a:endParaRPr lang="en-US" dirty="0" smtClean="0">
               <a:latin typeface="Consolas"/>
@@ -27708,7 +28124,21 @@
                 <a:latin typeface="Consolas"/>
                 <a:cs typeface="Consolas"/>
               </a:rPr>
-              <a:t>(x,y,wrapZ(z1)).updateGhosts(iter, BACK, bdX, bdY, backGhost); </a:t>
+              <a:t>(x,y,wrapZ(</a:t>
+            </a:r>
+            <a:r>
+              <a:rPr lang="en-US" dirty="0" smtClean="0">
+                <a:latin typeface="Consolas"/>
+                <a:cs typeface="Consolas"/>
+              </a:rPr>
+              <a:t>z-1</a:t>
+            </a:r>
+            <a:r>
+              <a:rPr lang="en-US" dirty="0">
+                <a:latin typeface="Consolas"/>
+                <a:cs typeface="Consolas"/>
+              </a:rPr>
+              <a:t>)).updateGhosts(iter, BACK, bdX, bdY, backGhost); </a:t>
             </a:r>
             <a:endParaRPr lang="en-US" dirty="0" smtClean="0">
               <a:latin typeface="Consolas"/>
@@ -28116,7 +28546,21 @@
                 <a:latin typeface="Consolas"/>
                 <a:cs typeface="Consolas"/>
               </a:rPr>
-              <a:t>), &amp;conv, CkReduction::logical and, cb); </a:t>
+              <a:t>), &amp;conv, CkReduction::</a:t>
+            </a:r>
+            <a:r>
+              <a:rPr lang="en-US" dirty="0" err="1" smtClean="0">
+                <a:latin typeface="Consolas"/>
+                <a:cs typeface="Consolas"/>
+              </a:rPr>
+              <a:t>logical_and</a:t>
+            </a:r>
+            <a:r>
+              <a:rPr lang="en-US" dirty="0">
+                <a:latin typeface="Consolas"/>
+                <a:cs typeface="Consolas"/>
+              </a:rPr>
+              <a:t>, cb); </a:t>
             </a:r>
           </a:p>
           <a:p>
@@ -29242,7 +29686,21 @@
                 <a:latin typeface="Consolas"/>
                 <a:cs typeface="Consolas"/>
               </a:rPr>
-              <a:t>(int), &amp;conv, CkReduction::logical  and, CkCallback(CkReductionTarget(Jacobi, </a:t>
+              <a:t>(int), &amp;conv, CkReduction::</a:t>
+            </a:r>
+            <a:r>
+              <a:rPr lang="en-US" sz="1050" dirty="0" err="1" smtClean="0">
+                <a:latin typeface="Consolas"/>
+                <a:cs typeface="Consolas"/>
+              </a:rPr>
+              <a:t>logical_and</a:t>
+            </a:r>
+            <a:r>
+              <a:rPr lang="en-US" sz="1050" dirty="0">
+                <a:latin typeface="Consolas"/>
+                <a:cs typeface="Consolas"/>
+              </a:rPr>
+              <a:t>, CkCallback(CkReductionTarget(Jacobi, </a:t>
             </a:r>
             <a:endParaRPr lang="en-US" sz="1050" dirty="0" smtClean="0">
               <a:latin typeface="Consolas"/>
@@ -31880,7 +32338,28 @@
                 <a:latin typeface="Consolas"/>
                 <a:cs typeface="Consolas"/>
               </a:rPr>
-              <a:t>key, CProxy Client c, </a:t>
+              <a:t>key, </a:t>
+            </a:r>
+            <a:r>
+              <a:rPr lang="en-US" sz="1700" dirty="0" err="1" smtClean="0">
+                <a:latin typeface="Consolas"/>
+                <a:cs typeface="Consolas"/>
+              </a:rPr>
+              <a:t>CProxy_Client</a:t>
+            </a:r>
+            <a:r>
+              <a:rPr lang="en-US" sz="1700" dirty="0" smtClean="0">
+                <a:latin typeface="Consolas"/>
+                <a:cs typeface="Consolas"/>
+              </a:rPr>
+              <a:t> </a:t>
+            </a:r>
+            <a:r>
+              <a:rPr lang="en-US" sz="1700" dirty="0">
+                <a:latin typeface="Consolas"/>
+                <a:cs typeface="Consolas"/>
+              </a:rPr>
+              <a:t>c, </a:t>
             </a:r>
             <a:r>
               <a:rPr lang="en-US" sz="1700" b="1" dirty="0">
@@ -32514,8 +32993,60 @@
                 <a:latin typeface="Consolas"/>
                 <a:cs typeface="Consolas"/>
               </a:rPr>
-              <a:t>isRoot_, CProxy_Fib parent_)</a:t>
-            </a:r>
+              <a:t>isRoot_, CProxy_Fib parent_</a:t>
+            </a:r>
+            <a:r>
+              <a:rPr lang="en-US" sz="1600" dirty="0" smtClean="0">
+                <a:latin typeface="Consolas"/>
+                <a:cs typeface="Consolas"/>
+              </a:rPr>
+              <a:t>)</a:t>
+            </a:r>
+          </a:p>
+          <a:p>
+            <a:pPr marL="0" indent="0">
+              <a:buNone/>
+            </a:pPr>
+            <a:r>
+              <a:rPr lang="en-US" sz="1600" dirty="0" smtClean="0">
+                <a:latin typeface="Consolas"/>
+                <a:cs typeface="Consolas"/>
+              </a:rPr>
+              <a:t>        : parent(parent_), </a:t>
+            </a:r>
+            <a:r>
+              <a:rPr lang="en-US" sz="1600" dirty="0" err="1" smtClean="0">
+                <a:latin typeface="Consolas"/>
+                <a:cs typeface="Consolas"/>
+              </a:rPr>
+              <a:t>isRoot</a:t>
+            </a:r>
+            <a:r>
+              <a:rPr lang="en-US" sz="1600" dirty="0" smtClean="0">
+                <a:latin typeface="Consolas"/>
+                <a:cs typeface="Consolas"/>
+              </a:rPr>
+              <a:t>(</a:t>
+            </a:r>
+            <a:r>
+              <a:rPr lang="en-US" sz="1600" dirty="0" err="1" smtClean="0">
+                <a:latin typeface="Consolas"/>
+                <a:cs typeface="Consolas"/>
+              </a:rPr>
+              <a:t>isRoot</a:t>
+            </a:r>
+            <a:r>
+              <a:rPr lang="en-US" sz="1600" dirty="0" smtClean="0">
+                <a:latin typeface="Consolas"/>
+                <a:cs typeface="Consolas"/>
+              </a:rPr>
+              <a:t>_), result(0), count(2) {</a:t>
+            </a:r>
+          </a:p>
+          <a:p>
+            <a:pPr marL="0" indent="0">
+              <a:buNone/>
+            </a:pPr>
             <a:endParaRPr lang="en-US" sz="1600" dirty="0">
               <a:latin typeface="Consolas"/>
               <a:cs typeface="Consolas"/>
@@ -32530,55 +33061,151 @@
                 <a:latin typeface="Consolas"/>
                 <a:cs typeface="Consolas"/>
               </a:rPr>
-              <a:t>        : </a:t>
+              <a:t>        </a:t>
+            </a:r>
+            <a:r>
+              <a:rPr lang="en-US" sz="1600" b="1" dirty="0" smtClean="0">
+                <a:latin typeface="Consolas"/>
+                <a:cs typeface="Consolas"/>
+              </a:rPr>
+              <a:t>if </a:t>
             </a:r>
             <a:r>
               <a:rPr lang="en-US" sz="1600" dirty="0">
                 <a:latin typeface="Consolas"/>
                 <a:cs typeface="Consolas"/>
               </a:rPr>
-              <a:t>parent</a:t>
-            </a:r>
-            <a:r>
-              <a:rPr lang="en-US" sz="1600">
-                <a:latin typeface="Consolas"/>
-                <a:cs typeface="Consolas"/>
-              </a:rPr>
-              <a:t>(</a:t>
-            </a:r>
-            <a:r>
-              <a:rPr lang="en-US" sz="1600" smtClean="0">
-                <a:latin typeface="Consolas"/>
-                <a:cs typeface="Consolas"/>
-              </a:rPr>
-              <a:t>parent_)</a:t>
+              <a:t>(n &lt; 2) respond(n);</a:t>
+            </a:r>
+          </a:p>
+          <a:p>
+            <a:pPr marL="0" indent="0">
+              <a:buNone/>
+            </a:pPr>
+            <a:r>
+              <a:rPr lang="en-US" sz="1600" dirty="0" smtClean="0">
+                <a:latin typeface="Consolas"/>
+                <a:cs typeface="Consolas"/>
+              </a:rPr>
+              <a:t>        </a:t>
+            </a:r>
+            <a:r>
+              <a:rPr lang="en-US" sz="1600" b="1" dirty="0" smtClean="0">
+                <a:latin typeface="Consolas"/>
+                <a:cs typeface="Consolas"/>
+              </a:rPr>
+              <a:t>else </a:t>
             </a:r>
             <a:r>
               <a:rPr lang="en-US" sz="1600" dirty="0">
                 <a:latin typeface="Consolas"/>
                 <a:cs typeface="Consolas"/>
               </a:rPr>
-              <a:t>, isRoot(</a:t>
-            </a:r>
+              <a:t>{</a:t>
+            </a:r>
+          </a:p>
+          <a:p>
+            <a:pPr marL="0" indent="0">
+              <a:buNone/>
+            </a:pPr>
             <a:r>
               <a:rPr lang="en-US" sz="1600" dirty="0" smtClean="0">
                 <a:latin typeface="Consolas"/>
                 <a:cs typeface="Consolas"/>
               </a:rPr>
-              <a:t>isRoot_)</a:t>
+              <a:t>            CProxy_Fib</a:t>
             </a:r>
             <a:r>
               <a:rPr lang="en-US" sz="1600" dirty="0">
                 <a:latin typeface="Consolas"/>
                 <a:cs typeface="Consolas"/>
               </a:rPr>
-              <a:t>, result(0), count(2) {</a:t>
-            </a:r>
+              <a:t>::ckNew(n − 1, </a:t>
+            </a:r>
+            <a:r>
+              <a:rPr lang="en-US" sz="1600" b="1" dirty="0">
+                <a:latin typeface="Consolas"/>
+                <a:cs typeface="Consolas"/>
+              </a:rPr>
+              <a:t>false</a:t>
+            </a:r>
+            <a:r>
+              <a:rPr lang="en-US" sz="1600" dirty="0">
+                <a:latin typeface="Consolas"/>
+                <a:cs typeface="Consolas"/>
+              </a:rPr>
+              <a:t>, thisProxy); </a:t>
+            </a:r>
+            <a:endParaRPr lang="en-US" sz="1600" dirty="0" smtClean="0">
+              <a:latin typeface="Consolas"/>
+              <a:cs typeface="Consolas"/>
+            </a:endParaRPr>
           </a:p>
           <a:p>
             <a:pPr marL="0" indent="0">
               <a:buNone/>
             </a:pPr>
+            <a:r>
+              <a:rPr lang="en-US" sz="1600" dirty="0">
+                <a:latin typeface="Consolas"/>
+                <a:cs typeface="Consolas"/>
+              </a:rPr>
+              <a:t> </a:t>
+            </a:r>
+            <a:r>
+              <a:rPr lang="en-US" sz="1600" dirty="0" smtClean="0">
+                <a:latin typeface="Consolas"/>
+                <a:cs typeface="Consolas"/>
+              </a:rPr>
+              <a:t>           CProxy_Fib</a:t>
+            </a:r>
+            <a:r>
+              <a:rPr lang="en-US" sz="1600" dirty="0">
+                <a:latin typeface="Consolas"/>
+                <a:cs typeface="Consolas"/>
+              </a:rPr>
+              <a:t>::ckNew(n − 2, </a:t>
+            </a:r>
+            <a:r>
+              <a:rPr lang="en-US" sz="1600" b="1" dirty="0">
+                <a:latin typeface="Consolas"/>
+                <a:cs typeface="Consolas"/>
+              </a:rPr>
+              <a:t>false</a:t>
+            </a:r>
+            <a:r>
+              <a:rPr lang="en-US" sz="1600" dirty="0">
+                <a:latin typeface="Consolas"/>
+                <a:cs typeface="Consolas"/>
+              </a:rPr>
+              <a:t>, thisProxy)</a:t>
+            </a:r>
+            <a:r>
+              <a:rPr lang="en-US" sz="1600" dirty="0" smtClean="0">
+                <a:latin typeface="Consolas"/>
+                <a:cs typeface="Consolas"/>
+              </a:rPr>
+              <a:t>;</a:t>
+            </a:r>
+          </a:p>
+          <a:p>
+            <a:pPr marL="0" indent="0">
+              <a:buNone/>
+            </a:pPr>
+            <a:r>
+              <a:rPr lang="en-US" sz="1600" dirty="0">
+                <a:latin typeface="Consolas"/>
+                <a:cs typeface="Consolas"/>
+              </a:rPr>
+              <a:t> </a:t>
+            </a:r>
+            <a:r>
+              <a:rPr lang="en-US" sz="1600" dirty="0" smtClean="0">
+                <a:latin typeface="Consolas"/>
+                <a:cs typeface="Consolas"/>
+              </a:rPr>
+              <a:t>       }</a:t>
+            </a:r>
             <a:endParaRPr lang="en-US" sz="1600" dirty="0">
               <a:latin typeface="Consolas"/>
               <a:cs typeface="Consolas"/>
@@ -32593,6 +33220,90 @@
                 <a:latin typeface="Consolas"/>
                 <a:cs typeface="Consolas"/>
               </a:rPr>
+              <a:t>    }</a:t>
+            </a:r>
+            <a:endParaRPr lang="en-US" sz="1600" dirty="0">
+              <a:latin typeface="Consolas"/>
+              <a:cs typeface="Consolas"/>
+            </a:endParaRPr>
+          </a:p>
+          <a:p>
+            <a:pPr marL="0" indent="0">
+              <a:buNone/>
+            </a:pPr>
+            <a:endParaRPr lang="en-US" sz="1600" dirty="0">
+              <a:latin typeface="Consolas"/>
+              <a:cs typeface="Consolas"/>
+            </a:endParaRPr>
+          </a:p>
+          <a:p>
+            <a:pPr marL="0" indent="0">
+              <a:buNone/>
+            </a:pPr>
+            <a:r>
+              <a:rPr lang="en-US" sz="1600" dirty="0" smtClean="0">
+                <a:latin typeface="Consolas"/>
+                <a:cs typeface="Consolas"/>
+              </a:rPr>
+              <a:t>    </a:t>
+            </a:r>
+            <a:r>
+              <a:rPr lang="en-US" sz="1600" b="1" dirty="0" smtClean="0">
+                <a:latin typeface="Consolas"/>
+                <a:cs typeface="Consolas"/>
+              </a:rPr>
+              <a:t>void </a:t>
+            </a:r>
+            <a:r>
+              <a:rPr lang="en-US" sz="1600" dirty="0">
+                <a:latin typeface="Consolas"/>
+                <a:cs typeface="Consolas"/>
+              </a:rPr>
+              <a:t>respond(</a:t>
+            </a:r>
+            <a:r>
+              <a:rPr lang="en-US" sz="1600" b="1" dirty="0">
+                <a:latin typeface="Consolas"/>
+                <a:cs typeface="Consolas"/>
+              </a:rPr>
+              <a:t>int </a:t>
+            </a:r>
+            <a:r>
+              <a:rPr lang="en-US" sz="1600" dirty="0">
+                <a:latin typeface="Consolas"/>
+                <a:cs typeface="Consolas"/>
+              </a:rPr>
+              <a:t>val) {</a:t>
+            </a:r>
+          </a:p>
+          <a:p>
+            <a:pPr marL="0" indent="0">
+              <a:buNone/>
+            </a:pPr>
+            <a:r>
+              <a:rPr lang="en-US" sz="1600" dirty="0" smtClean="0">
+                <a:latin typeface="Consolas"/>
+                <a:cs typeface="Consolas"/>
+              </a:rPr>
+              <a:t>        result </a:t>
+            </a:r>
+            <a:r>
+              <a:rPr lang="en-US" sz="1600" dirty="0">
+                <a:latin typeface="Consolas"/>
+                <a:cs typeface="Consolas"/>
+              </a:rPr>
+              <a:t>+= val;</a:t>
+            </a:r>
+          </a:p>
+          <a:p>
+            <a:pPr marL="0" indent="0">
+              <a:buNone/>
+            </a:pPr>
+            <a:r>
+              <a:rPr lang="en-US" sz="1600" dirty="0" smtClean="0">
+                <a:latin typeface="Consolas"/>
+                <a:cs typeface="Consolas"/>
+              </a:rPr>
               <a:t>        </a:t>
             </a:r>
             <a:r>
@@ -32607,7 +33318,7 @@
                 <a:latin typeface="Consolas"/>
                 <a:cs typeface="Consolas"/>
               </a:rPr>
-              <a:t>(n &lt; 2) respond(n);</a:t>
+              <a:t>(−−count == 0 || n &lt; 2) {</a:t>
             </a:r>
           </a:p>
           <a:p>
@@ -32619,21 +33330,21 @@
                 <a:latin typeface="Consolas"/>
                 <a:cs typeface="Consolas"/>
               </a:rPr>
-              <a:t>        </a:t>
+              <a:t>            </a:t>
             </a:r>
             <a:r>
               <a:rPr lang="en-US" sz="1600" b="1" dirty="0" smtClean="0">
                 <a:latin typeface="Consolas"/>
                 <a:cs typeface="Consolas"/>
               </a:rPr>
-              <a:t>else </a:t>
+              <a:t>if </a:t>
             </a:r>
             <a:r>
               <a:rPr lang="en-US" sz="1600" dirty="0">
                 <a:latin typeface="Consolas"/>
                 <a:cs typeface="Consolas"/>
               </a:rPr>
-              <a:t>{</a:t>
+              <a:t>(isRoot) {</a:t>
             </a:r>
           </a:p>
           <a:p>
@@ -32645,28 +33356,28 @@
                 <a:latin typeface="Consolas"/>
                 <a:cs typeface="Consolas"/>
               </a:rPr>
-              <a:t>            CProxy_Fib</a:t>
+              <a:t>                </a:t>
+            </a:r>
+            <a:r>
+              <a:rPr lang="en-US" sz="1600" dirty="0" err="1" smtClean="0">
+                <a:latin typeface="Consolas"/>
+                <a:cs typeface="Consolas"/>
+              </a:rPr>
+              <a:t>CkPrintf</a:t>
+            </a:r>
+            <a:r>
+              <a:rPr lang="en-US" sz="1600" dirty="0" smtClean="0">
+                <a:latin typeface="Consolas"/>
+                <a:cs typeface="Consolas"/>
+              </a:rPr>
+              <a:t>(“Fibonacci </a:t>
             </a:r>
             <a:r>
               <a:rPr lang="en-US" sz="1600" dirty="0">
                 <a:latin typeface="Consolas"/>
                 <a:cs typeface="Consolas"/>
               </a:rPr>
-              <a:t>::ckNew(n − 1, </a:t>
-            </a:r>
-            <a:r>
-              <a:rPr lang="en-US" sz="1600" b="1" dirty="0">
-                <a:latin typeface="Consolas"/>
-                <a:cs typeface="Consolas"/>
-              </a:rPr>
-              <a:t>false</a:t>
-            </a:r>
-            <a:r>
-              <a:rPr lang="en-US" sz="1600" dirty="0">
-                <a:latin typeface="Consolas"/>
-                <a:cs typeface="Consolas"/>
-              </a:rPr>
-              <a:t>, thisProxy); </a:t>
+              <a:t>number is: %d\n”, result); </a:t>
             </a:r>
             <a:endParaRPr lang="en-US" sz="1600" dirty="0" smtClean="0">
               <a:latin typeface="Consolas"/>
@@ -32689,213 +33400,47 @@
                 <a:latin typeface="Consolas"/>
                 <a:cs typeface="Consolas"/>
               </a:rPr>
-              <a:t>           CProxy_Fib</a:t>
+              <a:t>               CkExit</a:t>
             </a:r>
             <a:r>
               <a:rPr lang="en-US" sz="1600" dirty="0">
                 <a:latin typeface="Consolas"/>
                 <a:cs typeface="Consolas"/>
               </a:rPr>
-              <a:t>::ckNew(n − 2, </a:t>
+              <a:t>();</a:t>
+            </a:r>
+          </a:p>
+          <a:p>
+            <a:pPr marL="0" indent="0">
+              <a:buNone/>
+            </a:pPr>
+            <a:r>
+              <a:rPr lang="en-US" sz="1600" dirty="0" smtClean="0">
+                <a:latin typeface="Consolas"/>
+                <a:cs typeface="Consolas"/>
+              </a:rPr>
+              <a:t>            } </a:t>
             </a:r>
             <a:r>
               <a:rPr lang="en-US" sz="1600" b="1" dirty="0">
                 <a:latin typeface="Consolas"/>
                 <a:cs typeface="Consolas"/>
               </a:rPr>
-              <a:t>false</a:t>
+              <a:t>else</a:t>
             </a:r>
             <a:r>
               <a:rPr lang="en-US" sz="1600" dirty="0">
                 <a:latin typeface="Consolas"/>
                 <a:cs typeface="Consolas"/>
               </a:rPr>
-              <a:t>, thisProxy)</a:t>
+              <a:t> </a:t>
             </a:r>
             <a:r>
               <a:rPr lang="en-US" sz="1600" dirty="0" smtClean="0">
                 <a:latin typeface="Consolas"/>
                 <a:cs typeface="Consolas"/>
               </a:rPr>
-              <a:t>;</a:t>
-            </a:r>
-          </a:p>
-          <a:p>
-            <a:pPr marL="0" indent="0">
-              <a:buNone/>
-            </a:pPr>
-            <a:r>
-              <a:rPr lang="en-US" sz="1600" dirty="0">
-                <a:latin typeface="Consolas"/>
-                <a:cs typeface="Consolas"/>
-              </a:rPr>
-              <a:t> </a:t>
-            </a:r>
-            <a:r>
-              <a:rPr lang="en-US" sz="1600" dirty="0" smtClean="0">
-                <a:latin typeface="Consolas"/>
-                <a:cs typeface="Consolas"/>
-              </a:rPr>
-              <a:t>       }</a:t>
-            </a:r>
-            <a:endParaRPr lang="en-US" sz="1600" dirty="0">
-              <a:latin typeface="Consolas"/>
-              <a:cs typeface="Consolas"/>
-            </a:endParaRPr>
-          </a:p>
-          <a:p>
-            <a:pPr marL="0" indent="0">
-              <a:buNone/>
-            </a:pPr>
-            <a:r>
-              <a:rPr lang="en-US" sz="1600" dirty="0" smtClean="0">
-                <a:latin typeface="Consolas"/>
-                <a:cs typeface="Consolas"/>
-              </a:rPr>
-              <a:t>    }</a:t>
-            </a:r>
-            <a:endParaRPr lang="en-US" sz="1600" dirty="0">
-              <a:latin typeface="Consolas"/>
-              <a:cs typeface="Consolas"/>
-            </a:endParaRPr>
-          </a:p>
-          <a:p>
-            <a:pPr marL="0" indent="0">
-              <a:buNone/>
-            </a:pPr>
-            <a:endParaRPr lang="en-US" sz="1600" dirty="0">
-              <a:latin typeface="Consolas"/>
-              <a:cs typeface="Consolas"/>
-            </a:endParaRPr>
-          </a:p>
-          <a:p>
-            <a:pPr marL="0" indent="0">
-              <a:buNone/>
-            </a:pPr>
-            <a:r>
-              <a:rPr lang="en-US" sz="1600" dirty="0" smtClean="0">
-                <a:latin typeface="Consolas"/>
-                <a:cs typeface="Consolas"/>
-              </a:rPr>
-              <a:t>    </a:t>
-            </a:r>
-            <a:r>
-              <a:rPr lang="en-US" sz="1600" b="1" dirty="0" smtClean="0">
-                <a:latin typeface="Consolas"/>
-                <a:cs typeface="Consolas"/>
-              </a:rPr>
-              <a:t>void </a:t>
-            </a:r>
-            <a:r>
-              <a:rPr lang="en-US" sz="1600" dirty="0">
-                <a:latin typeface="Consolas"/>
-                <a:cs typeface="Consolas"/>
-              </a:rPr>
-              <a:t>respond(</a:t>
-            </a:r>
-            <a:r>
-              <a:rPr lang="en-US" sz="1600" b="1" dirty="0">
-                <a:latin typeface="Consolas"/>
-                <a:cs typeface="Consolas"/>
-              </a:rPr>
-              <a:t>int </a:t>
-            </a:r>
-            <a:r>
-              <a:rPr lang="en-US" sz="1600" dirty="0">
-                <a:latin typeface="Consolas"/>
-                <a:cs typeface="Consolas"/>
-              </a:rPr>
-              <a:t>val) {</a:t>
-            </a:r>
-          </a:p>
-          <a:p>
-            <a:pPr marL="0" indent="0">
-              <a:buNone/>
-            </a:pPr>
-            <a:r>
-              <a:rPr lang="en-US" sz="1600" dirty="0" smtClean="0">
-                <a:latin typeface="Consolas"/>
-                <a:cs typeface="Consolas"/>
-              </a:rPr>
-              <a:t>        result </a:t>
-            </a:r>
-            <a:r>
-              <a:rPr lang="en-US" sz="1600" dirty="0">
-                <a:latin typeface="Consolas"/>
-                <a:cs typeface="Consolas"/>
-              </a:rPr>
-              <a:t>+= val;</a:t>
-            </a:r>
-          </a:p>
-          <a:p>
-            <a:pPr marL="0" indent="0">
-              <a:buNone/>
-            </a:pPr>
-            <a:r>
-              <a:rPr lang="en-US" sz="1600" dirty="0" smtClean="0">
-                <a:latin typeface="Consolas"/>
-                <a:cs typeface="Consolas"/>
-              </a:rPr>
-              <a:t>        </a:t>
-            </a:r>
-            <a:r>
-              <a:rPr lang="en-US" sz="1600" b="1" dirty="0" smtClean="0">
-                <a:latin typeface="Consolas"/>
-                <a:cs typeface="Consolas"/>
-              </a:rPr>
-              <a:t>if </a:t>
-            </a:r>
-            <a:r>
-              <a:rPr lang="en-US" sz="1600" dirty="0">
-                <a:latin typeface="Consolas"/>
-                <a:cs typeface="Consolas"/>
-              </a:rPr>
-              <a:t>(−−count == 0 || n &lt; 2) {</a:t>
-            </a:r>
-          </a:p>
-          <a:p>
-            <a:pPr marL="0" indent="0">
-              <a:buNone/>
-            </a:pPr>
-            <a:r>
-              <a:rPr lang="en-US" sz="1600" dirty="0" smtClean="0">
-                <a:latin typeface="Consolas"/>
-                <a:cs typeface="Consolas"/>
-              </a:rPr>
-              <a:t>            </a:t>
-            </a:r>
-            <a:r>
-              <a:rPr lang="en-US" sz="1600" b="1" dirty="0" smtClean="0">
-                <a:latin typeface="Consolas"/>
-                <a:cs typeface="Consolas"/>
-              </a:rPr>
-              <a:t>if </a:t>
-            </a:r>
-            <a:r>
-              <a:rPr lang="en-US" sz="1600" dirty="0">
-                <a:latin typeface="Consolas"/>
-                <a:cs typeface="Consolas"/>
-              </a:rPr>
-              <a:t>(isRoot) {</a:t>
-            </a:r>
-          </a:p>
-          <a:p>
-            <a:pPr marL="0" indent="0">
-              <a:buNone/>
-            </a:pPr>
-            <a:r>
-              <a:rPr lang="en-US" sz="1600" dirty="0" smtClean="0">
-                <a:latin typeface="Consolas"/>
-                <a:cs typeface="Consolas"/>
-              </a:rPr>
-              <a:t>                CkPrintf</a:t>
-            </a:r>
-            <a:r>
-              <a:rPr lang="en-US" sz="1600" dirty="0">
-                <a:latin typeface="Consolas"/>
-                <a:cs typeface="Consolas"/>
-              </a:rPr>
-              <a:t>(”Fibonacci number is: %d\n”, result); </a:t>
+              <a:t>{</a:t>
             </a:r>
             <a:endParaRPr lang="en-US" sz="1600" dirty="0" smtClean="0">
               <a:latin typeface="Consolas"/>
@@ -32907,81 +33452,32 @@
               <a:buNone/>
             </a:pPr>
             <a:r>
+              <a:rPr lang="en-US" sz="1600" b="1" dirty="0">
+                <a:latin typeface="Consolas"/>
+                <a:cs typeface="Consolas"/>
+              </a:rPr>
+              <a:t> </a:t>
+            </a:r>
+            <a:r>
+              <a:rPr lang="en-US" sz="1600" b="1" dirty="0" smtClean="0">
+                <a:latin typeface="Consolas"/>
+                <a:cs typeface="Consolas"/>
+              </a:rPr>
+              <a:t>               </a:t>
+            </a:r>
+            <a:r>
+              <a:rPr lang="en-US" sz="1600" dirty="0" err="1" smtClean="0">
+                <a:latin typeface="Consolas"/>
+                <a:cs typeface="Consolas"/>
+              </a:rPr>
+              <a:t>parent.respond</a:t>
+            </a:r>
+            <a:r>
               <a:rPr lang="en-US" sz="1600" dirty="0">
                 <a:latin typeface="Consolas"/>
                 <a:cs typeface="Consolas"/>
               </a:rPr>
-              <a:t> </a:t>
-            </a:r>
-            <a:r>
-              <a:rPr lang="en-US" sz="1600" dirty="0" smtClean="0">
-                <a:latin typeface="Consolas"/>
-                <a:cs typeface="Consolas"/>
-              </a:rPr>
-              <a:t>               CkExit</a:t>
-            </a:r>
-            <a:r>
-              <a:rPr lang="en-US" sz="1600" dirty="0">
-                <a:latin typeface="Consolas"/>
-                <a:cs typeface="Consolas"/>
-              </a:rPr>
-              <a:t>();</a:t>
-            </a:r>
-          </a:p>
-          <a:p>
-            <a:pPr marL="0" indent="0">
-              <a:buNone/>
-            </a:pPr>
-            <a:r>
-              <a:rPr lang="en-US" sz="1600" dirty="0" smtClean="0">
-                <a:latin typeface="Consolas"/>
-                <a:cs typeface="Consolas"/>
-              </a:rPr>
-              <a:t>            } </a:t>
-            </a:r>
-            <a:r>
-              <a:rPr lang="en-US" sz="1600" b="1" dirty="0">
-                <a:latin typeface="Consolas"/>
-                <a:cs typeface="Consolas"/>
-              </a:rPr>
-              <a:t>else </a:t>
-            </a:r>
-            <a:endParaRPr lang="en-US" sz="1600" b="1" dirty="0" smtClean="0">
-              <a:latin typeface="Consolas"/>
-              <a:cs typeface="Consolas"/>
-            </a:endParaRPr>
-          </a:p>
-          <a:p>
-            <a:pPr marL="0" indent="0">
-              <a:buNone/>
-            </a:pPr>
-            <a:r>
-              <a:rPr lang="en-US" sz="1600" b="1" dirty="0">
-                <a:latin typeface="Consolas"/>
-                <a:cs typeface="Consolas"/>
-              </a:rPr>
-              <a:t> </a:t>
-            </a:r>
-            <a:r>
-              <a:rPr lang="en-US" sz="1600" b="1" dirty="0" smtClean="0">
-                <a:latin typeface="Consolas"/>
-                <a:cs typeface="Consolas"/>
-              </a:rPr>
-              <a:t>               </a:t>
-            </a:r>
-            <a:r>
-              <a:rPr lang="en-US" sz="1600" dirty="0" smtClean="0">
-                <a:latin typeface="Consolas"/>
-                <a:cs typeface="Consolas"/>
-              </a:rPr>
-              <a:t>{ </a:t>
-            </a:r>
-            <a:r>
-              <a:rPr lang="en-US" sz="1600" dirty="0">
-                <a:latin typeface="Consolas"/>
-                <a:cs typeface="Consolas"/>
-              </a:rPr>
-              <a:t>parent.respond(result); </a:t>
+              <a:t>(result); </a:t>
             </a:r>
             <a:endParaRPr lang="en-US" sz="1600" dirty="0" smtClean="0">
               <a:latin typeface="Consolas"/>
@@ -33641,39 +34137,39 @@
               <a:t> </a:t>
             </a:r>
             <a:r>
-              <a:rPr lang="en-US" sz="2000" spc="-15" dirty="0">
-                <a:latin typeface="Times New Roman"/>
-                <a:cs typeface="Times New Roman"/>
-              </a:rPr>
-              <a:t>calling  </a:t>
-            </a:r>
-            <a:r>
-              <a:rPr lang="en-US" sz="2000" spc="-114" dirty="0">
-                <a:latin typeface="Times New Roman"/>
-                <a:cs typeface="Times New Roman"/>
-              </a:rPr>
-              <a:t> </a:t>
-            </a:r>
-            <a:r>
-              <a:rPr lang="en-US" sz="2000" i="1" spc="-80" dirty="0">
-                <a:latin typeface="Courier"/>
-                <a:cs typeface="Courier"/>
+              <a:rPr lang="en-US" sz="2000" spc="-15" dirty="0" smtClean="0">
+                <a:latin typeface="Times New Roman"/>
+                <a:cs typeface="Times New Roman"/>
+              </a:rPr>
+              <a:t>calling</a:t>
+            </a:r>
+            <a:r>
+              <a:rPr lang="en-US" sz="2000" spc="-114" dirty="0" smtClean="0">
+                <a:latin typeface="Times New Roman"/>
+                <a:cs typeface="Times New Roman"/>
+              </a:rPr>
+              <a:t> </a:t>
+            </a:r>
+            <a:r>
+              <a:rPr lang="en-US" sz="2000" spc="-80" dirty="0" smtClean="0">
+                <a:latin typeface="Lucida Console"/>
+                <a:cs typeface="Lucida Console"/>
               </a:rPr>
               <a:t>respond</a:t>
             </a:r>
             <a:r>
-              <a:rPr lang="en-US" sz="2000" spc="-305" dirty="0">
-                <a:latin typeface="Courier"/>
-                <a:cs typeface="Courier"/>
-              </a:rPr>
-              <a:t> </a:t>
+              <a:rPr lang="en-US" sz="2000" spc="20" dirty="0" smtClean="0">
+                <a:latin typeface="Times New Roman"/>
+                <a:cs typeface="Times New Roman"/>
+              </a:rPr>
+              <a:t>)</a:t>
             </a:r>
             <a:r>
               <a:rPr lang="en-US" sz="2000" spc="20" dirty="0">
                 <a:latin typeface="Times New Roman"/>
                 <a:cs typeface="Times New Roman"/>
               </a:rPr>
-              <a:t>):</a:t>
+              <a:t>:</a:t>
             </a:r>
             <a:endParaRPr lang="en-US" sz="2000" dirty="0">
               <a:latin typeface="Times New Roman"/>
@@ -33905,21 +34401,21 @@
               <a:t> </a:t>
             </a:r>
             <a:r>
-              <a:rPr lang="en-US" sz="2000" dirty="0">
-                <a:latin typeface="Times New Roman"/>
-                <a:cs typeface="Times New Roman"/>
-              </a:rPr>
-              <a:t>our</a:t>
-            </a:r>
-            <a:r>
-              <a:rPr lang="en-US" sz="2000" spc="25" dirty="0">
+              <a:rPr lang="en-US" sz="2000" dirty="0" smtClean="0">
+                <a:latin typeface="Times New Roman"/>
+                <a:cs typeface="Times New Roman"/>
+              </a:rPr>
+              <a:t>our example</a:t>
+            </a:r>
+            <a:r>
+              <a:rPr lang="en-US" sz="2000" spc="25" dirty="0" smtClean="0">
                 <a:latin typeface="Times New Roman"/>
                 <a:cs typeface="Times New Roman"/>
               </a:rPr>
               <a:t>,</a:t>
             </a:r>
             <a:r>
-              <a:rPr lang="en-US" sz="2000" spc="80" dirty="0">
+              <a:rPr lang="en-US" sz="2000" spc="80" dirty="0" smtClean="0">
                 <a:latin typeface="Times New Roman"/>
                 <a:cs typeface="Times New Roman"/>
               </a:rPr>
@@ -36428,6 +36924,17 @@
               </a:rPr>
               <a:t>serial</a:t>
             </a:r>
+            <a:r>
+              <a:rPr lang="en-US" spc="10" dirty="0" smtClean="0">
+                <a:latin typeface="Consolas"/>
+                <a:cs typeface="Consolas"/>
+              </a:rPr>
+              <a:t> {</a:t>
+            </a:r>
+            <a:endParaRPr lang="en-US" spc="10" dirty="0" smtClean="0">
+              <a:latin typeface="Consolas"/>
+              <a:cs typeface="Consolas"/>
+            </a:endParaRPr>
           </a:p>
           <a:p>
             <a:pPr marL="0" indent="0">
@@ -36451,18 +36958,18 @@
               <a:t>       </a:t>
             </a:r>
             <a:r>
-              <a:rPr lang="en-US" spc="10" dirty="0" smtClean="0">
-                <a:latin typeface="Consolas"/>
-                <a:cs typeface="Consolas"/>
-              </a:rPr>
-              <a:t>{ </a:t>
+              <a:rPr lang="en-US" spc="10" dirty="0" err="1" smtClean="0">
+                <a:latin typeface="Consolas"/>
+                <a:cs typeface="Consolas"/>
+              </a:rPr>
+              <a:t>thisProxy.invokeMethod</a:t>
             </a:r>
             <a:r>
               <a:rPr lang="en-US" spc="10" dirty="0">
                 <a:latin typeface="Consolas"/>
                 <a:cs typeface="Consolas"/>
               </a:rPr>
-              <a:t>thisProxy.invokeMethod(10); </a:t>
+              <a:t>(10); </a:t>
             </a:r>
             <a:r>
               <a:rPr lang="en-US" spc="10" dirty="0" smtClean="0">
@@ -36771,11 +37278,25 @@
               <a:t>    serial </a:t>
             </a:r>
             <a:r>
+              <a:rPr lang="en-US" sz="1500" spc="10" dirty="0" smtClean="0">
+                <a:latin typeface="Consolas"/>
+                <a:cs typeface="Consolas"/>
+              </a:rPr>
+              <a:t>“</a:t>
+            </a:r>
+            <a:r>
+              <a:rPr lang="en-US" sz="1500" spc="10" dirty="0" err="1" smtClean="0">
+                <a:latin typeface="Consolas"/>
+                <a:cs typeface="Consolas"/>
+              </a:rPr>
+              <a:t>setValue</a:t>
+            </a:r>
+            <a:r>
               <a:rPr lang="en-US" sz="1500" spc="10" dirty="0">
                 <a:latin typeface="Consolas"/>
                 <a:cs typeface="Consolas"/>
               </a:rPr>
-              <a:t>”setValue” {</a:t>
+              <a:t>” {</a:t>
             </a:r>
           </a:p>
           <a:p>
@@ -39231,7 +39752,21 @@
                 <a:latin typeface="Courier"/>
                 <a:cs typeface="Courier"/>
               </a:rPr>
-              <a:t> myMethod2 </a:t>
+              <a:t> </a:t>
+            </a:r>
+            <a:r>
+              <a:rPr lang="en-US" dirty="0" smtClean="0">
+                <a:latin typeface="Lucida Console"/>
+                <a:cs typeface="Lucida Console"/>
+              </a:rPr>
+              <a:t>myMethod2</a:t>
+            </a:r>
+            <a:r>
+              <a:rPr lang="en-US" i="1" dirty="0" smtClean="0">
+                <a:latin typeface="Courier"/>
+                <a:cs typeface="Courier"/>
+              </a:rPr>
+              <a:t> </a:t>
             </a:r>
             <a:r>
               <a:rPr lang="en-US" dirty="0" smtClean="0">

--- a/tutorial-07-sdag.pptx
+++ b/tutorial-07-sdag.pptx
@@ -6640,7 +6640,7 @@
             </a:r>
           </a:p>
           <a:p>
-            <a:pPr marL="681038" lvl="1" indent="-276225">
+            <a:pPr marL="955358" lvl="2" indent="-276225">
               <a:buClr>
                 <a:srgbClr val="0000FF"/>
               </a:buClr>
@@ -6649,12 +6649,12 @@
               <a:buChar char="•"/>
             </a:pPr>
             <a:r>
-              <a:rPr lang="en-US" dirty="0" smtClean="0"/>
+              <a:rPr lang="en-US" dirty="0"/>
               <a:t>Object Design</a:t>
             </a:r>
           </a:p>
           <a:p>
-            <a:pPr marL="681038" lvl="1" indent="-276225">
+            <a:pPr marL="955358" lvl="2" indent="-276225">
               <a:buClr>
                 <a:srgbClr val="0000FF"/>
               </a:buClr>
@@ -6663,7 +6663,7 @@
               <a:buChar char="•"/>
             </a:pPr>
             <a:r>
-              <a:rPr lang="en-US" dirty="0" smtClean="0"/>
+              <a:rPr lang="en-US" dirty="0"/>
               <a:t>Execution Model</a:t>
             </a:r>
           </a:p>
@@ -6678,7 +6678,11 @@
             </a:pPr>
             <a:r>
               <a:rPr lang="en-US" dirty="0" smtClean="0"/>
-              <a:t>Hello World</a:t>
+              <a:t>Hello </a:t>
+            </a:r>
+            <a:r>
+              <a:rPr lang="en-US" dirty="0" smtClean="0"/>
+              <a:t>World</a:t>
             </a:r>
           </a:p>
           <a:p>
@@ -6710,7 +6714,7 @@
             </a:r>
           </a:p>
           <a:p>
-            <a:pPr marL="681038" lvl="1" indent="-331788">
+            <a:pPr marL="954088" lvl="2" indent="-266700">
               <a:buClr>
                 <a:srgbClr val="0000FF"/>
               </a:buClr>
@@ -6719,7 +6723,7 @@
               <a:buChar char="•"/>
             </a:pPr>
             <a:r>
-              <a:rPr lang="en-US" dirty="0" smtClean="0"/>
+              <a:rPr lang="en-US" dirty="0"/>
               <a:t>Object Collections</a:t>
             </a:r>
           </a:p>
@@ -6733,9 +6737,10 @@
               <a:buAutoNum type="arabicParenR" startAt="5"/>
             </a:pPr>
             <a:r>
-              <a:rPr lang="en-US" dirty="0" smtClean="0"/>
+              <a:rPr lang="en-US" dirty="0" err="1" smtClean="0"/>
               <a:t>Overdecomposition</a:t>
             </a:r>
+            <a:endParaRPr lang="en-US" dirty="0" smtClean="0"/>
           </a:p>
           <a:p>
             <a:pPr marL="681038" indent="-681038">
@@ -6752,7 +6757,7 @@
             </a:r>
           </a:p>
           <a:p>
-            <a:pPr marL="681038" lvl="1" indent="-385763">
+            <a:pPr marL="954088" lvl="2" indent="-266700">
               <a:buClr>
                 <a:srgbClr val="0000FF"/>
               </a:buClr>
@@ -6761,8 +6766,12 @@
               <a:buChar char="•"/>
             </a:pPr>
             <a:r>
-              <a:rPr lang="en-US" dirty="0" smtClean="0"/>
-              <a:t>Checkpointing and Resilience</a:t>
+              <a:rPr lang="en-US" dirty="0" err="1"/>
+              <a:t>Checkpointing</a:t>
+            </a:r>
+            <a:r>
+              <a:rPr lang="en-US" dirty="0"/>
+              <a:t> and Resilience</a:t>
             </a:r>
           </a:p>
           <a:p>
@@ -6776,7 +6785,11 @@
             </a:pPr>
             <a:r>
               <a:rPr lang="en-US" dirty="0" smtClean="0"/>
-              <a:t>Structured Dagger</a:t>
+              <a:t>Structured </a:t>
+            </a:r>
+            <a:r>
+              <a:rPr lang="en-US" dirty="0" smtClean="0"/>
+              <a:t>Dagger</a:t>
             </a:r>
           </a:p>
           <a:p>
@@ -10689,14 +10702,7 @@
                 <a:latin typeface="Consolas"/>
                 <a:cs typeface="Consolas"/>
               </a:rPr>
-              <a:t>isRoot_, CProxy_Fib parent_</a:t>
-            </a:r>
-            <a:r>
-              <a:rPr lang="en-US" dirty="0" smtClean="0">
-                <a:latin typeface="Consolas"/>
-                <a:cs typeface="Consolas"/>
-              </a:rPr>
-              <a:t>)</a:t>
+              <a:t>isRoot_, CProxy_Fib parent_)</a:t>
             </a:r>
             <a:r>
               <a:rPr lang="en-US" dirty="0">
@@ -20002,9 +20008,415 @@
   <p:timing>
     <p:tnLst>
       <p:par>
-        <p:cTn xmlns:p14="http://schemas.microsoft.com/office/powerpoint/2010/main" id="1" dur="indefinite" restart="never" nodeType="tmRoot"/>
+        <p:cTn xmlns:p14="http://schemas.microsoft.com/office/powerpoint/2010/main" id="1" dur="indefinite" restart="never" nodeType="tmRoot">
+          <p:childTnLst>
+            <p:seq concurrent="1" nextAc="seek">
+              <p:cTn id="2" dur="indefinite" nodeType="mainSeq">
+                <p:childTnLst>
+                  <p:par>
+                    <p:cTn id="3" fill="hold">
+                      <p:stCondLst>
+                        <p:cond delay="indefinite"/>
+                        <p:cond evt="onBegin" delay="0">
+                          <p:tn val="2"/>
+                        </p:cond>
+                      </p:stCondLst>
+                      <p:childTnLst>
+                        <p:par>
+                          <p:cTn id="4" fill="hold">
+                            <p:stCondLst>
+                              <p:cond delay="0"/>
+                            </p:stCondLst>
+                            <p:childTnLst>
+                              <p:par>
+                                <p:cTn id="5" presetID="1" presetClass="entr" presetSubtype="0" fill="hold" grpId="0" nodeType="withEffect">
+                                  <p:stCondLst>
+                                    <p:cond delay="0"/>
+                                  </p:stCondLst>
+                                  <p:childTnLst>
+                                    <p:set>
+                                      <p:cBhvr>
+                                        <p:cTn id="6" dur="1" fill="hold">
+                                          <p:stCondLst>
+                                            <p:cond delay="0"/>
+                                          </p:stCondLst>
+                                        </p:cTn>
+                                        <p:tgtEl>
+                                          <p:spTgt spid="3">
+                                            <p:txEl>
+                                              <p:pRg st="0" end="0"/>
+                                            </p:txEl>
+                                          </p:spTgt>
+                                        </p:tgtEl>
+                                        <p:attrNameLst>
+                                          <p:attrName>style.visibility</p:attrName>
+                                        </p:attrNameLst>
+                                      </p:cBhvr>
+                                      <p:to>
+                                        <p:strVal val="visible"/>
+                                      </p:to>
+                                    </p:set>
+                                  </p:childTnLst>
+                                </p:cTn>
+                              </p:par>
+                              <p:par>
+                                <p:cTn id="7" presetID="1" presetClass="entr" presetSubtype="0" fill="hold" grpId="0" nodeType="withEffect">
+                                  <p:stCondLst>
+                                    <p:cond delay="0"/>
+                                  </p:stCondLst>
+                                  <p:childTnLst>
+                                    <p:set>
+                                      <p:cBhvr>
+                                        <p:cTn id="8" dur="1" fill="hold">
+                                          <p:stCondLst>
+                                            <p:cond delay="0"/>
+                                          </p:stCondLst>
+                                        </p:cTn>
+                                        <p:tgtEl>
+                                          <p:spTgt spid="3">
+                                            <p:txEl>
+                                              <p:pRg st="1" end="1"/>
+                                            </p:txEl>
+                                          </p:spTgt>
+                                        </p:tgtEl>
+                                        <p:attrNameLst>
+                                          <p:attrName>style.visibility</p:attrName>
+                                        </p:attrNameLst>
+                                      </p:cBhvr>
+                                      <p:to>
+                                        <p:strVal val="visible"/>
+                                      </p:to>
+                                    </p:set>
+                                  </p:childTnLst>
+                                </p:cTn>
+                              </p:par>
+                              <p:par>
+                                <p:cTn id="9" presetID="1" presetClass="entr" presetSubtype="0" fill="hold" grpId="0" nodeType="withEffect">
+                                  <p:stCondLst>
+                                    <p:cond delay="0"/>
+                                  </p:stCondLst>
+                                  <p:childTnLst>
+                                    <p:set>
+                                      <p:cBhvr>
+                                        <p:cTn id="10" dur="1" fill="hold">
+                                          <p:stCondLst>
+                                            <p:cond delay="0"/>
+                                          </p:stCondLst>
+                                        </p:cTn>
+                                        <p:tgtEl>
+                                          <p:spTgt spid="3">
+                                            <p:txEl>
+                                              <p:pRg st="2" end="2"/>
+                                            </p:txEl>
+                                          </p:spTgt>
+                                        </p:tgtEl>
+                                        <p:attrNameLst>
+                                          <p:attrName>style.visibility</p:attrName>
+                                        </p:attrNameLst>
+                                      </p:cBhvr>
+                                      <p:to>
+                                        <p:strVal val="visible"/>
+                                      </p:to>
+                                    </p:set>
+                                  </p:childTnLst>
+                                </p:cTn>
+                              </p:par>
+                              <p:par>
+                                <p:cTn id="11" presetID="1" presetClass="entr" presetSubtype="0" fill="hold" grpId="0" nodeType="withEffect">
+                                  <p:stCondLst>
+                                    <p:cond delay="0"/>
+                                  </p:stCondLst>
+                                  <p:childTnLst>
+                                    <p:set>
+                                      <p:cBhvr>
+                                        <p:cTn id="12" dur="1" fill="hold">
+                                          <p:stCondLst>
+                                            <p:cond delay="0"/>
+                                          </p:stCondLst>
+                                        </p:cTn>
+                                        <p:tgtEl>
+                                          <p:spTgt spid="3">
+                                            <p:txEl>
+                                              <p:pRg st="3" end="3"/>
+                                            </p:txEl>
+                                          </p:spTgt>
+                                        </p:tgtEl>
+                                        <p:attrNameLst>
+                                          <p:attrName>style.visibility</p:attrName>
+                                        </p:attrNameLst>
+                                      </p:cBhvr>
+                                      <p:to>
+                                        <p:strVal val="visible"/>
+                                      </p:to>
+                                    </p:set>
+                                  </p:childTnLst>
+                                </p:cTn>
+                              </p:par>
+                              <p:par>
+                                <p:cTn id="13" presetID="1" presetClass="entr" presetSubtype="0" fill="hold" grpId="0" nodeType="withEffect">
+                                  <p:stCondLst>
+                                    <p:cond delay="0"/>
+                                  </p:stCondLst>
+                                  <p:childTnLst>
+                                    <p:set>
+                                      <p:cBhvr>
+                                        <p:cTn id="14" dur="1" fill="hold">
+                                          <p:stCondLst>
+                                            <p:cond delay="0"/>
+                                          </p:stCondLst>
+                                        </p:cTn>
+                                        <p:tgtEl>
+                                          <p:spTgt spid="3">
+                                            <p:txEl>
+                                              <p:pRg st="4" end="4"/>
+                                            </p:txEl>
+                                          </p:spTgt>
+                                        </p:tgtEl>
+                                        <p:attrNameLst>
+                                          <p:attrName>style.visibility</p:attrName>
+                                        </p:attrNameLst>
+                                      </p:cBhvr>
+                                      <p:to>
+                                        <p:strVal val="visible"/>
+                                      </p:to>
+                                    </p:set>
+                                  </p:childTnLst>
+                                </p:cTn>
+                              </p:par>
+                            </p:childTnLst>
+                          </p:cTn>
+                        </p:par>
+                      </p:childTnLst>
+                    </p:cTn>
+                  </p:par>
+                  <p:par>
+                    <p:cTn id="15" fill="hold">
+                      <p:stCondLst>
+                        <p:cond delay="indefinite"/>
+                      </p:stCondLst>
+                      <p:childTnLst>
+                        <p:par>
+                          <p:cTn id="16" fill="hold">
+                            <p:stCondLst>
+                              <p:cond delay="0"/>
+                            </p:stCondLst>
+                            <p:childTnLst>
+                              <p:par>
+                                <p:cTn id="17" presetID="1" presetClass="entr" presetSubtype="0" fill="hold" grpId="0" nodeType="clickEffect">
+                                  <p:stCondLst>
+                                    <p:cond delay="0"/>
+                                  </p:stCondLst>
+                                  <p:childTnLst>
+                                    <p:set>
+                                      <p:cBhvr>
+                                        <p:cTn id="18" dur="1" fill="hold">
+                                          <p:stCondLst>
+                                            <p:cond delay="0"/>
+                                          </p:stCondLst>
+                                        </p:cTn>
+                                        <p:tgtEl>
+                                          <p:spTgt spid="3">
+                                            <p:txEl>
+                                              <p:pRg st="5" end="5"/>
+                                            </p:txEl>
+                                          </p:spTgt>
+                                        </p:tgtEl>
+                                        <p:attrNameLst>
+                                          <p:attrName>style.visibility</p:attrName>
+                                        </p:attrNameLst>
+                                      </p:cBhvr>
+                                      <p:to>
+                                        <p:strVal val="visible"/>
+                                      </p:to>
+                                    </p:set>
+                                  </p:childTnLst>
+                                </p:cTn>
+                              </p:par>
+                              <p:par>
+                                <p:cTn id="19" presetID="1" presetClass="entr" presetSubtype="0" fill="hold" grpId="0" nodeType="withEffect">
+                                  <p:stCondLst>
+                                    <p:cond delay="0"/>
+                                  </p:stCondLst>
+                                  <p:childTnLst>
+                                    <p:set>
+                                      <p:cBhvr>
+                                        <p:cTn id="20" dur="1" fill="hold">
+                                          <p:stCondLst>
+                                            <p:cond delay="0"/>
+                                          </p:stCondLst>
+                                        </p:cTn>
+                                        <p:tgtEl>
+                                          <p:spTgt spid="3">
+                                            <p:txEl>
+                                              <p:pRg st="6" end="6"/>
+                                            </p:txEl>
+                                          </p:spTgt>
+                                        </p:tgtEl>
+                                        <p:attrNameLst>
+                                          <p:attrName>style.visibility</p:attrName>
+                                        </p:attrNameLst>
+                                      </p:cBhvr>
+                                      <p:to>
+                                        <p:strVal val="visible"/>
+                                      </p:to>
+                                    </p:set>
+                                  </p:childTnLst>
+                                </p:cTn>
+                              </p:par>
+                              <p:par>
+                                <p:cTn id="21" presetID="1" presetClass="entr" presetSubtype="0" fill="hold" grpId="0" nodeType="withEffect">
+                                  <p:stCondLst>
+                                    <p:cond delay="0"/>
+                                  </p:stCondLst>
+                                  <p:childTnLst>
+                                    <p:set>
+                                      <p:cBhvr>
+                                        <p:cTn id="22" dur="1" fill="hold">
+                                          <p:stCondLst>
+                                            <p:cond delay="0"/>
+                                          </p:stCondLst>
+                                        </p:cTn>
+                                        <p:tgtEl>
+                                          <p:spTgt spid="3">
+                                            <p:txEl>
+                                              <p:pRg st="7" end="7"/>
+                                            </p:txEl>
+                                          </p:spTgt>
+                                        </p:tgtEl>
+                                        <p:attrNameLst>
+                                          <p:attrName>style.visibility</p:attrName>
+                                        </p:attrNameLst>
+                                      </p:cBhvr>
+                                      <p:to>
+                                        <p:strVal val="visible"/>
+                                      </p:to>
+                                    </p:set>
+                                  </p:childTnLst>
+                                </p:cTn>
+                              </p:par>
+                              <p:par>
+                                <p:cTn id="23" presetID="1" presetClass="entr" presetSubtype="0" fill="hold" grpId="0" nodeType="withEffect">
+                                  <p:stCondLst>
+                                    <p:cond delay="0"/>
+                                  </p:stCondLst>
+                                  <p:childTnLst>
+                                    <p:set>
+                                      <p:cBhvr>
+                                        <p:cTn id="24" dur="1" fill="hold">
+                                          <p:stCondLst>
+                                            <p:cond delay="0"/>
+                                          </p:stCondLst>
+                                        </p:cTn>
+                                        <p:tgtEl>
+                                          <p:spTgt spid="3">
+                                            <p:txEl>
+                                              <p:pRg st="8" end="8"/>
+                                            </p:txEl>
+                                          </p:spTgt>
+                                        </p:tgtEl>
+                                        <p:attrNameLst>
+                                          <p:attrName>style.visibility</p:attrName>
+                                        </p:attrNameLst>
+                                      </p:cBhvr>
+                                      <p:to>
+                                        <p:strVal val="visible"/>
+                                      </p:to>
+                                    </p:set>
+                                  </p:childTnLst>
+                                </p:cTn>
+                              </p:par>
+                              <p:par>
+                                <p:cTn id="25" presetID="1" presetClass="entr" presetSubtype="0" fill="hold" grpId="0" nodeType="withEffect">
+                                  <p:stCondLst>
+                                    <p:cond delay="0"/>
+                                  </p:stCondLst>
+                                  <p:childTnLst>
+                                    <p:set>
+                                      <p:cBhvr>
+                                        <p:cTn id="26" dur="1" fill="hold">
+                                          <p:stCondLst>
+                                            <p:cond delay="0"/>
+                                          </p:stCondLst>
+                                        </p:cTn>
+                                        <p:tgtEl>
+                                          <p:spTgt spid="3">
+                                            <p:txEl>
+                                              <p:pRg st="9" end="9"/>
+                                            </p:txEl>
+                                          </p:spTgt>
+                                        </p:tgtEl>
+                                        <p:attrNameLst>
+                                          <p:attrName>style.visibility</p:attrName>
+                                        </p:attrNameLst>
+                                      </p:cBhvr>
+                                      <p:to>
+                                        <p:strVal val="visible"/>
+                                      </p:to>
+                                    </p:set>
+                                  </p:childTnLst>
+                                </p:cTn>
+                              </p:par>
+                              <p:par>
+                                <p:cTn id="27" presetID="1" presetClass="entr" presetSubtype="0" fill="hold" grpId="0" nodeType="withEffect">
+                                  <p:stCondLst>
+                                    <p:cond delay="0"/>
+                                  </p:stCondLst>
+                                  <p:childTnLst>
+                                    <p:set>
+                                      <p:cBhvr>
+                                        <p:cTn id="28" dur="1" fill="hold">
+                                          <p:stCondLst>
+                                            <p:cond delay="0"/>
+                                          </p:stCondLst>
+                                        </p:cTn>
+                                        <p:tgtEl>
+                                          <p:spTgt spid="3">
+                                            <p:txEl>
+                                              <p:pRg st="10" end="10"/>
+                                            </p:txEl>
+                                          </p:spTgt>
+                                        </p:tgtEl>
+                                        <p:attrNameLst>
+                                          <p:attrName>style.visibility</p:attrName>
+                                        </p:attrNameLst>
+                                      </p:cBhvr>
+                                      <p:to>
+                                        <p:strVal val="visible"/>
+                                      </p:to>
+                                    </p:set>
+                                  </p:childTnLst>
+                                </p:cTn>
+                              </p:par>
+                            </p:childTnLst>
+                          </p:cTn>
+                        </p:par>
+                      </p:childTnLst>
+                    </p:cTn>
+                  </p:par>
+                </p:childTnLst>
+              </p:cTn>
+              <p:prevCondLst>
+                <p:cond evt="onPrev" delay="0">
+                  <p:tgtEl>
+                    <p:sldTgt/>
+                  </p:tgtEl>
+                </p:cond>
+              </p:prevCondLst>
+              <p:nextCondLst>
+                <p:cond evt="onNext" delay="0">
+                  <p:tgtEl>
+                    <p:sldTgt/>
+                  </p:tgtEl>
+                </p:cond>
+              </p:nextCondLst>
+            </p:seq>
+          </p:childTnLst>
+        </p:cTn>
       </p:par>
     </p:tnLst>
+    <p:bldLst>
+      <p:bldP spid="3" grpId="0" build="p"/>
+    </p:bldLst>
   </p:timing>
 </p:sld>
 </file>
@@ -23057,14 +23469,7 @@
                 <a:latin typeface="Consolas"/>
                 <a:cs typeface="Consolas"/>
               </a:rPr>
-              <a:t>      </a:t>
-            </a:r>
-            <a:r>
-              <a:rPr lang="en-US" sz="1500" dirty="0" smtClean="0">
-                <a:latin typeface="Consolas"/>
-                <a:cs typeface="Consolas"/>
-              </a:rPr>
-              <a:t>}</a:t>
+              <a:t>      }</a:t>
             </a:r>
             <a:endParaRPr lang="en-US" sz="1500" dirty="0">
               <a:latin typeface="Consolas"/>
@@ -23106,14 +23511,7 @@
                 <a:latin typeface="Consolas"/>
                 <a:cs typeface="Consolas"/>
               </a:rPr>
-              <a:t>      </a:t>
-            </a:r>
-            <a:r>
-              <a:rPr lang="en-US" sz="1500" dirty="0" smtClean="0">
-                <a:latin typeface="Consolas"/>
-                <a:cs typeface="Consolas"/>
-              </a:rPr>
-              <a:t>  </a:t>
+              <a:t>        </a:t>
             </a:r>
             <a:r>
               <a:rPr lang="en-US" sz="1500" b="1" dirty="0" smtClean="0">
@@ -23192,21 +23590,7 @@
                 <a:latin typeface="Consolas"/>
                 <a:cs typeface="Consolas"/>
               </a:rPr>
-              <a:t>	 </a:t>
-            </a:r>
-            <a:r>
-              <a:rPr lang="en-US" sz="1500" b="1" dirty="0" smtClean="0">
-                <a:latin typeface="Consolas"/>
-                <a:cs typeface="Consolas"/>
-              </a:rPr>
-              <a:t>serial</a:t>
-            </a:r>
-            <a:r>
-              <a:rPr lang="en-US" sz="1500" b="1" dirty="0" smtClean="0">
-                <a:latin typeface="Consolas"/>
-                <a:cs typeface="Consolas"/>
-              </a:rPr>
-              <a:t> {</a:t>
+              <a:t>	 serial {</a:t>
             </a:r>
             <a:r>
               <a:rPr lang="en-US" sz="1500" dirty="0">
@@ -23257,14 +23641,7 @@
                 <a:latin typeface="Consolas"/>
                 <a:cs typeface="Consolas"/>
               </a:rPr>
-              <a:t>      </a:t>
-            </a:r>
-            <a:r>
-              <a:rPr lang="en-US" sz="1500" dirty="0" smtClean="0">
-                <a:latin typeface="Consolas"/>
-                <a:cs typeface="Consolas"/>
-              </a:rPr>
-              <a:t>}</a:t>
+              <a:t>      }</a:t>
             </a:r>
             <a:endParaRPr lang="en-US" sz="1500" dirty="0">
               <a:latin typeface="Consolas"/>
@@ -23294,21 +23671,40 @@
                 <a:latin typeface="Consolas"/>
                 <a:cs typeface="Consolas"/>
               </a:rPr>
-              <a:t>“</a:t>
-            </a:r>
+              <a:t>“done</a:t>
+            </a:r>
+            <a:r>
+              <a:rPr lang="en-US" sz="1500" dirty="0">
+                <a:latin typeface="Consolas"/>
+                <a:cs typeface="Consolas"/>
+              </a:rPr>
+              <a:t>” {</a:t>
+            </a:r>
+          </a:p>
+          <a:p>
+            <a:pPr marL="0" indent="0">
+              <a:buNone/>
+            </a:pPr>
             <a:r>
               <a:rPr lang="en-US" sz="1500" dirty="0" smtClean="0">
                 <a:latin typeface="Consolas"/>
                 <a:cs typeface="Consolas"/>
               </a:rPr>
-              <a:t>done</a:t>
+              <a:t>        contribute</a:t>
             </a:r>
             <a:r>
               <a:rPr lang="en-US" sz="1500" dirty="0">
                 <a:latin typeface="Consolas"/>
                 <a:cs typeface="Consolas"/>
               </a:rPr>
-              <a:t>” {</a:t>
+              <a:t>(CkCallback(CkReductionTarget(Main, checkIn), mainProxy)</a:t>
+            </a:r>
+            <a:r>
+              <a:rPr lang="en-US" sz="1500" dirty="0" smtClean="0">
+                <a:latin typeface="Consolas"/>
+                <a:cs typeface="Consolas"/>
+              </a:rPr>
+              <a:t>);</a:t>
             </a:r>
           </a:p>
           <a:p>
@@ -23320,47 +23716,26 @@
                 <a:latin typeface="Consolas"/>
                 <a:cs typeface="Consolas"/>
               </a:rPr>
-              <a:t>        </a:t>
-            </a:r>
+              <a:t>      }</a:t>
+            </a:r>
+          </a:p>
+          <a:p>
+            <a:pPr marL="0" indent="0">
+              <a:buNone/>
+            </a:pPr>
             <a:r>
               <a:rPr lang="en-US" sz="1500" dirty="0" smtClean="0">
                 <a:latin typeface="Consolas"/>
                 <a:cs typeface="Consolas"/>
               </a:rPr>
-              <a:t>contribute</a:t>
+              <a:t>    }</a:t>
             </a:r>
             <a:r>
               <a:rPr lang="en-US" sz="1500" dirty="0">
                 <a:latin typeface="Consolas"/>
                 <a:cs typeface="Consolas"/>
               </a:rPr>
-              <a:t>(CkCallback(CkReductionTarget(Main, checkIn), mainProxy)</a:t>
-            </a:r>
-            <a:r>
-              <a:rPr lang="en-US" sz="1500" dirty="0" smtClean="0">
-                <a:latin typeface="Consolas"/>
-                <a:cs typeface="Consolas"/>
-              </a:rPr>
-              <a:t>);</a:t>
-            </a:r>
-          </a:p>
-          <a:p>
-            <a:pPr marL="0" indent="0">
-              <a:buNone/>
-            </a:pPr>
-            <a:r>
-              <a:rPr lang="en-US" sz="1500" dirty="0" smtClean="0">
-                <a:latin typeface="Consolas"/>
-                <a:cs typeface="Consolas"/>
-              </a:rPr>
-              <a:t>      </a:t>
-            </a:r>
-            <a:r>
-              <a:rPr lang="en-US" sz="1500" dirty="0" smtClean="0">
-                <a:latin typeface="Consolas"/>
-                <a:cs typeface="Consolas"/>
-              </a:rPr>
-              <a:t>}</a:t>
+              <a:t>;</a:t>
             </a:r>
             <a:endParaRPr lang="en-US" sz="1500" dirty="0" smtClean="0">
               <a:latin typeface="Consolas"/>
@@ -23376,51 +23751,7 @@
                 <a:latin typeface="Consolas"/>
                 <a:cs typeface="Consolas"/>
               </a:rPr>
-              <a:t>    </a:t>
-            </a:r>
-            <a:r>
-              <a:rPr lang="en-US" sz="1500" dirty="0" smtClean="0">
-                <a:latin typeface="Consolas"/>
-                <a:cs typeface="Consolas"/>
-              </a:rPr>
-              <a:t>}</a:t>
-            </a:r>
-            <a:r>
-              <a:rPr lang="en-US" sz="1500" dirty="0">
-                <a:latin typeface="Consolas"/>
-                <a:cs typeface="Consolas"/>
-              </a:rPr>
-              <a:t>;</a:t>
-            </a:r>
-            <a:endParaRPr lang="en-US" sz="1500" dirty="0" smtClean="0">
-              <a:latin typeface="Consolas"/>
-              <a:cs typeface="Consolas"/>
-            </a:endParaRPr>
-          </a:p>
-          <a:p>
-            <a:pPr marL="0" indent="0">
-              <a:buNone/>
-            </a:pPr>
-            <a:r>
-              <a:rPr lang="en-US" sz="1500" dirty="0" smtClean="0">
-                <a:latin typeface="Consolas"/>
-                <a:cs typeface="Consolas"/>
-              </a:rPr>
-              <a:t>  </a:t>
-            </a:r>
-            <a:r>
-              <a:rPr lang="en-US" sz="1500" dirty="0" smtClean="0">
-                <a:latin typeface="Consolas"/>
-                <a:cs typeface="Consolas"/>
-              </a:rPr>
-              <a:t>}</a:t>
-            </a:r>
-            <a:r>
-              <a:rPr lang="en-US" sz="1500" dirty="0" smtClean="0">
-                <a:latin typeface="Consolas"/>
-                <a:cs typeface="Consolas"/>
-              </a:rPr>
-              <a:t>;</a:t>
+              <a:t>  };</a:t>
             </a:r>
           </a:p>
           <a:p>
@@ -32993,14 +33324,7 @@
                 <a:latin typeface="Consolas"/>
                 <a:cs typeface="Consolas"/>
               </a:rPr>
-              <a:t>isRoot_, CProxy_Fib parent_</a:t>
-            </a:r>
-            <a:r>
-              <a:rPr lang="en-US" sz="1600" dirty="0" smtClean="0">
-                <a:latin typeface="Consolas"/>
-                <a:cs typeface="Consolas"/>
-              </a:rPr>
-              <a:t>)</a:t>
+              <a:t>isRoot_, CProxy_Fib parent_)</a:t>
             </a:r>
           </a:p>
           <a:p>
@@ -33442,10 +33766,6 @@
               </a:rPr>
               <a:t>{</a:t>
             </a:r>
-            <a:endParaRPr lang="en-US" sz="1600" dirty="0" smtClean="0">
-              <a:latin typeface="Consolas"/>
-              <a:cs typeface="Consolas"/>
-            </a:endParaRPr>
           </a:p>
           <a:p>
             <a:pPr marL="0" indent="0">
@@ -36931,10 +37251,6 @@
               </a:rPr>
               <a:t> {</a:t>
             </a:r>
-            <a:endParaRPr lang="en-US" spc="10" dirty="0" smtClean="0">
-              <a:latin typeface="Consolas"/>
-              <a:cs typeface="Consolas"/>
-            </a:endParaRPr>
           </a:p>
           <a:p>
             <a:pPr marL="0" indent="0">

--- a/tutorial-07-sdag.pptx
+++ b/tutorial-07-sdag.pptx
@@ -234,7 +234,7 @@
           <a:p>
             <a:fld id="{775CE290-E0F5-444C-B849-A8F17CD4104C}" type="datetimeFigureOut">
               <a:rPr lang="en-US" smtClean="0"/>
-              <a:t>9/10/14</a:t>
+              <a:t>9/12/14</a:t>
             </a:fld>
             <a:endParaRPr lang="en-US" dirty="0"/>
           </a:p>
@@ -400,7 +400,7 @@
           <a:p>
             <a:fld id="{AD53A24C-4135-094C-957B-35852E7EDFA4}" type="datetimeFigureOut">
               <a:rPr lang="en-US" smtClean="0"/>
-              <a:t>9/10/14</a:t>
+              <a:t>9/12/14</a:t>
             </a:fld>
             <a:endParaRPr lang="en-US" dirty="0"/>
           </a:p>
@@ -859,9 +859,9 @@
           <a:bodyPr/>
           <a:lstStyle/>
           <a:p>
-            <a:fld id="{B594EA25-E4F4-3746-A0BA-A11E27330E0F}" type="datetime2">
+            <a:fld id="{55371D55-B102-DE43-A54B-569022836A44}" type="datetime2">
               <a:rPr lang="en-US" smtClean="0"/>
-              <a:t>Wednesday, September 10, 14</a:t>
+              <a:t>Friday, September 12, 14</a:t>
             </a:fld>
             <a:endParaRPr lang="en-US" dirty="0"/>
           </a:p>
@@ -885,7 +885,7 @@
             <a:pPr algn="r"/>
             <a:r>
               <a:rPr lang="en-US" smtClean="0"/>
-              <a:t>Sanjay Kalé and PPL (UIUC) – Parallel Migratable Objects </a:t>
+              <a:t>Laxmikant Kalé and PPL (UIUC) – Parallel Migratable Objects </a:t>
             </a:r>
             <a:endParaRPr lang="en-US" dirty="0"/>
           </a:p>
@@ -1164,7 +1164,7 @@
                 <a:latin typeface="Times New Roman"/>
                 <a:cs typeface="Times New Roman"/>
               </a:rPr>
-              <a:t>September 10, 2014</a:t>
+              <a:t>September 12, 2014</a:t>
             </a:fld>
             <a:endParaRPr lang="en-US" dirty="0">
               <a:latin typeface="Times New Roman"/>
@@ -1438,7 +1438,7 @@
                 <a:latin typeface="Times New Roman"/>
                 <a:cs typeface="Times New Roman"/>
               </a:rPr>
-              <a:t>September 10, 2014</a:t>
+              <a:t>September 12, 2014</a:t>
             </a:fld>
             <a:endParaRPr lang="en-US" dirty="0">
               <a:latin typeface="Times New Roman"/>
@@ -1671,9 +1671,9 @@
           <a:bodyPr/>
           <a:lstStyle/>
           <a:p>
-            <a:fld id="{EA699BF9-66CB-F244-8E74-7B1BE1C77046}" type="datetime2">
+            <a:fld id="{10430136-2C40-3C47-B811-72E243CC5A32}" type="datetime2">
               <a:rPr lang="en-US" smtClean="0"/>
-              <a:t>Wednesday, September 10, 14</a:t>
+              <a:t>Friday, September 12, 14</a:t>
             </a:fld>
             <a:endParaRPr lang="en-US" dirty="0"/>
           </a:p>
@@ -1697,7 +1697,7 @@
             <a:pPr algn="r"/>
             <a:r>
               <a:rPr lang="en-US" smtClean="0"/>
-              <a:t>Sanjay Kalé and PPL (UIUC) – Parallel Migratable Objects </a:t>
+              <a:t>Laxmikant Kalé and PPL (UIUC) – Parallel Migratable Objects </a:t>
             </a:r>
             <a:endParaRPr lang="en-US" dirty="0"/>
           </a:p>
@@ -1982,9 +1982,9 @@
           <a:bodyPr/>
           <a:lstStyle/>
           <a:p>
-            <a:fld id="{D300BE84-9843-8B4F-B3C8-647B06AC46C9}" type="datetime2">
+            <a:fld id="{BF7456C3-D853-A84D-99C4-10F33E5473D0}" type="datetime2">
               <a:rPr lang="en-US" smtClean="0"/>
-              <a:t>Wednesday, September 10, 14</a:t>
+              <a:t>Friday, September 12, 14</a:t>
             </a:fld>
             <a:endParaRPr lang="en-US" dirty="0"/>
           </a:p>
@@ -2008,7 +2008,7 @@
             <a:pPr algn="r"/>
             <a:r>
               <a:rPr lang="en-US" smtClean="0"/>
-              <a:t>Sanjay Kalé and PPL (UIUC) – Parallel Migratable Objects </a:t>
+              <a:t>Laxmikant Kalé and PPL (UIUC) – Parallel Migratable Objects </a:t>
             </a:r>
             <a:endParaRPr lang="en-US" dirty="0"/>
           </a:p>
@@ -2153,9 +2153,9 @@
           <a:bodyPr/>
           <a:lstStyle/>
           <a:p>
-            <a:fld id="{C460AE39-2092-A945-8296-F25085B9A0F1}" type="datetime2">
+            <a:fld id="{DD7C3122-9C2A-FB40-86AE-72327076B58E}" type="datetime2">
               <a:rPr lang="en-US" smtClean="0"/>
-              <a:t>Wednesday, September 10, 14</a:t>
+              <a:t>Friday, September 12, 14</a:t>
             </a:fld>
             <a:endParaRPr lang="en-US" dirty="0"/>
           </a:p>
@@ -2179,7 +2179,7 @@
             <a:pPr algn="r"/>
             <a:r>
               <a:rPr lang="en-US" smtClean="0"/>
-              <a:t>Sanjay Kalé and PPL (UIUC) – Parallel Migratable Objects </a:t>
+              <a:t>Laxmikant Kalé and PPL (UIUC) – Parallel Migratable Objects </a:t>
             </a:r>
             <a:endParaRPr lang="en-US" dirty="0"/>
           </a:p>
@@ -2334,9 +2334,9 @@
           <a:bodyPr/>
           <a:lstStyle/>
           <a:p>
-            <a:fld id="{63BC7E9D-3218-5E49-A867-E087AB2F4618}" type="datetime2">
+            <a:fld id="{85AA442A-D6AD-C842-BAA5-2EF7034136A9}" type="datetime2">
               <a:rPr lang="en-US" smtClean="0"/>
-              <a:t>Wednesday, September 10, 14</a:t>
+              <a:t>Friday, September 12, 14</a:t>
             </a:fld>
             <a:endParaRPr lang="en-US" dirty="0"/>
           </a:p>
@@ -2360,7 +2360,7 @@
             <a:pPr algn="r"/>
             <a:r>
               <a:rPr lang="en-US" smtClean="0"/>
-              <a:t>Sanjay Kalé and PPL (UIUC) – Parallel Migratable Objects </a:t>
+              <a:t>Laxmikant Kalé and PPL (UIUC) – Parallel Migratable Objects </a:t>
             </a:r>
             <a:endParaRPr lang="en-US" dirty="0"/>
           </a:p>
@@ -2588,9 +2588,9 @@
           <a:bodyPr/>
           <a:lstStyle/>
           <a:p>
-            <a:fld id="{B594EA25-E4F4-3746-A0BA-A11E27330E0F}" type="datetime2">
+            <a:fld id="{428FCBCD-D1C2-C64D-96BC-B4670C1BFEA8}" type="datetime2">
               <a:rPr lang="en-US" smtClean="0"/>
-              <a:t>Wednesday, September 10, 14</a:t>
+              <a:t>Friday, September 12, 14</a:t>
             </a:fld>
             <a:endParaRPr lang="en-US" dirty="0"/>
           </a:p>
@@ -2613,8 +2613,8 @@
           <a:p>
             <a:pPr algn="r"/>
             <a:r>
-              <a:rPr lang="en-US" dirty="0" smtClean="0"/>
-              <a:t>Sanjay Kalé and PPL (UIUC) – Parallel Migratable Objects </a:t>
+              <a:rPr lang="en-US" smtClean="0"/>
+              <a:t>Laxmikant Kalé and PPL (UIUC) – Parallel Migratable Objects </a:t>
             </a:r>
             <a:endParaRPr lang="en-US" dirty="0"/>
           </a:p>
@@ -2893,7 +2893,7 @@
                 <a:latin typeface="Times New Roman"/>
                 <a:cs typeface="Times New Roman"/>
               </a:rPr>
-              <a:t>September 10, 2014</a:t>
+              <a:t>September 12, 2014</a:t>
             </a:fld>
             <a:endParaRPr lang="en-US" dirty="0">
               <a:latin typeface="Times New Roman"/>
@@ -3017,9 +3017,9 @@
           <a:bodyPr/>
           <a:lstStyle/>
           <a:p>
-            <a:fld id="{BD5AFB16-13FE-DF4A-8CB7-09756A57B2EA}" type="datetime2">
+            <a:fld id="{E7E53064-9CE0-8542-8A75-4FE813A4312E}" type="datetime2">
               <a:rPr lang="en-US" smtClean="0"/>
-              <a:t>Wednesday, September 10, 14</a:t>
+              <a:t>Friday, September 12, 14</a:t>
             </a:fld>
             <a:endParaRPr lang="en-US" dirty="0"/>
           </a:p>
@@ -3042,8 +3042,8 @@
           <a:p>
             <a:pPr algn="r"/>
             <a:r>
-              <a:rPr lang="en-US" dirty="0" smtClean="0"/>
-              <a:t>Sanjay Kalé and PPL (UIUC) – Parallel Migratable Objects </a:t>
+              <a:rPr lang="en-US" smtClean="0"/>
+              <a:t>Laxmikant Kalé and PPL (UIUC) – Parallel Migratable Objects </a:t>
             </a:r>
             <a:endParaRPr lang="en-US" dirty="0"/>
           </a:p>
@@ -3546,9 +3546,9 @@
             </a:lvl1pPr>
           </a:lstStyle>
           <a:p>
-            <a:fld id="{30545249-FD76-6844-B252-CAB05FC2DAA8}" type="datetime2">
+            <a:fld id="{7FC05179-7E64-2B45-BB3C-87F76F47DC06}" type="datetime2">
               <a:rPr lang="en-US" smtClean="0"/>
-              <a:t>Wednesday, September 10, 14</a:t>
+              <a:t>Friday, September 12, 14</a:t>
             </a:fld>
             <a:endParaRPr lang="en-US" dirty="0"/>
           </a:p>
@@ -3578,8 +3578,8 @@
           <a:p>
             <a:pPr algn="r"/>
             <a:r>
-              <a:rPr lang="en-US" dirty="0" smtClean="0"/>
-              <a:t>Sanjay Kalé and PPL (UIUC) – Parallel Migratable Objects </a:t>
+              <a:rPr lang="en-US" smtClean="0"/>
+              <a:t>Laxmikant Kalé and PPL (UIUC) – Parallel Migratable Objects </a:t>
             </a:r>
             <a:endParaRPr lang="en-US" dirty="0"/>
           </a:p>
@@ -3842,9 +3842,9 @@
           <a:bodyPr/>
           <a:lstStyle/>
           <a:p>
-            <a:fld id="{34621E95-60A9-FF44-9869-513D9D7A859F}" type="datetime2">
+            <a:fld id="{7DCAEC3A-7170-B046-8957-19A47F740798}" type="datetime2">
               <a:rPr lang="en-US" smtClean="0"/>
-              <a:t>Wednesday, September 10, 14</a:t>
+              <a:t>Friday, September 12, 14</a:t>
             </a:fld>
             <a:endParaRPr lang="en-US" dirty="0"/>
           </a:p>
@@ -3868,7 +3868,7 @@
             <a:pPr algn="r"/>
             <a:r>
               <a:rPr lang="en-US" smtClean="0"/>
-              <a:t>Sanjay Kalé and PPL (UIUC) – Parallel Migratable Objects </a:t>
+              <a:t>Laxmikant Kalé and PPL (UIUC) – Parallel Migratable Objects </a:t>
             </a:r>
             <a:endParaRPr lang="en-US" dirty="0"/>
           </a:p>
@@ -3961,9 +3961,9 @@
           <a:bodyPr/>
           <a:lstStyle/>
           <a:p>
-            <a:fld id="{BD5AFB16-13FE-DF4A-8CB7-09756A57B2EA}" type="datetime2">
+            <a:fld id="{2D11693D-B560-4945-9798-6BDB552E1C57}" type="datetime2">
               <a:rPr lang="en-US" smtClean="0"/>
-              <a:t>Wednesday, September 10, 14</a:t>
+              <a:t>Friday, September 12, 14</a:t>
             </a:fld>
             <a:endParaRPr lang="en-US" dirty="0"/>
           </a:p>
@@ -3987,7 +3987,7 @@
             <a:pPr algn="r"/>
             <a:r>
               <a:rPr lang="en-US" smtClean="0"/>
-              <a:t>Sanjay Kalé and PPL (UIUC) – Parallel Migratable Objects </a:t>
+              <a:t>Laxmikant Kalé and PPL (UIUC) – Parallel Migratable Objects </a:t>
             </a:r>
             <a:endParaRPr lang="en-US" dirty="0"/>
           </a:p>
@@ -4448,9 +4448,9 @@
           <a:bodyPr/>
           <a:lstStyle/>
           <a:p>
-            <a:fld id="{1BDEC705-8EA9-6C46-8E3B-2CAC7E2C0F7D}" type="datetime2">
+            <a:fld id="{1D19CF00-7836-3147-BC13-E9798AB10E75}" type="datetime2">
               <a:rPr lang="en-US" smtClean="0"/>
-              <a:t>Wednesday, September 10, 14</a:t>
+              <a:t>Friday, September 12, 14</a:t>
             </a:fld>
             <a:endParaRPr lang="en-US" dirty="0"/>
           </a:p>
@@ -4474,7 +4474,7 @@
             <a:pPr algn="r"/>
             <a:r>
               <a:rPr lang="en-US" smtClean="0"/>
-              <a:t>Sanjay Kalé and PPL (UIUC) – Parallel Migratable Objects </a:t>
+              <a:t>Laxmikant Kalé and PPL (UIUC) – Parallel Migratable Objects </a:t>
             </a:r>
             <a:endParaRPr lang="en-US" dirty="0"/>
           </a:p>
@@ -4779,9 +4779,9 @@
             </a:lvl1pPr>
           </a:lstStyle>
           <a:p>
-            <a:fld id="{BF613BD3-C5FD-9543-B738-679BF38D8C83}" type="datetime2">
+            <a:fld id="{20DBB18D-80F3-D648-8DF5-EC481608E7BE}" type="datetime2">
               <a:rPr lang="en-US" smtClean="0"/>
-              <a:t>Wednesday, September 10, 14</a:t>
+              <a:t>Friday, September 12, 14</a:t>
             </a:fld>
             <a:endParaRPr lang="en-US" dirty="0"/>
           </a:p>
@@ -4812,7 +4812,7 @@
             <a:pPr algn="r"/>
             <a:r>
               <a:rPr lang="en-US" smtClean="0"/>
-              <a:t>Sanjay Kalé and PPL (UIUC) – Parallel Migratable Objects </a:t>
+              <a:t>Laxmikant Kalé and PPL (UIUC) – Parallel Migratable Objects </a:t>
             </a:r>
             <a:endParaRPr lang="en-US" dirty="0"/>
           </a:p>
@@ -5258,9 +5258,9 @@
           <a:bodyPr/>
           <a:lstStyle/>
           <a:p>
-            <a:fld id="{4B5E4F0C-9A9C-5448-99FD-D30288B385C9}" type="datetime2">
+            <a:fld id="{F7B17654-A74F-D448-A2F8-D4B258E0F087}" type="datetime2">
               <a:rPr lang="en-US" smtClean="0"/>
-              <a:t>Wednesday, September 10, 14</a:t>
+              <a:t>Friday, September 12, 14</a:t>
             </a:fld>
             <a:endParaRPr lang="en-US" dirty="0"/>
           </a:p>
@@ -5284,7 +5284,7 @@
             <a:pPr algn="r"/>
             <a:r>
               <a:rPr lang="en-US" smtClean="0"/>
-              <a:t>Sanjay Kalé and PPL (UIUC) – Parallel Migratable Objects </a:t>
+              <a:t>Laxmikant Kalé and PPL (UIUC) – Parallel Migratable Objects </a:t>
             </a:r>
             <a:endParaRPr lang="en-US" dirty="0"/>
           </a:p>
@@ -5554,9 +5554,9 @@
             </a:lvl1pPr>
           </a:lstStyle>
           <a:p>
-            <a:fld id="{30545249-FD76-6844-B252-CAB05FC2DAA8}" type="datetime2">
+            <a:fld id="{E95229B4-E8E0-9943-8351-031BF89671CD}" type="datetime2">
               <a:rPr lang="en-US" smtClean="0"/>
-              <a:t>Wednesday, September 10, 14</a:t>
+              <a:t>Friday, September 12, 14</a:t>
             </a:fld>
             <a:endParaRPr lang="en-US" dirty="0"/>
           </a:p>
@@ -5587,7 +5587,7 @@
             <a:pPr algn="r"/>
             <a:r>
               <a:rPr lang="en-US" smtClean="0"/>
-              <a:t>Sanjay Kalé and PPL (UIUC) – Parallel Migratable Objects </a:t>
+              <a:t>Laxmikant Kalé and PPL (UIUC) – Parallel Migratable Objects </a:t>
             </a:r>
             <a:endParaRPr lang="en-US" dirty="0"/>
           </a:p>
@@ -5797,9 +5797,9 @@
           <a:bodyPr/>
           <a:lstStyle/>
           <a:p>
-            <a:fld id="{CC859171-EEDD-0B48-A5C0-E7218AE20EA7}" type="datetime2">
+            <a:fld id="{1D94E620-01DA-264A-8743-A30FCBA1DE9C}" type="datetime2">
               <a:rPr lang="en-US" smtClean="0"/>
-              <a:t>Wednesday, September 10, 14</a:t>
+              <a:t>Friday, September 12, 14</a:t>
             </a:fld>
             <a:endParaRPr lang="en-US" dirty="0"/>
           </a:p>
@@ -5823,7 +5823,7 @@
             <a:pPr algn="r"/>
             <a:r>
               <a:rPr lang="en-US" smtClean="0"/>
-              <a:t>Sanjay Kalé and PPL (UIUC) – Parallel Migratable Objects </a:t>
+              <a:t>Laxmikant Kalé and PPL (UIUC) – Parallel Migratable Objects </a:t>
             </a:r>
             <a:endParaRPr lang="en-US" dirty="0"/>
           </a:p>
@@ -5893,9 +5893,9 @@
           <a:bodyPr/>
           <a:lstStyle/>
           <a:p>
-            <a:fld id="{C32F9216-0342-7440-9504-BD6C1382BF27}" type="datetime2">
+            <a:fld id="{44719A06-2B2C-2B47-B929-5D8F0754A828}" type="datetime2">
               <a:rPr lang="en-US" smtClean="0"/>
-              <a:t>Wednesday, September 10, 14</a:t>
+              <a:t>Friday, September 12, 14</a:t>
             </a:fld>
             <a:endParaRPr lang="en-US" dirty="0"/>
           </a:p>
@@ -5919,7 +5919,7 @@
             <a:pPr algn="r"/>
             <a:r>
               <a:rPr lang="en-US" smtClean="0"/>
-              <a:t>Sanjay Kalé and PPL (UIUC) – Parallel Migratable Objects </a:t>
+              <a:t>Laxmikant Kalé and PPL (UIUC) – Parallel Migratable Objects </a:t>
             </a:r>
             <a:endParaRPr lang="en-US" dirty="0"/>
           </a:p>
@@ -6068,7 +6068,7 @@
           <a:p>
             <a:r>
               <a:rPr lang="en-US" smtClean="0"/>
-              <a:t>Sanjay Kalé and PPL (UIUC) – Parallel Migratable Objects </a:t>
+              <a:t>Laxmikant Kalé and PPL (UIUC) – Parallel Migratable Objects </a:t>
             </a:r>
             <a:endParaRPr lang="en-US" dirty="0"/>
           </a:p>
@@ -6208,9 +6208,9 @@
             </a:lvl1pPr>
           </a:lstStyle>
           <a:p>
-            <a:fld id="{D36DC8F2-AD63-E841-8C23-5DC3A41041BE}" type="datetime2">
+            <a:fld id="{BA714DC8-9929-464D-B61C-AD4338E76A58}" type="datetime2">
               <a:rPr lang="en-US" smtClean="0"/>
-              <a:t>Wednesday, September 10, 14</a:t>
+              <a:t>Friday, September 12, 14</a:t>
             </a:fld>
             <a:endParaRPr lang="en-US" dirty="0"/>
           </a:p>
@@ -6279,7 +6279,7 @@
     <p:sldLayoutId id="2147483973" r:id="rId15"/>
     <p:sldLayoutId id="2147483972" r:id="rId16"/>
   </p:sldLayoutIdLst>
-  <p:hf hdr="0"/>
+  <p:hf hdr="0" dt="0"/>
   <p:txStyles>
     <p:titleStyle>
       <a:lvl1pPr algn="l" defTabSz="914400" rtl="0" eaLnBrk="1" latinLnBrk="0" hangingPunct="1">
@@ -6678,11 +6678,7 @@
             </a:pPr>
             <a:r>
               <a:rPr lang="en-US" dirty="0" smtClean="0"/>
-              <a:t>Hello </a:t>
-            </a:r>
-            <a:r>
-              <a:rPr lang="en-US" dirty="0" smtClean="0"/>
-              <a:t>World</a:t>
+              <a:t>Hello World</a:t>
             </a:r>
           </a:p>
           <a:p>
@@ -6785,11 +6781,7 @@
             </a:pPr>
             <a:r>
               <a:rPr lang="en-US" dirty="0" smtClean="0"/>
-              <a:t>Structured </a:t>
-            </a:r>
-            <a:r>
-              <a:rPr lang="en-US" dirty="0" smtClean="0"/>
-              <a:t>Dagger</a:t>
+              <a:t>Structured Dagger</a:t>
             </a:r>
           </a:p>
           <a:p>
@@ -6875,29 +6867,6 @@
               <a:rPr lang="en-US" dirty="0" smtClean="0"/>
               <a:t>Further Optimization</a:t>
             </a:r>
-          </a:p>
-        </p:txBody>
-      </p:sp>
-      <p:sp>
-        <p:nvSpPr>
-          <p:cNvPr id="4" name="Date Placeholder 3"/>
-          <p:cNvSpPr>
-            <a:spLocks noGrp="1"/>
-          </p:cNvSpPr>
-          <p:nvPr>
-            <p:ph type="dt" sz="half" idx="10"/>
-          </p:nvPr>
-        </p:nvSpPr>
-        <p:spPr/>
-        <p:txBody>
-          <a:bodyPr/>
-          <a:lstStyle/>
-          <a:p>
-            <a:fld id="{8ADAB7C0-00B4-3F4D-A690-E12D330195D4}" type="datetime2">
-              <a:rPr lang="en-US" smtClean="0"/>
-              <a:t>Wednesday, September 10, 14</a:t>
-            </a:fld>
-            <a:endParaRPr lang="en-US" dirty="0"/>
           </a:p>
         </p:txBody>
       </p:sp>
@@ -6918,8 +6887,8 @@
           <a:p>
             <a:pPr algn="r"/>
             <a:r>
-              <a:rPr lang="en-US" dirty="0" smtClean="0"/>
-              <a:t>Sanjay Kalé and PPL (UIUC) – Parallel Migratable Objects </a:t>
+              <a:rPr lang="en-US" smtClean="0"/>
+              <a:t>Laxmikant Kalé and PPL (UIUC) – Parallel Migratable Objects </a:t>
             </a:r>
             <a:endParaRPr lang="en-US" dirty="0"/>
           </a:p>
@@ -8078,29 +8047,6 @@
       </p:sp>
       <p:sp>
         <p:nvSpPr>
-          <p:cNvPr id="4" name="Date Placeholder 3"/>
-          <p:cNvSpPr>
-            <a:spLocks noGrp="1"/>
-          </p:cNvSpPr>
-          <p:nvPr>
-            <p:ph type="dt" sz="half" idx="10"/>
-          </p:nvPr>
-        </p:nvSpPr>
-        <p:spPr/>
-        <p:txBody>
-          <a:bodyPr/>
-          <a:lstStyle/>
-          <a:p>
-            <a:fld id="{A145CD19-9E52-0D48-98E0-B971752DA025}" type="datetime2">
-              <a:rPr lang="en-US" smtClean="0"/>
-              <a:t>Wednesday, September 10, 14</a:t>
-            </a:fld>
-            <a:endParaRPr lang="en-US" dirty="0"/>
-          </a:p>
-        </p:txBody>
-      </p:sp>
-      <p:sp>
-        <p:nvSpPr>
           <p:cNvPr id="5" name="Footer Placeholder 4"/>
           <p:cNvSpPr>
             <a:spLocks noGrp="1"/>
@@ -8116,8 +8062,8 @@
           <a:p>
             <a:pPr algn="r"/>
             <a:r>
-              <a:rPr lang="en-US" dirty="0" smtClean="0"/>
-              <a:t>Sanjay Kalé and PPL (UIUC) – Parallel Migratable Objects </a:t>
+              <a:rPr lang="en-US" smtClean="0"/>
+              <a:t>Laxmikant Kalé and PPL (UIUC) – Parallel Migratable Objects </a:t>
             </a:r>
             <a:endParaRPr lang="en-US" dirty="0"/>
           </a:p>
@@ -8358,29 +8304,6 @@
       </p:sp>
       <p:sp>
         <p:nvSpPr>
-          <p:cNvPr id="4" name="Date Placeholder 3"/>
-          <p:cNvSpPr>
-            <a:spLocks noGrp="1"/>
-          </p:cNvSpPr>
-          <p:nvPr>
-            <p:ph type="dt" sz="half" idx="10"/>
-          </p:nvPr>
-        </p:nvSpPr>
-        <p:spPr/>
-        <p:txBody>
-          <a:bodyPr/>
-          <a:lstStyle/>
-          <a:p>
-            <a:fld id="{7876991C-AA20-0F44-988F-6F19415B10C5}" type="datetime2">
-              <a:rPr lang="en-US" smtClean="0"/>
-              <a:t>Wednesday, September 10, 14</a:t>
-            </a:fld>
-            <a:endParaRPr lang="en-US" dirty="0"/>
-          </a:p>
-        </p:txBody>
-      </p:sp>
-      <p:sp>
-        <p:nvSpPr>
           <p:cNvPr id="7" name="Footer Placeholder 6"/>
           <p:cNvSpPr>
             <a:spLocks noGrp="1"/>
@@ -8396,8 +8319,8 @@
           <a:p>
             <a:pPr algn="r"/>
             <a:r>
-              <a:rPr lang="en-US" dirty="0" smtClean="0"/>
-              <a:t>Sanjay Kalé and PPL (UIUC) – Parallel Migratable Objects </a:t>
+              <a:rPr lang="en-US" smtClean="0"/>
+              <a:t>Laxmikant Kalé and PPL (UIUC) – Parallel Migratable Objects </a:t>
             </a:r>
             <a:endParaRPr lang="en-US" dirty="0"/>
           </a:p>
@@ -10072,29 +9995,6 @@
       </p:sp>
       <p:sp>
         <p:nvSpPr>
-          <p:cNvPr id="4" name="Date Placeholder 3"/>
-          <p:cNvSpPr>
-            <a:spLocks noGrp="1"/>
-          </p:cNvSpPr>
-          <p:nvPr>
-            <p:ph type="dt" sz="half" idx="10"/>
-          </p:nvPr>
-        </p:nvSpPr>
-        <p:spPr/>
-        <p:txBody>
-          <a:bodyPr/>
-          <a:lstStyle/>
-          <a:p>
-            <a:fld id="{C276A2B2-2E5A-EA46-98F7-94DEAC9D3327}" type="datetime2">
-              <a:rPr lang="en-US" smtClean="0"/>
-              <a:t>Wednesday, September 10, 14</a:t>
-            </a:fld>
-            <a:endParaRPr lang="en-US" dirty="0"/>
-          </a:p>
-        </p:txBody>
-      </p:sp>
-      <p:sp>
-        <p:nvSpPr>
           <p:cNvPr id="5" name="Footer Placeholder 4"/>
           <p:cNvSpPr>
             <a:spLocks noGrp="1"/>
@@ -10110,8 +10010,8 @@
           <a:p>
             <a:pPr algn="r"/>
             <a:r>
-              <a:rPr lang="en-US" dirty="0" smtClean="0"/>
-              <a:t>Sanjay Kalé and PPL (UIUC) – Parallel Migratable Objects </a:t>
+              <a:rPr lang="en-US" smtClean="0"/>
+              <a:t>Laxmikant Kalé and PPL (UIUC) – Parallel Migratable Objects </a:t>
             </a:r>
             <a:endParaRPr lang="en-US" dirty="0"/>
           </a:p>
@@ -11156,29 +11056,6 @@
       </p:sp>
       <p:sp>
         <p:nvSpPr>
-          <p:cNvPr id="2" name="Date Placeholder 1"/>
-          <p:cNvSpPr>
-            <a:spLocks noGrp="1"/>
-          </p:cNvSpPr>
-          <p:nvPr>
-            <p:ph type="dt" sz="half" idx="10"/>
-          </p:nvPr>
-        </p:nvSpPr>
-        <p:spPr/>
-        <p:txBody>
-          <a:bodyPr/>
-          <a:lstStyle/>
-          <a:p>
-            <a:fld id="{6AF1170F-54D2-5E48-BEB2-3AD0D2B9BD4E}" type="datetime2">
-              <a:rPr lang="en-US" smtClean="0"/>
-              <a:t>Wednesday, September 10, 14</a:t>
-            </a:fld>
-            <a:endParaRPr lang="en-US" dirty="0"/>
-          </a:p>
-        </p:txBody>
-      </p:sp>
-      <p:sp>
-        <p:nvSpPr>
           <p:cNvPr id="6" name="Footer Placeholder 5"/>
           <p:cNvSpPr>
             <a:spLocks noGrp="1"/>
@@ -11194,8 +11071,8 @@
           <a:p>
             <a:pPr algn="r"/>
             <a:r>
-              <a:rPr lang="en-US" dirty="0" smtClean="0"/>
-              <a:t>Sanjay Kalé and PPL (UIUC) – Parallel Migratable Objects </a:t>
+              <a:rPr lang="en-US" smtClean="0"/>
+              <a:t>Laxmikant Kalé and PPL (UIUC) – Parallel Migratable Objects </a:t>
             </a:r>
             <a:endParaRPr lang="en-US" dirty="0"/>
           </a:p>
@@ -12268,29 +12145,6 @@
       </p:sp>
       <p:sp>
         <p:nvSpPr>
-          <p:cNvPr id="4" name="Date Placeholder 3"/>
-          <p:cNvSpPr>
-            <a:spLocks noGrp="1"/>
-          </p:cNvSpPr>
-          <p:nvPr>
-            <p:ph type="dt" sz="half" idx="10"/>
-          </p:nvPr>
-        </p:nvSpPr>
-        <p:spPr/>
-        <p:txBody>
-          <a:bodyPr/>
-          <a:lstStyle/>
-          <a:p>
-            <a:fld id="{2BA12DED-CA11-874A-AADE-C9EEBF212C9B}" type="datetime2">
-              <a:rPr lang="en-US" smtClean="0"/>
-              <a:t>Wednesday, September 10, 14</a:t>
-            </a:fld>
-            <a:endParaRPr lang="en-US" dirty="0"/>
-          </a:p>
-        </p:txBody>
-      </p:sp>
-      <p:sp>
-        <p:nvSpPr>
           <p:cNvPr id="6" name="Footer Placeholder 5"/>
           <p:cNvSpPr>
             <a:spLocks noGrp="1"/>
@@ -12306,8 +12160,8 @@
           <a:p>
             <a:pPr algn="r"/>
             <a:r>
-              <a:rPr lang="en-US" dirty="0" smtClean="0"/>
-              <a:t>Sanjay Kalé and PPL (UIUC) – Parallel Migratable Objects </a:t>
+              <a:rPr lang="en-US" smtClean="0"/>
+              <a:t>Laxmikant Kalé and PPL (UIUC) – Parallel Migratable Objects </a:t>
             </a:r>
             <a:endParaRPr lang="en-US" dirty="0"/>
           </a:p>
@@ -14085,29 +13939,6 @@
       </p:sp>
       <p:sp>
         <p:nvSpPr>
-          <p:cNvPr id="3" name="Date Placeholder 2"/>
-          <p:cNvSpPr>
-            <a:spLocks noGrp="1"/>
-          </p:cNvSpPr>
-          <p:nvPr>
-            <p:ph type="dt" sz="half" idx="10"/>
-          </p:nvPr>
-        </p:nvSpPr>
-        <p:spPr/>
-        <p:txBody>
-          <a:bodyPr/>
-          <a:lstStyle/>
-          <a:p>
-            <a:fld id="{EEB774C7-BB42-AD47-9DFE-C2F15F5B505F}" type="datetime2">
-              <a:rPr lang="en-US" smtClean="0"/>
-              <a:t>Wednesday, September 10, 14</a:t>
-            </a:fld>
-            <a:endParaRPr lang="en-US" dirty="0"/>
-          </a:p>
-        </p:txBody>
-      </p:sp>
-      <p:sp>
-        <p:nvSpPr>
           <p:cNvPr id="6" name="Footer Placeholder 5"/>
           <p:cNvSpPr>
             <a:spLocks noGrp="1"/>
@@ -14123,8 +13954,8 @@
           <a:p>
             <a:pPr algn="r"/>
             <a:r>
-              <a:rPr lang="en-US" dirty="0" smtClean="0"/>
-              <a:t>Sanjay Kalé and PPL (UIUC) – Parallel Migratable Objects </a:t>
+              <a:rPr lang="en-US" smtClean="0"/>
+              <a:t>Laxmikant Kalé and PPL (UIUC) – Parallel Migratable Objects </a:t>
             </a:r>
             <a:endParaRPr lang="en-US" dirty="0"/>
           </a:p>
@@ -14684,29 +14515,6 @@
       </p:sp>
       <p:sp>
         <p:nvSpPr>
-          <p:cNvPr id="3" name="Date Placeholder 2"/>
-          <p:cNvSpPr>
-            <a:spLocks noGrp="1"/>
-          </p:cNvSpPr>
-          <p:nvPr>
-            <p:ph type="dt" sz="half" idx="10"/>
-          </p:nvPr>
-        </p:nvSpPr>
-        <p:spPr/>
-        <p:txBody>
-          <a:bodyPr/>
-          <a:lstStyle/>
-          <a:p>
-            <a:fld id="{649FC6E8-BD3C-E24F-ABCE-A0069012B335}" type="datetime2">
-              <a:rPr lang="en-US" smtClean="0"/>
-              <a:t>Wednesday, September 10, 14</a:t>
-            </a:fld>
-            <a:endParaRPr lang="en-US" dirty="0"/>
-          </a:p>
-        </p:txBody>
-      </p:sp>
-      <p:sp>
-        <p:nvSpPr>
           <p:cNvPr id="4" name="Footer Placeholder 3"/>
           <p:cNvSpPr>
             <a:spLocks noGrp="1"/>
@@ -14722,8 +14530,8 @@
           <a:p>
             <a:pPr algn="r"/>
             <a:r>
-              <a:rPr lang="en-US" dirty="0" smtClean="0"/>
-              <a:t>Sanjay Kalé and PPL (UIUC) – Parallel Migratable Objects </a:t>
+              <a:rPr lang="en-US" smtClean="0"/>
+              <a:t>Laxmikant Kalé and PPL (UIUC) – Parallel Migratable Objects </a:t>
             </a:r>
             <a:endParaRPr lang="en-US" dirty="0"/>
           </a:p>
@@ -15644,29 +15452,6 @@
       </p:sp>
       <p:sp>
         <p:nvSpPr>
-          <p:cNvPr id="3" name="Date Placeholder 2"/>
-          <p:cNvSpPr>
-            <a:spLocks noGrp="1"/>
-          </p:cNvSpPr>
-          <p:nvPr>
-            <p:ph type="dt" sz="half" idx="10"/>
-          </p:nvPr>
-        </p:nvSpPr>
-        <p:spPr/>
-        <p:txBody>
-          <a:bodyPr/>
-          <a:lstStyle/>
-          <a:p>
-            <a:fld id="{B80D1EF0-2EB2-654F-80FC-FFD486F49012}" type="datetime2">
-              <a:rPr lang="en-US" smtClean="0"/>
-              <a:t>Wednesday, September 10, 14</a:t>
-            </a:fld>
-            <a:endParaRPr lang="en-US" dirty="0"/>
-          </a:p>
-        </p:txBody>
-      </p:sp>
-      <p:sp>
-        <p:nvSpPr>
           <p:cNvPr id="4" name="Footer Placeholder 3"/>
           <p:cNvSpPr>
             <a:spLocks noGrp="1"/>
@@ -15682,8 +15467,8 @@
           <a:p>
             <a:pPr algn="r"/>
             <a:r>
-              <a:rPr lang="en-US" dirty="0" smtClean="0"/>
-              <a:t>Sanjay Kalé and PPL (UIUC) – Parallel Migratable Objects </a:t>
+              <a:rPr lang="en-US" smtClean="0"/>
+              <a:t>Laxmikant Kalé and PPL (UIUC) – Parallel Migratable Objects </a:t>
             </a:r>
             <a:endParaRPr lang="en-US" dirty="0"/>
           </a:p>
@@ -17124,29 +16909,6 @@
       </p:sp>
       <p:sp>
         <p:nvSpPr>
-          <p:cNvPr id="3" name="Date Placeholder 2"/>
-          <p:cNvSpPr>
-            <a:spLocks noGrp="1"/>
-          </p:cNvSpPr>
-          <p:nvPr>
-            <p:ph type="dt" sz="half" idx="10"/>
-          </p:nvPr>
-        </p:nvSpPr>
-        <p:spPr/>
-        <p:txBody>
-          <a:bodyPr/>
-          <a:lstStyle/>
-          <a:p>
-            <a:fld id="{DEC71C86-5730-9A4F-8DFF-6C11A2568F8D}" type="datetime2">
-              <a:rPr lang="en-US" smtClean="0"/>
-              <a:t>Wednesday, September 10, 14</a:t>
-            </a:fld>
-            <a:endParaRPr lang="en-US" dirty="0"/>
-          </a:p>
-        </p:txBody>
-      </p:sp>
-      <p:sp>
-        <p:nvSpPr>
           <p:cNvPr id="4" name="Footer Placeholder 3"/>
           <p:cNvSpPr>
             <a:spLocks noGrp="1"/>
@@ -17162,8 +16924,8 @@
           <a:p>
             <a:pPr algn="r"/>
             <a:r>
-              <a:rPr lang="en-US" dirty="0" smtClean="0"/>
-              <a:t>Sanjay Kalé and PPL (UIUC) – Parallel Migratable Objects </a:t>
+              <a:rPr lang="en-US" smtClean="0"/>
+              <a:t>Laxmikant Kalé and PPL (UIUC) – Parallel Migratable Objects </a:t>
             </a:r>
             <a:endParaRPr lang="en-US" dirty="0"/>
           </a:p>
@@ -19166,29 +18928,6 @@
       </p:sp>
       <p:sp>
         <p:nvSpPr>
-          <p:cNvPr id="3" name="Date Placeholder 2"/>
-          <p:cNvSpPr>
-            <a:spLocks noGrp="1"/>
-          </p:cNvSpPr>
-          <p:nvPr>
-            <p:ph type="dt" sz="half" idx="10"/>
-          </p:nvPr>
-        </p:nvSpPr>
-        <p:spPr/>
-        <p:txBody>
-          <a:bodyPr/>
-          <a:lstStyle/>
-          <a:p>
-            <a:fld id="{3D6C79A4-7AED-7F42-8FDB-9C60F0C27FD7}" type="datetime2">
-              <a:rPr lang="en-US" smtClean="0"/>
-              <a:t>Wednesday, September 10, 14</a:t>
-            </a:fld>
-            <a:endParaRPr lang="en-US" dirty="0"/>
-          </a:p>
-        </p:txBody>
-      </p:sp>
-      <p:sp>
-        <p:nvSpPr>
           <p:cNvPr id="6" name="Footer Placeholder 5"/>
           <p:cNvSpPr>
             <a:spLocks noGrp="1"/>
@@ -19204,8 +18943,8 @@
           <a:p>
             <a:pPr algn="r"/>
             <a:r>
-              <a:rPr lang="en-US" dirty="0" smtClean="0"/>
-              <a:t>Sanjay Kalé and PPL (UIUC) – Parallel Migratable Objects </a:t>
+              <a:rPr lang="en-US" smtClean="0"/>
+              <a:t>Laxmikant Kalé and PPL (UIUC) – Parallel Migratable Objects </a:t>
             </a:r>
             <a:endParaRPr lang="en-US" dirty="0"/>
           </a:p>
@@ -19914,29 +19653,6 @@
       </p:sp>
       <p:sp>
         <p:nvSpPr>
-          <p:cNvPr id="4" name="Date Placeholder 3"/>
-          <p:cNvSpPr>
-            <a:spLocks noGrp="1"/>
-          </p:cNvSpPr>
-          <p:nvPr>
-            <p:ph type="dt" sz="half" idx="10"/>
-          </p:nvPr>
-        </p:nvSpPr>
-        <p:spPr/>
-        <p:txBody>
-          <a:bodyPr/>
-          <a:lstStyle/>
-          <a:p>
-            <a:fld id="{C0B7AECD-5D39-0A4F-A1B6-D58D5BE387E5}" type="datetime2">
-              <a:rPr lang="en-US" smtClean="0"/>
-              <a:t>Wednesday, September 10, 14</a:t>
-            </a:fld>
-            <a:endParaRPr lang="en-US" dirty="0"/>
-          </a:p>
-        </p:txBody>
-      </p:sp>
-      <p:sp>
-        <p:nvSpPr>
           <p:cNvPr id="5" name="Footer Placeholder 4"/>
           <p:cNvSpPr>
             <a:spLocks noGrp="1"/>
@@ -19952,8 +19668,8 @@
           <a:p>
             <a:pPr algn="r"/>
             <a:r>
-              <a:rPr lang="en-US" dirty="0" smtClean="0"/>
-              <a:t>Sanjay Kalé and PPL (UIUC) – Parallel Migratable Objects </a:t>
+              <a:rPr lang="en-US" smtClean="0"/>
+              <a:t>Laxmikant Kalé and PPL (UIUC) – Parallel Migratable Objects </a:t>
             </a:r>
             <a:endParaRPr lang="en-US" dirty="0"/>
           </a:p>
@@ -20971,29 +20687,6 @@
       </p:sp>
       <p:sp>
         <p:nvSpPr>
-          <p:cNvPr id="5" name="Date Placeholder 4"/>
-          <p:cNvSpPr>
-            <a:spLocks noGrp="1"/>
-          </p:cNvSpPr>
-          <p:nvPr>
-            <p:ph type="dt" sz="half" idx="10"/>
-          </p:nvPr>
-        </p:nvSpPr>
-        <p:spPr/>
-        <p:txBody>
-          <a:bodyPr/>
-          <a:lstStyle/>
-          <a:p>
-            <a:fld id="{F7E06CF4-0FD8-484C-93EC-0AF340E9BF60}" type="datetime2">
-              <a:rPr lang="en-US" smtClean="0"/>
-              <a:t>Wednesday, September 10, 14</a:t>
-            </a:fld>
-            <a:endParaRPr lang="en-US" dirty="0"/>
-          </a:p>
-        </p:txBody>
-      </p:sp>
-      <p:sp>
-        <p:nvSpPr>
           <p:cNvPr id="6" name="Footer Placeholder 5"/>
           <p:cNvSpPr>
             <a:spLocks noGrp="1"/>
@@ -21009,8 +20702,8 @@
           <a:p>
             <a:pPr algn="r"/>
             <a:r>
-              <a:rPr lang="en-US" dirty="0" smtClean="0"/>
-              <a:t>Sanjay Kalé and PPL (UIUC) – Parallel Migratable Objects </a:t>
+              <a:rPr lang="en-US" smtClean="0"/>
+              <a:t>Laxmikant Kalé and PPL (UIUC) – Parallel Migratable Objects </a:t>
             </a:r>
             <a:endParaRPr lang="en-US" dirty="0"/>
           </a:p>
@@ -21586,29 +21279,6 @@
       </p:sp>
       <p:sp>
         <p:nvSpPr>
-          <p:cNvPr id="3" name="Date Placeholder 2"/>
-          <p:cNvSpPr>
-            <a:spLocks noGrp="1"/>
-          </p:cNvSpPr>
-          <p:nvPr>
-            <p:ph type="dt" sz="half" idx="10"/>
-          </p:nvPr>
-        </p:nvSpPr>
-        <p:spPr/>
-        <p:txBody>
-          <a:bodyPr/>
-          <a:lstStyle/>
-          <a:p>
-            <a:fld id="{301CBB59-B693-1146-BFCE-B6F69337C5D3}" type="datetime2">
-              <a:rPr lang="en-US" smtClean="0"/>
-              <a:t>Wednesday, September 10, 14</a:t>
-            </a:fld>
-            <a:endParaRPr lang="en-US" dirty="0"/>
-          </a:p>
-        </p:txBody>
-      </p:sp>
-      <p:sp>
-        <p:nvSpPr>
           <p:cNvPr id="7" name="Footer Placeholder 6"/>
           <p:cNvSpPr>
             <a:spLocks noGrp="1"/>
@@ -21624,8 +21294,8 @@
           <a:p>
             <a:pPr algn="r"/>
             <a:r>
-              <a:rPr lang="en-US" dirty="0" smtClean="0"/>
-              <a:t>Sanjay Kalé and PPL (UIUC) – Parallel Migratable Objects </a:t>
+              <a:rPr lang="en-US" smtClean="0"/>
+              <a:t>Laxmikant Kalé and PPL (UIUC) – Parallel Migratable Objects </a:t>
             </a:r>
             <a:endParaRPr lang="en-US" dirty="0"/>
           </a:p>
@@ -22900,29 +22570,6 @@
       </p:sp>
       <p:sp>
         <p:nvSpPr>
-          <p:cNvPr id="4" name="Date Placeholder 3"/>
-          <p:cNvSpPr>
-            <a:spLocks noGrp="1"/>
-          </p:cNvSpPr>
-          <p:nvPr>
-            <p:ph type="dt" sz="half" idx="10"/>
-          </p:nvPr>
-        </p:nvSpPr>
-        <p:spPr/>
-        <p:txBody>
-          <a:bodyPr/>
-          <a:lstStyle/>
-          <a:p>
-            <a:fld id="{AF326E96-1509-BA4A-BD5E-23E11A1BB98A}" type="datetime2">
-              <a:rPr lang="en-US" smtClean="0"/>
-              <a:t>Wednesday, September 10, 14</a:t>
-            </a:fld>
-            <a:endParaRPr lang="en-US" dirty="0"/>
-          </a:p>
-        </p:txBody>
-      </p:sp>
-      <p:sp>
-        <p:nvSpPr>
           <p:cNvPr id="5" name="Footer Placeholder 4"/>
           <p:cNvSpPr>
             <a:spLocks noGrp="1"/>
@@ -22938,8 +22585,8 @@
           <a:p>
             <a:pPr algn="r"/>
             <a:r>
-              <a:rPr lang="en-US" dirty="0" smtClean="0"/>
-              <a:t>Sanjay Kalé and PPL (UIUC) – Parallel Migratable Objects </a:t>
+              <a:rPr lang="en-US" smtClean="0"/>
+              <a:t>Laxmikant Kalé and PPL (UIUC) – Parallel Migratable Objects </a:t>
             </a:r>
             <a:endParaRPr lang="en-US" dirty="0"/>
           </a:p>
@@ -23774,29 +23421,6 @@
       </p:sp>
       <p:sp>
         <p:nvSpPr>
-          <p:cNvPr id="4" name="Date Placeholder 3"/>
-          <p:cNvSpPr>
-            <a:spLocks noGrp="1"/>
-          </p:cNvSpPr>
-          <p:nvPr>
-            <p:ph type="dt" sz="half" idx="10"/>
-          </p:nvPr>
-        </p:nvSpPr>
-        <p:spPr/>
-        <p:txBody>
-          <a:bodyPr/>
-          <a:lstStyle/>
-          <a:p>
-            <a:fld id="{5751AFB5-36D4-A04A-902D-17C72C17DF15}" type="datetime2">
-              <a:rPr lang="en-US" smtClean="0"/>
-              <a:t>Wednesday, September 10, 14</a:t>
-            </a:fld>
-            <a:endParaRPr lang="en-US" dirty="0"/>
-          </a:p>
-        </p:txBody>
-      </p:sp>
-      <p:sp>
-        <p:nvSpPr>
           <p:cNvPr id="5" name="Footer Placeholder 4"/>
           <p:cNvSpPr>
             <a:spLocks noGrp="1"/>
@@ -23812,8 +23436,8 @@
           <a:p>
             <a:pPr algn="r"/>
             <a:r>
-              <a:rPr lang="en-US" dirty="0" smtClean="0"/>
-              <a:t>Sanjay Kalé and PPL (UIUC) – Parallel Migratable Objects </a:t>
+              <a:rPr lang="en-US" smtClean="0"/>
+              <a:t>Laxmikant Kalé and PPL (UIUC) – Parallel Migratable Objects </a:t>
             </a:r>
             <a:endParaRPr lang="en-US" dirty="0"/>
           </a:p>
@@ -24688,29 +24312,6 @@
       </p:sp>
       <p:sp>
         <p:nvSpPr>
-          <p:cNvPr id="4" name="Date Placeholder 3"/>
-          <p:cNvSpPr>
-            <a:spLocks noGrp="1"/>
-          </p:cNvSpPr>
-          <p:nvPr>
-            <p:ph type="dt" sz="half" idx="10"/>
-          </p:nvPr>
-        </p:nvSpPr>
-        <p:spPr/>
-        <p:txBody>
-          <a:bodyPr/>
-          <a:lstStyle/>
-          <a:p>
-            <a:fld id="{0B7B4E02-CF77-8840-B883-42349F8423A8}" type="datetime2">
-              <a:rPr lang="en-US" smtClean="0"/>
-              <a:t>Wednesday, September 10, 14</a:t>
-            </a:fld>
-            <a:endParaRPr lang="en-US" dirty="0"/>
-          </a:p>
-        </p:txBody>
-      </p:sp>
-      <p:sp>
-        <p:nvSpPr>
           <p:cNvPr id="5" name="Footer Placeholder 4"/>
           <p:cNvSpPr>
             <a:spLocks noGrp="1"/>
@@ -24726,8 +24327,8 @@
           <a:p>
             <a:pPr algn="r"/>
             <a:r>
-              <a:rPr lang="en-US" dirty="0" smtClean="0"/>
-              <a:t>Sanjay Kalé and PPL (UIUC) – Parallel Migratable Objects </a:t>
+              <a:rPr lang="en-US" smtClean="0"/>
+              <a:t>Laxmikant Kalé and PPL (UIUC) – Parallel Migratable Objects </a:t>
             </a:r>
             <a:endParaRPr lang="en-US" dirty="0"/>
           </a:p>
@@ -25472,29 +25073,6 @@
       </p:sp>
       <p:sp>
         <p:nvSpPr>
-          <p:cNvPr id="4" name="Date Placeholder 3"/>
-          <p:cNvSpPr>
-            <a:spLocks noGrp="1"/>
-          </p:cNvSpPr>
-          <p:nvPr>
-            <p:ph type="dt" sz="half" idx="10"/>
-          </p:nvPr>
-        </p:nvSpPr>
-        <p:spPr/>
-        <p:txBody>
-          <a:bodyPr/>
-          <a:lstStyle/>
-          <a:p>
-            <a:fld id="{815139AC-D3FB-8A42-81BB-E581AF3F8A6E}" type="datetime2">
-              <a:rPr lang="en-US" smtClean="0"/>
-              <a:t>Wednesday, September 10, 14</a:t>
-            </a:fld>
-            <a:endParaRPr lang="en-US" dirty="0"/>
-          </a:p>
-        </p:txBody>
-      </p:sp>
-      <p:sp>
-        <p:nvSpPr>
           <p:cNvPr id="5" name="Footer Placeholder 4"/>
           <p:cNvSpPr>
             <a:spLocks noGrp="1"/>
@@ -25510,8 +25088,8 @@
           <a:p>
             <a:pPr algn="r"/>
             <a:r>
-              <a:rPr lang="en-US" dirty="0" smtClean="0"/>
-              <a:t>Sanjay Kalé and PPL (UIUC) – Parallel Migratable Objects </a:t>
+              <a:rPr lang="en-US" smtClean="0"/>
+              <a:t>Laxmikant Kalé and PPL (UIUC) – Parallel Migratable Objects </a:t>
             </a:r>
             <a:endParaRPr lang="en-US" dirty="0"/>
           </a:p>
@@ -26219,29 +25797,6 @@
       </p:sp>
       <p:sp>
         <p:nvSpPr>
-          <p:cNvPr id="4" name="Date Placeholder 3"/>
-          <p:cNvSpPr>
-            <a:spLocks noGrp="1"/>
-          </p:cNvSpPr>
-          <p:nvPr>
-            <p:ph type="dt" sz="half" idx="10"/>
-          </p:nvPr>
-        </p:nvSpPr>
-        <p:spPr/>
-        <p:txBody>
-          <a:bodyPr/>
-          <a:lstStyle/>
-          <a:p>
-            <a:fld id="{DFD622F6-CD8B-B049-9D5F-9F5099186C9C}" type="datetime2">
-              <a:rPr lang="en-US" smtClean="0"/>
-              <a:t>Wednesday, September 10, 14</a:t>
-            </a:fld>
-            <a:endParaRPr lang="en-US" dirty="0"/>
-          </a:p>
-        </p:txBody>
-      </p:sp>
-      <p:sp>
-        <p:nvSpPr>
           <p:cNvPr id="5" name="Footer Placeholder 4"/>
           <p:cNvSpPr>
             <a:spLocks noGrp="1"/>
@@ -26257,8 +25812,8 @@
           <a:p>
             <a:pPr algn="r"/>
             <a:r>
-              <a:rPr lang="en-US" dirty="0" smtClean="0"/>
-              <a:t>Sanjay Kalé and PPL (UIUC) – Parallel Migratable Objects </a:t>
+              <a:rPr lang="en-US" smtClean="0"/>
+              <a:t>Laxmikant Kalé and PPL (UIUC) – Parallel Migratable Objects </a:t>
             </a:r>
             <a:endParaRPr lang="en-US" dirty="0"/>
           </a:p>
@@ -26383,29 +25938,6 @@
       </p:pic>
       <p:sp>
         <p:nvSpPr>
-          <p:cNvPr id="3" name="Date Placeholder 2"/>
-          <p:cNvSpPr>
-            <a:spLocks noGrp="1"/>
-          </p:cNvSpPr>
-          <p:nvPr>
-            <p:ph type="dt" sz="half" idx="10"/>
-          </p:nvPr>
-        </p:nvSpPr>
-        <p:spPr/>
-        <p:txBody>
-          <a:bodyPr/>
-          <a:lstStyle/>
-          <a:p>
-            <a:fld id="{AB41A94A-B5C1-EE44-93C9-13CA56F2FBD4}" type="datetime2">
-              <a:rPr lang="en-US" smtClean="0"/>
-              <a:t>Wednesday, September 10, 14</a:t>
-            </a:fld>
-            <a:endParaRPr lang="en-US" dirty="0"/>
-          </a:p>
-        </p:txBody>
-      </p:sp>
-      <p:sp>
-        <p:nvSpPr>
           <p:cNvPr id="4" name="Footer Placeholder 3"/>
           <p:cNvSpPr>
             <a:spLocks noGrp="1"/>
@@ -26421,8 +25953,8 @@
           <a:p>
             <a:pPr algn="r"/>
             <a:r>
-              <a:rPr lang="en-US" dirty="0" smtClean="0"/>
-              <a:t>Sanjay Kalé and PPL (UIUC) – Parallel Migratable Objects </a:t>
+              <a:rPr lang="en-US" smtClean="0"/>
+              <a:t>Laxmikant Kalé and PPL (UIUC) – Parallel Migratable Objects </a:t>
             </a:r>
             <a:endParaRPr lang="en-US" dirty="0"/>
           </a:p>
@@ -26547,29 +26079,6 @@
       </p:pic>
       <p:sp>
         <p:nvSpPr>
-          <p:cNvPr id="3" name="Date Placeholder 2"/>
-          <p:cNvSpPr>
-            <a:spLocks noGrp="1"/>
-          </p:cNvSpPr>
-          <p:nvPr>
-            <p:ph type="dt" sz="half" idx="10"/>
-          </p:nvPr>
-        </p:nvSpPr>
-        <p:spPr/>
-        <p:txBody>
-          <a:bodyPr/>
-          <a:lstStyle/>
-          <a:p>
-            <a:fld id="{5582CAD5-4F01-7142-8CA3-A59F28CD6DA4}" type="datetime2">
-              <a:rPr lang="en-US" smtClean="0"/>
-              <a:t>Wednesday, September 10, 14</a:t>
-            </a:fld>
-            <a:endParaRPr lang="en-US" dirty="0"/>
-          </a:p>
-        </p:txBody>
-      </p:sp>
-      <p:sp>
-        <p:nvSpPr>
           <p:cNvPr id="4" name="Footer Placeholder 3"/>
           <p:cNvSpPr>
             <a:spLocks noGrp="1"/>
@@ -26585,8 +26094,8 @@
           <a:p>
             <a:pPr algn="r"/>
             <a:r>
-              <a:rPr lang="en-US" dirty="0" smtClean="0"/>
-              <a:t>Sanjay Kalé and PPL (UIUC) – Parallel Migratable Objects </a:t>
+              <a:rPr lang="en-US" smtClean="0"/>
+              <a:t>Laxmikant Kalé and PPL (UIUC) – Parallel Migratable Objects </a:t>
             </a:r>
             <a:endParaRPr lang="en-US" dirty="0"/>
           </a:p>
@@ -26711,29 +26220,6 @@
       </p:pic>
       <p:sp>
         <p:nvSpPr>
-          <p:cNvPr id="3" name="Date Placeholder 2"/>
-          <p:cNvSpPr>
-            <a:spLocks noGrp="1"/>
-          </p:cNvSpPr>
-          <p:nvPr>
-            <p:ph type="dt" sz="half" idx="10"/>
-          </p:nvPr>
-        </p:nvSpPr>
-        <p:spPr/>
-        <p:txBody>
-          <a:bodyPr/>
-          <a:lstStyle/>
-          <a:p>
-            <a:fld id="{4733F011-31A4-1949-A425-D7F6E11E722D}" type="datetime2">
-              <a:rPr lang="en-US" smtClean="0"/>
-              <a:t>Wednesday, September 10, 14</a:t>
-            </a:fld>
-            <a:endParaRPr lang="en-US" dirty="0"/>
-          </a:p>
-        </p:txBody>
-      </p:sp>
-      <p:sp>
-        <p:nvSpPr>
           <p:cNvPr id="4" name="Footer Placeholder 3"/>
           <p:cNvSpPr>
             <a:spLocks noGrp="1"/>
@@ -26749,8 +26235,8 @@
           <a:p>
             <a:pPr algn="r"/>
             <a:r>
-              <a:rPr lang="en-US" dirty="0" smtClean="0"/>
-              <a:t>Sanjay Kalé and PPL (UIUC) – Parallel Migratable Objects </a:t>
+              <a:rPr lang="en-US" smtClean="0"/>
+              <a:t>Laxmikant Kalé and PPL (UIUC) – Parallel Migratable Objects </a:t>
             </a:r>
             <a:endParaRPr lang="en-US" dirty="0"/>
           </a:p>
@@ -27189,29 +26675,6 @@
       </p:sp>
       <p:sp>
         <p:nvSpPr>
-          <p:cNvPr id="4" name="Date Placeholder 3"/>
-          <p:cNvSpPr>
-            <a:spLocks noGrp="1"/>
-          </p:cNvSpPr>
-          <p:nvPr>
-            <p:ph type="dt" sz="half" idx="10"/>
-          </p:nvPr>
-        </p:nvSpPr>
-        <p:spPr/>
-        <p:txBody>
-          <a:bodyPr/>
-          <a:lstStyle/>
-          <a:p>
-            <a:fld id="{84888D6F-3227-5A4B-9318-4BD6B284E2F3}" type="datetime2">
-              <a:rPr lang="en-US" smtClean="0"/>
-              <a:t>Wednesday, September 10, 14</a:t>
-            </a:fld>
-            <a:endParaRPr lang="en-US" dirty="0"/>
-          </a:p>
-        </p:txBody>
-      </p:sp>
-      <p:sp>
-        <p:nvSpPr>
           <p:cNvPr id="5" name="Footer Placeholder 4"/>
           <p:cNvSpPr>
             <a:spLocks noGrp="1"/>
@@ -27227,8 +26690,8 @@
           <a:p>
             <a:pPr algn="r"/>
             <a:r>
-              <a:rPr lang="en-US" dirty="0" smtClean="0"/>
-              <a:t>Sanjay Kalé and PPL (UIUC) – Parallel Migratable Objects </a:t>
+              <a:rPr lang="en-US" smtClean="0"/>
+              <a:t>Laxmikant Kalé and PPL (UIUC) – Parallel Migratable Objects </a:t>
             </a:r>
             <a:endParaRPr lang="en-US" dirty="0"/>
           </a:p>
@@ -27934,29 +27397,6 @@
       </p:sp>
       <p:sp>
         <p:nvSpPr>
-          <p:cNvPr id="4" name="Date Placeholder 3"/>
-          <p:cNvSpPr>
-            <a:spLocks noGrp="1"/>
-          </p:cNvSpPr>
-          <p:nvPr>
-            <p:ph type="dt" sz="half" idx="10"/>
-          </p:nvPr>
-        </p:nvSpPr>
-        <p:spPr/>
-        <p:txBody>
-          <a:bodyPr/>
-          <a:lstStyle/>
-          <a:p>
-            <a:fld id="{A227B2BA-3D10-B748-A37C-B75011CAA706}" type="datetime2">
-              <a:rPr lang="en-US" smtClean="0"/>
-              <a:t>Wednesday, September 10, 14</a:t>
-            </a:fld>
-            <a:endParaRPr lang="en-US" dirty="0"/>
-          </a:p>
-        </p:txBody>
-      </p:sp>
-      <p:sp>
-        <p:nvSpPr>
           <p:cNvPr id="5" name="Footer Placeholder 4"/>
           <p:cNvSpPr>
             <a:spLocks noGrp="1"/>
@@ -27972,8 +27412,8 @@
           <a:p>
             <a:pPr algn="r"/>
             <a:r>
-              <a:rPr lang="en-US" dirty="0" smtClean="0"/>
-              <a:t>Sanjay Kalé and PPL (UIUC) – Parallel Migratable Objects </a:t>
+              <a:rPr lang="en-US" smtClean="0"/>
+              <a:t>Laxmikant Kalé and PPL (UIUC) – Parallel Migratable Objects </a:t>
             </a:r>
             <a:endParaRPr lang="en-US" dirty="0"/>
           </a:p>
@@ -29061,29 +28501,6 @@
       </p:sp>
       <p:sp>
         <p:nvSpPr>
-          <p:cNvPr id="4" name="Date Placeholder 3"/>
-          <p:cNvSpPr>
-            <a:spLocks noGrp="1"/>
-          </p:cNvSpPr>
-          <p:nvPr>
-            <p:ph type="dt" sz="half" idx="10"/>
-          </p:nvPr>
-        </p:nvSpPr>
-        <p:spPr/>
-        <p:txBody>
-          <a:bodyPr/>
-          <a:lstStyle/>
-          <a:p>
-            <a:fld id="{86D28A4A-5AF3-3B4B-886D-FC7E1CF561DB}" type="datetime2">
-              <a:rPr lang="en-US" smtClean="0"/>
-              <a:t>Wednesday, September 10, 14</a:t>
-            </a:fld>
-            <a:endParaRPr lang="en-US" dirty="0"/>
-          </a:p>
-        </p:txBody>
-      </p:sp>
-      <p:sp>
-        <p:nvSpPr>
           <p:cNvPr id="5" name="Footer Placeholder 4"/>
           <p:cNvSpPr>
             <a:spLocks noGrp="1"/>
@@ -29099,8 +28516,8 @@
           <a:p>
             <a:pPr algn="r"/>
             <a:r>
-              <a:rPr lang="en-US" dirty="0" smtClean="0"/>
-              <a:t>Sanjay Kalé and PPL (UIUC) – Parallel Migratable Objects </a:t>
+              <a:rPr lang="en-US" smtClean="0"/>
+              <a:t>Laxmikant Kalé and PPL (UIUC) – Parallel Migratable Objects </a:t>
             </a:r>
             <a:endParaRPr lang="en-US" dirty="0"/>
           </a:p>
@@ -30232,29 +29649,6 @@
       </p:sp>
       <p:sp>
         <p:nvSpPr>
-          <p:cNvPr id="4" name="Date Placeholder 3"/>
-          <p:cNvSpPr>
-            <a:spLocks noGrp="1"/>
-          </p:cNvSpPr>
-          <p:nvPr>
-            <p:ph type="dt" sz="half" idx="10"/>
-          </p:nvPr>
-        </p:nvSpPr>
-        <p:spPr/>
-        <p:txBody>
-          <a:bodyPr/>
-          <a:lstStyle/>
-          <a:p>
-            <a:fld id="{7053347E-5888-8046-9690-52F489996326}" type="datetime2">
-              <a:rPr lang="en-US" smtClean="0"/>
-              <a:t>Wednesday, September 10, 14</a:t>
-            </a:fld>
-            <a:endParaRPr lang="en-US" dirty="0"/>
-          </a:p>
-        </p:txBody>
-      </p:sp>
-      <p:sp>
-        <p:nvSpPr>
           <p:cNvPr id="5" name="Footer Placeholder 4"/>
           <p:cNvSpPr>
             <a:spLocks noGrp="1"/>
@@ -30270,8 +29664,8 @@
           <a:p>
             <a:pPr algn="r"/>
             <a:r>
-              <a:rPr lang="en-US" dirty="0" smtClean="0"/>
-              <a:t>Sanjay Kalé and PPL (UIUC) – Parallel Migratable Objects </a:t>
+              <a:rPr lang="en-US" smtClean="0"/>
+              <a:t>Laxmikant Kalé and PPL (UIUC) – Parallel Migratable Objects </a:t>
             </a:r>
             <a:endParaRPr lang="en-US" dirty="0"/>
           </a:p>
@@ -31534,29 +30928,6 @@
       </p:sp>
       <p:sp>
         <p:nvSpPr>
-          <p:cNvPr id="4" name="Date Placeholder 3"/>
-          <p:cNvSpPr>
-            <a:spLocks noGrp="1"/>
-          </p:cNvSpPr>
-          <p:nvPr>
-            <p:ph type="dt" sz="half" idx="10"/>
-          </p:nvPr>
-        </p:nvSpPr>
-        <p:spPr/>
-        <p:txBody>
-          <a:bodyPr/>
-          <a:lstStyle/>
-          <a:p>
-            <a:fld id="{6EE2E4D4-FE0F-3F4C-9166-90D0BEF5F0C4}" type="datetime2">
-              <a:rPr lang="en-US" smtClean="0"/>
-              <a:t>Wednesday, September 10, 14</a:t>
-            </a:fld>
-            <a:endParaRPr lang="en-US" dirty="0"/>
-          </a:p>
-        </p:txBody>
-      </p:sp>
-      <p:sp>
-        <p:nvSpPr>
           <p:cNvPr id="5" name="Footer Placeholder 4"/>
           <p:cNvSpPr>
             <a:spLocks noGrp="1"/>
@@ -31572,8 +30943,8 @@
           <a:p>
             <a:pPr algn="r"/>
             <a:r>
-              <a:rPr lang="en-US" dirty="0" smtClean="0"/>
-              <a:t>Sanjay Kalé and PPL (UIUC) – Parallel Migratable Objects </a:t>
+              <a:rPr lang="en-US" smtClean="0"/>
+              <a:t>Laxmikant Kalé and PPL (UIUC) – Parallel Migratable Objects </a:t>
             </a:r>
             <a:endParaRPr lang="en-US" dirty="0"/>
           </a:p>
@@ -32026,29 +31397,6 @@
       </p:sp>
       <p:sp>
         <p:nvSpPr>
-          <p:cNvPr id="6" name="Date Placeholder 5"/>
-          <p:cNvSpPr>
-            <a:spLocks noGrp="1"/>
-          </p:cNvSpPr>
-          <p:nvPr>
-            <p:ph type="dt" sz="half" idx="10"/>
-          </p:nvPr>
-        </p:nvSpPr>
-        <p:spPr/>
-        <p:txBody>
-          <a:bodyPr/>
-          <a:lstStyle/>
-          <a:p>
-            <a:fld id="{F79827C5-A48F-E643-A81A-C484927AD4ED}" type="datetime2">
-              <a:rPr lang="en-US" smtClean="0"/>
-              <a:t>Wednesday, September 10, 14</a:t>
-            </a:fld>
-            <a:endParaRPr lang="en-US" dirty="0"/>
-          </a:p>
-        </p:txBody>
-      </p:sp>
-      <p:sp>
-        <p:nvSpPr>
           <p:cNvPr id="7" name="Footer Placeholder 6"/>
           <p:cNvSpPr>
             <a:spLocks noGrp="1"/>
@@ -32064,8 +31412,8 @@
           <a:p>
             <a:pPr algn="r"/>
             <a:r>
-              <a:rPr lang="en-US" dirty="0" smtClean="0"/>
-              <a:t>Sanjay Kalé and PPL (UIUC) – Parallel Migratable Objects </a:t>
+              <a:rPr lang="en-US" smtClean="0"/>
+              <a:t>Laxmikant Kalé and PPL (UIUC) – Parallel Migratable Objects </a:t>
             </a:r>
             <a:endParaRPr lang="en-US" dirty="0"/>
           </a:p>
@@ -33911,29 +33259,6 @@
       </p:sp>
       <p:sp>
         <p:nvSpPr>
-          <p:cNvPr id="4" name="Date Placeholder 3"/>
-          <p:cNvSpPr>
-            <a:spLocks noGrp="1"/>
-          </p:cNvSpPr>
-          <p:nvPr>
-            <p:ph type="dt" sz="half" idx="10"/>
-          </p:nvPr>
-        </p:nvSpPr>
-        <p:spPr/>
-        <p:txBody>
-          <a:bodyPr/>
-          <a:lstStyle/>
-          <a:p>
-            <a:fld id="{ECA2F6FF-9D51-9B4A-8670-1F26E9F25641}" type="datetime2">
-              <a:rPr lang="en-US" smtClean="0"/>
-              <a:t>Wednesday, September 10, 14</a:t>
-            </a:fld>
-            <a:endParaRPr lang="en-US" dirty="0"/>
-          </a:p>
-        </p:txBody>
-      </p:sp>
-      <p:sp>
-        <p:nvSpPr>
           <p:cNvPr id="5" name="Footer Placeholder 4"/>
           <p:cNvSpPr>
             <a:spLocks noGrp="1"/>
@@ -33949,8 +33274,8 @@
           <a:p>
             <a:pPr algn="r"/>
             <a:r>
-              <a:rPr lang="en-US" dirty="0" smtClean="0"/>
-              <a:t>Sanjay Kalé and PPL (UIUC) – Parallel Migratable Objects </a:t>
+              <a:rPr lang="en-US" smtClean="0"/>
+              <a:t>Laxmikant Kalé and PPL (UIUC) – Parallel Migratable Objects </a:t>
             </a:r>
             <a:endParaRPr lang="en-US" dirty="0"/>
           </a:p>
@@ -35371,29 +34696,6 @@
       </p:sp>
       <p:sp>
         <p:nvSpPr>
-          <p:cNvPr id="4" name="Date Placeholder 3"/>
-          <p:cNvSpPr>
-            <a:spLocks noGrp="1"/>
-          </p:cNvSpPr>
-          <p:nvPr>
-            <p:ph type="dt" sz="half" idx="10"/>
-          </p:nvPr>
-        </p:nvSpPr>
-        <p:spPr/>
-        <p:txBody>
-          <a:bodyPr/>
-          <a:lstStyle/>
-          <a:p>
-            <a:fld id="{0346D200-CB40-C24C-B17E-60D92F636ED5}" type="datetime2">
-              <a:rPr lang="en-US" smtClean="0"/>
-              <a:t>Wednesday, September 10, 14</a:t>
-            </a:fld>
-            <a:endParaRPr lang="en-US" dirty="0"/>
-          </a:p>
-        </p:txBody>
-      </p:sp>
-      <p:sp>
-        <p:nvSpPr>
           <p:cNvPr id="5" name="Footer Placeholder 4"/>
           <p:cNvSpPr>
             <a:spLocks noGrp="1"/>
@@ -35409,8 +34711,8 @@
           <a:p>
             <a:pPr algn="r"/>
             <a:r>
-              <a:rPr lang="en-US" dirty="0" smtClean="0"/>
-              <a:t>Sanjay Kalé and PPL (UIUC) – Parallel Migratable Objects </a:t>
+              <a:rPr lang="en-US" smtClean="0"/>
+              <a:t>Laxmikant Kalé and PPL (UIUC) – Parallel Migratable Objects </a:t>
             </a:r>
             <a:endParaRPr lang="en-US" dirty="0"/>
           </a:p>
@@ -35947,29 +35249,6 @@
       </p:sp>
       <p:sp>
         <p:nvSpPr>
-          <p:cNvPr id="4" name="Date Placeholder 3"/>
-          <p:cNvSpPr>
-            <a:spLocks noGrp="1"/>
-          </p:cNvSpPr>
-          <p:nvPr>
-            <p:ph type="dt" sz="half" idx="10"/>
-          </p:nvPr>
-        </p:nvSpPr>
-        <p:spPr/>
-        <p:txBody>
-          <a:bodyPr/>
-          <a:lstStyle/>
-          <a:p>
-            <a:fld id="{969D7CF8-B7D1-1643-8DF7-97B38AFFEB1C}" type="datetime2">
-              <a:rPr lang="en-US" smtClean="0"/>
-              <a:t>Wednesday, September 10, 14</a:t>
-            </a:fld>
-            <a:endParaRPr lang="en-US" dirty="0"/>
-          </a:p>
-        </p:txBody>
-      </p:sp>
-      <p:sp>
-        <p:nvSpPr>
           <p:cNvPr id="6" name="Footer Placeholder 5"/>
           <p:cNvSpPr>
             <a:spLocks noGrp="1"/>
@@ -35985,8 +35264,8 @@
           <a:p>
             <a:pPr algn="r"/>
             <a:r>
-              <a:rPr lang="en-US" dirty="0" smtClean="0"/>
-              <a:t>Sanjay Kalé and PPL (UIUC) – Parallel Migratable Objects </a:t>
+              <a:rPr lang="en-US" smtClean="0"/>
+              <a:t>Laxmikant Kalé and PPL (UIUC) – Parallel Migratable Objects </a:t>
             </a:r>
             <a:endParaRPr lang="en-US" dirty="0"/>
           </a:p>
@@ -36935,29 +36214,6 @@
       </p:sp>
       <p:sp>
         <p:nvSpPr>
-          <p:cNvPr id="4" name="Date Placeholder 3"/>
-          <p:cNvSpPr>
-            <a:spLocks noGrp="1"/>
-          </p:cNvSpPr>
-          <p:nvPr>
-            <p:ph type="dt" sz="half" idx="10"/>
-          </p:nvPr>
-        </p:nvSpPr>
-        <p:spPr/>
-        <p:txBody>
-          <a:bodyPr/>
-          <a:lstStyle/>
-          <a:p>
-            <a:fld id="{F7D5B179-70B7-D24B-898D-EAC2D795AAF7}" type="datetime2">
-              <a:rPr lang="en-US" smtClean="0"/>
-              <a:t>Wednesday, September 10, 14</a:t>
-            </a:fld>
-            <a:endParaRPr lang="en-US" dirty="0"/>
-          </a:p>
-        </p:txBody>
-      </p:sp>
-      <p:sp>
-        <p:nvSpPr>
           <p:cNvPr id="7" name="Footer Placeholder 6"/>
           <p:cNvSpPr>
             <a:spLocks noGrp="1"/>
@@ -36973,8 +36229,8 @@
           <a:p>
             <a:pPr algn="r"/>
             <a:r>
-              <a:rPr lang="en-US" dirty="0" smtClean="0"/>
-              <a:t>Sanjay Kalé and PPL (UIUC) – Parallel Migratable Objects </a:t>
+              <a:rPr lang="en-US" smtClean="0"/>
+              <a:t>Laxmikant Kalé and PPL (UIUC) – Parallel Migratable Objects </a:t>
             </a:r>
             <a:endParaRPr lang="en-US" dirty="0"/>
           </a:p>
@@ -38525,29 +37781,6 @@
       </p:sp>
       <p:sp>
         <p:nvSpPr>
-          <p:cNvPr id="4" name="Date Placeholder 3"/>
-          <p:cNvSpPr>
-            <a:spLocks noGrp="1"/>
-          </p:cNvSpPr>
-          <p:nvPr>
-            <p:ph type="dt" sz="half" idx="10"/>
-          </p:nvPr>
-        </p:nvSpPr>
-        <p:spPr/>
-        <p:txBody>
-          <a:bodyPr/>
-          <a:lstStyle/>
-          <a:p>
-            <a:fld id="{22A8133F-B97A-2E4B-B0BD-B9DEA03C944F}" type="datetime2">
-              <a:rPr lang="en-US" smtClean="0"/>
-              <a:t>Wednesday, September 10, 14</a:t>
-            </a:fld>
-            <a:endParaRPr lang="en-US" dirty="0"/>
-          </a:p>
-        </p:txBody>
-      </p:sp>
-      <p:sp>
-        <p:nvSpPr>
           <p:cNvPr id="6" name="Footer Placeholder 5"/>
           <p:cNvSpPr>
             <a:spLocks noGrp="1"/>
@@ -38563,8 +37796,8 @@
           <a:p>
             <a:pPr algn="r"/>
             <a:r>
-              <a:rPr lang="en-US" dirty="0" smtClean="0"/>
-              <a:t>Sanjay Kalé and PPL (UIUC) – Parallel Migratable Objects </a:t>
+              <a:rPr lang="en-US" smtClean="0"/>
+              <a:t>Laxmikant Kalé and PPL (UIUC) – Parallel Migratable Objects </a:t>
             </a:r>
             <a:endParaRPr lang="en-US" dirty="0"/>
           </a:p>
@@ -39297,29 +38530,6 @@
       </p:sp>
       <p:sp>
         <p:nvSpPr>
-          <p:cNvPr id="4" name="Date Placeholder 3"/>
-          <p:cNvSpPr>
-            <a:spLocks noGrp="1"/>
-          </p:cNvSpPr>
-          <p:nvPr>
-            <p:ph type="dt" sz="half" idx="10"/>
-          </p:nvPr>
-        </p:nvSpPr>
-        <p:spPr/>
-        <p:txBody>
-          <a:bodyPr/>
-          <a:lstStyle/>
-          <a:p>
-            <a:fld id="{EC4DDAD1-5F68-C243-9BC3-AD19DE5ADD4F}" type="datetime2">
-              <a:rPr lang="en-US" smtClean="0"/>
-              <a:t>Wednesday, September 10, 14</a:t>
-            </a:fld>
-            <a:endParaRPr lang="en-US" dirty="0"/>
-          </a:p>
-        </p:txBody>
-      </p:sp>
-      <p:sp>
-        <p:nvSpPr>
           <p:cNvPr id="10" name="Footer Placeholder 9"/>
           <p:cNvSpPr>
             <a:spLocks noGrp="1"/>
@@ -39335,8 +38545,8 @@
           <a:p>
             <a:pPr algn="r"/>
             <a:r>
-              <a:rPr lang="en-US" dirty="0" smtClean="0"/>
-              <a:t>Sanjay Kalé and PPL (UIUC) – Parallel Migratable Objects </a:t>
+              <a:rPr lang="en-US" smtClean="0"/>
+              <a:t>Laxmikant Kalé and PPL (UIUC) – Parallel Migratable Objects </a:t>
             </a:r>
             <a:endParaRPr lang="en-US" dirty="0"/>
           </a:p>

--- a/tutorial-07-sdag.pptx
+++ b/tutorial-07-sdag.pptx
@@ -23,7 +23,7 @@
     <p:sldId id="265" r:id="rId11"/>
     <p:sldId id="266" r:id="rId12"/>
     <p:sldId id="267" r:id="rId13"/>
-    <p:sldId id="268" r:id="rId14"/>
+    <p:sldId id="346" r:id="rId14"/>
     <p:sldId id="269" r:id="rId15"/>
     <p:sldId id="273" r:id="rId16"/>
     <p:sldId id="270" r:id="rId17"/>
@@ -234,7 +234,7 @@
           <a:p>
             <a:fld id="{775CE290-E0F5-444C-B849-A8F17CD4104C}" type="datetimeFigureOut">
               <a:rPr lang="en-US" smtClean="0"/>
-              <a:t>9/12/14</a:t>
+              <a:t>11/16/14</a:t>
             </a:fld>
             <a:endParaRPr lang="en-US" dirty="0"/>
           </a:p>
@@ -400,7 +400,7 @@
           <a:p>
             <a:fld id="{AD53A24C-4135-094C-957B-35852E7EDFA4}" type="datetimeFigureOut">
               <a:rPr lang="en-US" smtClean="0"/>
-              <a:t>9/12/14</a:t>
+              <a:t>11/16/14</a:t>
             </a:fld>
             <a:endParaRPr lang="en-US" dirty="0"/>
           </a:p>
@@ -861,7 +861,7 @@
           <a:p>
             <a:fld id="{55371D55-B102-DE43-A54B-569022836A44}" type="datetime2">
               <a:rPr lang="en-US" smtClean="0"/>
-              <a:t>Friday, September 12, 14</a:t>
+              <a:t>Sunday, November 16, 14</a:t>
             </a:fld>
             <a:endParaRPr lang="en-US" dirty="0"/>
           </a:p>
@@ -1164,7 +1164,7 @@
                 <a:latin typeface="Times New Roman"/>
                 <a:cs typeface="Times New Roman"/>
               </a:rPr>
-              <a:t>September 12, 2014</a:t>
+              <a:t>November 16, 2014</a:t>
             </a:fld>
             <a:endParaRPr lang="en-US" dirty="0">
               <a:latin typeface="Times New Roman"/>
@@ -1438,7 +1438,7 @@
                 <a:latin typeface="Times New Roman"/>
                 <a:cs typeface="Times New Roman"/>
               </a:rPr>
-              <a:t>September 12, 2014</a:t>
+              <a:t>November 16, 2014</a:t>
             </a:fld>
             <a:endParaRPr lang="en-US" dirty="0">
               <a:latin typeface="Times New Roman"/>
@@ -1673,7 +1673,7 @@
           <a:p>
             <a:fld id="{10430136-2C40-3C47-B811-72E243CC5A32}" type="datetime2">
               <a:rPr lang="en-US" smtClean="0"/>
-              <a:t>Friday, September 12, 14</a:t>
+              <a:t>Sunday, November 16, 14</a:t>
             </a:fld>
             <a:endParaRPr lang="en-US" dirty="0"/>
           </a:p>
@@ -1984,7 +1984,7 @@
           <a:p>
             <a:fld id="{BF7456C3-D853-A84D-99C4-10F33E5473D0}" type="datetime2">
               <a:rPr lang="en-US" smtClean="0"/>
-              <a:t>Friday, September 12, 14</a:t>
+              <a:t>Sunday, November 16, 14</a:t>
             </a:fld>
             <a:endParaRPr lang="en-US" dirty="0"/>
           </a:p>
@@ -2155,7 +2155,7 @@
           <a:p>
             <a:fld id="{DD7C3122-9C2A-FB40-86AE-72327076B58E}" type="datetime2">
               <a:rPr lang="en-US" smtClean="0"/>
-              <a:t>Friday, September 12, 14</a:t>
+              <a:t>Sunday, November 16, 14</a:t>
             </a:fld>
             <a:endParaRPr lang="en-US" dirty="0"/>
           </a:p>
@@ -2336,7 +2336,7 @@
           <a:p>
             <a:fld id="{85AA442A-D6AD-C842-BAA5-2EF7034136A9}" type="datetime2">
               <a:rPr lang="en-US" smtClean="0"/>
-              <a:t>Friday, September 12, 14</a:t>
+              <a:t>Sunday, November 16, 14</a:t>
             </a:fld>
             <a:endParaRPr lang="en-US" dirty="0"/>
           </a:p>
@@ -2590,7 +2590,7 @@
           <a:p>
             <a:fld id="{428FCBCD-D1C2-C64D-96BC-B4670C1BFEA8}" type="datetime2">
               <a:rPr lang="en-US" smtClean="0"/>
-              <a:t>Friday, September 12, 14</a:t>
+              <a:t>Sunday, November 16, 14</a:t>
             </a:fld>
             <a:endParaRPr lang="en-US" dirty="0"/>
           </a:p>
@@ -2893,7 +2893,7 @@
                 <a:latin typeface="Times New Roman"/>
                 <a:cs typeface="Times New Roman"/>
               </a:rPr>
-              <a:t>September 12, 2014</a:t>
+              <a:t>November 16, 2014</a:t>
             </a:fld>
             <a:endParaRPr lang="en-US" dirty="0">
               <a:latin typeface="Times New Roman"/>
@@ -3019,7 +3019,7 @@
           <a:p>
             <a:fld id="{E7E53064-9CE0-8542-8A75-4FE813A4312E}" type="datetime2">
               <a:rPr lang="en-US" smtClean="0"/>
-              <a:t>Friday, September 12, 14</a:t>
+              <a:t>Sunday, November 16, 14</a:t>
             </a:fld>
             <a:endParaRPr lang="en-US" dirty="0"/>
           </a:p>
@@ -3548,7 +3548,7 @@
           <a:p>
             <a:fld id="{7FC05179-7E64-2B45-BB3C-87F76F47DC06}" type="datetime2">
               <a:rPr lang="en-US" smtClean="0"/>
-              <a:t>Friday, September 12, 14</a:t>
+              <a:t>Sunday, November 16, 14</a:t>
             </a:fld>
             <a:endParaRPr lang="en-US" dirty="0"/>
           </a:p>
@@ -3844,7 +3844,7 @@
           <a:p>
             <a:fld id="{7DCAEC3A-7170-B046-8957-19A47F740798}" type="datetime2">
               <a:rPr lang="en-US" smtClean="0"/>
-              <a:t>Friday, September 12, 14</a:t>
+              <a:t>Sunday, November 16, 14</a:t>
             </a:fld>
             <a:endParaRPr lang="en-US" dirty="0"/>
           </a:p>
@@ -3963,7 +3963,7 @@
           <a:p>
             <a:fld id="{2D11693D-B560-4945-9798-6BDB552E1C57}" type="datetime2">
               <a:rPr lang="en-US" smtClean="0"/>
-              <a:t>Friday, September 12, 14</a:t>
+              <a:t>Sunday, November 16, 14</a:t>
             </a:fld>
             <a:endParaRPr lang="en-US" dirty="0"/>
           </a:p>
@@ -4450,7 +4450,7 @@
           <a:p>
             <a:fld id="{1D19CF00-7836-3147-BC13-E9798AB10E75}" type="datetime2">
               <a:rPr lang="en-US" smtClean="0"/>
-              <a:t>Friday, September 12, 14</a:t>
+              <a:t>Sunday, November 16, 14</a:t>
             </a:fld>
             <a:endParaRPr lang="en-US" dirty="0"/>
           </a:p>
@@ -4781,7 +4781,7 @@
           <a:p>
             <a:fld id="{20DBB18D-80F3-D648-8DF5-EC481608E7BE}" type="datetime2">
               <a:rPr lang="en-US" smtClean="0"/>
-              <a:t>Friday, September 12, 14</a:t>
+              <a:t>Sunday, November 16, 14</a:t>
             </a:fld>
             <a:endParaRPr lang="en-US" dirty="0"/>
           </a:p>
@@ -5260,7 +5260,7 @@
           <a:p>
             <a:fld id="{F7B17654-A74F-D448-A2F8-D4B258E0F087}" type="datetime2">
               <a:rPr lang="en-US" smtClean="0"/>
-              <a:t>Friday, September 12, 14</a:t>
+              <a:t>Sunday, November 16, 14</a:t>
             </a:fld>
             <a:endParaRPr lang="en-US" dirty="0"/>
           </a:p>
@@ -5556,7 +5556,7 @@
           <a:p>
             <a:fld id="{E95229B4-E8E0-9943-8351-031BF89671CD}" type="datetime2">
               <a:rPr lang="en-US" smtClean="0"/>
-              <a:t>Friday, September 12, 14</a:t>
+              <a:t>Sunday, November 16, 14</a:t>
             </a:fld>
             <a:endParaRPr lang="en-US" dirty="0"/>
           </a:p>
@@ -5799,7 +5799,7 @@
           <a:p>
             <a:fld id="{1D94E620-01DA-264A-8743-A30FCBA1DE9C}" type="datetime2">
               <a:rPr lang="en-US" smtClean="0"/>
-              <a:t>Friday, September 12, 14</a:t>
+              <a:t>Sunday, November 16, 14</a:t>
             </a:fld>
             <a:endParaRPr lang="en-US" dirty="0"/>
           </a:p>
@@ -5895,7 +5895,7 @@
           <a:p>
             <a:fld id="{44719A06-2B2C-2B47-B929-5D8F0754A828}" type="datetime2">
               <a:rPr lang="en-US" smtClean="0"/>
-              <a:t>Friday, September 12, 14</a:t>
+              <a:t>Sunday, November 16, 14</a:t>
             </a:fld>
             <a:endParaRPr lang="en-US" dirty="0"/>
           </a:p>
@@ -6210,7 +6210,7 @@
           <a:p>
             <a:fld id="{BA714DC8-9929-464D-B61C-AD4338E76A58}" type="datetime2">
               <a:rPr lang="en-US" smtClean="0"/>
-              <a:t>Friday, September 12, 14</a:t>
+              <a:t>Sunday, November 16, 14</a:t>
             </a:fld>
             <a:endParaRPr lang="en-US" dirty="0"/>
           </a:p>
@@ -10222,8 +10222,8 @@
           </a:ln>
         </p:spPr>
         <p:txBody>
-          <a:bodyPr>
-            <a:normAutofit fontScale="47500" lnSpcReduction="20000"/>
+          <a:bodyPr anchor="t">
+            <a:noAutofit/>
           </a:bodyPr>
           <a:lstStyle/>
           <a:p>
@@ -10231,28 +10231,28 @@
               <a:buNone/>
             </a:pPr>
             <a:r>
-              <a:rPr lang="en-US" b="1" dirty="0">
+              <a:rPr lang="en-US" sz="1400" b="1" dirty="0">
                 <a:latin typeface="Consolas"/>
                 <a:cs typeface="Consolas"/>
               </a:rPr>
               <a:t>#include </a:t>
             </a:r>
             <a:r>
-              <a:rPr lang="en-US" dirty="0" smtClean="0">
+              <a:rPr lang="en-US" sz="1400" dirty="0" smtClean="0">
                 <a:latin typeface="Consolas"/>
                 <a:cs typeface="Consolas"/>
               </a:rPr>
               <a:t>“</a:t>
             </a:r>
             <a:r>
-              <a:rPr lang="en-US" dirty="0" err="1" smtClean="0">
+              <a:rPr lang="en-US" sz="1400" dirty="0" err="1" smtClean="0">
                 <a:latin typeface="Consolas"/>
                 <a:cs typeface="Consolas"/>
               </a:rPr>
               <a:t>fib.decl.h</a:t>
             </a:r>
             <a:r>
-              <a:rPr lang="en-US" dirty="0">
+              <a:rPr lang="en-US" sz="1400" dirty="0">
                 <a:latin typeface="Consolas"/>
                 <a:cs typeface="Consolas"/>
               </a:rPr>
@@ -10264,25 +10264,27 @@
               <a:buNone/>
             </a:pPr>
             <a:r>
-              <a:rPr lang="en-US" b="1" dirty="0">
+              <a:rPr lang="en-US" sz="1400" b="1" dirty="0">
                 <a:latin typeface="Consolas"/>
                 <a:cs typeface="Consolas"/>
               </a:rPr>
               <a:t>#define </a:t>
             </a:r>
             <a:r>
-              <a:rPr lang="en-US" dirty="0">
-                <a:latin typeface="Consolas"/>
-                <a:cs typeface="Consolas"/>
-              </a:rPr>
-              <a:t>THRESHOLD 10</a:t>
-            </a:r>
-          </a:p>
-          <a:p>
-            <a:pPr marL="0" indent="0">
-              <a:buNone/>
-            </a:pPr>
-            <a:endParaRPr lang="en-US" dirty="0">
+              <a:rPr lang="en-US" sz="1400" dirty="0">
+                <a:latin typeface="Consolas"/>
+                <a:cs typeface="Consolas"/>
+              </a:rPr>
+              <a:t>THRESHOLD </a:t>
+            </a:r>
+            <a:r>
+              <a:rPr lang="en-US" sz="1400" dirty="0" smtClean="0">
+                <a:latin typeface="Consolas"/>
+                <a:cs typeface="Consolas"/>
+              </a:rPr>
+              <a:t>10</a:t>
+            </a:r>
+            <a:endParaRPr lang="en-US" sz="1400" dirty="0">
               <a:latin typeface="Consolas"/>
               <a:cs typeface="Consolas"/>
             </a:endParaRPr>
@@ -10292,35 +10294,35 @@
               <a:buNone/>
             </a:pPr>
             <a:r>
-              <a:rPr lang="en-US" b="1" dirty="0">
+              <a:rPr lang="en-US" sz="1400" b="1" dirty="0">
                 <a:latin typeface="Consolas"/>
                 <a:cs typeface="Consolas"/>
               </a:rPr>
               <a:t>class </a:t>
             </a:r>
             <a:r>
-              <a:rPr lang="en-US" dirty="0">
+              <a:rPr lang="en-US" sz="1400" dirty="0">
                 <a:latin typeface="Consolas"/>
                 <a:cs typeface="Consolas"/>
               </a:rPr>
               <a:t>Main : </a:t>
             </a:r>
             <a:r>
-              <a:rPr lang="en-US" b="1" dirty="0">
+              <a:rPr lang="en-US" sz="1400" b="1" dirty="0">
                 <a:latin typeface="Consolas"/>
                 <a:cs typeface="Consolas"/>
               </a:rPr>
               <a:t>public </a:t>
             </a:r>
             <a:r>
-              <a:rPr lang="en-US" dirty="0" smtClean="0">
+              <a:rPr lang="en-US" sz="1400" dirty="0" smtClean="0">
                 <a:latin typeface="Consolas"/>
                 <a:cs typeface="Consolas"/>
               </a:rPr>
               <a:t>CBase_Main </a:t>
             </a:r>
             <a:r>
-              <a:rPr lang="en-US" dirty="0">
+              <a:rPr lang="en-US" sz="1400" dirty="0">
                 <a:latin typeface="Consolas"/>
                 <a:cs typeface="Consolas"/>
               </a:rPr>
@@ -10332,79 +10334,20 @@
               <a:buNone/>
             </a:pPr>
             <a:r>
-              <a:rPr lang="en-US" b="1" dirty="0">
+              <a:rPr lang="en-US" sz="1400" b="1" dirty="0">
                 <a:latin typeface="Consolas"/>
                 <a:cs typeface="Consolas"/>
               </a:rPr>
               <a:t>public</a:t>
             </a:r>
             <a:r>
-              <a:rPr lang="en-US" dirty="0">
+              <a:rPr lang="en-US" sz="1400" dirty="0">
                 <a:latin typeface="Consolas"/>
                 <a:cs typeface="Consolas"/>
               </a:rPr>
               <a:t>: Main(CkArgMsg∗  m) { </a:t>
             </a:r>
-            <a:r>
-              <a:rPr lang="en-US" dirty="0" smtClean="0">
-                <a:latin typeface="Consolas"/>
-                <a:cs typeface="Consolas"/>
-              </a:rPr>
-              <a:t>CProxy_Fib</a:t>
-            </a:r>
-            <a:r>
-              <a:rPr lang="en-US" dirty="0">
-                <a:latin typeface="Consolas"/>
-                <a:cs typeface="Consolas"/>
-              </a:rPr>
-              <a:t>::ckNew(atoi(m−&gt;argv[1]), </a:t>
-            </a:r>
-            <a:r>
-              <a:rPr lang="en-US" b="1" dirty="0">
-                <a:latin typeface="Consolas"/>
-                <a:cs typeface="Consolas"/>
-              </a:rPr>
-              <a:t>true</a:t>
-            </a:r>
-            <a:r>
-              <a:rPr lang="en-US" dirty="0">
-                <a:latin typeface="Consolas"/>
-                <a:cs typeface="Consolas"/>
-              </a:rPr>
-              <a:t>, </a:t>
-            </a:r>
-            <a:r>
-              <a:rPr lang="en-US" dirty="0" smtClean="0">
-                <a:latin typeface="Consolas"/>
-                <a:cs typeface="Consolas"/>
-              </a:rPr>
-              <a:t>CProxy_Fib</a:t>
-            </a:r>
-            <a:r>
-              <a:rPr lang="en-US" dirty="0">
-                <a:latin typeface="Consolas"/>
-                <a:cs typeface="Consolas"/>
-              </a:rPr>
-              <a:t>()); }</a:t>
-            </a:r>
-          </a:p>
-          <a:p>
-            <a:pPr marL="0" indent="0">
-              <a:buNone/>
-            </a:pPr>
-            <a:r>
-              <a:rPr lang="en-US" dirty="0">
-                <a:latin typeface="Consolas"/>
-                <a:cs typeface="Consolas"/>
-              </a:rPr>
-              <a:t>};</a:t>
-            </a:r>
-          </a:p>
-          <a:p>
-            <a:pPr marL="0" indent="0">
-              <a:buNone/>
-            </a:pPr>
-            <a:endParaRPr lang="en-US" dirty="0">
+            <a:endParaRPr lang="en-US" sz="1400" dirty="0" smtClean="0">
               <a:latin typeface="Consolas"/>
               <a:cs typeface="Consolas"/>
             </a:endParaRPr>
@@ -10414,93 +10357,76 @@
               <a:buNone/>
             </a:pPr>
             <a:r>
-              <a:rPr lang="en-US" b="1" dirty="0">
-                <a:latin typeface="Consolas"/>
-                <a:cs typeface="Consolas"/>
-              </a:rPr>
-              <a:t>class </a:t>
-            </a:r>
-            <a:r>
-              <a:rPr lang="en-US" dirty="0">
-                <a:latin typeface="Consolas"/>
-                <a:cs typeface="Consolas"/>
-              </a:rPr>
-              <a:t>Fib : </a:t>
-            </a:r>
-            <a:r>
-              <a:rPr lang="en-US" b="1" dirty="0">
-                <a:latin typeface="Consolas"/>
-                <a:cs typeface="Consolas"/>
-              </a:rPr>
-              <a:t>public </a:t>
-            </a:r>
-            <a:r>
-              <a:rPr lang="en-US" dirty="0" smtClean="0">
-                <a:latin typeface="Consolas"/>
-                <a:cs typeface="Consolas"/>
-              </a:rPr>
-              <a:t>CBase_Fib </a:t>
-            </a:r>
-            <a:r>
-              <a:rPr lang="en-US" dirty="0">
-                <a:latin typeface="Consolas"/>
-                <a:cs typeface="Consolas"/>
-              </a:rPr>
-              <a:t>{</a:t>
-            </a:r>
-          </a:p>
-          <a:p>
-            <a:pPr marL="0" indent="0">
-              <a:buNone/>
-            </a:pPr>
-            <a:r>
-              <a:rPr lang="en-US" b="1" dirty="0">
-                <a:latin typeface="Consolas"/>
-                <a:cs typeface="Consolas"/>
-              </a:rPr>
-              <a:t>public</a:t>
-            </a:r>
-            <a:r>
-              <a:rPr lang="en-US" dirty="0">
-                <a:latin typeface="Consolas"/>
-                <a:cs typeface="Consolas"/>
-              </a:rPr>
-              <a:t>:</a:t>
-            </a:r>
-          </a:p>
-          <a:p>
-            <a:pPr marL="0" indent="0">
-              <a:buNone/>
-            </a:pPr>
-            <a:r>
-              <a:rPr lang="en-US" dirty="0" smtClean="0">
-                <a:latin typeface="Consolas"/>
-                <a:cs typeface="Consolas"/>
-              </a:rPr>
-              <a:t>    </a:t>
-            </a:r>
-            <a:r>
-              <a:rPr lang="en-US" dirty="0" err="1" smtClean="0">
-                <a:latin typeface="Consolas"/>
-                <a:cs typeface="Consolas"/>
-              </a:rPr>
-              <a:t>Fib_SDAG</a:t>
-            </a:r>
-            <a:r>
-              <a:rPr lang="en-US" dirty="0" err="1">
-                <a:latin typeface="Consolas"/>
-                <a:cs typeface="Consolas"/>
-              </a:rPr>
-              <a:t>_</a:t>
-            </a:r>
-            <a:r>
-              <a:rPr lang="en-US" dirty="0" err="1" smtClean="0">
-                <a:latin typeface="Consolas"/>
-                <a:cs typeface="Consolas"/>
-              </a:rPr>
-              <a:t>CODE</a:t>
-            </a:r>
-            <a:endParaRPr lang="en-US" dirty="0">
+              <a:rPr lang="en-US" sz="1400" dirty="0">
+                <a:latin typeface="Consolas"/>
+                <a:cs typeface="Consolas"/>
+              </a:rPr>
+              <a:t> </a:t>
+            </a:r>
+            <a:r>
+              <a:rPr lang="en-US" sz="1400" dirty="0" smtClean="0">
+                <a:latin typeface="Consolas"/>
+                <a:cs typeface="Consolas"/>
+              </a:rPr>
+              <a:t> </a:t>
+            </a:r>
+            <a:r>
+              <a:rPr lang="en-US" sz="1400" dirty="0" err="1" smtClean="0">
+                <a:latin typeface="Consolas"/>
+                <a:cs typeface="Consolas"/>
+              </a:rPr>
+              <a:t>CProxy_Fib</a:t>
+            </a:r>
+            <a:r>
+              <a:rPr lang="en-US" sz="1400" dirty="0">
+                <a:latin typeface="Consolas"/>
+                <a:cs typeface="Consolas"/>
+              </a:rPr>
+              <a:t>::ckNew(atoi(m−&gt;argv[1]), </a:t>
+            </a:r>
+            <a:r>
+              <a:rPr lang="en-US" sz="1400" b="1" dirty="0">
+                <a:latin typeface="Consolas"/>
+                <a:cs typeface="Consolas"/>
+              </a:rPr>
+              <a:t>true</a:t>
+            </a:r>
+            <a:r>
+              <a:rPr lang="en-US" sz="1400" dirty="0">
+                <a:latin typeface="Consolas"/>
+                <a:cs typeface="Consolas"/>
+              </a:rPr>
+              <a:t>, </a:t>
+            </a:r>
+            <a:r>
+              <a:rPr lang="en-US" sz="1400" dirty="0" smtClean="0">
+                <a:latin typeface="Consolas"/>
+                <a:cs typeface="Consolas"/>
+              </a:rPr>
+              <a:t>CProxy_Fib</a:t>
+            </a:r>
+            <a:r>
+              <a:rPr lang="en-US" sz="1400" dirty="0">
+                <a:latin typeface="Consolas"/>
+                <a:cs typeface="Consolas"/>
+              </a:rPr>
+              <a:t>()); </a:t>
+            </a:r>
+            <a:r>
+              <a:rPr lang="en-US" sz="1400" dirty="0">
+                <a:latin typeface="Consolas"/>
+                <a:cs typeface="Consolas"/>
+              </a:rPr>
+              <a:t>} }</a:t>
+            </a:r>
+            <a:r>
+              <a:rPr lang="en-US" sz="1400" dirty="0" smtClean="0">
+                <a:latin typeface="Consolas"/>
+                <a:cs typeface="Consolas"/>
+              </a:rPr>
+              <a:t>;</a:t>
+            </a:r>
+            <a:endParaRPr lang="en-US" sz="1400" dirty="0">
               <a:latin typeface="Consolas"/>
               <a:cs typeface="Consolas"/>
             </a:endParaRPr>
@@ -10510,41 +10436,79 @@
               <a:buNone/>
             </a:pPr>
             <a:r>
-              <a:rPr lang="en-US" dirty="0" smtClean="0">
-                <a:latin typeface="Consolas"/>
-                <a:cs typeface="Consolas"/>
-              </a:rPr>
-              <a:t>    CProxy_Fib </a:t>
-            </a:r>
-            <a:r>
-              <a:rPr lang="en-US" dirty="0">
-                <a:latin typeface="Consolas"/>
-                <a:cs typeface="Consolas"/>
-              </a:rPr>
-              <a:t>parent; </a:t>
-            </a:r>
-            <a:r>
-              <a:rPr lang="en-US" b="1" dirty="0">
-                <a:latin typeface="Consolas"/>
-                <a:cs typeface="Consolas"/>
-              </a:rPr>
-              <a:t>bool </a:t>
-            </a:r>
-            <a:r>
-              <a:rPr lang="en-US" dirty="0">
-                <a:latin typeface="Consolas"/>
-                <a:cs typeface="Consolas"/>
-              </a:rPr>
-              <a:t>isRoot</a:t>
-            </a:r>
-            <a:r>
-              <a:rPr lang="en-US" dirty="0" smtClean="0">
-                <a:latin typeface="Consolas"/>
-                <a:cs typeface="Consolas"/>
-              </a:rPr>
-              <a:t>;</a:t>
-            </a:r>
-            <a:endParaRPr lang="en-US" dirty="0">
+              <a:rPr lang="en-US" sz="1400" b="1" dirty="0" smtClean="0">
+                <a:latin typeface="Consolas"/>
+                <a:cs typeface="Consolas"/>
+              </a:rPr>
+              <a:t>class </a:t>
+            </a:r>
+            <a:r>
+              <a:rPr lang="en-US" sz="1400" dirty="0">
+                <a:latin typeface="Consolas"/>
+                <a:cs typeface="Consolas"/>
+              </a:rPr>
+              <a:t>Fib : </a:t>
+            </a:r>
+            <a:r>
+              <a:rPr lang="en-US" sz="1400" b="1" dirty="0">
+                <a:latin typeface="Consolas"/>
+                <a:cs typeface="Consolas"/>
+              </a:rPr>
+              <a:t>public </a:t>
+            </a:r>
+            <a:r>
+              <a:rPr lang="en-US" sz="1400" dirty="0" smtClean="0">
+                <a:latin typeface="Consolas"/>
+                <a:cs typeface="Consolas"/>
+              </a:rPr>
+              <a:t>CBase_Fib </a:t>
+            </a:r>
+            <a:r>
+              <a:rPr lang="en-US" sz="1400" dirty="0">
+                <a:latin typeface="Consolas"/>
+                <a:cs typeface="Consolas"/>
+              </a:rPr>
+              <a:t>{</a:t>
+            </a:r>
+          </a:p>
+          <a:p>
+            <a:pPr marL="0" indent="0">
+              <a:buNone/>
+            </a:pPr>
+            <a:r>
+              <a:rPr lang="en-US" sz="1400" b="1" dirty="0">
+                <a:latin typeface="Consolas"/>
+                <a:cs typeface="Consolas"/>
+              </a:rPr>
+              <a:t>public</a:t>
+            </a:r>
+            <a:r>
+              <a:rPr lang="en-US" sz="1400" dirty="0">
+                <a:latin typeface="Consolas"/>
+                <a:cs typeface="Consolas"/>
+              </a:rPr>
+              <a:t>:</a:t>
+            </a:r>
+          </a:p>
+          <a:p>
+            <a:pPr marL="0" indent="0">
+              <a:buNone/>
+            </a:pPr>
+            <a:r>
+              <a:rPr lang="en-US" sz="1400" dirty="0" smtClean="0">
+                <a:latin typeface="Consolas"/>
+                <a:cs typeface="Consolas"/>
+              </a:rPr>
+              <a:t>  </a:t>
+            </a:r>
+            <a:r>
+              <a:rPr lang="en-US" sz="1400" dirty="0" err="1" smtClean="0">
+                <a:latin typeface="Consolas"/>
+                <a:cs typeface="Consolas"/>
+              </a:rPr>
+              <a:t>Fib_SDAG_CODE</a:t>
+            </a:r>
+            <a:endParaRPr lang="en-US" sz="1400" dirty="0">
               <a:latin typeface="Consolas"/>
               <a:cs typeface="Consolas"/>
             </a:endParaRPr>
@@ -10553,7 +10517,56 @@
             <a:pPr marL="0" indent="0">
               <a:buNone/>
             </a:pPr>
-            <a:endParaRPr lang="en-US" dirty="0" smtClean="0">
+            <a:r>
+              <a:rPr lang="en-US" sz="1400" dirty="0" smtClean="0">
+                <a:latin typeface="Consolas"/>
+                <a:cs typeface="Consolas"/>
+              </a:rPr>
+              <a:t>  </a:t>
+            </a:r>
+            <a:r>
+              <a:rPr lang="en-US" sz="1400" dirty="0" err="1" smtClean="0">
+                <a:latin typeface="Consolas"/>
+                <a:cs typeface="Consolas"/>
+              </a:rPr>
+              <a:t>CProxy_Fib</a:t>
+            </a:r>
+            <a:r>
+              <a:rPr lang="en-US" sz="1400" dirty="0" smtClean="0">
+                <a:latin typeface="Consolas"/>
+                <a:cs typeface="Consolas"/>
+              </a:rPr>
+              <a:t> </a:t>
+            </a:r>
+            <a:r>
+              <a:rPr lang="en-US" sz="1400" dirty="0">
+                <a:latin typeface="Consolas"/>
+                <a:cs typeface="Consolas"/>
+              </a:rPr>
+              <a:t>parent; </a:t>
+            </a:r>
+            <a:r>
+              <a:rPr lang="en-US" sz="1400" b="1" dirty="0">
+                <a:latin typeface="Consolas"/>
+                <a:cs typeface="Consolas"/>
+              </a:rPr>
+              <a:t>bool </a:t>
+            </a:r>
+            <a:r>
+              <a:rPr lang="en-US" sz="1400" dirty="0" err="1">
+                <a:latin typeface="Consolas"/>
+                <a:cs typeface="Consolas"/>
+              </a:rPr>
+              <a:t>isRoot</a:t>
+            </a:r>
+            <a:r>
+              <a:rPr lang="en-US" sz="1400" dirty="0" smtClean="0">
+                <a:latin typeface="Consolas"/>
+                <a:cs typeface="Consolas"/>
+              </a:rPr>
+              <a:t>;</a:t>
+            </a:r>
+            <a:endParaRPr lang="en-US" sz="1400" dirty="0" smtClean="0">
               <a:latin typeface="Consolas"/>
               <a:cs typeface="Consolas"/>
             </a:endParaRPr>
@@ -10563,128 +10576,111 @@
               <a:buNone/>
             </a:pPr>
             <a:r>
-              <a:rPr lang="en-US" dirty="0" smtClean="0">
-                <a:latin typeface="Consolas"/>
-                <a:cs typeface="Consolas"/>
-              </a:rPr>
-              <a:t>    Fib</a:t>
-            </a:r>
-            <a:r>
-              <a:rPr lang="en-US" dirty="0">
+              <a:rPr lang="en-US" sz="1400" dirty="0" smtClean="0">
+                <a:latin typeface="Consolas"/>
+                <a:cs typeface="Consolas"/>
+              </a:rPr>
+              <a:t>  Fib</a:t>
+            </a:r>
+            <a:r>
+              <a:rPr lang="en-US" sz="1400" dirty="0">
                 <a:latin typeface="Consolas"/>
                 <a:cs typeface="Consolas"/>
               </a:rPr>
               <a:t>(</a:t>
             </a:r>
             <a:r>
-              <a:rPr lang="en-US" b="1" dirty="0">
+              <a:rPr lang="en-US" sz="1400" b="1" dirty="0">
                 <a:latin typeface="Consolas"/>
                 <a:cs typeface="Consolas"/>
               </a:rPr>
               <a:t>int </a:t>
             </a:r>
             <a:r>
-              <a:rPr lang="en-US" dirty="0">
-                <a:latin typeface="Consolas"/>
-                <a:cs typeface="Consolas"/>
-              </a:rPr>
-              <a:t>n, </a:t>
-            </a:r>
-            <a:r>
-              <a:rPr lang="en-US" b="1" dirty="0">
-                <a:latin typeface="Consolas"/>
-                <a:cs typeface="Consolas"/>
-              </a:rPr>
-              <a:t>bool </a:t>
-            </a:r>
-            <a:r>
-              <a:rPr lang="en-US" dirty="0" smtClean="0">
-                <a:latin typeface="Consolas"/>
-                <a:cs typeface="Consolas"/>
-              </a:rPr>
-              <a:t>isRoot_, CProxy_Fib parent_)</a:t>
-            </a:r>
-            <a:r>
-              <a:rPr lang="en-US" dirty="0">
-                <a:latin typeface="Consolas"/>
-                <a:cs typeface="Consolas"/>
-              </a:rPr>
-              <a:t> </a:t>
-            </a:r>
-            <a:r>
-              <a:rPr lang="en-US" dirty="0" smtClean="0">
-                <a:latin typeface="Consolas"/>
-                <a:cs typeface="Consolas"/>
-              </a:rPr>
-              <a:t>: </a:t>
-            </a:r>
-            <a:r>
-              <a:rPr lang="en-US" dirty="0">
-                <a:latin typeface="Consolas"/>
-                <a:cs typeface="Consolas"/>
-              </a:rPr>
-              <a:t>parent(</a:t>
-            </a:r>
-            <a:r>
-              <a:rPr lang="en-US" dirty="0" smtClean="0">
+              <a:rPr lang="en-US" sz="1400" dirty="0">
+                <a:latin typeface="Consolas"/>
+                <a:cs typeface="Consolas"/>
+              </a:rPr>
+              <a:t>n</a:t>
+            </a:r>
+            <a:r>
+              <a:rPr lang="en-US" sz="1400" dirty="0" smtClean="0">
+                <a:latin typeface="Consolas"/>
+                <a:cs typeface="Consolas"/>
+              </a:rPr>
+              <a:t>, </a:t>
+            </a:r>
+            <a:r>
+              <a:rPr lang="en-US" sz="1400" b="1" dirty="0" err="1" smtClean="0">
+                <a:latin typeface="Consolas"/>
+                <a:cs typeface="Consolas"/>
+              </a:rPr>
+              <a:t>bool</a:t>
+            </a:r>
+            <a:r>
+              <a:rPr lang="en-US" sz="1400" b="1" dirty="0" smtClean="0">
+                <a:latin typeface="Consolas"/>
+                <a:cs typeface="Consolas"/>
+              </a:rPr>
+              <a:t> </a:t>
+            </a:r>
+            <a:r>
+              <a:rPr lang="en-US" sz="1400" dirty="0" smtClean="0">
+                <a:latin typeface="Consolas"/>
+                <a:cs typeface="Consolas"/>
+              </a:rPr>
+              <a:t>isRoot_, CProxy_Fib parent_</a:t>
+            </a:r>
+            <a:r>
+              <a:rPr lang="en-US" sz="1400" dirty="0" smtClean="0">
+                <a:latin typeface="Consolas"/>
+                <a:cs typeface="Consolas"/>
+              </a:rPr>
+              <a:t>):parent</a:t>
+            </a:r>
+            <a:r>
+              <a:rPr lang="en-US" sz="1400" dirty="0">
+                <a:latin typeface="Consolas"/>
+                <a:cs typeface="Consolas"/>
+              </a:rPr>
+              <a:t>(</a:t>
+            </a:r>
+            <a:r>
+              <a:rPr lang="en-US" sz="1400" dirty="0" smtClean="0">
                 <a:latin typeface="Consolas"/>
                 <a:cs typeface="Consolas"/>
               </a:rPr>
               <a:t>parent_)</a:t>
             </a:r>
             <a:r>
-              <a:rPr lang="en-US" dirty="0">
+              <a:rPr lang="en-US" sz="1400" dirty="0">
                 <a:latin typeface="Consolas"/>
                 <a:cs typeface="Consolas"/>
               </a:rPr>
               <a:t>, isRoot(</a:t>
             </a:r>
             <a:r>
-              <a:rPr lang="en-US" dirty="0" smtClean="0">
-                <a:latin typeface="Consolas"/>
-                <a:cs typeface="Consolas"/>
-              </a:rPr>
-              <a:t>isRoot_) </a:t>
-            </a:r>
-            <a:r>
-              <a:rPr lang="en-US" dirty="0">
-                <a:latin typeface="Consolas"/>
-                <a:cs typeface="Consolas"/>
-              </a:rPr>
-              <a:t>{</a:t>
-            </a:r>
-          </a:p>
-          <a:p>
-            <a:pPr marL="0" indent="0">
-              <a:buNone/>
-            </a:pPr>
-            <a:r>
-              <a:rPr lang="en-US" dirty="0" smtClean="0">
-                <a:latin typeface="Consolas"/>
-                <a:cs typeface="Consolas"/>
-              </a:rPr>
-              <a:t>        calc</a:t>
-            </a:r>
-            <a:r>
-              <a:rPr lang="en-US" dirty="0">
-                <a:latin typeface="Consolas"/>
-                <a:cs typeface="Consolas"/>
-              </a:rPr>
-              <a:t>(n);</a:t>
-            </a:r>
-          </a:p>
-          <a:p>
-            <a:pPr marL="0" indent="0">
-              <a:buNone/>
-            </a:pPr>
-            <a:r>
-              <a:rPr lang="en-US" dirty="0" smtClean="0">
-                <a:latin typeface="Consolas"/>
-                <a:cs typeface="Consolas"/>
-              </a:rPr>
-              <a:t>    }</a:t>
-            </a:r>
-            <a:endParaRPr lang="en-US" dirty="0">
+              <a:rPr lang="en-US" sz="1400" dirty="0" err="1" smtClean="0">
+                <a:latin typeface="Consolas"/>
+                <a:cs typeface="Consolas"/>
+              </a:rPr>
+              <a:t>isRoot</a:t>
+            </a:r>
+            <a:r>
+              <a:rPr lang="en-US" sz="1400" dirty="0" smtClean="0">
+                <a:latin typeface="Consolas"/>
+                <a:cs typeface="Consolas"/>
+              </a:rPr>
+              <a:t>_</a:t>
+            </a:r>
+            <a:r>
+              <a:rPr lang="en-US" sz="1400" dirty="0" smtClean="0">
+                <a:latin typeface="Consolas"/>
+                <a:cs typeface="Consolas"/>
+              </a:rPr>
+              <a:t>){</a:t>
+            </a:r>
+            <a:endParaRPr lang="en-US" sz="1400" dirty="0">
               <a:latin typeface="Consolas"/>
               <a:cs typeface="Consolas"/>
             </a:endParaRPr>
@@ -10693,7 +10689,117 @@
             <a:pPr marL="0" indent="0">
               <a:buNone/>
             </a:pPr>
-            <a:endParaRPr lang="en-US" dirty="0">
+            <a:r>
+              <a:rPr lang="en-US" sz="1400" dirty="0" smtClean="0">
+                <a:latin typeface="Consolas"/>
+                <a:cs typeface="Consolas"/>
+              </a:rPr>
+              <a:t>  </a:t>
+            </a:r>
+            <a:r>
+              <a:rPr lang="en-US" sz="1400" dirty="0">
+                <a:latin typeface="Consolas"/>
+                <a:cs typeface="Consolas"/>
+              </a:rPr>
+              <a:t> </a:t>
+            </a:r>
+            <a:r>
+              <a:rPr lang="en-US" sz="1400" dirty="0" smtClean="0">
+                <a:latin typeface="Consolas"/>
+                <a:cs typeface="Consolas"/>
+              </a:rPr>
+              <a:t> </a:t>
+            </a:r>
+            <a:r>
+              <a:rPr lang="en-US" sz="1400" dirty="0" err="1" smtClean="0">
+                <a:latin typeface="Consolas"/>
+                <a:cs typeface="Consolas"/>
+              </a:rPr>
+              <a:t>calc</a:t>
+            </a:r>
+            <a:r>
+              <a:rPr lang="en-US" sz="1400" dirty="0">
+                <a:latin typeface="Consolas"/>
+                <a:cs typeface="Consolas"/>
+              </a:rPr>
+              <a:t>(n)</a:t>
+            </a:r>
+            <a:r>
+              <a:rPr lang="en-US" sz="1400" dirty="0" smtClean="0">
+                <a:latin typeface="Consolas"/>
+                <a:cs typeface="Consolas"/>
+              </a:rPr>
+              <a:t>; }</a:t>
+            </a:r>
+          </a:p>
+          <a:p>
+            <a:pPr marL="0" indent="0">
+              <a:buNone/>
+            </a:pPr>
+            <a:r>
+              <a:rPr lang="en-US" sz="1400" dirty="0" smtClean="0">
+                <a:latin typeface="Consolas"/>
+                <a:cs typeface="Consolas"/>
+              </a:rPr>
+              <a:t>  </a:t>
+            </a:r>
+            <a:r>
+              <a:rPr lang="en-US" sz="1400" b="1" dirty="0" err="1" smtClean="0">
+                <a:latin typeface="Consolas"/>
+                <a:cs typeface="Consolas"/>
+              </a:rPr>
+              <a:t>int</a:t>
+            </a:r>
+            <a:r>
+              <a:rPr lang="en-US" sz="1400" b="1" dirty="0" smtClean="0">
+                <a:latin typeface="Consolas"/>
+                <a:cs typeface="Consolas"/>
+              </a:rPr>
+              <a:t> </a:t>
+            </a:r>
+            <a:r>
+              <a:rPr lang="en-US" sz="1400" dirty="0">
+                <a:latin typeface="Consolas"/>
+                <a:cs typeface="Consolas"/>
+              </a:rPr>
+              <a:t>seqFib(</a:t>
+            </a:r>
+            <a:r>
+              <a:rPr lang="en-US" sz="1400" b="1" dirty="0">
+                <a:latin typeface="Consolas"/>
+                <a:cs typeface="Consolas"/>
+              </a:rPr>
+              <a:t>int </a:t>
+            </a:r>
+            <a:r>
+              <a:rPr lang="en-US" sz="1400" dirty="0">
+                <a:latin typeface="Consolas"/>
+                <a:cs typeface="Consolas"/>
+              </a:rPr>
+              <a:t>n) { </a:t>
+            </a:r>
+            <a:r>
+              <a:rPr lang="en-US" sz="1400" b="1" dirty="0">
+                <a:latin typeface="Consolas"/>
+                <a:cs typeface="Consolas"/>
+              </a:rPr>
+              <a:t>return </a:t>
+            </a:r>
+            <a:r>
+              <a:rPr lang="en-US" sz="1400" dirty="0">
+                <a:latin typeface="Consolas"/>
+                <a:cs typeface="Consolas"/>
+              </a:rPr>
+              <a:t>(n &lt; 2) ? n : seqFib(n − 1) + seqFib(n − 2); </a:t>
+            </a:r>
+            <a:r>
+              <a:rPr lang="en-US" sz="1400" dirty="0" smtClean="0">
+                <a:latin typeface="Consolas"/>
+                <a:cs typeface="Consolas"/>
+              </a:rPr>
+              <a:t>}</a:t>
+            </a:r>
+            <a:endParaRPr lang="en-US" sz="1400" dirty="0">
               <a:latin typeface="Consolas"/>
               <a:cs typeface="Consolas"/>
             </a:endParaRPr>
@@ -10703,60 +10809,95 @@
               <a:buNone/>
             </a:pPr>
             <a:r>
-              <a:rPr lang="en-US" dirty="0" smtClean="0">
-                <a:latin typeface="Consolas"/>
-                <a:cs typeface="Consolas"/>
-              </a:rPr>
-              <a:t>    </a:t>
-            </a:r>
-            <a:r>
-              <a:rPr lang="en-US" b="1" dirty="0" smtClean="0">
+              <a:rPr lang="en-US" sz="1400" dirty="0" smtClean="0">
+                <a:latin typeface="Consolas"/>
+                <a:cs typeface="Consolas"/>
+              </a:rPr>
+              <a:t>  </a:t>
+            </a:r>
+            <a:r>
+              <a:rPr lang="en-US" sz="1400" b="1" dirty="0" smtClean="0">
+                <a:latin typeface="Consolas"/>
+                <a:cs typeface="Consolas"/>
+              </a:rPr>
+              <a:t>void </a:t>
+            </a:r>
+            <a:r>
+              <a:rPr lang="en-US" sz="1400" dirty="0">
+                <a:latin typeface="Consolas"/>
+                <a:cs typeface="Consolas"/>
+              </a:rPr>
+              <a:t>respond(</a:t>
+            </a:r>
+            <a:r>
+              <a:rPr lang="en-US" sz="1400" b="1" dirty="0">
                 <a:latin typeface="Consolas"/>
                 <a:cs typeface="Consolas"/>
               </a:rPr>
               <a:t>int </a:t>
             </a:r>
             <a:r>
-              <a:rPr lang="en-US" dirty="0">
-                <a:latin typeface="Consolas"/>
-                <a:cs typeface="Consolas"/>
-              </a:rPr>
-              <a:t>seqFib(</a:t>
-            </a:r>
-            <a:r>
-              <a:rPr lang="en-US" b="1" dirty="0">
-                <a:latin typeface="Consolas"/>
-                <a:cs typeface="Consolas"/>
-              </a:rPr>
-              <a:t>int </a:t>
-            </a:r>
-            <a:r>
-              <a:rPr lang="en-US" dirty="0">
-                <a:latin typeface="Consolas"/>
-                <a:cs typeface="Consolas"/>
-              </a:rPr>
-              <a:t>n) { </a:t>
-            </a:r>
-            <a:r>
-              <a:rPr lang="en-US" b="1" dirty="0">
-                <a:latin typeface="Consolas"/>
-                <a:cs typeface="Consolas"/>
-              </a:rPr>
-              <a:t>return </a:t>
-            </a:r>
-            <a:r>
-              <a:rPr lang="en-US" dirty="0">
-                <a:latin typeface="Consolas"/>
-                <a:cs typeface="Consolas"/>
-              </a:rPr>
-              <a:t>(n &lt; 2) ? n : seqFib(n − 1) + seqFib(n − 2); }</a:t>
+              <a:rPr lang="en-US" sz="1400" dirty="0">
+                <a:latin typeface="Consolas"/>
+                <a:cs typeface="Consolas"/>
+              </a:rPr>
+              <a:t>val) {</a:t>
             </a:r>
           </a:p>
           <a:p>
             <a:pPr marL="0" indent="0">
               <a:buNone/>
             </a:pPr>
-            <a:endParaRPr lang="en-US" dirty="0">
+            <a:r>
+              <a:rPr lang="en-US" sz="1400" dirty="0" smtClean="0">
+                <a:latin typeface="Consolas"/>
+                <a:cs typeface="Consolas"/>
+              </a:rPr>
+              <a:t>  </a:t>
+            </a:r>
+            <a:r>
+              <a:rPr lang="en-US" sz="1400" dirty="0">
+                <a:latin typeface="Consolas"/>
+                <a:cs typeface="Consolas"/>
+              </a:rPr>
+              <a:t> </a:t>
+            </a:r>
+            <a:r>
+              <a:rPr lang="en-US" sz="1400" dirty="0" smtClean="0">
+                <a:latin typeface="Consolas"/>
+                <a:cs typeface="Consolas"/>
+              </a:rPr>
+              <a:t> </a:t>
+            </a:r>
+            <a:r>
+              <a:rPr lang="en-US" sz="1400" b="1" dirty="0" smtClean="0">
+                <a:latin typeface="Consolas"/>
+                <a:cs typeface="Consolas"/>
+              </a:rPr>
+              <a:t>if </a:t>
+            </a:r>
+            <a:r>
+              <a:rPr lang="en-US" sz="1400" dirty="0">
+                <a:latin typeface="Consolas"/>
+                <a:cs typeface="Consolas"/>
+              </a:rPr>
+              <a:t>(!</a:t>
+            </a:r>
+            <a:r>
+              <a:rPr lang="en-US" sz="1400" dirty="0" err="1">
+                <a:latin typeface="Consolas"/>
+                <a:cs typeface="Consolas"/>
+              </a:rPr>
+              <a:t>isRoot</a:t>
+            </a:r>
+            <a:r>
+              <a:rPr lang="en-US" sz="1400" dirty="0" smtClean="0">
+                <a:latin typeface="Consolas"/>
+                <a:cs typeface="Consolas"/>
+              </a:rPr>
+              <a:t>) { </a:t>
+            </a:r>
+            <a:endParaRPr lang="en-US" sz="1400" dirty="0" smtClean="0">
               <a:latin typeface="Consolas"/>
               <a:cs typeface="Consolas"/>
             </a:endParaRPr>
@@ -10766,67 +10907,41 @@
               <a:buNone/>
             </a:pPr>
             <a:r>
-              <a:rPr lang="en-US" dirty="0" smtClean="0">
-                <a:latin typeface="Consolas"/>
-                <a:cs typeface="Consolas"/>
-              </a:rPr>
-              <a:t>    </a:t>
-            </a:r>
-            <a:r>
-              <a:rPr lang="en-US" b="1" dirty="0" smtClean="0">
-                <a:latin typeface="Consolas"/>
-                <a:cs typeface="Consolas"/>
-              </a:rPr>
-              <a:t>void </a:t>
-            </a:r>
-            <a:r>
-              <a:rPr lang="en-US" dirty="0">
-                <a:latin typeface="Consolas"/>
-                <a:cs typeface="Consolas"/>
-              </a:rPr>
-              <a:t>respond(</a:t>
-            </a:r>
-            <a:r>
-              <a:rPr lang="en-US" b="1" dirty="0">
-                <a:latin typeface="Consolas"/>
-                <a:cs typeface="Consolas"/>
-              </a:rPr>
-              <a:t>int </a:t>
-            </a:r>
-            <a:r>
-              <a:rPr lang="en-US" dirty="0">
-                <a:latin typeface="Consolas"/>
-                <a:cs typeface="Consolas"/>
-              </a:rPr>
-              <a:t>val) {</a:t>
-            </a:r>
-          </a:p>
-          <a:p>
-            <a:pPr marL="0" indent="0">
-              <a:buNone/>
-            </a:pPr>
-            <a:r>
-              <a:rPr lang="en-US" dirty="0" smtClean="0">
-                <a:latin typeface="Consolas"/>
-                <a:cs typeface="Consolas"/>
-              </a:rPr>
-              <a:t>        </a:t>
-            </a:r>
-            <a:r>
-              <a:rPr lang="en-US" b="1" dirty="0" smtClean="0">
-                <a:latin typeface="Consolas"/>
-                <a:cs typeface="Consolas"/>
-              </a:rPr>
-              <a:t>if </a:t>
-            </a:r>
-            <a:r>
-              <a:rPr lang="en-US" dirty="0">
-                <a:latin typeface="Consolas"/>
-                <a:cs typeface="Consolas"/>
-              </a:rPr>
-              <a:t>(!isRoot) </a:t>
-            </a:r>
-            <a:endParaRPr lang="en-US" dirty="0" smtClean="0">
+              <a:rPr lang="en-US" sz="1400" dirty="0">
+                <a:latin typeface="Consolas"/>
+                <a:cs typeface="Consolas"/>
+              </a:rPr>
+              <a:t> </a:t>
+            </a:r>
+            <a:r>
+              <a:rPr lang="en-US" sz="1400" dirty="0" smtClean="0">
+                <a:latin typeface="Consolas"/>
+                <a:cs typeface="Consolas"/>
+              </a:rPr>
+              <a:t>   </a:t>
+            </a:r>
+            <a:r>
+              <a:rPr lang="en-US" sz="1400" dirty="0" smtClean="0">
+                <a:latin typeface="Consolas"/>
+                <a:cs typeface="Consolas"/>
+              </a:rPr>
+              <a:t>  </a:t>
+            </a:r>
+            <a:r>
+              <a:rPr lang="en-US" sz="1400" dirty="0" err="1" smtClean="0">
+                <a:latin typeface="Consolas"/>
+                <a:cs typeface="Consolas"/>
+              </a:rPr>
+              <a:t>parent.response</a:t>
+            </a:r>
+            <a:r>
+              <a:rPr lang="en-US" sz="1400" dirty="0">
+                <a:latin typeface="Consolas"/>
+                <a:cs typeface="Consolas"/>
+              </a:rPr>
+              <a:t>(val); </a:t>
+            </a:r>
+            <a:endParaRPr lang="en-US" sz="1400" dirty="0" smtClean="0">
               <a:latin typeface="Consolas"/>
               <a:cs typeface="Consolas"/>
             </a:endParaRPr>
@@ -10836,27 +10951,114 @@
               <a:buNone/>
             </a:pPr>
             <a:r>
-              <a:rPr lang="en-US" dirty="0">
-                <a:latin typeface="Consolas"/>
-                <a:cs typeface="Consolas"/>
-              </a:rPr>
-              <a:t> </a:t>
-            </a:r>
-            <a:r>
-              <a:rPr lang="en-US" dirty="0" smtClean="0">
-                <a:latin typeface="Consolas"/>
-                <a:cs typeface="Consolas"/>
-              </a:rPr>
-              <a:t>           { </a:t>
-            </a:r>
-            <a:r>
-              <a:rPr lang="en-US" dirty="0">
-                <a:latin typeface="Consolas"/>
-                <a:cs typeface="Consolas"/>
-              </a:rPr>
-              <a:t>parent.response(val); </a:t>
-            </a:r>
-            <a:endParaRPr lang="en-US" dirty="0" smtClean="0">
+              <a:rPr lang="en-US" sz="1400" dirty="0">
+                <a:latin typeface="Consolas"/>
+                <a:cs typeface="Consolas"/>
+              </a:rPr>
+              <a:t> </a:t>
+            </a:r>
+            <a:r>
+              <a:rPr lang="en-US" sz="1400" dirty="0" smtClean="0">
+                <a:latin typeface="Consolas"/>
+                <a:cs typeface="Consolas"/>
+              </a:rPr>
+              <a:t>     </a:t>
+            </a:r>
+            <a:r>
+              <a:rPr lang="en-US" sz="1400" b="1" dirty="0" smtClean="0">
+                <a:latin typeface="Consolas"/>
+                <a:cs typeface="Consolas"/>
+              </a:rPr>
+              <a:t>delete </a:t>
+            </a:r>
+            <a:r>
+              <a:rPr lang="en-US" sz="1400" b="1" dirty="0">
+                <a:latin typeface="Consolas"/>
+                <a:cs typeface="Consolas"/>
+              </a:rPr>
+              <a:t>this</a:t>
+            </a:r>
+            <a:r>
+              <a:rPr lang="en-US" sz="1400" dirty="0">
+                <a:latin typeface="Consolas"/>
+                <a:cs typeface="Consolas"/>
+              </a:rPr>
+              <a:t>;</a:t>
+            </a:r>
+          </a:p>
+          <a:p>
+            <a:pPr marL="0" indent="0">
+              <a:buNone/>
+            </a:pPr>
+            <a:r>
+              <a:rPr lang="en-US" sz="1400" dirty="0" smtClean="0">
+                <a:latin typeface="Consolas"/>
+                <a:cs typeface="Consolas"/>
+              </a:rPr>
+              <a:t>    </a:t>
+            </a:r>
+            <a:r>
+              <a:rPr lang="en-US" sz="1400" dirty="0" smtClean="0">
+                <a:latin typeface="Consolas"/>
+                <a:cs typeface="Consolas"/>
+              </a:rPr>
+              <a:t>} </a:t>
+            </a:r>
+            <a:r>
+              <a:rPr lang="en-US" sz="1400" b="1" dirty="0">
+                <a:latin typeface="Consolas"/>
+                <a:cs typeface="Consolas"/>
+              </a:rPr>
+              <a:t>else</a:t>
+            </a:r>
+            <a:r>
+              <a:rPr lang="en-US" sz="1400" dirty="0">
+                <a:latin typeface="Consolas"/>
+                <a:cs typeface="Consolas"/>
+              </a:rPr>
+              <a:t> {</a:t>
+            </a:r>
+          </a:p>
+          <a:p>
+            <a:pPr marL="0" indent="0">
+              <a:buNone/>
+            </a:pPr>
+            <a:r>
+              <a:rPr lang="en-US" sz="1400" dirty="0" smtClean="0">
+                <a:latin typeface="Consolas"/>
+                <a:cs typeface="Consolas"/>
+              </a:rPr>
+              <a:t>    </a:t>
+            </a:r>
+            <a:r>
+              <a:rPr lang="en-US" sz="1400" dirty="0">
+                <a:latin typeface="Consolas"/>
+                <a:cs typeface="Consolas"/>
+              </a:rPr>
+              <a:t> </a:t>
+            </a:r>
+            <a:r>
+              <a:rPr lang="en-US" sz="1400" dirty="0" smtClean="0">
+                <a:latin typeface="Consolas"/>
+                <a:cs typeface="Consolas"/>
+              </a:rPr>
+              <a:t> </a:t>
+            </a:r>
+            <a:r>
+              <a:rPr lang="en-US" sz="1400" dirty="0" err="1" smtClean="0">
+                <a:latin typeface="Consolas"/>
+                <a:cs typeface="Consolas"/>
+              </a:rPr>
+              <a:t>CkPrintf</a:t>
+            </a:r>
+            <a:r>
+              <a:rPr lang="en-US" sz="1400" dirty="0">
+                <a:latin typeface="Consolas"/>
+                <a:cs typeface="Consolas"/>
+              </a:rPr>
+              <a:t>(”Fibonacci number is: %d\n”, val); </a:t>
+            </a:r>
+            <a:endParaRPr lang="en-US" sz="1400" dirty="0" smtClean="0">
               <a:latin typeface="Consolas"/>
               <a:cs typeface="Consolas"/>
             </a:endParaRPr>
@@ -10866,86 +11068,41 @@
               <a:buNone/>
             </a:pPr>
             <a:r>
-              <a:rPr lang="en-US" dirty="0">
-                <a:latin typeface="Consolas"/>
-                <a:cs typeface="Consolas"/>
-              </a:rPr>
-              <a:t> </a:t>
-            </a:r>
-            <a:r>
-              <a:rPr lang="en-US" dirty="0" smtClean="0">
-                <a:latin typeface="Consolas"/>
-                <a:cs typeface="Consolas"/>
-              </a:rPr>
-              <a:t>           </a:t>
-            </a:r>
-            <a:r>
-              <a:rPr lang="en-US" b="1" dirty="0" smtClean="0">
-                <a:latin typeface="Consolas"/>
-                <a:cs typeface="Consolas"/>
-              </a:rPr>
-              <a:t>delete </a:t>
-            </a:r>
-            <a:r>
-              <a:rPr lang="en-US" b="1" dirty="0">
-                <a:latin typeface="Consolas"/>
-                <a:cs typeface="Consolas"/>
-              </a:rPr>
-              <a:t>this</a:t>
-            </a:r>
-            <a:r>
-              <a:rPr lang="en-US" dirty="0">
-                <a:latin typeface="Consolas"/>
-                <a:cs typeface="Consolas"/>
-              </a:rPr>
-              <a:t>;</a:t>
-            </a:r>
-          </a:p>
-          <a:p>
-            <a:pPr marL="0" indent="0">
-              <a:buNone/>
-            </a:pPr>
-            <a:r>
-              <a:rPr lang="en-US" dirty="0" smtClean="0">
-                <a:latin typeface="Consolas"/>
-                <a:cs typeface="Consolas"/>
-              </a:rPr>
-              <a:t>        } </a:t>
-            </a:r>
-            <a:r>
-              <a:rPr lang="en-US" b="1" dirty="0">
-                <a:latin typeface="Consolas"/>
-                <a:cs typeface="Consolas"/>
-              </a:rPr>
-              <a:t>else</a:t>
-            </a:r>
-            <a:r>
-              <a:rPr lang="en-US" dirty="0">
-                <a:latin typeface="Consolas"/>
-                <a:cs typeface="Consolas"/>
-              </a:rPr>
-              <a:t> {</a:t>
-            </a:r>
-          </a:p>
-          <a:p>
-            <a:pPr marL="0" indent="0">
-              <a:buNone/>
-            </a:pPr>
-            <a:r>
-              <a:rPr lang="en-US" dirty="0" smtClean="0">
-                <a:latin typeface="Consolas"/>
-                <a:cs typeface="Consolas"/>
-              </a:rPr>
-              <a:t>            CkPrintf</a:t>
-            </a:r>
-            <a:r>
-              <a:rPr lang="en-US" dirty="0">
-                <a:latin typeface="Consolas"/>
-                <a:cs typeface="Consolas"/>
-              </a:rPr>
-              <a:t>(”Fibonacci number is: %d\n”, val); </a:t>
-            </a:r>
-            <a:endParaRPr lang="en-US" dirty="0" smtClean="0">
+              <a:rPr lang="en-US" sz="1400" dirty="0">
+                <a:latin typeface="Consolas"/>
+                <a:cs typeface="Consolas"/>
+              </a:rPr>
+              <a:t> </a:t>
+            </a:r>
+            <a:r>
+              <a:rPr lang="en-US" sz="1400" dirty="0" smtClean="0">
+                <a:latin typeface="Consolas"/>
+                <a:cs typeface="Consolas"/>
+              </a:rPr>
+              <a:t>     </a:t>
+            </a:r>
+            <a:r>
+              <a:rPr lang="en-US" sz="1400" dirty="0" err="1" smtClean="0">
+                <a:latin typeface="Consolas"/>
+                <a:cs typeface="Consolas"/>
+              </a:rPr>
+              <a:t>CkExit</a:t>
+            </a:r>
+            <a:r>
+              <a:rPr lang="en-US" sz="1400" dirty="0">
+                <a:latin typeface="Consolas"/>
+                <a:cs typeface="Consolas"/>
+              </a:rPr>
+              <a:t>()</a:t>
+            </a:r>
+            <a:r>
+              <a:rPr lang="en-US" sz="1400" dirty="0" smtClean="0">
+                <a:latin typeface="Consolas"/>
+                <a:cs typeface="Consolas"/>
+              </a:rPr>
+              <a:t>; } } };</a:t>
+            </a:r>
+            <a:endParaRPr lang="en-US" sz="1400" dirty="0">
               <a:latin typeface="Consolas"/>
               <a:cs typeface="Consolas"/>
             </a:endParaRPr>
@@ -10955,99 +11112,27 @@
               <a:buNone/>
             </a:pPr>
             <a:r>
-              <a:rPr lang="en-US" dirty="0">
-                <a:latin typeface="Consolas"/>
-                <a:cs typeface="Consolas"/>
-              </a:rPr>
-              <a:t> </a:t>
-            </a:r>
-            <a:r>
-              <a:rPr lang="en-US" dirty="0" smtClean="0">
-                <a:latin typeface="Consolas"/>
-                <a:cs typeface="Consolas"/>
-              </a:rPr>
-              <a:t>           CkExit</a:t>
-            </a:r>
-            <a:r>
-              <a:rPr lang="en-US" dirty="0">
-                <a:latin typeface="Consolas"/>
-                <a:cs typeface="Consolas"/>
-              </a:rPr>
-              <a:t>();</a:t>
-            </a:r>
-          </a:p>
-          <a:p>
-            <a:pPr marL="0" indent="0">
-              <a:buNone/>
-            </a:pPr>
-            <a:r>
-              <a:rPr lang="en-US" dirty="0" smtClean="0">
-                <a:latin typeface="Consolas"/>
-                <a:cs typeface="Consolas"/>
-              </a:rPr>
-              <a:t>        }</a:t>
-            </a:r>
-            <a:endParaRPr lang="en-US" dirty="0">
-              <a:latin typeface="Consolas"/>
-              <a:cs typeface="Consolas"/>
-            </a:endParaRPr>
-          </a:p>
-          <a:p>
-            <a:pPr marL="0" indent="0">
-              <a:buNone/>
-            </a:pPr>
-            <a:r>
-              <a:rPr lang="en-US" dirty="0" smtClean="0">
-                <a:latin typeface="Consolas"/>
-                <a:cs typeface="Consolas"/>
-              </a:rPr>
-              <a:t>    }</a:t>
-            </a:r>
-            <a:endParaRPr lang="en-US" dirty="0">
-              <a:latin typeface="Consolas"/>
-              <a:cs typeface="Consolas"/>
-            </a:endParaRPr>
-          </a:p>
-          <a:p>
-            <a:pPr marL="0" indent="0">
-              <a:buNone/>
-            </a:pPr>
-            <a:r>
-              <a:rPr lang="en-US" dirty="0" smtClean="0">
-                <a:latin typeface="Consolas"/>
-                <a:cs typeface="Consolas"/>
-              </a:rPr>
-              <a:t>};</a:t>
-            </a:r>
-          </a:p>
-          <a:p>
-            <a:pPr marL="0" indent="0">
-              <a:buNone/>
-            </a:pPr>
-            <a:endParaRPr lang="en-US" dirty="0" smtClean="0">
-              <a:latin typeface="Consolas"/>
-              <a:cs typeface="Consolas"/>
-            </a:endParaRPr>
-          </a:p>
-          <a:p>
-            <a:pPr marL="0" indent="0">
-              <a:buNone/>
-            </a:pPr>
-            <a:r>
-              <a:rPr lang="en-US" b="1" dirty="0" smtClean="0">
-                <a:latin typeface="Consolas"/>
-                <a:cs typeface="Consolas"/>
-              </a:rPr>
-              <a:t>#include </a:t>
-            </a:r>
-            <a:r>
-              <a:rPr lang="en-US" dirty="0" smtClean="0">
+              <a:rPr lang="en-US" sz="1400" b="1" dirty="0" smtClean="0">
+                <a:latin typeface="Consolas"/>
+                <a:cs typeface="Consolas"/>
+              </a:rPr>
+              <a:t>#</a:t>
+            </a:r>
+            <a:r>
+              <a:rPr lang="en-US" sz="1400" b="1" dirty="0" smtClean="0">
+                <a:latin typeface="Consolas"/>
+                <a:cs typeface="Consolas"/>
+              </a:rPr>
+              <a:t>include </a:t>
+            </a:r>
+            <a:r>
+              <a:rPr lang="en-US" sz="1400" dirty="0" smtClean="0">
                 <a:latin typeface="Consolas"/>
                 <a:cs typeface="Consolas"/>
               </a:rPr>
               <a:t>“fib.def.h”</a:t>
             </a:r>
-            <a:endParaRPr lang="en-US" dirty="0">
+            <a:endParaRPr lang="en-US" sz="1400" dirty="0">
               <a:latin typeface="Consolas"/>
               <a:cs typeface="Consolas"/>
             </a:endParaRPr>
@@ -11243,7 +11328,7 @@
     </p:spTree>
     <p:extLst>
       <p:ext uri="{BB962C8B-B14F-4D97-AF65-F5344CB8AC3E}">
-        <p14:creationId xmlns:p14="http://schemas.microsoft.com/office/powerpoint/2010/main" val="1750658510"/>
+        <p14:creationId xmlns:p14="http://schemas.microsoft.com/office/powerpoint/2010/main" val="917841477"/>
       </p:ext>
     </p:extLst>
   </p:cSld>

--- a/tutorial-07-sdag.pptx
+++ b/tutorial-07-sdag.pptx
@@ -40,7 +40,7 @@
     <p:sldId id="282" r:id="rId28"/>
     <p:sldId id="283" r:id="rId29"/>
     <p:sldId id="284" r:id="rId30"/>
-    <p:sldId id="285" r:id="rId31"/>
+    <p:sldId id="347" r:id="rId31"/>
     <p:sldId id="286" r:id="rId32"/>
     <p:sldId id="287" r:id="rId33"/>
     <p:sldId id="288" r:id="rId34"/>
@@ -10410,14 +10410,7 @@
                 <a:latin typeface="Consolas"/>
                 <a:cs typeface="Consolas"/>
               </a:rPr>
-              <a:t>()); </a:t>
-            </a:r>
-            <a:r>
-              <a:rPr lang="en-US" sz="1400" dirty="0">
-                <a:latin typeface="Consolas"/>
-                <a:cs typeface="Consolas"/>
-              </a:rPr>
-              <a:t>} }</a:t>
+              <a:t>()); } }</a:t>
             </a:r>
             <a:r>
               <a:rPr lang="en-US" sz="1400" dirty="0" smtClean="0">
@@ -10566,6 +10559,352 @@
               </a:rPr>
               <a:t>;</a:t>
             </a:r>
+          </a:p>
+          <a:p>
+            <a:pPr marL="0" indent="0">
+              <a:buNone/>
+            </a:pPr>
+            <a:r>
+              <a:rPr lang="en-US" sz="1400" dirty="0" smtClean="0">
+                <a:latin typeface="Consolas"/>
+                <a:cs typeface="Consolas"/>
+              </a:rPr>
+              <a:t>  Fib</a:t>
+            </a:r>
+            <a:r>
+              <a:rPr lang="en-US" sz="1400" dirty="0">
+                <a:latin typeface="Consolas"/>
+                <a:cs typeface="Consolas"/>
+              </a:rPr>
+              <a:t>(</a:t>
+            </a:r>
+            <a:r>
+              <a:rPr lang="en-US" sz="1400" b="1" dirty="0">
+                <a:latin typeface="Consolas"/>
+                <a:cs typeface="Consolas"/>
+              </a:rPr>
+              <a:t>int </a:t>
+            </a:r>
+            <a:r>
+              <a:rPr lang="en-US" sz="1400" dirty="0">
+                <a:latin typeface="Consolas"/>
+                <a:cs typeface="Consolas"/>
+              </a:rPr>
+              <a:t>n</a:t>
+            </a:r>
+            <a:r>
+              <a:rPr lang="en-US" sz="1400" dirty="0" smtClean="0">
+                <a:latin typeface="Consolas"/>
+                <a:cs typeface="Consolas"/>
+              </a:rPr>
+              <a:t>, </a:t>
+            </a:r>
+            <a:r>
+              <a:rPr lang="en-US" sz="1400" b="1" dirty="0" err="1" smtClean="0">
+                <a:latin typeface="Consolas"/>
+                <a:cs typeface="Consolas"/>
+              </a:rPr>
+              <a:t>bool</a:t>
+            </a:r>
+            <a:r>
+              <a:rPr lang="en-US" sz="1400" b="1" dirty="0" smtClean="0">
+                <a:latin typeface="Consolas"/>
+                <a:cs typeface="Consolas"/>
+              </a:rPr>
+              <a:t> </a:t>
+            </a:r>
+            <a:r>
+              <a:rPr lang="en-US" sz="1400" dirty="0" smtClean="0">
+                <a:latin typeface="Consolas"/>
+                <a:cs typeface="Consolas"/>
+              </a:rPr>
+              <a:t>isRoot_, CProxy_Fib parent_):parent</a:t>
+            </a:r>
+            <a:r>
+              <a:rPr lang="en-US" sz="1400" dirty="0">
+                <a:latin typeface="Consolas"/>
+                <a:cs typeface="Consolas"/>
+              </a:rPr>
+              <a:t>(</a:t>
+            </a:r>
+            <a:r>
+              <a:rPr lang="en-US" sz="1400" dirty="0" smtClean="0">
+                <a:latin typeface="Consolas"/>
+                <a:cs typeface="Consolas"/>
+              </a:rPr>
+              <a:t>parent_)</a:t>
+            </a:r>
+            <a:r>
+              <a:rPr lang="en-US" sz="1400" dirty="0">
+                <a:latin typeface="Consolas"/>
+                <a:cs typeface="Consolas"/>
+              </a:rPr>
+              <a:t>, isRoot(</a:t>
+            </a:r>
+            <a:r>
+              <a:rPr lang="en-US" sz="1400" dirty="0" err="1" smtClean="0">
+                <a:latin typeface="Consolas"/>
+                <a:cs typeface="Consolas"/>
+              </a:rPr>
+              <a:t>isRoot</a:t>
+            </a:r>
+            <a:r>
+              <a:rPr lang="en-US" sz="1400" dirty="0" smtClean="0">
+                <a:latin typeface="Consolas"/>
+                <a:cs typeface="Consolas"/>
+              </a:rPr>
+              <a:t>_){</a:t>
+            </a:r>
+            <a:endParaRPr lang="en-US" sz="1400" dirty="0">
+              <a:latin typeface="Consolas"/>
+              <a:cs typeface="Consolas"/>
+            </a:endParaRPr>
+          </a:p>
+          <a:p>
+            <a:pPr marL="0" indent="0">
+              <a:buNone/>
+            </a:pPr>
+            <a:r>
+              <a:rPr lang="en-US" sz="1400" dirty="0" smtClean="0">
+                <a:latin typeface="Consolas"/>
+                <a:cs typeface="Consolas"/>
+              </a:rPr>
+              <a:t>  </a:t>
+            </a:r>
+            <a:r>
+              <a:rPr lang="en-US" sz="1400" dirty="0">
+                <a:latin typeface="Consolas"/>
+                <a:cs typeface="Consolas"/>
+              </a:rPr>
+              <a:t> </a:t>
+            </a:r>
+            <a:r>
+              <a:rPr lang="en-US" sz="1400" dirty="0" smtClean="0">
+                <a:latin typeface="Consolas"/>
+                <a:cs typeface="Consolas"/>
+              </a:rPr>
+              <a:t> </a:t>
+            </a:r>
+            <a:r>
+              <a:rPr lang="en-US" sz="1400" dirty="0" err="1" smtClean="0">
+                <a:latin typeface="Consolas"/>
+                <a:cs typeface="Consolas"/>
+              </a:rPr>
+              <a:t>calc</a:t>
+            </a:r>
+            <a:r>
+              <a:rPr lang="en-US" sz="1400" dirty="0">
+                <a:latin typeface="Consolas"/>
+                <a:cs typeface="Consolas"/>
+              </a:rPr>
+              <a:t>(n)</a:t>
+            </a:r>
+            <a:r>
+              <a:rPr lang="en-US" sz="1400" dirty="0" smtClean="0">
+                <a:latin typeface="Consolas"/>
+                <a:cs typeface="Consolas"/>
+              </a:rPr>
+              <a:t>; }</a:t>
+            </a:r>
+          </a:p>
+          <a:p>
+            <a:pPr marL="0" indent="0">
+              <a:buNone/>
+            </a:pPr>
+            <a:r>
+              <a:rPr lang="en-US" sz="1400" dirty="0" smtClean="0">
+                <a:latin typeface="Consolas"/>
+                <a:cs typeface="Consolas"/>
+              </a:rPr>
+              <a:t>  </a:t>
+            </a:r>
+            <a:r>
+              <a:rPr lang="en-US" sz="1400" b="1" dirty="0" err="1" smtClean="0">
+                <a:latin typeface="Consolas"/>
+                <a:cs typeface="Consolas"/>
+              </a:rPr>
+              <a:t>int</a:t>
+            </a:r>
+            <a:r>
+              <a:rPr lang="en-US" sz="1400" b="1" dirty="0" smtClean="0">
+                <a:latin typeface="Consolas"/>
+                <a:cs typeface="Consolas"/>
+              </a:rPr>
+              <a:t> </a:t>
+            </a:r>
+            <a:r>
+              <a:rPr lang="en-US" sz="1400" dirty="0">
+                <a:latin typeface="Consolas"/>
+                <a:cs typeface="Consolas"/>
+              </a:rPr>
+              <a:t>seqFib(</a:t>
+            </a:r>
+            <a:r>
+              <a:rPr lang="en-US" sz="1400" b="1" dirty="0">
+                <a:latin typeface="Consolas"/>
+                <a:cs typeface="Consolas"/>
+              </a:rPr>
+              <a:t>int </a:t>
+            </a:r>
+            <a:r>
+              <a:rPr lang="en-US" sz="1400" dirty="0">
+                <a:latin typeface="Consolas"/>
+                <a:cs typeface="Consolas"/>
+              </a:rPr>
+              <a:t>n) { </a:t>
+            </a:r>
+            <a:r>
+              <a:rPr lang="en-US" sz="1400" b="1" dirty="0">
+                <a:latin typeface="Consolas"/>
+                <a:cs typeface="Consolas"/>
+              </a:rPr>
+              <a:t>return </a:t>
+            </a:r>
+            <a:r>
+              <a:rPr lang="en-US" sz="1400" dirty="0">
+                <a:latin typeface="Consolas"/>
+                <a:cs typeface="Consolas"/>
+              </a:rPr>
+              <a:t>(n &lt; 2) ? n : seqFib(n − 1) + seqFib(n − 2); </a:t>
+            </a:r>
+            <a:r>
+              <a:rPr lang="en-US" sz="1400" dirty="0" smtClean="0">
+                <a:latin typeface="Consolas"/>
+                <a:cs typeface="Consolas"/>
+              </a:rPr>
+              <a:t>}</a:t>
+            </a:r>
+            <a:endParaRPr lang="en-US" sz="1400" dirty="0">
+              <a:latin typeface="Consolas"/>
+              <a:cs typeface="Consolas"/>
+            </a:endParaRPr>
+          </a:p>
+          <a:p>
+            <a:pPr marL="0" indent="0">
+              <a:buNone/>
+            </a:pPr>
+            <a:r>
+              <a:rPr lang="en-US" sz="1400" dirty="0" smtClean="0">
+                <a:latin typeface="Consolas"/>
+                <a:cs typeface="Consolas"/>
+              </a:rPr>
+              <a:t>  </a:t>
+            </a:r>
+            <a:r>
+              <a:rPr lang="en-US" sz="1400" b="1" dirty="0" smtClean="0">
+                <a:latin typeface="Consolas"/>
+                <a:cs typeface="Consolas"/>
+              </a:rPr>
+              <a:t>void </a:t>
+            </a:r>
+            <a:r>
+              <a:rPr lang="en-US" sz="1400" dirty="0">
+                <a:latin typeface="Consolas"/>
+                <a:cs typeface="Consolas"/>
+              </a:rPr>
+              <a:t>respond(</a:t>
+            </a:r>
+            <a:r>
+              <a:rPr lang="en-US" sz="1400" b="1" dirty="0">
+                <a:latin typeface="Consolas"/>
+                <a:cs typeface="Consolas"/>
+              </a:rPr>
+              <a:t>int </a:t>
+            </a:r>
+            <a:r>
+              <a:rPr lang="en-US" sz="1400" dirty="0">
+                <a:latin typeface="Consolas"/>
+                <a:cs typeface="Consolas"/>
+              </a:rPr>
+              <a:t>val) {</a:t>
+            </a:r>
+          </a:p>
+          <a:p>
+            <a:pPr marL="0" indent="0">
+              <a:buNone/>
+            </a:pPr>
+            <a:r>
+              <a:rPr lang="en-US" sz="1400" dirty="0" smtClean="0">
+                <a:latin typeface="Consolas"/>
+                <a:cs typeface="Consolas"/>
+              </a:rPr>
+              <a:t>  </a:t>
+            </a:r>
+            <a:r>
+              <a:rPr lang="en-US" sz="1400" dirty="0">
+                <a:latin typeface="Consolas"/>
+                <a:cs typeface="Consolas"/>
+              </a:rPr>
+              <a:t> </a:t>
+            </a:r>
+            <a:r>
+              <a:rPr lang="en-US" sz="1400" dirty="0" smtClean="0">
+                <a:latin typeface="Consolas"/>
+                <a:cs typeface="Consolas"/>
+              </a:rPr>
+              <a:t> </a:t>
+            </a:r>
+            <a:r>
+              <a:rPr lang="en-US" sz="1400" b="1" dirty="0" smtClean="0">
+                <a:latin typeface="Consolas"/>
+                <a:cs typeface="Consolas"/>
+              </a:rPr>
+              <a:t>if </a:t>
+            </a:r>
+            <a:r>
+              <a:rPr lang="en-US" sz="1400" dirty="0">
+                <a:latin typeface="Consolas"/>
+                <a:cs typeface="Consolas"/>
+              </a:rPr>
+              <a:t>(!</a:t>
+            </a:r>
+            <a:r>
+              <a:rPr lang="en-US" sz="1400" dirty="0" err="1">
+                <a:latin typeface="Consolas"/>
+                <a:cs typeface="Consolas"/>
+              </a:rPr>
+              <a:t>isRoot</a:t>
+            </a:r>
+            <a:r>
+              <a:rPr lang="en-US" sz="1400" dirty="0" smtClean="0">
+                <a:latin typeface="Consolas"/>
+                <a:cs typeface="Consolas"/>
+              </a:rPr>
+              <a:t>) { </a:t>
+            </a:r>
+          </a:p>
+          <a:p>
+            <a:pPr marL="0" indent="0">
+              <a:buNone/>
+            </a:pPr>
+            <a:r>
+              <a:rPr lang="en-US" sz="1400" dirty="0">
+                <a:latin typeface="Consolas"/>
+                <a:cs typeface="Consolas"/>
+              </a:rPr>
+              <a:t> </a:t>
+            </a:r>
+            <a:r>
+              <a:rPr lang="en-US" sz="1400" dirty="0" smtClean="0">
+                <a:latin typeface="Consolas"/>
+                <a:cs typeface="Consolas"/>
+              </a:rPr>
+              <a:t>     </a:t>
+            </a:r>
+            <a:r>
+              <a:rPr lang="en-US" sz="1400" dirty="0" err="1" smtClean="0">
+                <a:latin typeface="Consolas"/>
+                <a:cs typeface="Consolas"/>
+              </a:rPr>
+              <a:t>parent.response</a:t>
+            </a:r>
+            <a:r>
+              <a:rPr lang="en-US" sz="1400" dirty="0">
+                <a:latin typeface="Consolas"/>
+                <a:cs typeface="Consolas"/>
+              </a:rPr>
+              <a:t>(val); </a:t>
+            </a:r>
             <a:endParaRPr lang="en-US" sz="1400" dirty="0" smtClean="0">
               <a:latin typeface="Consolas"/>
               <a:cs typeface="Consolas"/>
@@ -10576,49 +10915,80 @@
               <a:buNone/>
             </a:pPr>
             <a:r>
+              <a:rPr lang="en-US" sz="1400" dirty="0">
+                <a:latin typeface="Consolas"/>
+                <a:cs typeface="Consolas"/>
+              </a:rPr>
+              <a:t> </a:t>
+            </a:r>
+            <a:r>
               <a:rPr lang="en-US" sz="1400" dirty="0" smtClean="0">
                 <a:latin typeface="Consolas"/>
                 <a:cs typeface="Consolas"/>
               </a:rPr>
-              <a:t>  Fib</a:t>
+              <a:t>     </a:t>
+            </a:r>
+            <a:r>
+              <a:rPr lang="en-US" sz="1400" b="1" dirty="0" smtClean="0">
+                <a:latin typeface="Consolas"/>
+                <a:cs typeface="Consolas"/>
+              </a:rPr>
+              <a:t>delete </a:t>
+            </a:r>
+            <a:r>
+              <a:rPr lang="en-US" sz="1400" b="1" dirty="0">
+                <a:latin typeface="Consolas"/>
+                <a:cs typeface="Consolas"/>
+              </a:rPr>
+              <a:t>this</a:t>
             </a:r>
             <a:r>
               <a:rPr lang="en-US" sz="1400" dirty="0">
                 <a:latin typeface="Consolas"/>
                 <a:cs typeface="Consolas"/>
               </a:rPr>
-              <a:t>(</a:t>
+              <a:t>;</a:t>
+            </a:r>
+          </a:p>
+          <a:p>
+            <a:pPr marL="0" indent="0">
+              <a:buNone/>
+            </a:pPr>
+            <a:r>
+              <a:rPr lang="en-US" sz="1400" dirty="0" smtClean="0">
+                <a:latin typeface="Consolas"/>
+                <a:cs typeface="Consolas"/>
+              </a:rPr>
+              <a:t>    } </a:t>
             </a:r>
             <a:r>
               <a:rPr lang="en-US" sz="1400" b="1" dirty="0">
                 <a:latin typeface="Consolas"/>
                 <a:cs typeface="Consolas"/>
               </a:rPr>
-              <a:t>int </a:t>
+              <a:t>else</a:t>
             </a:r>
             <a:r>
               <a:rPr lang="en-US" sz="1400" dirty="0">
                 <a:latin typeface="Consolas"/>
                 <a:cs typeface="Consolas"/>
               </a:rPr>
-              <a:t>n</a:t>
-            </a:r>
+              <a:t> {</a:t>
+            </a:r>
+          </a:p>
+          <a:p>
+            <a:pPr marL="0" indent="0">
+              <a:buNone/>
+            </a:pPr>
             <a:r>
               <a:rPr lang="en-US" sz="1400" dirty="0" smtClean="0">
                 <a:latin typeface="Consolas"/>
                 <a:cs typeface="Consolas"/>
               </a:rPr>
-              <a:t>, </a:t>
-            </a:r>
-            <a:r>
-              <a:rPr lang="en-US" sz="1400" b="1" dirty="0" err="1" smtClean="0">
-                <a:latin typeface="Consolas"/>
-                <a:cs typeface="Consolas"/>
-              </a:rPr>
-              <a:t>bool</a:t>
-            </a:r>
-            <a:r>
-              <a:rPr lang="en-US" sz="1400" b="1" dirty="0" smtClean="0">
+              <a:t>    </a:t>
+            </a:r>
+            <a:r>
+              <a:rPr lang="en-US" sz="1400" dirty="0">
                 <a:latin typeface="Consolas"/>
                 <a:cs typeface="Consolas"/>
               </a:rPr>
@@ -10629,56 +10999,65 @@
                 <a:latin typeface="Consolas"/>
                 <a:cs typeface="Consolas"/>
               </a:rPr>
-              <a:t>isRoot_, CProxy_Fib parent_</a:t>
+              <a:t> </a:t>
+            </a:r>
+            <a:r>
+              <a:rPr lang="en-US" sz="1400" dirty="0" err="1" smtClean="0">
+                <a:latin typeface="Consolas"/>
+                <a:cs typeface="Consolas"/>
+              </a:rPr>
+              <a:t>CkPrintf</a:t>
+            </a:r>
+            <a:r>
+              <a:rPr lang="en-US" sz="1400" dirty="0">
+                <a:latin typeface="Consolas"/>
+                <a:cs typeface="Consolas"/>
+              </a:rPr>
+              <a:t>(”Fibonacci number is: %d\n”, val); </a:t>
+            </a:r>
+            <a:endParaRPr lang="en-US" sz="1400" dirty="0" smtClean="0">
+              <a:latin typeface="Consolas"/>
+              <a:cs typeface="Consolas"/>
+            </a:endParaRPr>
+          </a:p>
+          <a:p>
+            <a:pPr marL="0" indent="0">
+              <a:buNone/>
+            </a:pPr>
+            <a:r>
+              <a:rPr lang="en-US" sz="1400" dirty="0">
+                <a:latin typeface="Consolas"/>
+                <a:cs typeface="Consolas"/>
+              </a:rPr>
+              <a:t> </a:t>
             </a:r>
             <a:r>
               <a:rPr lang="en-US" sz="1400" dirty="0" smtClean="0">
                 <a:latin typeface="Consolas"/>
                 <a:cs typeface="Consolas"/>
               </a:rPr>
-              <a:t>):parent</a:t>
+              <a:t>     </a:t>
+            </a:r>
+            <a:r>
+              <a:rPr lang="en-US" sz="1400" dirty="0" err="1" smtClean="0">
+                <a:latin typeface="Consolas"/>
+                <a:cs typeface="Consolas"/>
+              </a:rPr>
+              <a:t>CkExit</a:t>
             </a:r>
             <a:r>
               <a:rPr lang="en-US" sz="1400" dirty="0">
                 <a:latin typeface="Consolas"/>
                 <a:cs typeface="Consolas"/>
               </a:rPr>
-              <a:t>(</a:t>
+              <a:t>()</a:t>
             </a:r>
             <a:r>
               <a:rPr lang="en-US" sz="1400" dirty="0" smtClean="0">
                 <a:latin typeface="Consolas"/>
                 <a:cs typeface="Consolas"/>
               </a:rPr>
-              <a:t>parent_)</a:t>
-            </a:r>
-            <a:r>
-              <a:rPr lang="en-US" sz="1400" dirty="0">
-                <a:latin typeface="Consolas"/>
-                <a:cs typeface="Consolas"/>
-              </a:rPr>
-              <a:t>, isRoot(</a:t>
-            </a:r>
-            <a:r>
-              <a:rPr lang="en-US" sz="1400" dirty="0" err="1" smtClean="0">
-                <a:latin typeface="Consolas"/>
-                <a:cs typeface="Consolas"/>
-              </a:rPr>
-              <a:t>isRoot</a:t>
-            </a:r>
-            <a:r>
-              <a:rPr lang="en-US" sz="1400" dirty="0" smtClean="0">
-                <a:latin typeface="Consolas"/>
-                <a:cs typeface="Consolas"/>
-              </a:rPr>
-              <a:t>_</a:t>
-            </a:r>
-            <a:r>
-              <a:rPr lang="en-US" sz="1400" dirty="0" smtClean="0">
-                <a:latin typeface="Consolas"/>
-                <a:cs typeface="Consolas"/>
-              </a:rPr>
-              <a:t>){</a:t>
+              <a:t>; } } };</a:t>
             </a:r>
             <a:endParaRPr lang="en-US" sz="1400" dirty="0">
               <a:latin typeface="Consolas"/>
@@ -10690,440 +11069,11 @@
               <a:buNone/>
             </a:pPr>
             <a:r>
-              <a:rPr lang="en-US" sz="1400" dirty="0" smtClean="0">
-                <a:latin typeface="Consolas"/>
-                <a:cs typeface="Consolas"/>
-              </a:rPr>
-              <a:t>  </a:t>
-            </a:r>
-            <a:r>
-              <a:rPr lang="en-US" sz="1400" dirty="0">
-                <a:latin typeface="Consolas"/>
-                <a:cs typeface="Consolas"/>
-              </a:rPr>
-              <a:t> </a:t>
-            </a:r>
-            <a:r>
-              <a:rPr lang="en-US" sz="1400" dirty="0" smtClean="0">
-                <a:latin typeface="Consolas"/>
-                <a:cs typeface="Consolas"/>
-              </a:rPr>
-              <a:t> </a:t>
-            </a:r>
-            <a:r>
-              <a:rPr lang="en-US" sz="1400" dirty="0" err="1" smtClean="0">
-                <a:latin typeface="Consolas"/>
-                <a:cs typeface="Consolas"/>
-              </a:rPr>
-              <a:t>calc</a:t>
-            </a:r>
-            <a:r>
-              <a:rPr lang="en-US" sz="1400" dirty="0">
-                <a:latin typeface="Consolas"/>
-                <a:cs typeface="Consolas"/>
-              </a:rPr>
-              <a:t>(n)</a:t>
-            </a:r>
-            <a:r>
-              <a:rPr lang="en-US" sz="1400" dirty="0" smtClean="0">
-                <a:latin typeface="Consolas"/>
-                <a:cs typeface="Consolas"/>
-              </a:rPr>
-              <a:t>; }</a:t>
-            </a:r>
-          </a:p>
-          <a:p>
-            <a:pPr marL="0" indent="0">
-              <a:buNone/>
-            </a:pPr>
-            <a:r>
-              <a:rPr lang="en-US" sz="1400" dirty="0" smtClean="0">
-                <a:latin typeface="Consolas"/>
-                <a:cs typeface="Consolas"/>
-              </a:rPr>
-              <a:t>  </a:t>
-            </a:r>
-            <a:r>
-              <a:rPr lang="en-US" sz="1400" b="1" dirty="0" err="1" smtClean="0">
-                <a:latin typeface="Consolas"/>
-                <a:cs typeface="Consolas"/>
-              </a:rPr>
-              <a:t>int</a:t>
-            </a:r>
-            <a:r>
               <a:rPr lang="en-US" sz="1400" b="1" dirty="0" smtClean="0">
                 <a:latin typeface="Consolas"/>
                 <a:cs typeface="Consolas"/>
               </a:rPr>
-              <a:t> </a:t>
-            </a:r>
-            <a:r>
-              <a:rPr lang="en-US" sz="1400" dirty="0">
-                <a:latin typeface="Consolas"/>
-                <a:cs typeface="Consolas"/>
-              </a:rPr>
-              <a:t>seqFib(</a:t>
-            </a:r>
-            <a:r>
-              <a:rPr lang="en-US" sz="1400" b="1" dirty="0">
-                <a:latin typeface="Consolas"/>
-                <a:cs typeface="Consolas"/>
-              </a:rPr>
-              <a:t>int </a:t>
-            </a:r>
-            <a:r>
-              <a:rPr lang="en-US" sz="1400" dirty="0">
-                <a:latin typeface="Consolas"/>
-                <a:cs typeface="Consolas"/>
-              </a:rPr>
-              <a:t>n) { </a:t>
-            </a:r>
-            <a:r>
-              <a:rPr lang="en-US" sz="1400" b="1" dirty="0">
-                <a:latin typeface="Consolas"/>
-                <a:cs typeface="Consolas"/>
-              </a:rPr>
-              <a:t>return </a:t>
-            </a:r>
-            <a:r>
-              <a:rPr lang="en-US" sz="1400" dirty="0">
-                <a:latin typeface="Consolas"/>
-                <a:cs typeface="Consolas"/>
-              </a:rPr>
-              <a:t>(n &lt; 2) ? n : seqFib(n − 1) + seqFib(n − 2); </a:t>
-            </a:r>
-            <a:r>
-              <a:rPr lang="en-US" sz="1400" dirty="0" smtClean="0">
-                <a:latin typeface="Consolas"/>
-                <a:cs typeface="Consolas"/>
-              </a:rPr>
-              <a:t>}</a:t>
-            </a:r>
-            <a:endParaRPr lang="en-US" sz="1400" dirty="0">
-              <a:latin typeface="Consolas"/>
-              <a:cs typeface="Consolas"/>
-            </a:endParaRPr>
-          </a:p>
-          <a:p>
-            <a:pPr marL="0" indent="0">
-              <a:buNone/>
-            </a:pPr>
-            <a:r>
-              <a:rPr lang="en-US" sz="1400" dirty="0" smtClean="0">
-                <a:latin typeface="Consolas"/>
-                <a:cs typeface="Consolas"/>
-              </a:rPr>
-              <a:t>  </a:t>
-            </a:r>
-            <a:r>
-              <a:rPr lang="en-US" sz="1400" b="1" dirty="0" smtClean="0">
-                <a:latin typeface="Consolas"/>
-                <a:cs typeface="Consolas"/>
-              </a:rPr>
-              <a:t>void </a:t>
-            </a:r>
-            <a:r>
-              <a:rPr lang="en-US" sz="1400" dirty="0">
-                <a:latin typeface="Consolas"/>
-                <a:cs typeface="Consolas"/>
-              </a:rPr>
-              <a:t>respond(</a:t>
-            </a:r>
-            <a:r>
-              <a:rPr lang="en-US" sz="1400" b="1" dirty="0">
-                <a:latin typeface="Consolas"/>
-                <a:cs typeface="Consolas"/>
-              </a:rPr>
-              <a:t>int </a:t>
-            </a:r>
-            <a:r>
-              <a:rPr lang="en-US" sz="1400" dirty="0">
-                <a:latin typeface="Consolas"/>
-                <a:cs typeface="Consolas"/>
-              </a:rPr>
-              <a:t>val) {</a:t>
-            </a:r>
-          </a:p>
-          <a:p>
-            <a:pPr marL="0" indent="0">
-              <a:buNone/>
-            </a:pPr>
-            <a:r>
-              <a:rPr lang="en-US" sz="1400" dirty="0" smtClean="0">
-                <a:latin typeface="Consolas"/>
-                <a:cs typeface="Consolas"/>
-              </a:rPr>
-              <a:t>  </a:t>
-            </a:r>
-            <a:r>
-              <a:rPr lang="en-US" sz="1400" dirty="0">
-                <a:latin typeface="Consolas"/>
-                <a:cs typeface="Consolas"/>
-              </a:rPr>
-              <a:t> </a:t>
-            </a:r>
-            <a:r>
-              <a:rPr lang="en-US" sz="1400" dirty="0" smtClean="0">
-                <a:latin typeface="Consolas"/>
-                <a:cs typeface="Consolas"/>
-              </a:rPr>
-              <a:t> </a:t>
-            </a:r>
-            <a:r>
-              <a:rPr lang="en-US" sz="1400" b="1" dirty="0" smtClean="0">
-                <a:latin typeface="Consolas"/>
-                <a:cs typeface="Consolas"/>
-              </a:rPr>
-              <a:t>if </a:t>
-            </a:r>
-            <a:r>
-              <a:rPr lang="en-US" sz="1400" dirty="0">
-                <a:latin typeface="Consolas"/>
-                <a:cs typeface="Consolas"/>
-              </a:rPr>
-              <a:t>(!</a:t>
-            </a:r>
-            <a:r>
-              <a:rPr lang="en-US" sz="1400" dirty="0" err="1">
-                <a:latin typeface="Consolas"/>
-                <a:cs typeface="Consolas"/>
-              </a:rPr>
-              <a:t>isRoot</a:t>
-            </a:r>
-            <a:r>
-              <a:rPr lang="en-US" sz="1400" dirty="0" smtClean="0">
-                <a:latin typeface="Consolas"/>
-                <a:cs typeface="Consolas"/>
-              </a:rPr>
-              <a:t>) { </a:t>
-            </a:r>
-            <a:endParaRPr lang="en-US" sz="1400" dirty="0" smtClean="0">
-              <a:latin typeface="Consolas"/>
-              <a:cs typeface="Consolas"/>
-            </a:endParaRPr>
-          </a:p>
-          <a:p>
-            <a:pPr marL="0" indent="0">
-              <a:buNone/>
-            </a:pPr>
-            <a:r>
-              <a:rPr lang="en-US" sz="1400" dirty="0">
-                <a:latin typeface="Consolas"/>
-                <a:cs typeface="Consolas"/>
-              </a:rPr>
-              <a:t> </a:t>
-            </a:r>
-            <a:r>
-              <a:rPr lang="en-US" sz="1400" dirty="0" smtClean="0">
-                <a:latin typeface="Consolas"/>
-                <a:cs typeface="Consolas"/>
-              </a:rPr>
-              <a:t>   </a:t>
-            </a:r>
-            <a:r>
-              <a:rPr lang="en-US" sz="1400" dirty="0" smtClean="0">
-                <a:latin typeface="Consolas"/>
-                <a:cs typeface="Consolas"/>
-              </a:rPr>
-              <a:t>  </a:t>
-            </a:r>
-            <a:r>
-              <a:rPr lang="en-US" sz="1400" dirty="0" err="1" smtClean="0">
-                <a:latin typeface="Consolas"/>
-                <a:cs typeface="Consolas"/>
-              </a:rPr>
-              <a:t>parent.response</a:t>
-            </a:r>
-            <a:r>
-              <a:rPr lang="en-US" sz="1400" dirty="0">
-                <a:latin typeface="Consolas"/>
-                <a:cs typeface="Consolas"/>
-              </a:rPr>
-              <a:t>(val); </a:t>
-            </a:r>
-            <a:endParaRPr lang="en-US" sz="1400" dirty="0" smtClean="0">
-              <a:latin typeface="Consolas"/>
-              <a:cs typeface="Consolas"/>
-            </a:endParaRPr>
-          </a:p>
-          <a:p>
-            <a:pPr marL="0" indent="0">
-              <a:buNone/>
-            </a:pPr>
-            <a:r>
-              <a:rPr lang="en-US" sz="1400" dirty="0">
-                <a:latin typeface="Consolas"/>
-                <a:cs typeface="Consolas"/>
-              </a:rPr>
-              <a:t> </a:t>
-            </a:r>
-            <a:r>
-              <a:rPr lang="en-US" sz="1400" dirty="0" smtClean="0">
-                <a:latin typeface="Consolas"/>
-                <a:cs typeface="Consolas"/>
-              </a:rPr>
-              <a:t>     </a:t>
-            </a:r>
-            <a:r>
-              <a:rPr lang="en-US" sz="1400" b="1" dirty="0" smtClean="0">
-                <a:latin typeface="Consolas"/>
-                <a:cs typeface="Consolas"/>
-              </a:rPr>
-              <a:t>delete </a:t>
-            </a:r>
-            <a:r>
-              <a:rPr lang="en-US" sz="1400" b="1" dirty="0">
-                <a:latin typeface="Consolas"/>
-                <a:cs typeface="Consolas"/>
-              </a:rPr>
-              <a:t>this</a:t>
-            </a:r>
-            <a:r>
-              <a:rPr lang="en-US" sz="1400" dirty="0">
-                <a:latin typeface="Consolas"/>
-                <a:cs typeface="Consolas"/>
-              </a:rPr>
-              <a:t>;</a:t>
-            </a:r>
-          </a:p>
-          <a:p>
-            <a:pPr marL="0" indent="0">
-              <a:buNone/>
-            </a:pPr>
-            <a:r>
-              <a:rPr lang="en-US" sz="1400" dirty="0" smtClean="0">
-                <a:latin typeface="Consolas"/>
-                <a:cs typeface="Consolas"/>
-              </a:rPr>
-              <a:t>    </a:t>
-            </a:r>
-            <a:r>
-              <a:rPr lang="en-US" sz="1400" dirty="0" smtClean="0">
-                <a:latin typeface="Consolas"/>
-                <a:cs typeface="Consolas"/>
-              </a:rPr>
-              <a:t>} </a:t>
-            </a:r>
-            <a:r>
-              <a:rPr lang="en-US" sz="1400" b="1" dirty="0">
-                <a:latin typeface="Consolas"/>
-                <a:cs typeface="Consolas"/>
-              </a:rPr>
-              <a:t>else</a:t>
-            </a:r>
-            <a:r>
-              <a:rPr lang="en-US" sz="1400" dirty="0">
-                <a:latin typeface="Consolas"/>
-                <a:cs typeface="Consolas"/>
-              </a:rPr>
-              <a:t> {</a:t>
-            </a:r>
-          </a:p>
-          <a:p>
-            <a:pPr marL="0" indent="0">
-              <a:buNone/>
-            </a:pPr>
-            <a:r>
-              <a:rPr lang="en-US" sz="1400" dirty="0" smtClean="0">
-                <a:latin typeface="Consolas"/>
-                <a:cs typeface="Consolas"/>
-              </a:rPr>
-              <a:t>    </a:t>
-            </a:r>
-            <a:r>
-              <a:rPr lang="en-US" sz="1400" dirty="0">
-                <a:latin typeface="Consolas"/>
-                <a:cs typeface="Consolas"/>
-              </a:rPr>
-              <a:t> </a:t>
-            </a:r>
-            <a:r>
-              <a:rPr lang="en-US" sz="1400" dirty="0" smtClean="0">
-                <a:latin typeface="Consolas"/>
-                <a:cs typeface="Consolas"/>
-              </a:rPr>
-              <a:t> </a:t>
-            </a:r>
-            <a:r>
-              <a:rPr lang="en-US" sz="1400" dirty="0" err="1" smtClean="0">
-                <a:latin typeface="Consolas"/>
-                <a:cs typeface="Consolas"/>
-              </a:rPr>
-              <a:t>CkPrintf</a:t>
-            </a:r>
-            <a:r>
-              <a:rPr lang="en-US" sz="1400" dirty="0">
-                <a:latin typeface="Consolas"/>
-                <a:cs typeface="Consolas"/>
-              </a:rPr>
-              <a:t>(”Fibonacci number is: %d\n”, val); </a:t>
-            </a:r>
-            <a:endParaRPr lang="en-US" sz="1400" dirty="0" smtClean="0">
-              <a:latin typeface="Consolas"/>
-              <a:cs typeface="Consolas"/>
-            </a:endParaRPr>
-          </a:p>
-          <a:p>
-            <a:pPr marL="0" indent="0">
-              <a:buNone/>
-            </a:pPr>
-            <a:r>
-              <a:rPr lang="en-US" sz="1400" dirty="0">
-                <a:latin typeface="Consolas"/>
-                <a:cs typeface="Consolas"/>
-              </a:rPr>
-              <a:t> </a:t>
-            </a:r>
-            <a:r>
-              <a:rPr lang="en-US" sz="1400" dirty="0" smtClean="0">
-                <a:latin typeface="Consolas"/>
-                <a:cs typeface="Consolas"/>
-              </a:rPr>
-              <a:t>     </a:t>
-            </a:r>
-            <a:r>
-              <a:rPr lang="en-US" sz="1400" dirty="0" err="1" smtClean="0">
-                <a:latin typeface="Consolas"/>
-                <a:cs typeface="Consolas"/>
-              </a:rPr>
-              <a:t>CkExit</a:t>
-            </a:r>
-            <a:r>
-              <a:rPr lang="en-US" sz="1400" dirty="0">
-                <a:latin typeface="Consolas"/>
-                <a:cs typeface="Consolas"/>
-              </a:rPr>
-              <a:t>()</a:t>
-            </a:r>
-            <a:r>
-              <a:rPr lang="en-US" sz="1400" dirty="0" smtClean="0">
-                <a:latin typeface="Consolas"/>
-                <a:cs typeface="Consolas"/>
-              </a:rPr>
-              <a:t>; } } };</a:t>
-            </a:r>
-            <a:endParaRPr lang="en-US" sz="1400" dirty="0">
-              <a:latin typeface="Consolas"/>
-              <a:cs typeface="Consolas"/>
-            </a:endParaRPr>
-          </a:p>
-          <a:p>
-            <a:pPr marL="0" indent="0">
-              <a:buNone/>
-            </a:pPr>
-            <a:r>
-              <a:rPr lang="en-US" sz="1400" b="1" dirty="0" smtClean="0">
-                <a:latin typeface="Consolas"/>
-                <a:cs typeface="Consolas"/>
-              </a:rPr>
-              <a:t>#</a:t>
-            </a:r>
-            <a:r>
-              <a:rPr lang="en-US" sz="1400" b="1" dirty="0" smtClean="0">
-                <a:latin typeface="Consolas"/>
-                <a:cs typeface="Consolas"/>
-              </a:rPr>
-              <a:t>include </a:t>
+              <a:t>#include </a:t>
             </a:r>
             <a:r>
               <a:rPr lang="en-US" sz="1400" dirty="0" smtClean="0">
@@ -26956,18 +26906,32 @@
               <a:buNone/>
             </a:pPr>
             <a:r>
+              <a:rPr lang="en-US" sz="1600" b="1" dirty="0" err="1" smtClean="0">
+                <a:latin typeface="Consolas"/>
+                <a:cs typeface="Consolas"/>
+              </a:rPr>
+              <a:t>mainmodule</a:t>
+            </a:r>
+            <a:r>
               <a:rPr lang="en-US" sz="1600" b="1" dirty="0" smtClean="0">
                 <a:latin typeface="Consolas"/>
                 <a:cs typeface="Consolas"/>
               </a:rPr>
-              <a:t>mainmodule </a:t>
+              <a:t> </a:t>
+            </a:r>
+            <a:r>
+              <a:rPr lang="en-US" sz="1600" dirty="0" smtClean="0">
+                <a:latin typeface="Consolas"/>
+                <a:cs typeface="Consolas"/>
+              </a:rPr>
+              <a:t>jacobi2d </a:t>
             </a:r>
             <a:r>
               <a:rPr lang="en-US" sz="1600" dirty="0">
                 <a:latin typeface="Consolas"/>
                 <a:cs typeface="Consolas"/>
               </a:rPr>
-              <a:t>jacobi3d {</a:t>
+              <a:t>{</a:t>
             </a:r>
           </a:p>
           <a:p>
@@ -27150,11 +27114,18 @@
               <a:t>array </a:t>
             </a:r>
             <a:r>
+              <a:rPr lang="en-US" sz="1600" dirty="0" smtClean="0">
+                <a:latin typeface="Consolas"/>
+                <a:cs typeface="Consolas"/>
+              </a:rPr>
+              <a:t>[2D</a:t>
+            </a:r>
+            <a:r>
               <a:rPr lang="en-US" sz="1600" dirty="0">
                 <a:latin typeface="Consolas"/>
                 <a:cs typeface="Consolas"/>
               </a:rPr>
-              <a:t>[3D] Jacobi {</a:t>
+              <a:t>] Jacobi {</a:t>
             </a:r>
           </a:p>
           <a:p>
@@ -27258,46 +27229,46 @@
               <a:t>dir, </a:t>
             </a:r>
             <a:r>
+              <a:rPr lang="en-US" sz="1500" b="1" dirty="0" err="1">
+                <a:latin typeface="Consolas"/>
+                <a:cs typeface="Consolas"/>
+              </a:rPr>
+              <a:t>int</a:t>
+            </a:r>
+            <a:r>
               <a:rPr lang="en-US" sz="1500" b="1" dirty="0">
                 <a:latin typeface="Consolas"/>
                 <a:cs typeface="Consolas"/>
               </a:rPr>
-              <a:t>int </a:t>
+              <a:t> </a:t>
+            </a:r>
+            <a:r>
+              <a:rPr lang="en-US" sz="1500" dirty="0" smtClean="0">
+                <a:latin typeface="Consolas"/>
+                <a:cs typeface="Consolas"/>
+              </a:rPr>
+              <a:t>w, </a:t>
+            </a:r>
+            <a:r>
+              <a:rPr lang="en-US" sz="1500" b="1" dirty="0">
+                <a:latin typeface="Consolas"/>
+                <a:cs typeface="Consolas"/>
+              </a:rPr>
+              <a:t>double </a:t>
             </a:r>
             <a:r>
               <a:rPr lang="en-US" sz="1500" dirty="0">
                 <a:latin typeface="Consolas"/>
                 <a:cs typeface="Consolas"/>
               </a:rPr>
-              <a:t>w, </a:t>
-            </a:r>
-            <a:r>
-              <a:rPr lang="en-US" sz="1500" b="1" dirty="0">
-                <a:latin typeface="Consolas"/>
-                <a:cs typeface="Consolas"/>
-              </a:rPr>
-              <a:t>int </a:t>
-            </a:r>
-            <a:r>
-              <a:rPr lang="en-US" sz="1500" dirty="0">
-                <a:latin typeface="Consolas"/>
-                <a:cs typeface="Consolas"/>
-              </a:rPr>
-              <a:t>h, </a:t>
-            </a:r>
-            <a:r>
-              <a:rPr lang="en-US" sz="1500" b="1" dirty="0">
-                <a:latin typeface="Consolas"/>
-                <a:cs typeface="Consolas"/>
-              </a:rPr>
-              <a:t>double </a:t>
-            </a:r>
-            <a:r>
-              <a:rPr lang="en-US" sz="1500" dirty="0">
-                <a:latin typeface="Consolas"/>
-                <a:cs typeface="Consolas"/>
-              </a:rPr>
-              <a:t>gh[w∗h]</a:t>
+              <a:t>gh[</a:t>
+            </a:r>
+            <a:r>
+              <a:rPr lang="en-US" sz="1500" dirty="0" smtClean="0">
+                <a:latin typeface="Consolas"/>
+                <a:cs typeface="Consolas"/>
+              </a:rPr>
+              <a:t>w]</a:t>
             </a:r>
             <a:r>
               <a:rPr lang="en-US" sz="1600" dirty="0">
@@ -27531,7 +27502,7 @@
     </p:spTree>
     <p:extLst>
       <p:ext uri="{BB962C8B-B14F-4D97-AF65-F5344CB8AC3E}">
-        <p14:creationId xmlns:p14="http://schemas.microsoft.com/office/powerpoint/2010/main" val="3223411935"/>
+        <p14:creationId xmlns:p14="http://schemas.microsoft.com/office/powerpoint/2010/main" val="2224363419"/>
       </p:ext>
     </p:extLst>
   </p:cSld>
@@ -27772,7 +27743,28 @@
                 <a:latin typeface="Consolas"/>
                 <a:cs typeface="Consolas"/>
               </a:rPr>
-              <a:t>x = thisIndex.x, y = thisIndex.y, z = thisIndex.z;</a:t>
+              <a:t>x = thisIndex.x, y = </a:t>
+            </a:r>
+            <a:r>
+              <a:rPr lang="en-US" dirty="0" err="1" smtClean="0">
+                <a:latin typeface="Consolas"/>
+                <a:cs typeface="Consolas"/>
+              </a:rPr>
+              <a:t>thisIndex.y</a:t>
+            </a:r>
+            <a:r>
+              <a:rPr lang="en-US" dirty="0" smtClean="0">
+                <a:latin typeface="Consolas"/>
+                <a:cs typeface="Consolas"/>
+              </a:rPr>
+              <a:t>;</a:t>
+            </a:r>
+            <a:r>
+              <a:rPr lang="en-US" dirty="0">
+                <a:latin typeface="Consolas"/>
+                <a:cs typeface="Consolas"/>
+              </a:rPr>
+              <a:t/>
             </a:r>
             <a:br>
               <a:rPr lang="en-US" dirty="0">
@@ -27799,7 +27791,14 @@
                 <a:latin typeface="Consolas"/>
                 <a:cs typeface="Consolas"/>
               </a:rPr>
-              <a:t>bdX = blockDimX, bdY = blockDimY, bdZ = blockDimZ</a:t>
+              <a:t>bdX = blockDimX, bdY = </a:t>
+            </a:r>
+            <a:r>
+              <a:rPr lang="en-US" dirty="0" err="1" smtClean="0">
+                <a:latin typeface="Consolas"/>
+                <a:cs typeface="Consolas"/>
+              </a:rPr>
+              <a:t>blockDimY</a:t>
             </a:r>
             <a:r>
               <a:rPr lang="en-US" dirty="0" smtClean="0">
@@ -27807,46 +27806,6 @@
                 <a:cs typeface="Consolas"/>
               </a:rPr>
               <a:t>;</a:t>
-            </a:r>
-          </a:p>
-          <a:p>
-            <a:pPr marL="0" indent="0">
-              <a:buNone/>
-            </a:pPr>
-            <a:r>
-              <a:rPr lang="en-US" dirty="0">
-                <a:latin typeface="Consolas"/>
-                <a:cs typeface="Consolas"/>
-              </a:rPr>
-              <a:t> </a:t>
-            </a:r>
-            <a:r>
-              <a:rPr lang="en-US" dirty="0" smtClean="0">
-                <a:latin typeface="Consolas"/>
-                <a:cs typeface="Consolas"/>
-              </a:rPr>
-              <a:t>        thisProxy</a:t>
-            </a:r>
-            <a:r>
-              <a:rPr lang="en-US" dirty="0">
-                <a:latin typeface="Consolas"/>
-                <a:cs typeface="Consolas"/>
-              </a:rPr>
-              <a:t>(wrapX(</a:t>
-            </a:r>
-            <a:r>
-              <a:rPr lang="en-US" dirty="0" smtClean="0">
-                <a:latin typeface="Consolas"/>
-                <a:cs typeface="Consolas"/>
-              </a:rPr>
-              <a:t>x-1</a:t>
-            </a:r>
-            <a:r>
-              <a:rPr lang="en-US" dirty="0">
-                <a:latin typeface="Consolas"/>
-                <a:cs typeface="Consolas"/>
-              </a:rPr>
-              <a:t>),y,z).updateGhosts(iter, RIGHT, bdY, bdZ, rightGhost); </a:t>
             </a:r>
             <a:endParaRPr lang="en-US" dirty="0" smtClean="0">
               <a:latin typeface="Consolas"/>
@@ -27876,7 +27835,56 @@
                 <a:latin typeface="Consolas"/>
                 <a:cs typeface="Consolas"/>
               </a:rPr>
-              <a:t>(wrapX(x+1),y,z).updateGhosts(iter, LEFT, bdY, bdZ, leftGhost); </a:t>
+              <a:t>(wrapX(</a:t>
+            </a:r>
+            <a:r>
+              <a:rPr lang="en-US" dirty="0" smtClean="0">
+                <a:latin typeface="Consolas"/>
+                <a:cs typeface="Consolas"/>
+              </a:rPr>
+              <a:t>x-1</a:t>
+            </a:r>
+            <a:r>
+              <a:rPr lang="en-US" dirty="0">
+                <a:latin typeface="Consolas"/>
+                <a:cs typeface="Consolas"/>
+              </a:rPr>
+              <a:t>),</a:t>
+            </a:r>
+            <a:r>
+              <a:rPr lang="en-US" dirty="0" smtClean="0">
+                <a:latin typeface="Consolas"/>
+                <a:cs typeface="Consolas"/>
+              </a:rPr>
+              <a:t>y)</a:t>
+            </a:r>
+            <a:r>
+              <a:rPr lang="en-US" dirty="0">
+                <a:latin typeface="Consolas"/>
+                <a:cs typeface="Consolas"/>
+              </a:rPr>
+              <a:t>.updateGhosts(iter, RIGHT, </a:t>
+            </a:r>
+            <a:r>
+              <a:rPr lang="en-US" dirty="0" err="1" smtClean="0">
+                <a:latin typeface="Consolas"/>
+                <a:cs typeface="Consolas"/>
+              </a:rPr>
+              <a:t>bdY</a:t>
+            </a:r>
+            <a:r>
+              <a:rPr lang="en-US" dirty="0" smtClean="0">
+                <a:latin typeface="Consolas"/>
+                <a:cs typeface="Consolas"/>
+              </a:rPr>
+              <a:t>, </a:t>
+            </a:r>
+            <a:r>
+              <a:rPr lang="en-US" dirty="0">
+                <a:latin typeface="Consolas"/>
+                <a:cs typeface="Consolas"/>
+              </a:rPr>
+              <a:t>rightGhost); </a:t>
             </a:r>
             <a:endParaRPr lang="en-US" dirty="0" smtClean="0">
               <a:latin typeface="Consolas"/>
@@ -27906,21 +27914,42 @@
                 <a:latin typeface="Consolas"/>
                 <a:cs typeface="Consolas"/>
               </a:rPr>
-              <a:t>(x,wrapY(</a:t>
+              <a:t>(wrapX(x+1),</a:t>
             </a:r>
             <a:r>
               <a:rPr lang="en-US" dirty="0" smtClean="0">
                 <a:latin typeface="Consolas"/>
                 <a:cs typeface="Consolas"/>
               </a:rPr>
-              <a:t>y-1</a:t>
+              <a:t>y)</a:t>
             </a:r>
             <a:r>
               <a:rPr lang="en-US" dirty="0">
                 <a:latin typeface="Consolas"/>
                 <a:cs typeface="Consolas"/>
               </a:rPr>
-              <a:t>),z).updateGhosts(iter, TOP, bdX, bdZ, topGhost); </a:t>
+              <a:t>.updateGhosts(iter, LEFT, </a:t>
+            </a:r>
+            <a:r>
+              <a:rPr lang="en-US" dirty="0" err="1" smtClean="0">
+                <a:latin typeface="Consolas"/>
+                <a:cs typeface="Consolas"/>
+              </a:rPr>
+              <a:t>bdY</a:t>
+            </a:r>
+            <a:r>
+              <a:rPr lang="en-US" dirty="0" smtClean="0">
+                <a:latin typeface="Consolas"/>
+                <a:cs typeface="Consolas"/>
+              </a:rPr>
+              <a:t>, </a:t>
+            </a:r>
+            <a:r>
+              <a:rPr lang="en-US" dirty="0">
+                <a:latin typeface="Consolas"/>
+                <a:cs typeface="Consolas"/>
+              </a:rPr>
+              <a:t>leftGhost); </a:t>
             </a:r>
             <a:endParaRPr lang="en-US" dirty="0" smtClean="0">
               <a:latin typeface="Consolas"/>
@@ -27950,7 +27979,49 @@
                 <a:latin typeface="Consolas"/>
                 <a:cs typeface="Consolas"/>
               </a:rPr>
-              <a:t>(x,wrapY(y+1),z).updateGhosts(iter, BOTTOM, bdX, bdZ, bottomGhost); </a:t>
+              <a:t>(x,wrapY(</a:t>
+            </a:r>
+            <a:r>
+              <a:rPr lang="en-US" dirty="0" smtClean="0">
+                <a:latin typeface="Consolas"/>
+                <a:cs typeface="Consolas"/>
+              </a:rPr>
+              <a:t>y-1</a:t>
+            </a:r>
+            <a:r>
+              <a:rPr lang="en-US" dirty="0" smtClean="0">
+                <a:latin typeface="Consolas"/>
+                <a:cs typeface="Consolas"/>
+              </a:rPr>
+              <a:t>))</a:t>
+            </a:r>
+            <a:r>
+              <a:rPr lang="en-US" dirty="0">
+                <a:latin typeface="Consolas"/>
+                <a:cs typeface="Consolas"/>
+              </a:rPr>
+              <a:t>.updateGhosts(iter, TOP, </a:t>
+            </a:r>
+            <a:r>
+              <a:rPr lang="en-US" dirty="0" err="1" smtClean="0">
+                <a:latin typeface="Consolas"/>
+                <a:cs typeface="Consolas"/>
+              </a:rPr>
+              <a:t>bdX</a:t>
+            </a:r>
+            <a:r>
+              <a:rPr lang="en-US" dirty="0" smtClean="0">
+                <a:latin typeface="Consolas"/>
+                <a:cs typeface="Consolas"/>
+              </a:rPr>
+              <a:t>, </a:t>
+            </a:r>
+            <a:r>
+              <a:rPr lang="en-US" dirty="0">
+                <a:latin typeface="Consolas"/>
+                <a:cs typeface="Consolas"/>
+              </a:rPr>
+              <a:t>topGhost); </a:t>
             </a:r>
             <a:endParaRPr lang="en-US" dirty="0" smtClean="0">
               <a:latin typeface="Consolas"/>
@@ -27980,21 +28051,42 @@
                 <a:latin typeface="Consolas"/>
                 <a:cs typeface="Consolas"/>
               </a:rPr>
-              <a:t>(x,y,wrapZ(</a:t>
+              <a:t>(x,wrapY(y+1</a:t>
             </a:r>
             <a:r>
               <a:rPr lang="en-US" dirty="0" smtClean="0">
                 <a:latin typeface="Consolas"/>
                 <a:cs typeface="Consolas"/>
               </a:rPr>
-              <a:t>z-1</a:t>
+              <a:t>))</a:t>
             </a:r>
             <a:r>
               <a:rPr lang="en-US" dirty="0">
                 <a:latin typeface="Consolas"/>
                 <a:cs typeface="Consolas"/>
               </a:rPr>
-              <a:t>)).updateGhosts(iter, BACK, bdX, bdY, backGhost); </a:t>
+              <a:t>.updateGhosts(iter, BOTTOM, </a:t>
+            </a:r>
+            <a:r>
+              <a:rPr lang="en-US" dirty="0" err="1" smtClean="0">
+                <a:latin typeface="Consolas"/>
+                <a:cs typeface="Consolas"/>
+              </a:rPr>
+              <a:t>bdX</a:t>
+            </a:r>
+            <a:r>
+              <a:rPr lang="en-US" dirty="0" smtClean="0">
+                <a:latin typeface="Consolas"/>
+                <a:cs typeface="Consolas"/>
+              </a:rPr>
+              <a:t>, </a:t>
+            </a:r>
+            <a:r>
+              <a:rPr lang="en-US" dirty="0">
+                <a:latin typeface="Consolas"/>
+                <a:cs typeface="Consolas"/>
+              </a:rPr>
+              <a:t>bottomGhost); </a:t>
             </a:r>
             <a:endParaRPr lang="en-US" dirty="0" smtClean="0">
               <a:latin typeface="Consolas"/>
@@ -28017,56 +28109,40 @@
                 <a:latin typeface="Consolas"/>
                 <a:cs typeface="Consolas"/>
               </a:rPr>
-              <a:t>        thisProxy</a:t>
-            </a:r>
-            <a:r>
-              <a:rPr lang="en-US" dirty="0">
-                <a:latin typeface="Consolas"/>
-                <a:cs typeface="Consolas"/>
-              </a:rPr>
-              <a:t>(x,y,wrapZ(z+1)).updateGhosts(iter, FRONT, bdX, bdY, frontGhost); </a:t>
-            </a:r>
-            <a:endParaRPr lang="en-US" dirty="0" smtClean="0">
-              <a:latin typeface="Consolas"/>
-              <a:cs typeface="Consolas"/>
-            </a:endParaRPr>
+              <a:t>        </a:t>
+            </a:r>
+            <a:r>
+              <a:rPr lang="en-US" dirty="0" err="1" smtClean="0">
+                <a:latin typeface="Consolas"/>
+                <a:cs typeface="Consolas"/>
+              </a:rPr>
+              <a:t>freeBoundaries</a:t>
+            </a:r>
+            <a:r>
+              <a:rPr lang="en-US" dirty="0" smtClean="0">
+                <a:latin typeface="Consolas"/>
+                <a:cs typeface="Consolas"/>
+              </a:rPr>
+              <a:t>(); </a:t>
+            </a:r>
           </a:p>
           <a:p>
             <a:pPr marL="0" indent="0">
               <a:buNone/>
             </a:pPr>
             <a:r>
-              <a:rPr lang="en-US" dirty="0">
-                <a:latin typeface="Consolas"/>
-                <a:cs typeface="Consolas"/>
-              </a:rPr>
-              <a:t> </a:t>
-            </a:r>
-            <a:r>
               <a:rPr lang="en-US" dirty="0" smtClean="0">
                 <a:latin typeface="Consolas"/>
                 <a:cs typeface="Consolas"/>
               </a:rPr>
-              <a:t>        freeBoundaries</a:t>
-            </a:r>
-            <a:r>
-              <a:rPr lang="en-US" dirty="0">
-                <a:latin typeface="Consolas"/>
-                <a:cs typeface="Consolas"/>
-              </a:rPr>
-              <a:t>(); </a:t>
-            </a:r>
-          </a:p>
-          <a:p>
-            <a:pPr marL="0" indent="0">
-              <a:buNone/>
-            </a:pPr>
+              <a:t>      </a:t>
+            </a:r>
             <a:r>
               <a:rPr lang="en-US" dirty="0" smtClean="0">
                 <a:latin typeface="Consolas"/>
                 <a:cs typeface="Consolas"/>
               </a:rPr>
-              <a:t>      } </a:t>
+              <a:t>} </a:t>
             </a:r>
             <a:endParaRPr lang="en-US" dirty="0">
               <a:latin typeface="Consolas"/>
@@ -28096,7 +28172,21 @@
                 <a:latin typeface="Consolas"/>
                 <a:cs typeface="Consolas"/>
               </a:rPr>
-              <a:t>(remoteCount = 0; remoteCount &lt; 6; remoteCount++)</a:t>
+              <a:t>(remoteCount = 0; remoteCount &lt; </a:t>
+            </a:r>
+            <a:r>
+              <a:rPr lang="en-US" dirty="0" smtClean="0">
+                <a:latin typeface="Consolas"/>
+                <a:cs typeface="Consolas"/>
+              </a:rPr>
+              <a:t>4; </a:t>
+            </a:r>
+            <a:r>
+              <a:rPr lang="en-US" dirty="0">
+                <a:latin typeface="Consolas"/>
+                <a:cs typeface="Consolas"/>
+              </a:rPr>
+              <a:t>remoteCount++)</a:t>
             </a:r>
             <a:br>
               <a:rPr lang="en-US" dirty="0">
@@ -28154,79 +28244,100 @@
               <a:t>dir, </a:t>
             </a:r>
             <a:r>
+              <a:rPr lang="en-US" b="1" dirty="0" err="1">
+                <a:latin typeface="Consolas"/>
+                <a:cs typeface="Consolas"/>
+              </a:rPr>
+              <a:t>int</a:t>
+            </a:r>
+            <a:r>
               <a:rPr lang="en-US" b="1" dirty="0">
                 <a:latin typeface="Consolas"/>
                 <a:cs typeface="Consolas"/>
               </a:rPr>
-              <a:t>int </a:t>
+              <a:t> </a:t>
+            </a:r>
+            <a:r>
+              <a:rPr lang="en-US" dirty="0" smtClean="0">
+                <a:latin typeface="Consolas"/>
+                <a:cs typeface="Consolas"/>
+              </a:rPr>
+              <a:t>w, </a:t>
+            </a:r>
+            <a:r>
+              <a:rPr lang="en-US" b="1" dirty="0">
+                <a:latin typeface="Consolas"/>
+                <a:cs typeface="Consolas"/>
+              </a:rPr>
+              <a:t>double </a:t>
             </a:r>
             <a:r>
               <a:rPr lang="en-US" dirty="0">
                 <a:latin typeface="Consolas"/>
                 <a:cs typeface="Consolas"/>
               </a:rPr>
+              <a:t>buf[</a:t>
+            </a:r>
+            <a:r>
+              <a:rPr lang="en-US" dirty="0" smtClean="0">
+                <a:latin typeface="Consolas"/>
+                <a:cs typeface="Consolas"/>
+              </a:rPr>
+              <a:t>w]</a:t>
+            </a:r>
+            <a:r>
+              <a:rPr lang="en-US" dirty="0">
+                <a:latin typeface="Consolas"/>
+                <a:cs typeface="Consolas"/>
+              </a:rPr>
+              <a:t>) </a:t>
+            </a:r>
+            <a:r>
+              <a:rPr lang="en-US" b="1" dirty="0">
+                <a:latin typeface="Consolas"/>
+                <a:cs typeface="Consolas"/>
+              </a:rPr>
+              <a:t>serial </a:t>
+            </a:r>
+            <a:r>
+              <a:rPr lang="en-US" dirty="0">
+                <a:latin typeface="Consolas"/>
+                <a:cs typeface="Consolas"/>
+              </a:rPr>
+              <a:t>{ </a:t>
+            </a:r>
+          </a:p>
+          <a:p>
+            <a:pPr marL="0" indent="0">
+              <a:buNone/>
+            </a:pPr>
+            <a:r>
+              <a:rPr lang="en-US" dirty="0" smtClean="0">
+                <a:latin typeface="Consolas"/>
+                <a:cs typeface="Consolas"/>
+              </a:rPr>
+              <a:t>            updateBoundary</a:t>
+            </a:r>
+            <a:r>
+              <a:rPr lang="en-US" dirty="0">
+                <a:latin typeface="Consolas"/>
+                <a:cs typeface="Consolas"/>
+              </a:rPr>
+              <a:t>(dir, </a:t>
+            </a:r>
+            <a:r>
+              <a:rPr lang="en-US" dirty="0" smtClean="0">
+                <a:latin typeface="Consolas"/>
+                <a:cs typeface="Consolas"/>
+              </a:rPr>
               <a:t>w, </a:t>
             </a:r>
             <a:r>
-              <a:rPr lang="en-US" b="1" dirty="0">
-                <a:latin typeface="Consolas"/>
-                <a:cs typeface="Consolas"/>
-              </a:rPr>
-              <a:t>int </a:t>
-            </a:r>
-            <a:r>
               <a:rPr lang="en-US" dirty="0">
                 <a:latin typeface="Consolas"/>
                 <a:cs typeface="Consolas"/>
               </a:rPr>
-              <a:t>h, </a:t>
-            </a:r>
-            <a:r>
-              <a:rPr lang="en-US" b="1" dirty="0">
-                <a:latin typeface="Consolas"/>
-                <a:cs typeface="Consolas"/>
-              </a:rPr>
-              <a:t>double </a:t>
-            </a:r>
-            <a:r>
-              <a:rPr lang="en-US" dirty="0">
-                <a:latin typeface="Consolas"/>
-                <a:cs typeface="Consolas"/>
-              </a:rPr>
-              <a:t>buf[w∗h]) </a:t>
-            </a:r>
-            <a:r>
-              <a:rPr lang="en-US" b="1" dirty="0">
-                <a:latin typeface="Consolas"/>
-                <a:cs typeface="Consolas"/>
-              </a:rPr>
-              <a:t>serial </a:t>
-            </a:r>
-            <a:r>
-              <a:rPr lang="en-US" dirty="0">
-                <a:latin typeface="Consolas"/>
-                <a:cs typeface="Consolas"/>
-              </a:rPr>
-              <a:t>{ </a:t>
-            </a:r>
-          </a:p>
-          <a:p>
-            <a:pPr marL="0" indent="0">
-              <a:buNone/>
-            </a:pPr>
-            <a:r>
-              <a:rPr lang="en-US" dirty="0" smtClean="0">
-                <a:latin typeface="Consolas"/>
-                <a:cs typeface="Consolas"/>
-              </a:rPr>
-              <a:t>            updateBoundary</a:t>
-            </a:r>
-            <a:r>
-              <a:rPr lang="en-US" dirty="0">
-                <a:latin typeface="Consolas"/>
-                <a:cs typeface="Consolas"/>
-              </a:rPr>
-              <a:t>(dir, w, h, buf); </a:t>
+              <a:t>buf); </a:t>
             </a:r>
           </a:p>
           <a:p>
@@ -28959,8 +29070,26 @@
                 <a:latin typeface="Consolas"/>
                 <a:cs typeface="Consolas"/>
               </a:rPr>
-              <a:t>x = thisIndex.x, y = thisIndex.y, z = thisIndex.z;</a:t>
-            </a:r>
+              <a:t>x = thisIndex.x, y = </a:t>
+            </a:r>
+            <a:r>
+              <a:rPr lang="en-US" sz="1050" dirty="0" err="1" smtClean="0">
+                <a:latin typeface="Consolas"/>
+                <a:cs typeface="Consolas"/>
+              </a:rPr>
+              <a:t>thisIndex.y</a:t>
+            </a:r>
+            <a:r>
+              <a:rPr lang="en-US" sz="1050" dirty="0" smtClean="0">
+                <a:latin typeface="Consolas"/>
+                <a:cs typeface="Consolas"/>
+              </a:rPr>
+              <a:t>;</a:t>
+            </a:r>
+            <a:endParaRPr lang="en-US" sz="1050" dirty="0">
+              <a:latin typeface="Consolas"/>
+              <a:cs typeface="Consolas"/>
+            </a:endParaRPr>
           </a:p>
           <a:p>
             <a:pPr marL="0" indent="0">
@@ -28985,7 +29114,21 @@
                 <a:latin typeface="Consolas"/>
                 <a:cs typeface="Consolas"/>
               </a:rPr>
-              <a:t>bdX = blockDimX, bdY = blockDimY, bdZ = blockDimZ; </a:t>
+              <a:t>bdX = blockDimX, bdY = </a:t>
+            </a:r>
+            <a:r>
+              <a:rPr lang="en-US" sz="1050" dirty="0" err="1" smtClean="0">
+                <a:latin typeface="Consolas"/>
+                <a:cs typeface="Consolas"/>
+              </a:rPr>
+              <a:t>blockDimY</a:t>
+            </a:r>
+            <a:r>
+              <a:rPr lang="en-US" sz="1050" dirty="0" smtClean="0">
+                <a:latin typeface="Consolas"/>
+                <a:cs typeface="Consolas"/>
+              </a:rPr>
+              <a:t>; </a:t>
             </a:r>
             <a:endParaRPr lang="en-US" sz="1050" dirty="0" smtClean="0">
               <a:latin typeface="Consolas"/>
@@ -29015,7 +29158,42 @@
                 <a:latin typeface="Consolas"/>
                 <a:cs typeface="Consolas"/>
               </a:rPr>
-              <a:t>(wrapX(x−1),y,z).updateGhosts(iter, RIGHT, bdY, bdZ, rightGhost); </a:t>
+              <a:t>(wrapX(x−1),</a:t>
+            </a:r>
+            <a:r>
+              <a:rPr lang="en-US" sz="1050" dirty="0" smtClean="0">
+                <a:latin typeface="Consolas"/>
+                <a:cs typeface="Consolas"/>
+              </a:rPr>
+              <a:t>y)</a:t>
+            </a:r>
+            <a:r>
+              <a:rPr lang="en-US" sz="1050" dirty="0">
+                <a:latin typeface="Consolas"/>
+                <a:cs typeface="Consolas"/>
+              </a:rPr>
+              <a:t>.updateGhosts(iter, RIGHT, </a:t>
+            </a:r>
+            <a:r>
+              <a:rPr lang="en-US" sz="1050" dirty="0" err="1" smtClean="0">
+                <a:latin typeface="Consolas"/>
+                <a:cs typeface="Consolas"/>
+              </a:rPr>
+              <a:t>bdY</a:t>
+            </a:r>
+            <a:r>
+              <a:rPr lang="en-US" sz="1050" dirty="0" smtClean="0">
+                <a:latin typeface="Consolas"/>
+                <a:cs typeface="Consolas"/>
+              </a:rPr>
+              <a:t>, </a:t>
+            </a:r>
+            <a:r>
+              <a:rPr lang="en-US" sz="1050" dirty="0">
+                <a:latin typeface="Consolas"/>
+                <a:cs typeface="Consolas"/>
+              </a:rPr>
+              <a:t>rightGhost); </a:t>
             </a:r>
             <a:endParaRPr lang="en-US" sz="1050" dirty="0" smtClean="0">
               <a:latin typeface="Consolas"/>
@@ -29045,7 +29223,42 @@
                 <a:latin typeface="Consolas"/>
                 <a:cs typeface="Consolas"/>
               </a:rPr>
-              <a:t>(wrapX(x+1),y,z).updateGhosts(iter, LEFT, bdY, bdZ, leftGhost); </a:t>
+              <a:t>(wrapX(x+1),</a:t>
+            </a:r>
+            <a:r>
+              <a:rPr lang="en-US" sz="1050" dirty="0" smtClean="0">
+                <a:latin typeface="Consolas"/>
+                <a:cs typeface="Consolas"/>
+              </a:rPr>
+              <a:t>y)</a:t>
+            </a:r>
+            <a:r>
+              <a:rPr lang="en-US" sz="1050" dirty="0">
+                <a:latin typeface="Consolas"/>
+                <a:cs typeface="Consolas"/>
+              </a:rPr>
+              <a:t>.updateGhosts(iter, LEFT, </a:t>
+            </a:r>
+            <a:r>
+              <a:rPr lang="en-US" sz="1050" dirty="0" err="1" smtClean="0">
+                <a:latin typeface="Consolas"/>
+                <a:cs typeface="Consolas"/>
+              </a:rPr>
+              <a:t>bdY</a:t>
+            </a:r>
+            <a:r>
+              <a:rPr lang="en-US" sz="1050" dirty="0" smtClean="0">
+                <a:latin typeface="Consolas"/>
+                <a:cs typeface="Consolas"/>
+              </a:rPr>
+              <a:t>, </a:t>
+            </a:r>
+            <a:r>
+              <a:rPr lang="en-US" sz="1050" dirty="0">
+                <a:latin typeface="Consolas"/>
+                <a:cs typeface="Consolas"/>
+              </a:rPr>
+              <a:t>leftGhost); </a:t>
             </a:r>
             <a:endParaRPr lang="en-US" sz="1050" dirty="0" smtClean="0">
               <a:latin typeface="Consolas"/>
@@ -29075,7 +29288,42 @@
                 <a:latin typeface="Consolas"/>
                 <a:cs typeface="Consolas"/>
               </a:rPr>
-              <a:t>(x,wrapY(y−1),z).updateGhosts(iter, TOP, bdX, bdZ, topGhost); </a:t>
+              <a:t>(x,wrapY(y−1</a:t>
+            </a:r>
+            <a:r>
+              <a:rPr lang="en-US" sz="1050" dirty="0" smtClean="0">
+                <a:latin typeface="Consolas"/>
+                <a:cs typeface="Consolas"/>
+              </a:rPr>
+              <a:t>))</a:t>
+            </a:r>
+            <a:r>
+              <a:rPr lang="en-US" sz="1050" dirty="0">
+                <a:latin typeface="Consolas"/>
+                <a:cs typeface="Consolas"/>
+              </a:rPr>
+              <a:t>.updateGhosts(iter, TOP, </a:t>
+            </a:r>
+            <a:r>
+              <a:rPr lang="en-US" sz="1050" dirty="0" err="1" smtClean="0">
+                <a:latin typeface="Consolas"/>
+                <a:cs typeface="Consolas"/>
+              </a:rPr>
+              <a:t>bdX</a:t>
+            </a:r>
+            <a:r>
+              <a:rPr lang="en-US" sz="1050" dirty="0" smtClean="0">
+                <a:latin typeface="Consolas"/>
+                <a:cs typeface="Consolas"/>
+              </a:rPr>
+              <a:t>, </a:t>
+            </a:r>
+            <a:r>
+              <a:rPr lang="en-US" sz="1050" dirty="0">
+                <a:latin typeface="Consolas"/>
+                <a:cs typeface="Consolas"/>
+              </a:rPr>
+              <a:t>topGhost); </a:t>
             </a:r>
             <a:endParaRPr lang="en-US" sz="1050" dirty="0" smtClean="0">
               <a:latin typeface="Consolas"/>
@@ -29105,7 +29353,42 @@
                 <a:latin typeface="Consolas"/>
                 <a:cs typeface="Consolas"/>
               </a:rPr>
-              <a:t>(x,wrapY(y+1),z).updateGhosts(iter, BOTTOM, bdX, bdZ, bottomGhost); </a:t>
+              <a:t>(x,wrapY(y+1</a:t>
+            </a:r>
+            <a:r>
+              <a:rPr lang="en-US" sz="1050" dirty="0" smtClean="0">
+                <a:latin typeface="Consolas"/>
+                <a:cs typeface="Consolas"/>
+              </a:rPr>
+              <a:t>))</a:t>
+            </a:r>
+            <a:r>
+              <a:rPr lang="en-US" sz="1050" dirty="0">
+                <a:latin typeface="Consolas"/>
+                <a:cs typeface="Consolas"/>
+              </a:rPr>
+              <a:t>.updateGhosts(iter, BOTTOM, </a:t>
+            </a:r>
+            <a:r>
+              <a:rPr lang="en-US" sz="1050" dirty="0" err="1" smtClean="0">
+                <a:latin typeface="Consolas"/>
+                <a:cs typeface="Consolas"/>
+              </a:rPr>
+              <a:t>bdX</a:t>
+            </a:r>
+            <a:r>
+              <a:rPr lang="en-US" sz="1050" dirty="0" smtClean="0">
+                <a:latin typeface="Consolas"/>
+                <a:cs typeface="Consolas"/>
+              </a:rPr>
+              <a:t>, </a:t>
+            </a:r>
+            <a:r>
+              <a:rPr lang="en-US" sz="1050" dirty="0">
+                <a:latin typeface="Consolas"/>
+                <a:cs typeface="Consolas"/>
+              </a:rPr>
+              <a:t>bottomGhost); </a:t>
             </a:r>
             <a:endParaRPr lang="en-US" sz="1050" dirty="0" smtClean="0">
               <a:latin typeface="Consolas"/>
@@ -29117,78 +29400,18 @@
               <a:buNone/>
             </a:pPr>
             <a:r>
-              <a:rPr lang="en-US" sz="1050" dirty="0">
-                <a:latin typeface="Consolas"/>
-                <a:cs typeface="Consolas"/>
-              </a:rPr>
-              <a:t> </a:t>
-            </a:r>
-            <a:r>
               <a:rPr lang="en-US" sz="1050" dirty="0" smtClean="0">
                 <a:latin typeface="Consolas"/>
                 <a:cs typeface="Consolas"/>
               </a:rPr>
-              <a:t>           thisProxy</a:t>
-            </a:r>
-            <a:r>
-              <a:rPr lang="en-US" sz="1050" dirty="0">
-                <a:latin typeface="Consolas"/>
-                <a:cs typeface="Consolas"/>
-              </a:rPr>
-              <a:t>(x,y,wrapZ(z−1)).updateGhosts(iter, BACK, bdX, bdY, backGhost); </a:t>
-            </a:r>
-            <a:endParaRPr lang="en-US" sz="1050" dirty="0" smtClean="0">
-              <a:latin typeface="Consolas"/>
-              <a:cs typeface="Consolas"/>
-            </a:endParaRPr>
-          </a:p>
-          <a:p>
-            <a:pPr marL="0" indent="0">
-              <a:buNone/>
-            </a:pPr>
-            <a:r>
-              <a:rPr lang="en-US" sz="1050" dirty="0">
-                <a:latin typeface="Consolas"/>
-                <a:cs typeface="Consolas"/>
-              </a:rPr>
-              <a:t> </a:t>
-            </a:r>
-            <a:r>
-              <a:rPr lang="en-US" sz="1050" dirty="0" smtClean="0">
-                <a:latin typeface="Consolas"/>
-                <a:cs typeface="Consolas"/>
-              </a:rPr>
-              <a:t>           thisProxy</a:t>
-            </a:r>
-            <a:r>
-              <a:rPr lang="en-US" sz="1050" dirty="0">
-                <a:latin typeface="Consolas"/>
-                <a:cs typeface="Consolas"/>
-              </a:rPr>
-              <a:t>(x,y,wrapZ(z+1)).updateGhosts(iter, FRONT, bdX, bdY, frontGhost); </a:t>
-            </a:r>
-            <a:endParaRPr lang="en-US" sz="1050" dirty="0" smtClean="0">
-              <a:latin typeface="Consolas"/>
-              <a:cs typeface="Consolas"/>
-            </a:endParaRPr>
-          </a:p>
-          <a:p>
-            <a:pPr marL="0" indent="0">
-              <a:buNone/>
-            </a:pPr>
-            <a:r>
-              <a:rPr lang="en-US" sz="1050" dirty="0">
-                <a:latin typeface="Consolas"/>
-                <a:cs typeface="Consolas"/>
-              </a:rPr>
-              <a:t> </a:t>
-            </a:r>
-            <a:r>
-              <a:rPr lang="en-US" sz="1050" dirty="0" smtClean="0">
-                <a:latin typeface="Consolas"/>
-                <a:cs typeface="Consolas"/>
-              </a:rPr>
-              <a:t>           freeBoundaries</a:t>
+              <a:t>            </a:t>
+            </a:r>
+            <a:r>
+              <a:rPr lang="en-US" sz="1050" dirty="0" err="1" smtClean="0">
+                <a:latin typeface="Consolas"/>
+                <a:cs typeface="Consolas"/>
+              </a:rPr>
+              <a:t>freeBoundaries</a:t>
             </a:r>
             <a:r>
               <a:rPr lang="en-US" sz="1050" dirty="0">
@@ -29237,7 +29460,21 @@
                 <a:latin typeface="Consolas"/>
                 <a:cs typeface="Consolas"/>
               </a:rPr>
-              <a:t>(remoteCount = 0; remoteCount &lt; 6; remoteCount++)</a:t>
+              <a:t>(remoteCount = 0; remoteCount &lt; </a:t>
+            </a:r>
+            <a:r>
+              <a:rPr lang="en-US" sz="1050" dirty="0" smtClean="0">
+                <a:latin typeface="Consolas"/>
+                <a:cs typeface="Consolas"/>
+              </a:rPr>
+              <a:t>4; </a:t>
+            </a:r>
+            <a:r>
+              <a:rPr lang="en-US" sz="1050" dirty="0">
+                <a:latin typeface="Consolas"/>
+                <a:cs typeface="Consolas"/>
+              </a:rPr>
+              <a:t>remoteCount++)</a:t>
             </a:r>
           </a:p>
           <a:p>
@@ -29305,68 +29542,89 @@
                 <a:latin typeface="Consolas"/>
                 <a:cs typeface="Consolas"/>
               </a:rPr>
+              <a:t>w</a:t>
+            </a:r>
+            <a:r>
+              <a:rPr lang="en-US" sz="1050" dirty="0" smtClean="0">
+                <a:latin typeface="Consolas"/>
+                <a:cs typeface="Consolas"/>
+              </a:rPr>
+              <a:t>, </a:t>
+            </a:r>
+            <a:r>
+              <a:rPr lang="en-US" sz="1050" b="1" dirty="0">
+                <a:latin typeface="Consolas"/>
+                <a:cs typeface="Consolas"/>
+              </a:rPr>
+              <a:t>double </a:t>
+            </a:r>
+            <a:r>
+              <a:rPr lang="en-US" sz="1050" dirty="0">
+                <a:latin typeface="Consolas"/>
+                <a:cs typeface="Consolas"/>
+              </a:rPr>
+              <a:t>buf[</a:t>
+            </a:r>
+            <a:r>
+              <a:rPr lang="en-US" sz="1050" dirty="0" smtClean="0">
+                <a:latin typeface="Consolas"/>
+                <a:cs typeface="Consolas"/>
+              </a:rPr>
+              <a:t>w]</a:t>
+            </a:r>
+            <a:r>
+              <a:rPr lang="en-US" sz="1050" dirty="0">
+                <a:latin typeface="Consolas"/>
+                <a:cs typeface="Consolas"/>
+              </a:rPr>
+              <a:t>) </a:t>
+            </a:r>
+            <a:r>
+              <a:rPr lang="en-US" sz="1050" b="1" dirty="0">
+                <a:latin typeface="Consolas"/>
+                <a:cs typeface="Consolas"/>
+              </a:rPr>
+              <a:t>serial </a:t>
+            </a:r>
+            <a:r>
+              <a:rPr lang="en-US" sz="1050" dirty="0">
+                <a:latin typeface="Consolas"/>
+                <a:cs typeface="Consolas"/>
+              </a:rPr>
+              <a:t>{</a:t>
+            </a:r>
+          </a:p>
+          <a:p>
+            <a:pPr marL="0" indent="0">
+              <a:buNone/>
+            </a:pPr>
+            <a:r>
+              <a:rPr lang="en-US" sz="1050" dirty="0" smtClean="0">
+                <a:latin typeface="Consolas"/>
+                <a:cs typeface="Consolas"/>
+              </a:rPr>
+              <a:t>                updateBoundary</a:t>
+            </a:r>
+            <a:r>
+              <a:rPr lang="en-US" sz="1050" dirty="0">
+                <a:latin typeface="Consolas"/>
+                <a:cs typeface="Consolas"/>
+              </a:rPr>
+              <a:t>(dir, </a:t>
+            </a:r>
+            <a:r>
+              <a:rPr lang="en-US" sz="1050" dirty="0" smtClean="0">
+                <a:latin typeface="Consolas"/>
+                <a:cs typeface="Consolas"/>
+              </a:rPr>
               <a:t>w, </a:t>
             </a:r>
             <a:r>
-              <a:rPr lang="en-US" sz="1050" b="1" dirty="0">
-                <a:latin typeface="Consolas"/>
-                <a:cs typeface="Consolas"/>
-              </a:rPr>
-              <a:t>int </a:t>
-            </a:r>
-            <a:r>
               <a:rPr lang="en-US" sz="1050" dirty="0">
                 <a:latin typeface="Consolas"/>
                 <a:cs typeface="Consolas"/>
               </a:rPr>
-              <a:t>h, </a:t>
-            </a:r>
-            <a:r>
-              <a:rPr lang="en-US" sz="1050" b="1" dirty="0">
-                <a:latin typeface="Consolas"/>
-                <a:cs typeface="Consolas"/>
-              </a:rPr>
-              <a:t>double </a:t>
-            </a:r>
-            <a:r>
-              <a:rPr lang="en-US" sz="1050" dirty="0">
-                <a:latin typeface="Consolas"/>
-                <a:cs typeface="Consolas"/>
-              </a:rPr>
-              <a:t>buf[w∗h]) </a:t>
-            </a:r>
-            <a:r>
-              <a:rPr lang="en-US" sz="1050" b="1" dirty="0">
-                <a:latin typeface="Consolas"/>
-                <a:cs typeface="Consolas"/>
-              </a:rPr>
-              <a:t>serial </a:t>
-            </a:r>
-            <a:r>
-              <a:rPr lang="en-US" sz="1050" dirty="0">
-                <a:latin typeface="Consolas"/>
-                <a:cs typeface="Consolas"/>
-              </a:rPr>
-              <a:t>{</a:t>
-            </a:r>
-          </a:p>
-          <a:p>
-            <a:pPr marL="0" indent="0">
-              <a:buNone/>
-            </a:pPr>
-            <a:r>
-              <a:rPr lang="en-US" sz="1050" dirty="0" smtClean="0">
-                <a:latin typeface="Consolas"/>
-                <a:cs typeface="Consolas"/>
-              </a:rPr>
-              <a:t>                updateBoundary</a:t>
-            </a:r>
-            <a:r>
-              <a:rPr lang="en-US" sz="1050" dirty="0">
-                <a:latin typeface="Consolas"/>
-                <a:cs typeface="Consolas"/>
-              </a:rPr>
-              <a:t>(dir, w, h, buf);</a:t>
+              <a:t>buf);</a:t>
             </a:r>
           </a:p>
           <a:p>

--- a/tutorial-07-sdag.pptx
+++ b/tutorial-07-sdag.pptx
@@ -7083,7 +7083,9 @@
           </a:xfrm>
         </p:spPr>
         <p:txBody>
-          <a:bodyPr/>
+          <a:bodyPr>
+            <a:normAutofit lnSpcReduction="10000"/>
+          </a:bodyPr>
           <a:lstStyle/>
           <a:p>
             <a:pPr marL="12700" marR="62865">
@@ -7313,9 +7315,24 @@
                 <a:latin typeface="Times New Roman"/>
                 <a:cs typeface="Times New Roman"/>
               </a:rPr>
-              <a:t>r)</a:t>
-            </a:r>
-            <a:endParaRPr lang="en-US" dirty="0">
+              <a:t>r</a:t>
+            </a:r>
+            <a:r>
+              <a:rPr lang="en-US" spc="25" dirty="0" smtClean="0">
+                <a:latin typeface="Times New Roman"/>
+                <a:cs typeface="Times New Roman"/>
+              </a:rPr>
+              <a:t>)</a:t>
+            </a:r>
+          </a:p>
+          <a:p>
+            <a:pPr marL="0" marR="62865" indent="0">
+              <a:spcBef>
+                <a:spcPts val="0"/>
+              </a:spcBef>
+              <a:buNone/>
+            </a:pPr>
+            <a:endParaRPr lang="en-US" sz="1000" dirty="0">
               <a:latin typeface="Times New Roman"/>
               <a:cs typeface="Times New Roman"/>
             </a:endParaRPr>
@@ -7483,12 +7500,20 @@
               <a:t> </a:t>
             </a:r>
             <a:r>
-              <a:rPr lang="en-US" sz="1800" spc="-80" dirty="0">
+              <a:rPr lang="en-US" sz="1800" spc="-80" dirty="0" smtClean="0">
                 <a:latin typeface="Lucida Console"/>
                 <a:cs typeface="Lucida Console"/>
               </a:rPr>
               <a:t>array</a:t>
             </a:r>
+          </a:p>
+          <a:p>
+            <a:pPr marL="152400" indent="0">
+              <a:spcBef>
+                <a:spcPts val="0"/>
+              </a:spcBef>
+              <a:buNone/>
+            </a:pPr>
             <a:endParaRPr lang="en-US" sz="1800" dirty="0">
               <a:latin typeface="Lucida Console"/>
               <a:cs typeface="Lucida Console"/>
@@ -7730,9 +7755,24 @@
                 <a:latin typeface="Times New Roman"/>
                 <a:cs typeface="Times New Roman"/>
               </a:rPr>
-              <a:t>calls:</a:t>
-            </a:r>
-            <a:endParaRPr lang="en-US" dirty="0">
+              <a:t>calls</a:t>
+            </a:r>
+            <a:r>
+              <a:rPr lang="en-US" spc="-15" dirty="0" smtClean="0">
+                <a:latin typeface="Times New Roman"/>
+                <a:cs typeface="Times New Roman"/>
+              </a:rPr>
+              <a:t>:</a:t>
+            </a:r>
+          </a:p>
+          <a:p>
+            <a:pPr marL="0" marR="12700" indent="0">
+              <a:spcBef>
+                <a:spcPts val="0"/>
+              </a:spcBef>
+              <a:buNone/>
+            </a:pPr>
+            <a:endParaRPr lang="en-US" sz="1000" dirty="0">
               <a:latin typeface="Times New Roman"/>
               <a:cs typeface="Times New Roman"/>
             </a:endParaRPr>
@@ -7850,7 +7890,15 @@
               </a:rPr>
               <a:t>CODE</a:t>
             </a:r>
-            <a:endParaRPr lang="en-US" sz="1800" dirty="0">
+          </a:p>
+          <a:p>
+            <a:pPr marL="152400" indent="0">
+              <a:spcBef>
+                <a:spcPts val="0"/>
+              </a:spcBef>
+              <a:buNone/>
+            </a:pPr>
+            <a:endParaRPr lang="en-US" sz="1000" dirty="0">
               <a:latin typeface="Lucida Console"/>
               <a:cs typeface="Lucida Console"/>
             </a:endParaRPr>
@@ -8118,9 +8166,229 @@
   <p:timing>
     <p:tnLst>
       <p:par>
-        <p:cTn xmlns:p14="http://schemas.microsoft.com/office/powerpoint/2010/main" id="1" dur="indefinite" restart="never" nodeType="tmRoot"/>
+        <p:cTn xmlns:p14="http://schemas.microsoft.com/office/powerpoint/2010/main" id="1" dur="indefinite" restart="never" nodeType="tmRoot">
+          <p:childTnLst>
+            <p:seq concurrent="1" nextAc="seek">
+              <p:cTn id="2" dur="indefinite" nodeType="mainSeq">
+                <p:childTnLst>
+                  <p:par>
+                    <p:cTn id="3" fill="hold">
+                      <p:stCondLst>
+                        <p:cond delay="indefinite"/>
+                        <p:cond evt="onBegin" delay="0">
+                          <p:tn val="2"/>
+                        </p:cond>
+                      </p:stCondLst>
+                      <p:childTnLst>
+                        <p:par>
+                          <p:cTn id="4" fill="hold">
+                            <p:stCondLst>
+                              <p:cond delay="0"/>
+                            </p:stCondLst>
+                            <p:childTnLst>
+                              <p:par>
+                                <p:cTn id="5" presetID="1" presetClass="entr" presetSubtype="0" fill="hold" grpId="0" nodeType="withEffect">
+                                  <p:stCondLst>
+                                    <p:cond delay="0"/>
+                                  </p:stCondLst>
+                                  <p:childTnLst>
+                                    <p:set>
+                                      <p:cBhvr>
+                                        <p:cTn id="6" dur="1" fill="hold">
+                                          <p:stCondLst>
+                                            <p:cond delay="0"/>
+                                          </p:stCondLst>
+                                        </p:cTn>
+                                        <p:tgtEl>
+                                          <p:spTgt spid="3">
+                                            <p:txEl>
+                                              <p:pRg st="0" end="0"/>
+                                            </p:txEl>
+                                          </p:spTgt>
+                                        </p:tgtEl>
+                                        <p:attrNameLst>
+                                          <p:attrName>style.visibility</p:attrName>
+                                        </p:attrNameLst>
+                                      </p:cBhvr>
+                                      <p:to>
+                                        <p:strVal val="visible"/>
+                                      </p:to>
+                                    </p:set>
+                                  </p:childTnLst>
+                                </p:cTn>
+                              </p:par>
+                              <p:par>
+                                <p:cTn id="7" presetID="1" presetClass="entr" presetSubtype="0" fill="hold" grpId="0" nodeType="withEffect">
+                                  <p:stCondLst>
+                                    <p:cond delay="0"/>
+                                  </p:stCondLst>
+                                  <p:childTnLst>
+                                    <p:set>
+                                      <p:cBhvr>
+                                        <p:cTn id="8" dur="1" fill="hold">
+                                          <p:stCondLst>
+                                            <p:cond delay="0"/>
+                                          </p:stCondLst>
+                                        </p:cTn>
+                                        <p:tgtEl>
+                                          <p:spTgt spid="3">
+                                            <p:txEl>
+                                              <p:pRg st="2" end="2"/>
+                                            </p:txEl>
+                                          </p:spTgt>
+                                        </p:tgtEl>
+                                        <p:attrNameLst>
+                                          <p:attrName>style.visibility</p:attrName>
+                                        </p:attrNameLst>
+                                      </p:cBhvr>
+                                      <p:to>
+                                        <p:strVal val="visible"/>
+                                      </p:to>
+                                    </p:set>
+                                  </p:childTnLst>
+                                </p:cTn>
+                              </p:par>
+                            </p:childTnLst>
+                          </p:cTn>
+                        </p:par>
+                      </p:childTnLst>
+                    </p:cTn>
+                  </p:par>
+                  <p:par>
+                    <p:cTn id="9" fill="hold">
+                      <p:stCondLst>
+                        <p:cond delay="indefinite"/>
+                      </p:stCondLst>
+                      <p:childTnLst>
+                        <p:par>
+                          <p:cTn id="10" fill="hold">
+                            <p:stCondLst>
+                              <p:cond delay="0"/>
+                            </p:stCondLst>
+                            <p:childTnLst>
+                              <p:par>
+                                <p:cTn id="11" presetID="1" presetClass="entr" presetSubtype="0" fill="hold" grpId="0" nodeType="clickEffect">
+                                  <p:stCondLst>
+                                    <p:cond delay="0"/>
+                                  </p:stCondLst>
+                                  <p:childTnLst>
+                                    <p:set>
+                                      <p:cBhvr>
+                                        <p:cTn id="12" dur="1" fill="hold">
+                                          <p:stCondLst>
+                                            <p:cond delay="0"/>
+                                          </p:stCondLst>
+                                        </p:cTn>
+                                        <p:tgtEl>
+                                          <p:spTgt spid="3">
+                                            <p:txEl>
+                                              <p:pRg st="5" end="5"/>
+                                            </p:txEl>
+                                          </p:spTgt>
+                                        </p:tgtEl>
+                                        <p:attrNameLst>
+                                          <p:attrName>style.visibility</p:attrName>
+                                        </p:attrNameLst>
+                                      </p:cBhvr>
+                                      <p:to>
+                                        <p:strVal val="visible"/>
+                                      </p:to>
+                                    </p:set>
+                                  </p:childTnLst>
+                                </p:cTn>
+                              </p:par>
+                              <p:par>
+                                <p:cTn id="13" presetID="1" presetClass="entr" presetSubtype="0" fill="hold" grpId="0" nodeType="withEffect">
+                                  <p:stCondLst>
+                                    <p:cond delay="0"/>
+                                  </p:stCondLst>
+                                  <p:childTnLst>
+                                    <p:set>
+                                      <p:cBhvr>
+                                        <p:cTn id="14" dur="1" fill="hold">
+                                          <p:stCondLst>
+                                            <p:cond delay="0"/>
+                                          </p:stCondLst>
+                                        </p:cTn>
+                                        <p:tgtEl>
+                                          <p:spTgt spid="3">
+                                            <p:txEl>
+                                              <p:pRg st="7" end="7"/>
+                                            </p:txEl>
+                                          </p:spTgt>
+                                        </p:tgtEl>
+                                        <p:attrNameLst>
+                                          <p:attrName>style.visibility</p:attrName>
+                                        </p:attrNameLst>
+                                      </p:cBhvr>
+                                      <p:to>
+                                        <p:strVal val="visible"/>
+                                      </p:to>
+                                    </p:set>
+                                  </p:childTnLst>
+                                </p:cTn>
+                              </p:par>
+                              <p:par>
+                                <p:cTn id="15" presetID="1" presetClass="entr" presetSubtype="0" fill="hold" grpId="0" nodeType="withEffect">
+                                  <p:stCondLst>
+                                    <p:cond delay="0"/>
+                                  </p:stCondLst>
+                                  <p:childTnLst>
+                                    <p:set>
+                                      <p:cBhvr>
+                                        <p:cTn id="16" dur="1" fill="hold">
+                                          <p:stCondLst>
+                                            <p:cond delay="0"/>
+                                          </p:stCondLst>
+                                        </p:cTn>
+                                        <p:tgtEl>
+                                          <p:spTgt spid="3">
+                                            <p:txEl>
+                                              <p:pRg st="9" end="9"/>
+                                            </p:txEl>
+                                          </p:spTgt>
+                                        </p:tgtEl>
+                                        <p:attrNameLst>
+                                          <p:attrName>style.visibility</p:attrName>
+                                        </p:attrNameLst>
+                                      </p:cBhvr>
+                                      <p:to>
+                                        <p:strVal val="visible"/>
+                                      </p:to>
+                                    </p:set>
+                                  </p:childTnLst>
+                                </p:cTn>
+                              </p:par>
+                            </p:childTnLst>
+                          </p:cTn>
+                        </p:par>
+                      </p:childTnLst>
+                    </p:cTn>
+                  </p:par>
+                </p:childTnLst>
+              </p:cTn>
+              <p:prevCondLst>
+                <p:cond evt="onPrev" delay="0">
+                  <p:tgtEl>
+                    <p:sldTgt/>
+                  </p:tgtEl>
+                </p:cond>
+              </p:prevCondLst>
+              <p:nextCondLst>
+                <p:cond evt="onNext" delay="0">
+                  <p:tgtEl>
+                    <p:sldTgt/>
+                  </p:tgtEl>
+                </p:cond>
+              </p:nextCondLst>
+            </p:seq>
+          </p:childTnLst>
+        </p:cTn>
       </p:par>
     </p:tnLst>
+    <p:bldLst>
+      <p:bldP spid="3" grpId="0" build="p"/>
+    </p:bldLst>
   </p:timing>
 </p:sld>
 </file>
@@ -11390,7 +11658,7 @@
         </p:spPr>
         <p:txBody>
           <a:bodyPr>
-            <a:normAutofit lnSpcReduction="10000"/>
+            <a:normAutofit fontScale="92500" lnSpcReduction="10000"/>
           </a:bodyPr>
           <a:lstStyle/>
           <a:p>
@@ -11407,8 +11675,30 @@
                 <a:latin typeface="Times New Roman"/>
                 <a:cs typeface="Times New Roman"/>
               </a:rPr>
-              <a:t>Sequence:</a:t>
-            </a:r>
+              <a:t>Sequence</a:t>
+            </a:r>
+            <a:r>
+              <a:rPr lang="en-US" sz="2800" dirty="0" smtClean="0">
+                <a:latin typeface="Times New Roman"/>
+                <a:cs typeface="Times New Roman"/>
+              </a:rPr>
+              <a:t>:</a:t>
+            </a:r>
+          </a:p>
+          <a:p>
+            <a:pPr marL="0" indent="0">
+              <a:lnSpc>
+                <a:spcPct val="110000"/>
+              </a:lnSpc>
+              <a:spcBef>
+                <a:spcPts val="0"/>
+              </a:spcBef>
+              <a:buNone/>
+            </a:pPr>
+            <a:endParaRPr lang="en-US" sz="1100" dirty="0">
+              <a:latin typeface="Times New Roman"/>
+              <a:cs typeface="Times New Roman"/>
+            </a:endParaRPr>
           </a:p>
           <a:p>
             <a:pPr marL="323850" indent="-171450">
@@ -11611,13 +11901,24 @@
               <a:t> </a:t>
             </a:r>
             <a:r>
-              <a:rPr lang="en-US" sz="2000" spc="-80" dirty="0">
+              <a:rPr lang="en-US" sz="2000" spc="-80" dirty="0" smtClean="0">
                 <a:latin typeface="Lucida Console"/>
                 <a:cs typeface="Lucida Console"/>
               </a:rPr>
               <a:t>myMethod1</a:t>
             </a:r>
-            <a:endParaRPr lang="en-US" sz="2000" dirty="0">
+          </a:p>
+          <a:p>
+            <a:pPr marL="152400" indent="0">
+              <a:lnSpc>
+                <a:spcPct val="110000"/>
+              </a:lnSpc>
+              <a:spcBef>
+                <a:spcPts val="0"/>
+              </a:spcBef>
+              <a:buNone/>
+            </a:pPr>
+            <a:endParaRPr lang="en-US" sz="1100" dirty="0">
               <a:latin typeface="Lucida Console"/>
               <a:cs typeface="Lucida Console"/>
             </a:endParaRPr>
@@ -11841,9 +12142,27 @@
                 <a:latin typeface="Lucida Console"/>
                 <a:cs typeface="Lucida Console"/>
               </a:rPr>
-              <a:t>/* sdag block1 */</a:t>
-            </a:r>
-            <a:endParaRPr lang="en-US" sz="2000" dirty="0">
+              <a:t>/* sdag block1 *</a:t>
+            </a:r>
+            <a:r>
+              <a:rPr lang="en-US" sz="2000" spc="-80" dirty="0" smtClean="0">
+                <a:latin typeface="Lucida Console"/>
+                <a:cs typeface="Lucida Console"/>
+              </a:rPr>
+              <a:t>/</a:t>
+            </a:r>
+          </a:p>
+          <a:p>
+            <a:pPr marL="152400" indent="0">
+              <a:lnSpc>
+                <a:spcPct val="110000"/>
+              </a:lnSpc>
+              <a:spcBef>
+                <a:spcPts val="0"/>
+              </a:spcBef>
+              <a:buNone/>
+            </a:pPr>
+            <a:endParaRPr lang="en-US" sz="1100" dirty="0">
               <a:latin typeface="Lucida Console"/>
               <a:cs typeface="Lucida Console"/>
             </a:endParaRPr>
@@ -12932,7 +13251,7 @@
                                         <p:tgtEl>
                                           <p:spTgt spid="3">
                                             <p:txEl>
-                                              <p:pRg st="1" end="1"/>
+                                              <p:pRg st="2" end="2"/>
                                             </p:txEl>
                                           </p:spTgt>
                                         </p:tgtEl>
@@ -12981,7 +13300,7 @@
                                         <p:tgtEl>
                                           <p:spTgt spid="3">
                                             <p:txEl>
-                                              <p:pRg st="2" end="2"/>
+                                              <p:pRg st="4" end="4"/>
                                             </p:txEl>
                                           </p:spTgt>
                                         </p:tgtEl>
@@ -13030,7 +13349,7 @@
                                         <p:tgtEl>
                                           <p:spTgt spid="3">
                                             <p:txEl>
-                                              <p:pRg st="3" end="3"/>
+                                              <p:pRg st="6" end="6"/>
                                             </p:txEl>
                                           </p:spTgt>
                                         </p:tgtEl>
@@ -13061,7 +13380,7 @@
                                         <p:tgtEl>
                                           <p:spTgt spid="3">
                                             <p:txEl>
-                                              <p:pRg st="5" end="5"/>
+                                              <p:pRg st="8" end="8"/>
                                             </p:txEl>
                                           </p:spTgt>
                                         </p:tgtEl>
@@ -18055,57 +18374,11 @@
         </p:spPr>
         <p:txBody>
           <a:bodyPr>
-            <a:normAutofit fontScale="92500" lnSpcReduction="20000"/>
+            <a:normAutofit fontScale="92500"/>
           </a:bodyPr>
           <a:lstStyle/>
           <a:p>
-            <a:pPr marL="320040">
-              <a:spcBef>
-                <a:spcPts val="0"/>
-              </a:spcBef>
-            </a:pPr>
-            <a:r>
-              <a:rPr lang="en-US" sz="3000" spc="20" dirty="0">
-                <a:latin typeface="Times New Roman"/>
-                <a:cs typeface="Times New Roman"/>
-              </a:rPr>
-              <a:t>The </a:t>
-            </a:r>
-            <a:r>
-              <a:rPr lang="en-US" sz="3000" spc="110" dirty="0">
-                <a:latin typeface="Times New Roman"/>
-                <a:cs typeface="Times New Roman"/>
-              </a:rPr>
-              <a:t> </a:t>
-            </a:r>
-            <a:r>
-              <a:rPr lang="en-US" sz="3000" spc="-95" dirty="0">
-                <a:latin typeface="Lucida Console"/>
-                <a:cs typeface="Lucida Console"/>
-              </a:rPr>
-              <a:t>overlap</a:t>
-            </a:r>
-            <a:r>
-              <a:rPr lang="en-US" sz="3000" spc="-95" dirty="0">
-                <a:latin typeface="Courier"/>
-                <a:cs typeface="Courier"/>
-              </a:rPr>
-              <a:t> </a:t>
-            </a:r>
-            <a:r>
-              <a:rPr lang="en-US" sz="3000" spc="15" dirty="0">
-                <a:latin typeface="Times New Roman"/>
-                <a:cs typeface="Times New Roman"/>
-              </a:rPr>
-              <a:t>construct:</a:t>
-            </a:r>
-            <a:endParaRPr lang="en-US" sz="3000" dirty="0">
-              <a:latin typeface="Times New Roman"/>
-              <a:cs typeface="Times New Roman"/>
-            </a:endParaRPr>
-          </a:p>
-          <a:p>
-            <a:pPr marL="631190" marR="12700" indent="-171450">
+            <a:pPr marL="404813" marR="12700" indent="-404813">
               <a:spcBef>
                 <a:spcPts val="0"/>
               </a:spcBef>
@@ -18113,157 +18386,157 @@
               <a:buChar char="Ø"/>
             </a:pPr>
             <a:r>
+              <a:rPr lang="en-US" spc="-25" dirty="0" smtClean="0">
+                <a:latin typeface="Times New Roman"/>
+                <a:cs typeface="Times New Roman"/>
+              </a:rPr>
+              <a:t>By</a:t>
+            </a:r>
+            <a:r>
+              <a:rPr lang="en-US" spc="80" dirty="0" smtClean="0">
+                <a:latin typeface="Times New Roman"/>
+                <a:cs typeface="Times New Roman"/>
+              </a:rPr>
+              <a:t> </a:t>
+            </a:r>
+            <a:r>
+              <a:rPr lang="en-US" spc="10" dirty="0">
+                <a:latin typeface="Times New Roman"/>
+                <a:cs typeface="Times New Roman"/>
+              </a:rPr>
+              <a:t>default,</a:t>
+            </a:r>
+            <a:r>
+              <a:rPr lang="en-US" spc="85" dirty="0">
+                <a:latin typeface="Times New Roman"/>
+                <a:cs typeface="Times New Roman"/>
+              </a:rPr>
+              <a:t> </a:t>
+            </a:r>
+            <a:r>
+              <a:rPr lang="en-US" spc="20" dirty="0">
+                <a:latin typeface="Times New Roman"/>
+                <a:cs typeface="Times New Roman"/>
+              </a:rPr>
+              <a:t>Structured</a:t>
+            </a:r>
+            <a:r>
+              <a:rPr lang="en-US" spc="85" dirty="0">
+                <a:latin typeface="Times New Roman"/>
+                <a:cs typeface="Times New Roman"/>
+              </a:rPr>
+              <a:t> </a:t>
+            </a:r>
+            <a:r>
+              <a:rPr lang="en-US" dirty="0">
+                <a:latin typeface="Times New Roman"/>
+                <a:cs typeface="Times New Roman"/>
+              </a:rPr>
+              <a:t>Dagger</a:t>
+            </a:r>
+            <a:r>
+              <a:rPr lang="en-US" spc="80" dirty="0">
+                <a:latin typeface="Times New Roman"/>
+                <a:cs typeface="Times New Roman"/>
+              </a:rPr>
+              <a:t> </a:t>
+            </a:r>
+            <a:r>
+              <a:rPr lang="en-US" spc="-10" dirty="0">
+                <a:latin typeface="Times New Roman"/>
+                <a:cs typeface="Times New Roman"/>
+              </a:rPr>
+              <a:t>defines</a:t>
+            </a:r>
+            <a:r>
+              <a:rPr lang="en-US" spc="80" dirty="0">
+                <a:latin typeface="Times New Roman"/>
+                <a:cs typeface="Times New Roman"/>
+              </a:rPr>
+              <a:t> </a:t>
+            </a:r>
+            <a:r>
+              <a:rPr lang="en-US" spc="30" dirty="0">
+                <a:latin typeface="Times New Roman"/>
+                <a:cs typeface="Times New Roman"/>
+              </a:rPr>
+              <a:t>a</a:t>
+            </a:r>
+            <a:r>
+              <a:rPr lang="en-US" spc="80" dirty="0">
+                <a:latin typeface="Times New Roman"/>
+                <a:cs typeface="Times New Roman"/>
+              </a:rPr>
+              <a:t> </a:t>
+            </a:r>
+            <a:r>
+              <a:rPr lang="en-US" dirty="0">
+                <a:latin typeface="Times New Roman"/>
+                <a:cs typeface="Times New Roman"/>
+              </a:rPr>
+              <a:t>sequence</a:t>
+            </a:r>
+            <a:r>
+              <a:rPr lang="en-US" spc="85" dirty="0">
+                <a:latin typeface="Times New Roman"/>
+                <a:cs typeface="Times New Roman"/>
+              </a:rPr>
+              <a:t> </a:t>
+            </a:r>
+            <a:r>
+              <a:rPr lang="en-US" spc="50" dirty="0">
+                <a:latin typeface="Times New Roman"/>
+                <a:cs typeface="Times New Roman"/>
+              </a:rPr>
+              <a:t>that</a:t>
+            </a:r>
+            <a:r>
+              <a:rPr lang="en-US" spc="80" dirty="0">
+                <a:latin typeface="Times New Roman"/>
+                <a:cs typeface="Times New Roman"/>
+              </a:rPr>
+              <a:t> </a:t>
+            </a:r>
+            <a:r>
+              <a:rPr lang="en-US" spc="-30" dirty="0">
+                <a:latin typeface="Times New Roman"/>
+                <a:cs typeface="Times New Roman"/>
+              </a:rPr>
+              <a:t>is</a:t>
+            </a:r>
+            <a:r>
+              <a:rPr lang="en-US" spc="80" dirty="0">
+                <a:latin typeface="Times New Roman"/>
+                <a:cs typeface="Times New Roman"/>
+              </a:rPr>
+              <a:t> </a:t>
+            </a:r>
+            <a:r>
               <a:rPr lang="en-US" spc="-25" dirty="0">
                 <a:latin typeface="Times New Roman"/>
                 <a:cs typeface="Times New Roman"/>
               </a:rPr>
-              <a:t>By</a:t>
-            </a:r>
-            <a:r>
-              <a:rPr lang="en-US" spc="80" dirty="0">
-                <a:latin typeface="Times New Roman"/>
-                <a:cs typeface="Times New Roman"/>
-              </a:rPr>
-              <a:t> </a:t>
-            </a:r>
-            <a:r>
-              <a:rPr lang="en-US" spc="10" dirty="0">
-                <a:latin typeface="Times New Roman"/>
-                <a:cs typeface="Times New Roman"/>
-              </a:rPr>
-              <a:t>default,</a:t>
-            </a:r>
-            <a:r>
-              <a:rPr lang="en-US" spc="85" dirty="0">
-                <a:latin typeface="Times New Roman"/>
-                <a:cs typeface="Times New Roman"/>
-              </a:rPr>
-              <a:t> </a:t>
-            </a:r>
-            <a:r>
-              <a:rPr lang="en-US" spc="20" dirty="0">
-                <a:latin typeface="Times New Roman"/>
-                <a:cs typeface="Times New Roman"/>
-              </a:rPr>
-              <a:t>Structured</a:t>
-            </a:r>
-            <a:r>
-              <a:rPr lang="en-US" spc="85" dirty="0">
-                <a:latin typeface="Times New Roman"/>
-                <a:cs typeface="Times New Roman"/>
-              </a:rPr>
-              <a:t> </a:t>
+              <a:t>foll</a:t>
+            </a:r>
+            <a:r>
+              <a:rPr lang="en-US" spc="-60" dirty="0">
+                <a:latin typeface="Times New Roman"/>
+                <a:cs typeface="Times New Roman"/>
+              </a:rPr>
+              <a:t>o</a:t>
+            </a:r>
+            <a:r>
+              <a:rPr lang="en-US" spc="-75" dirty="0">
+                <a:latin typeface="Times New Roman"/>
+                <a:cs typeface="Times New Roman"/>
+              </a:rPr>
+              <a:t>w</a:t>
             </a:r>
             <a:r>
               <a:rPr lang="en-US" dirty="0">
                 <a:latin typeface="Times New Roman"/>
                 <a:cs typeface="Times New Roman"/>
               </a:rPr>
-              <a:t>Dagger</a:t>
-            </a:r>
-            <a:r>
-              <a:rPr lang="en-US" spc="80" dirty="0">
-                <a:latin typeface="Times New Roman"/>
-                <a:cs typeface="Times New Roman"/>
-              </a:rPr>
-              <a:t> </a:t>
-            </a:r>
-            <a:r>
-              <a:rPr lang="en-US" spc="-10" dirty="0">
-                <a:latin typeface="Times New Roman"/>
-                <a:cs typeface="Times New Roman"/>
-              </a:rPr>
-              <a:t>defines</a:t>
-            </a:r>
-            <a:r>
-              <a:rPr lang="en-US" spc="80" dirty="0">
-                <a:latin typeface="Times New Roman"/>
-                <a:cs typeface="Times New Roman"/>
-              </a:rPr>
-              <a:t> </a:t>
-            </a:r>
-            <a:r>
-              <a:rPr lang="en-US" spc="30" dirty="0">
-                <a:latin typeface="Times New Roman"/>
-                <a:cs typeface="Times New Roman"/>
-              </a:rPr>
-              <a:t>a</a:t>
-            </a:r>
-            <a:r>
-              <a:rPr lang="en-US" spc="80" dirty="0">
-                <a:latin typeface="Times New Roman"/>
-                <a:cs typeface="Times New Roman"/>
-              </a:rPr>
-              <a:t> </a:t>
-            </a:r>
-            <a:r>
-              <a:rPr lang="en-US" dirty="0">
-                <a:latin typeface="Times New Roman"/>
-                <a:cs typeface="Times New Roman"/>
-              </a:rPr>
-              <a:t>sequence</a:t>
-            </a:r>
-            <a:r>
-              <a:rPr lang="en-US" spc="85" dirty="0">
-                <a:latin typeface="Times New Roman"/>
-                <a:cs typeface="Times New Roman"/>
-              </a:rPr>
-              <a:t> </a:t>
-            </a:r>
-            <a:r>
-              <a:rPr lang="en-US" spc="50" dirty="0">
-                <a:latin typeface="Times New Roman"/>
-                <a:cs typeface="Times New Roman"/>
-              </a:rPr>
-              <a:t>that</a:t>
-            </a:r>
-            <a:r>
-              <a:rPr lang="en-US" spc="80" dirty="0">
-                <a:latin typeface="Times New Roman"/>
-                <a:cs typeface="Times New Roman"/>
-              </a:rPr>
-              <a:t> </a:t>
-            </a:r>
-            <a:r>
-              <a:rPr lang="en-US" spc="-30" dirty="0">
-                <a:latin typeface="Times New Roman"/>
-                <a:cs typeface="Times New Roman"/>
-              </a:rPr>
-              <a:t>is</a:t>
-            </a:r>
-            <a:r>
-              <a:rPr lang="en-US" spc="80" dirty="0">
-                <a:latin typeface="Times New Roman"/>
-                <a:cs typeface="Times New Roman"/>
-              </a:rPr>
-              <a:t> </a:t>
-            </a:r>
-            <a:r>
-              <a:rPr lang="en-US" spc="-25" dirty="0">
-                <a:latin typeface="Times New Roman"/>
-                <a:cs typeface="Times New Roman"/>
-              </a:rPr>
-              <a:t>foll</a:t>
-            </a:r>
-            <a:r>
-              <a:rPr lang="en-US" spc="-60" dirty="0">
-                <a:latin typeface="Times New Roman"/>
-                <a:cs typeface="Times New Roman"/>
-              </a:rPr>
-              <a:t>o</a:t>
-            </a:r>
-            <a:r>
-              <a:rPr lang="en-US" spc="-75" dirty="0">
-                <a:latin typeface="Times New Roman"/>
-                <a:cs typeface="Times New Roman"/>
-              </a:rPr>
-              <a:t>w</a:t>
-            </a:r>
-            <a:r>
-              <a:rPr lang="en-US" dirty="0">
-                <a:latin typeface="Times New Roman"/>
-                <a:cs typeface="Times New Roman"/>
-              </a:rPr>
               <a:t>ed </a:t>
             </a:r>
             <a:r>
@@ -18275,7 +18548,7 @@
             </a:r>
           </a:p>
           <a:p>
-            <a:pPr marL="631190" marR="12700" indent="-171450">
+            <a:pPr marL="404813" marR="12700" indent="-404813">
               <a:spcBef>
                 <a:spcPts val="0"/>
               </a:spcBef>
@@ -18459,7 +18732,7 @@
             </a:r>
           </a:p>
           <a:p>
-            <a:pPr marL="631190" marR="12700" indent="-171450">
+            <a:pPr marL="404813" marR="12700" indent="-404813">
               <a:spcBef>
                 <a:spcPts val="0"/>
               </a:spcBef>
@@ -18685,7 +18958,7 @@
             </a:r>
           </a:p>
           <a:p>
-            <a:pPr marL="631190" marR="12700" indent="-171450">
+            <a:pPr marL="404813" marR="12700" indent="-404813">
               <a:spcBef>
                 <a:spcPts val="0"/>
               </a:spcBef>
@@ -18862,7 +19135,7 @@
             </a:r>
           </a:p>
           <a:p>
-            <a:pPr marL="631190" marR="12700" indent="-171450">
+            <a:pPr marL="404813" marR="12700" indent="-404813">
               <a:spcBef>
                 <a:spcPts val="0"/>
               </a:spcBef>
@@ -19531,9 +19804,342 @@
   <p:timing>
     <p:tnLst>
       <p:par>
-        <p:cTn xmlns:p14="http://schemas.microsoft.com/office/powerpoint/2010/main" id="1" dur="indefinite" restart="never" nodeType="tmRoot"/>
+        <p:cTn xmlns:p14="http://schemas.microsoft.com/office/powerpoint/2010/main" id="1" dur="indefinite" restart="never" nodeType="tmRoot">
+          <p:childTnLst>
+            <p:seq concurrent="1" nextAc="seek">
+              <p:cTn id="2" dur="indefinite" nodeType="mainSeq">
+                <p:childTnLst>
+                  <p:par>
+                    <p:cTn id="3" fill="hold">
+                      <p:stCondLst>
+                        <p:cond delay="indefinite"/>
+                        <p:cond evt="onBegin" delay="0">
+                          <p:tn val="2"/>
+                        </p:cond>
+                      </p:stCondLst>
+                      <p:childTnLst>
+                        <p:par>
+                          <p:cTn id="4" fill="hold">
+                            <p:stCondLst>
+                              <p:cond delay="0"/>
+                            </p:stCondLst>
+                            <p:childTnLst>
+                              <p:par>
+                                <p:cTn id="5" presetID="1" presetClass="entr" presetSubtype="0" fill="hold" grpId="0" nodeType="withEffect">
+                                  <p:stCondLst>
+                                    <p:cond delay="0"/>
+                                  </p:stCondLst>
+                                  <p:childTnLst>
+                                    <p:set>
+                                      <p:cBhvr>
+                                        <p:cTn id="6" dur="1" fill="hold">
+                                          <p:stCondLst>
+                                            <p:cond delay="0"/>
+                                          </p:stCondLst>
+                                        </p:cTn>
+                                        <p:tgtEl>
+                                          <p:spTgt spid="4">
+                                            <p:txEl>
+                                              <p:pRg st="0" end="0"/>
+                                            </p:txEl>
+                                          </p:spTgt>
+                                        </p:tgtEl>
+                                        <p:attrNameLst>
+                                          <p:attrName>style.visibility</p:attrName>
+                                        </p:attrNameLst>
+                                      </p:cBhvr>
+                                      <p:to>
+                                        <p:strVal val="visible"/>
+                                      </p:to>
+                                    </p:set>
+                                  </p:childTnLst>
+                                </p:cTn>
+                              </p:par>
+                            </p:childTnLst>
+                          </p:cTn>
+                        </p:par>
+                      </p:childTnLst>
+                    </p:cTn>
+                  </p:par>
+                  <p:par>
+                    <p:cTn id="7" fill="hold">
+                      <p:stCondLst>
+                        <p:cond delay="indefinite"/>
+                      </p:stCondLst>
+                      <p:childTnLst>
+                        <p:par>
+                          <p:cTn id="8" fill="hold">
+                            <p:stCondLst>
+                              <p:cond delay="0"/>
+                            </p:stCondLst>
+                            <p:childTnLst>
+                              <p:par>
+                                <p:cTn id="9" presetID="1" presetClass="entr" presetSubtype="0" fill="hold" grpId="0" nodeType="clickEffect">
+                                  <p:stCondLst>
+                                    <p:cond delay="0"/>
+                                  </p:stCondLst>
+                                  <p:childTnLst>
+                                    <p:set>
+                                      <p:cBhvr>
+                                        <p:cTn id="10" dur="1" fill="hold">
+                                          <p:stCondLst>
+                                            <p:cond delay="0"/>
+                                          </p:stCondLst>
+                                        </p:cTn>
+                                        <p:tgtEl>
+                                          <p:spTgt spid="4">
+                                            <p:txEl>
+                                              <p:pRg st="1" end="1"/>
+                                            </p:txEl>
+                                          </p:spTgt>
+                                        </p:tgtEl>
+                                        <p:attrNameLst>
+                                          <p:attrName>style.visibility</p:attrName>
+                                        </p:attrNameLst>
+                                      </p:cBhvr>
+                                      <p:to>
+                                        <p:strVal val="visible"/>
+                                      </p:to>
+                                    </p:set>
+                                  </p:childTnLst>
+                                </p:cTn>
+                              </p:par>
+                              <p:par>
+                                <p:cTn id="11" presetID="1" presetClass="entr" presetSubtype="0" fill="hold" grpId="0" nodeType="withEffect">
+                                  <p:stCondLst>
+                                    <p:cond delay="0"/>
+                                  </p:stCondLst>
+                                  <p:childTnLst>
+                                    <p:set>
+                                      <p:cBhvr>
+                                        <p:cTn id="12" dur="1" fill="hold">
+                                          <p:stCondLst>
+                                            <p:cond delay="0"/>
+                                          </p:stCondLst>
+                                        </p:cTn>
+                                        <p:tgtEl>
+                                          <p:spTgt spid="4">
+                                            <p:txEl>
+                                              <p:pRg st="2" end="2"/>
+                                            </p:txEl>
+                                          </p:spTgt>
+                                        </p:tgtEl>
+                                        <p:attrNameLst>
+                                          <p:attrName>style.visibility</p:attrName>
+                                        </p:attrNameLst>
+                                      </p:cBhvr>
+                                      <p:to>
+                                        <p:strVal val="visible"/>
+                                      </p:to>
+                                    </p:set>
+                                  </p:childTnLst>
+                                </p:cTn>
+                              </p:par>
+                            </p:childTnLst>
+                          </p:cTn>
+                        </p:par>
+                      </p:childTnLst>
+                    </p:cTn>
+                  </p:par>
+                  <p:par>
+                    <p:cTn id="13" fill="hold">
+                      <p:stCondLst>
+                        <p:cond delay="indefinite"/>
+                      </p:stCondLst>
+                      <p:childTnLst>
+                        <p:par>
+                          <p:cTn id="14" fill="hold">
+                            <p:stCondLst>
+                              <p:cond delay="0"/>
+                            </p:stCondLst>
+                            <p:childTnLst>
+                              <p:par>
+                                <p:cTn id="15" presetID="1" presetClass="entr" presetSubtype="0" fill="hold" grpId="0" nodeType="clickEffect">
+                                  <p:stCondLst>
+                                    <p:cond delay="0"/>
+                                  </p:stCondLst>
+                                  <p:childTnLst>
+                                    <p:set>
+                                      <p:cBhvr>
+                                        <p:cTn id="16" dur="1" fill="hold">
+                                          <p:stCondLst>
+                                            <p:cond delay="0"/>
+                                          </p:stCondLst>
+                                        </p:cTn>
+                                        <p:tgtEl>
+                                          <p:spTgt spid="4">
+                                            <p:txEl>
+                                              <p:pRg st="3" end="3"/>
+                                            </p:txEl>
+                                          </p:spTgt>
+                                        </p:tgtEl>
+                                        <p:attrNameLst>
+                                          <p:attrName>style.visibility</p:attrName>
+                                        </p:attrNameLst>
+                                      </p:cBhvr>
+                                      <p:to>
+                                        <p:strVal val="visible"/>
+                                      </p:to>
+                                    </p:set>
+                                  </p:childTnLst>
+                                </p:cTn>
+                              </p:par>
+                            </p:childTnLst>
+                          </p:cTn>
+                        </p:par>
+                      </p:childTnLst>
+                    </p:cTn>
+                  </p:par>
+                  <p:par>
+                    <p:cTn id="17" fill="hold">
+                      <p:stCondLst>
+                        <p:cond delay="indefinite"/>
+                      </p:stCondLst>
+                      <p:childTnLst>
+                        <p:par>
+                          <p:cTn id="18" fill="hold">
+                            <p:stCondLst>
+                              <p:cond delay="0"/>
+                            </p:stCondLst>
+                            <p:childTnLst>
+                              <p:par>
+                                <p:cTn id="19" presetID="1" presetClass="entr" presetSubtype="0" fill="hold" grpId="0" nodeType="clickEffect">
+                                  <p:stCondLst>
+                                    <p:cond delay="0"/>
+                                  </p:stCondLst>
+                                  <p:childTnLst>
+                                    <p:set>
+                                      <p:cBhvr>
+                                        <p:cTn id="20" dur="1" fill="hold">
+                                          <p:stCondLst>
+                                            <p:cond delay="0"/>
+                                          </p:stCondLst>
+                                        </p:cTn>
+                                        <p:tgtEl>
+                                          <p:spTgt spid="4">
+                                            <p:txEl>
+                                              <p:pRg st="4" end="4"/>
+                                            </p:txEl>
+                                          </p:spTgt>
+                                        </p:tgtEl>
+                                        <p:attrNameLst>
+                                          <p:attrName>style.visibility</p:attrName>
+                                        </p:attrNameLst>
+                                      </p:cBhvr>
+                                      <p:to>
+                                        <p:strVal val="visible"/>
+                                      </p:to>
+                                    </p:set>
+                                  </p:childTnLst>
+                                </p:cTn>
+                              </p:par>
+                            </p:childTnLst>
+                          </p:cTn>
+                        </p:par>
+                      </p:childTnLst>
+                    </p:cTn>
+                  </p:par>
+                  <p:par>
+                    <p:cTn id="21" fill="hold">
+                      <p:stCondLst>
+                        <p:cond delay="indefinite"/>
+                      </p:stCondLst>
+                      <p:childTnLst>
+                        <p:par>
+                          <p:cTn id="22" fill="hold">
+                            <p:stCondLst>
+                              <p:cond delay="0"/>
+                            </p:stCondLst>
+                            <p:childTnLst>
+                              <p:par>
+                                <p:cTn id="23" presetID="1" presetClass="entr" presetSubtype="0" fill="hold" grpId="0" nodeType="clickEffect">
+                                  <p:stCondLst>
+                                    <p:cond delay="0"/>
+                                  </p:stCondLst>
+                                  <p:childTnLst>
+                                    <p:set>
+                                      <p:cBhvr>
+                                        <p:cTn id="24" dur="1" fill="hold">
+                                          <p:stCondLst>
+                                            <p:cond delay="0"/>
+                                          </p:stCondLst>
+                                        </p:cTn>
+                                        <p:tgtEl>
+                                          <p:spTgt spid="4">
+                                            <p:txEl>
+                                              <p:pRg st="6" end="6"/>
+                                            </p:txEl>
+                                          </p:spTgt>
+                                        </p:tgtEl>
+                                        <p:attrNameLst>
+                                          <p:attrName>style.visibility</p:attrName>
+                                        </p:attrNameLst>
+                                      </p:cBhvr>
+                                      <p:to>
+                                        <p:strVal val="visible"/>
+                                      </p:to>
+                                    </p:set>
+                                  </p:childTnLst>
+                                </p:cTn>
+                              </p:par>
+                              <p:par>
+                                <p:cTn id="25" presetID="1" presetClass="entr" presetSubtype="0" fill="hold" grpId="0" nodeType="withEffect">
+                                  <p:stCondLst>
+                                    <p:cond delay="0"/>
+                                  </p:stCondLst>
+                                  <p:childTnLst>
+                                    <p:set>
+                                      <p:cBhvr>
+                                        <p:cTn id="26" dur="1" fill="hold">
+                                          <p:stCondLst>
+                                            <p:cond delay="0"/>
+                                          </p:stCondLst>
+                                        </p:cTn>
+                                        <p:tgtEl>
+                                          <p:spTgt spid="5"/>
+                                        </p:tgtEl>
+                                        <p:attrNameLst>
+                                          <p:attrName>style.visibility</p:attrName>
+                                        </p:attrNameLst>
+                                      </p:cBhvr>
+                                      <p:to>
+                                        <p:strVal val="visible"/>
+                                      </p:to>
+                                    </p:set>
+                                  </p:childTnLst>
+                                </p:cTn>
+                              </p:par>
+                            </p:childTnLst>
+                          </p:cTn>
+                        </p:par>
+                      </p:childTnLst>
+                    </p:cTn>
+                  </p:par>
+                </p:childTnLst>
+              </p:cTn>
+              <p:prevCondLst>
+                <p:cond evt="onPrev" delay="0">
+                  <p:tgtEl>
+                    <p:sldTgt/>
+                  </p:tgtEl>
+                </p:cond>
+              </p:prevCondLst>
+              <p:nextCondLst>
+                <p:cond evt="onNext" delay="0">
+                  <p:tgtEl>
+                    <p:sldTgt/>
+                  </p:tgtEl>
+                </p:cond>
+              </p:nextCondLst>
+            </p:seq>
+          </p:childTnLst>
+        </p:cTn>
       </p:par>
     </p:tnLst>
+    <p:bldLst>
+      <p:bldP spid="4" grpId="0" build="p"/>
+      <p:bldP spid="5" grpId="0" animBg="1"/>
+    </p:bldLst>
   </p:timing>
 </p:sld>
 </file>
@@ -20226,8 +20832,8 @@
         </p:nvSpPr>
         <p:spPr>
           <a:xfrm>
-            <a:off x="261865" y="2474928"/>
-            <a:ext cx="4967547" cy="1923283"/>
+            <a:off x="261865" y="1632940"/>
+            <a:ext cx="4967547" cy="3893935"/>
           </a:xfrm>
         </p:spPr>
         <p:txBody>
@@ -20242,287 +20848,241 @@
               </a:spcBef>
             </a:pPr>
             <a:r>
-              <a:rPr lang="en-US" sz="2300" spc="-5" dirty="0">
+              <a:rPr lang="en-US" spc="-5" dirty="0" smtClean="0">
                 <a:latin typeface="Times New Roman"/>
                 <a:cs typeface="Times New Roman"/>
               </a:rPr>
               <a:t>Overlap</a:t>
             </a:r>
             <a:r>
-              <a:rPr lang="en-US" sz="2300" spc="90" dirty="0">
-                <a:latin typeface="Times New Roman"/>
-                <a:cs typeface="Times New Roman"/>
-              </a:rPr>
-              <a:t> </a:t>
-            </a:r>
-            <a:r>
-              <a:rPr lang="en-US" sz="2300" spc="15" dirty="0">
+              <a:rPr lang="en-US" spc="90" dirty="0" smtClean="0">
+                <a:latin typeface="Times New Roman"/>
+                <a:cs typeface="Times New Roman"/>
+              </a:rPr>
+              <a:t> </a:t>
+            </a:r>
+            <a:r>
+              <a:rPr lang="en-US" spc="15" dirty="0" smtClean="0">
                 <a:latin typeface="Times New Roman"/>
                 <a:cs typeface="Times New Roman"/>
               </a:rPr>
               <a:t>can</a:t>
             </a:r>
             <a:r>
-              <a:rPr lang="en-US" sz="2300" spc="90" dirty="0">
-                <a:latin typeface="Times New Roman"/>
-                <a:cs typeface="Times New Roman"/>
-              </a:rPr>
-              <a:t> </a:t>
-            </a:r>
-            <a:r>
-              <a:rPr lang="en-US" sz="2300" spc="40" dirty="0">
+              <a:rPr lang="en-US" spc="90" dirty="0" smtClean="0">
+                <a:latin typeface="Times New Roman"/>
+                <a:cs typeface="Times New Roman"/>
+              </a:rPr>
+              <a:t> </a:t>
+            </a:r>
+            <a:r>
+              <a:rPr lang="en-US" spc="40" dirty="0" smtClean="0">
                 <a:latin typeface="Times New Roman"/>
                 <a:cs typeface="Times New Roman"/>
               </a:rPr>
               <a:t>b</a:t>
             </a:r>
             <a:r>
-              <a:rPr lang="en-US" sz="2300" spc="-5" dirty="0">
+              <a:rPr lang="en-US" spc="-5" dirty="0" smtClean="0">
                 <a:latin typeface="Times New Roman"/>
                 <a:cs typeface="Times New Roman"/>
               </a:rPr>
               <a:t>e</a:t>
             </a:r>
             <a:r>
-              <a:rPr lang="en-US" sz="2300" spc="85" dirty="0">
-                <a:latin typeface="Times New Roman"/>
-                <a:cs typeface="Times New Roman"/>
-              </a:rPr>
-              <a:t> </a:t>
-            </a:r>
-            <a:r>
-              <a:rPr lang="en-US" sz="2300" dirty="0">
+              <a:rPr lang="en-US" spc="85" dirty="0" smtClean="0">
+                <a:latin typeface="Times New Roman"/>
+                <a:cs typeface="Times New Roman"/>
+              </a:rPr>
+              <a:t> </a:t>
+            </a:r>
+            <a:r>
+              <a:rPr lang="en-US" dirty="0" smtClean="0">
                 <a:latin typeface="Times New Roman"/>
                 <a:cs typeface="Times New Roman"/>
               </a:rPr>
               <a:t>used</a:t>
             </a:r>
             <a:r>
-              <a:rPr lang="en-US" sz="2300" spc="90" dirty="0">
-                <a:latin typeface="Times New Roman"/>
-                <a:cs typeface="Times New Roman"/>
-              </a:rPr>
-              <a:t> </a:t>
-            </a:r>
-            <a:r>
-              <a:rPr lang="en-US" sz="2300" spc="35" dirty="0">
+              <a:rPr lang="en-US" spc="90" dirty="0" smtClean="0">
+                <a:latin typeface="Times New Roman"/>
+                <a:cs typeface="Times New Roman"/>
+              </a:rPr>
+              <a:t> </a:t>
+            </a:r>
+            <a:r>
+              <a:rPr lang="en-US" spc="35" dirty="0" smtClean="0">
                 <a:latin typeface="Times New Roman"/>
                 <a:cs typeface="Times New Roman"/>
               </a:rPr>
               <a:t>to</a:t>
             </a:r>
             <a:r>
-              <a:rPr lang="en-US" sz="2300" spc="85" dirty="0">
-                <a:latin typeface="Times New Roman"/>
-                <a:cs typeface="Times New Roman"/>
-              </a:rPr>
-              <a:t> </a:t>
-            </a:r>
-            <a:r>
-              <a:rPr lang="en-US" sz="2300" spc="25" dirty="0">
+              <a:rPr lang="en-US" spc="85" dirty="0" smtClean="0">
+                <a:latin typeface="Times New Roman"/>
+                <a:cs typeface="Times New Roman"/>
+              </a:rPr>
+              <a:t> </a:t>
+            </a:r>
+            <a:r>
+              <a:rPr lang="en-US" spc="25" dirty="0" smtClean="0">
                 <a:latin typeface="Times New Roman"/>
                 <a:cs typeface="Times New Roman"/>
               </a:rPr>
               <a:t>get</a:t>
             </a:r>
             <a:r>
-              <a:rPr lang="en-US" sz="2300" spc="90" dirty="0">
-                <a:latin typeface="Times New Roman"/>
-                <a:cs typeface="Times New Roman"/>
-              </a:rPr>
-              <a:t> </a:t>
-            </a:r>
-            <a:r>
-              <a:rPr lang="en-US" sz="2300" spc="5" dirty="0">
+              <a:rPr lang="en-US" spc="90" dirty="0" smtClean="0">
+                <a:latin typeface="Times New Roman"/>
+                <a:cs typeface="Times New Roman"/>
+              </a:rPr>
+              <a:t> </a:t>
+            </a:r>
+            <a:r>
+              <a:rPr lang="en-US" spc="5" dirty="0" smtClean="0">
                 <a:latin typeface="Times New Roman"/>
                 <a:cs typeface="Times New Roman"/>
               </a:rPr>
               <a:t>back</a:t>
             </a:r>
             <a:r>
-              <a:rPr lang="en-US" sz="2300" spc="90" dirty="0">
-                <a:latin typeface="Times New Roman"/>
-                <a:cs typeface="Times New Roman"/>
-              </a:rPr>
-              <a:t> </a:t>
-            </a:r>
-            <a:r>
-              <a:rPr lang="en-US" sz="2300" spc="-10" dirty="0">
+              <a:rPr lang="en-US" spc="90" dirty="0" smtClean="0">
+                <a:latin typeface="Times New Roman"/>
+                <a:cs typeface="Times New Roman"/>
+              </a:rPr>
+              <a:t> </a:t>
+            </a:r>
+            <a:r>
+              <a:rPr lang="en-US" spc="-10" dirty="0" smtClean="0">
                 <a:latin typeface="Times New Roman"/>
                 <a:cs typeface="Times New Roman"/>
               </a:rPr>
               <a:t>some</a:t>
             </a:r>
             <a:r>
-              <a:rPr lang="en-US" sz="2300" spc="-5" dirty="0">
-                <a:latin typeface="Times New Roman"/>
-                <a:cs typeface="Times New Roman"/>
-              </a:rPr>
-              <a:t> </a:t>
-            </a:r>
-            <a:r>
-              <a:rPr lang="en-US" sz="2300" spc="-25" dirty="0">
+              <a:rPr lang="en-US" spc="-5" dirty="0" smtClean="0">
+                <a:latin typeface="Times New Roman"/>
+                <a:cs typeface="Times New Roman"/>
+              </a:rPr>
+              <a:t> </a:t>
+            </a:r>
+            <a:r>
+              <a:rPr lang="en-US" spc="-25" dirty="0" smtClean="0">
                 <a:latin typeface="Times New Roman"/>
                 <a:cs typeface="Times New Roman"/>
               </a:rPr>
               <a:t>of</a:t>
             </a:r>
             <a:r>
-              <a:rPr lang="en-US" sz="2300" spc="85" dirty="0">
-                <a:latin typeface="Times New Roman"/>
-                <a:cs typeface="Times New Roman"/>
-              </a:rPr>
-              <a:t> </a:t>
-            </a:r>
-            <a:r>
-              <a:rPr lang="en-US" sz="2300" spc="30" dirty="0">
+              <a:rPr lang="en-US" spc="85" dirty="0" smtClean="0">
+                <a:latin typeface="Times New Roman"/>
+                <a:cs typeface="Times New Roman"/>
+              </a:rPr>
+              <a:t> </a:t>
+            </a:r>
+            <a:r>
+              <a:rPr lang="en-US" spc="30" dirty="0" smtClean="0">
                 <a:latin typeface="Times New Roman"/>
                 <a:cs typeface="Times New Roman"/>
               </a:rPr>
               <a:t>the</a:t>
             </a:r>
             <a:r>
-              <a:rPr lang="en-US" sz="2300" spc="90" dirty="0">
-                <a:latin typeface="Times New Roman"/>
-                <a:cs typeface="Times New Roman"/>
-              </a:rPr>
-              <a:t> </a:t>
-            </a:r>
-            <a:r>
-              <a:rPr lang="en-US" sz="2300" spc="-5" dirty="0">
+              <a:rPr lang="en-US" spc="90" dirty="0" smtClean="0">
+                <a:latin typeface="Times New Roman"/>
+                <a:cs typeface="Times New Roman"/>
+              </a:rPr>
+              <a:t> </a:t>
+            </a:r>
+            <a:r>
+              <a:rPr lang="en-US" spc="-5" dirty="0" smtClean="0">
                 <a:latin typeface="Times New Roman"/>
                 <a:cs typeface="Times New Roman"/>
               </a:rPr>
               <a:t>asynchrony</a:t>
             </a:r>
             <a:r>
-              <a:rPr lang="en-US" sz="2300" spc="90" dirty="0">
-                <a:latin typeface="Times New Roman"/>
-                <a:cs typeface="Times New Roman"/>
-              </a:rPr>
-              <a:t> </a:t>
-            </a:r>
-            <a:r>
-              <a:rPr lang="en-US" sz="2300" spc="-5" dirty="0">
+              <a:rPr lang="en-US" spc="90" dirty="0" smtClean="0">
+                <a:latin typeface="Times New Roman"/>
+                <a:cs typeface="Times New Roman"/>
+              </a:rPr>
+              <a:t> </a:t>
+            </a:r>
+            <a:r>
+              <a:rPr lang="en-US" spc="-5" dirty="0" smtClean="0">
                 <a:latin typeface="Times New Roman"/>
                 <a:cs typeface="Times New Roman"/>
               </a:rPr>
               <a:t>within</a:t>
             </a:r>
             <a:r>
-              <a:rPr lang="en-US" sz="2300" spc="90" dirty="0">
-                <a:latin typeface="Times New Roman"/>
-                <a:cs typeface="Times New Roman"/>
-              </a:rPr>
-              <a:t> </a:t>
-            </a:r>
-            <a:r>
-              <a:rPr lang="en-US" sz="2300" spc="30" dirty="0">
+              <a:rPr lang="en-US" spc="90" dirty="0" smtClean="0">
+                <a:latin typeface="Times New Roman"/>
+                <a:cs typeface="Times New Roman"/>
+              </a:rPr>
+              <a:t> </a:t>
+            </a:r>
+            <a:r>
+              <a:rPr lang="en-US" spc="30" dirty="0" smtClean="0">
                 <a:latin typeface="Times New Roman"/>
                 <a:cs typeface="Times New Roman"/>
               </a:rPr>
               <a:t>a</a:t>
             </a:r>
             <a:r>
-              <a:rPr lang="en-US" sz="2300" spc="85" dirty="0">
-                <a:latin typeface="Times New Roman"/>
-                <a:cs typeface="Times New Roman"/>
-              </a:rPr>
-              <a:t> </a:t>
-            </a:r>
-            <a:r>
-              <a:rPr lang="en-US" sz="2300" spc="-5" dirty="0">
+              <a:rPr lang="en-US" spc="85" dirty="0" smtClean="0">
+                <a:latin typeface="Times New Roman"/>
+                <a:cs typeface="Times New Roman"/>
+              </a:rPr>
+              <a:t> </a:t>
+            </a:r>
+            <a:r>
+              <a:rPr lang="en-US" spc="-5" dirty="0" err="1" smtClean="0">
                 <a:latin typeface="Times New Roman"/>
                 <a:cs typeface="Times New Roman"/>
               </a:rPr>
               <a:t>c</a:t>
             </a:r>
             <a:r>
-              <a:rPr lang="en-US" sz="2300" spc="20" dirty="0">
+              <a:rPr lang="en-US" spc="20" dirty="0" err="1" smtClean="0">
                 <a:latin typeface="Times New Roman"/>
                 <a:cs typeface="Times New Roman"/>
               </a:rPr>
               <a:t>h</a:t>
             </a:r>
             <a:r>
-              <a:rPr lang="en-US" sz="2300" spc="-15" dirty="0">
+              <a:rPr lang="en-US" spc="-15" dirty="0" err="1" smtClean="0">
                 <a:latin typeface="Times New Roman"/>
                 <a:cs typeface="Times New Roman"/>
               </a:rPr>
               <a:t>a</a:t>
             </a:r>
             <a:r>
-              <a:rPr lang="en-US" sz="2300" dirty="0">
+              <a:rPr lang="en-US" dirty="0" err="1" smtClean="0">
                 <a:latin typeface="Times New Roman"/>
                 <a:cs typeface="Times New Roman"/>
               </a:rPr>
               <a:t>re</a:t>
             </a:r>
-          </a:p>
-          <a:p>
-            <a:pPr marL="323850" indent="-171450">
-              <a:spcBef>
-                <a:spcPts val="0"/>
-              </a:spcBef>
-              <a:buFont typeface="Wingdings" charset="2"/>
-              <a:buChar char="Ø"/>
-            </a:pPr>
-            <a:r>
-              <a:rPr lang="en-US" sz="1800" spc="25" dirty="0">
-                <a:latin typeface="Times New Roman"/>
-                <a:cs typeface="Times New Roman"/>
-              </a:rPr>
-              <a:t>But</a:t>
-            </a:r>
-            <a:r>
-              <a:rPr lang="en-US" sz="1800" spc="80" dirty="0">
-                <a:latin typeface="Times New Roman"/>
-                <a:cs typeface="Times New Roman"/>
-              </a:rPr>
-              <a:t> </a:t>
-            </a:r>
-            <a:r>
-              <a:rPr lang="en-US" sz="1800" spc="15" dirty="0">
-                <a:latin typeface="Times New Roman"/>
-                <a:cs typeface="Times New Roman"/>
-              </a:rPr>
-              <a:t>it</a:t>
-            </a:r>
-            <a:r>
-              <a:rPr lang="en-US" sz="1800" spc="80" dirty="0">
-                <a:latin typeface="Times New Roman"/>
-                <a:cs typeface="Times New Roman"/>
-              </a:rPr>
-              <a:t> </a:t>
-            </a:r>
-            <a:r>
-              <a:rPr lang="en-US" sz="1800" spc="-30" dirty="0">
-                <a:latin typeface="Times New Roman"/>
-                <a:cs typeface="Times New Roman"/>
-              </a:rPr>
-              <a:t>is</a:t>
-            </a:r>
-            <a:r>
-              <a:rPr lang="en-US" sz="1800" spc="80" dirty="0">
-                <a:latin typeface="Times New Roman"/>
-                <a:cs typeface="Times New Roman"/>
-              </a:rPr>
-              <a:t> </a:t>
-            </a:r>
-            <a:r>
-              <a:rPr lang="en-US" sz="1800" spc="5" dirty="0">
-                <a:latin typeface="Times New Roman"/>
-                <a:cs typeface="Times New Roman"/>
-              </a:rPr>
-              <a:t>constrained</a:t>
-            </a:r>
-            <a:endParaRPr lang="en-US" sz="1800" dirty="0">
+            <a:endParaRPr lang="en-US" dirty="0" smtClean="0">
               <a:latin typeface="Times New Roman"/>
               <a:cs typeface="Times New Roman"/>
             </a:endParaRPr>
           </a:p>
           <a:p>
-            <a:pPr marL="323850" marR="555625" indent="-171450">
+            <a:pPr marL="0" marR="12700" indent="0">
+              <a:spcBef>
+                <a:spcPts val="0"/>
+              </a:spcBef>
+              <a:buNone/>
+            </a:pPr>
+            <a:endParaRPr lang="en-US" dirty="0" smtClean="0">
+              <a:latin typeface="Times New Roman"/>
+              <a:cs typeface="Times New Roman"/>
+            </a:endParaRPr>
+          </a:p>
+          <a:p>
+            <a:pPr marL="323850" indent="-171450">
               <a:spcBef>
                 <a:spcPts val="0"/>
               </a:spcBef>
@@ -20530,112 +21090,182 @@
               <a:buChar char="Ø"/>
             </a:pPr>
             <a:r>
-              <a:rPr lang="en-US" sz="1800" dirty="0">
+              <a:rPr lang="en-US" spc="25" dirty="0" smtClean="0">
+                <a:latin typeface="Times New Roman"/>
+                <a:cs typeface="Times New Roman"/>
+              </a:rPr>
+              <a:t>But</a:t>
+            </a:r>
+            <a:r>
+              <a:rPr lang="en-US" spc="80" dirty="0" smtClean="0">
+                <a:latin typeface="Times New Roman"/>
+                <a:cs typeface="Times New Roman"/>
+              </a:rPr>
+              <a:t> </a:t>
+            </a:r>
+            <a:r>
+              <a:rPr lang="en-US" spc="15" dirty="0" smtClean="0">
+                <a:latin typeface="Times New Roman"/>
+                <a:cs typeface="Times New Roman"/>
+              </a:rPr>
+              <a:t>it</a:t>
+            </a:r>
+            <a:r>
+              <a:rPr lang="en-US" spc="80" dirty="0" smtClean="0">
+                <a:latin typeface="Times New Roman"/>
+                <a:cs typeface="Times New Roman"/>
+              </a:rPr>
+              <a:t> </a:t>
+            </a:r>
+            <a:r>
+              <a:rPr lang="en-US" spc="-30" dirty="0" smtClean="0">
+                <a:latin typeface="Times New Roman"/>
+                <a:cs typeface="Times New Roman"/>
+              </a:rPr>
+              <a:t>is</a:t>
+            </a:r>
+            <a:r>
+              <a:rPr lang="en-US" spc="80" dirty="0" smtClean="0">
+                <a:latin typeface="Times New Roman"/>
+                <a:cs typeface="Times New Roman"/>
+              </a:rPr>
+              <a:t> </a:t>
+            </a:r>
+            <a:r>
+              <a:rPr lang="en-US" spc="5" dirty="0" smtClean="0">
+                <a:latin typeface="Times New Roman"/>
+                <a:cs typeface="Times New Roman"/>
+              </a:rPr>
+              <a:t>constrained</a:t>
+            </a:r>
+          </a:p>
+          <a:p>
+            <a:pPr marL="152400" indent="0">
+              <a:spcBef>
+                <a:spcPts val="0"/>
+              </a:spcBef>
+              <a:buNone/>
+            </a:pPr>
+            <a:endParaRPr lang="en-US" dirty="0" smtClean="0">
+              <a:latin typeface="Times New Roman"/>
+              <a:cs typeface="Times New Roman"/>
+            </a:endParaRPr>
+          </a:p>
+          <a:p>
+            <a:pPr marL="323850" marR="555625" indent="-171450">
+              <a:spcBef>
+                <a:spcPts val="0"/>
+              </a:spcBef>
+              <a:buFont typeface="Wingdings" charset="2"/>
+              <a:buChar char="Ø"/>
+            </a:pPr>
+            <a:r>
+              <a:rPr lang="en-US" dirty="0" smtClean="0">
                 <a:latin typeface="Times New Roman"/>
                 <a:cs typeface="Times New Roman"/>
               </a:rPr>
               <a:t>Ma</a:t>
             </a:r>
             <a:r>
-              <a:rPr lang="en-US" sz="1800" spc="-30" dirty="0">
+              <a:rPr lang="en-US" spc="-30" dirty="0" smtClean="0">
                 <a:latin typeface="Times New Roman"/>
                 <a:cs typeface="Times New Roman"/>
               </a:rPr>
               <a:t>k</a:t>
             </a:r>
             <a:r>
-              <a:rPr lang="en-US" sz="1800" spc="-5" dirty="0">
+              <a:rPr lang="en-US" spc="-5" dirty="0" smtClean="0">
                 <a:latin typeface="Times New Roman"/>
                 <a:cs typeface="Times New Roman"/>
               </a:rPr>
               <a:t>es</a:t>
             </a:r>
             <a:r>
-              <a:rPr lang="en-US" sz="1800" spc="80" dirty="0">
-                <a:latin typeface="Times New Roman"/>
-                <a:cs typeface="Times New Roman"/>
-              </a:rPr>
-              <a:t> </a:t>
-            </a:r>
-            <a:r>
-              <a:rPr lang="en-US" sz="1800" spc="-15" dirty="0">
+              <a:rPr lang="en-US" spc="80" dirty="0" smtClean="0">
+                <a:latin typeface="Times New Roman"/>
+                <a:cs typeface="Times New Roman"/>
+              </a:rPr>
+              <a:t> </a:t>
+            </a:r>
+            <a:r>
+              <a:rPr lang="en-US" spc="-15" dirty="0" smtClean="0">
                 <a:latin typeface="Times New Roman"/>
                 <a:cs typeface="Times New Roman"/>
               </a:rPr>
               <a:t>f</a:t>
             </a:r>
             <a:r>
-              <a:rPr lang="en-US" sz="1800" spc="-50" dirty="0">
+              <a:rPr lang="en-US" spc="-50" dirty="0" smtClean="0">
                 <a:latin typeface="Times New Roman"/>
                 <a:cs typeface="Times New Roman"/>
               </a:rPr>
               <a:t>o</a:t>
             </a:r>
             <a:r>
-              <a:rPr lang="en-US" sz="1800" spc="5" dirty="0">
+              <a:rPr lang="en-US" spc="5" dirty="0" smtClean="0">
                 <a:latin typeface="Times New Roman"/>
                 <a:cs typeface="Times New Roman"/>
               </a:rPr>
               <a:t>r</a:t>
             </a:r>
             <a:r>
-              <a:rPr lang="en-US" sz="1800" spc="80" dirty="0">
-                <a:latin typeface="Times New Roman"/>
-                <a:cs typeface="Times New Roman"/>
-              </a:rPr>
-              <a:t> </a:t>
-            </a:r>
-            <a:r>
-              <a:rPr lang="en-US" sz="1800" dirty="0">
+              <a:rPr lang="en-US" spc="80" dirty="0" smtClean="0">
+                <a:latin typeface="Times New Roman"/>
+                <a:cs typeface="Times New Roman"/>
+              </a:rPr>
+              <a:t> </a:t>
+            </a:r>
+            <a:r>
+              <a:rPr lang="en-US" dirty="0" smtClean="0">
                 <a:latin typeface="Times New Roman"/>
                 <a:cs typeface="Times New Roman"/>
               </a:rPr>
               <a:t>m</a:t>
             </a:r>
             <a:r>
-              <a:rPr lang="en-US" sz="1800" spc="-30" dirty="0">
+              <a:rPr lang="en-US" spc="-30" dirty="0" smtClean="0">
                 <a:latin typeface="Times New Roman"/>
                 <a:cs typeface="Times New Roman"/>
               </a:rPr>
               <a:t>o</a:t>
             </a:r>
             <a:r>
-              <a:rPr lang="en-US" sz="1800" dirty="0">
+              <a:rPr lang="en-US" dirty="0" smtClean="0">
                 <a:latin typeface="Times New Roman"/>
                 <a:cs typeface="Times New Roman"/>
               </a:rPr>
               <a:t>re</a:t>
             </a:r>
             <a:r>
-              <a:rPr lang="en-US" sz="1800" spc="80" dirty="0">
-                <a:latin typeface="Times New Roman"/>
-                <a:cs typeface="Times New Roman"/>
-              </a:rPr>
-              <a:t> </a:t>
-            </a:r>
-            <a:r>
-              <a:rPr lang="en-US" sz="1800" spc="-15" dirty="0">
+              <a:rPr lang="en-US" spc="80" dirty="0" smtClean="0">
+                <a:latin typeface="Times New Roman"/>
+                <a:cs typeface="Times New Roman"/>
+              </a:rPr>
+              <a:t> </a:t>
+            </a:r>
+            <a:r>
+              <a:rPr lang="en-US" spc="-15" dirty="0" smtClean="0">
                 <a:latin typeface="Times New Roman"/>
                 <a:cs typeface="Times New Roman"/>
               </a:rPr>
               <a:t>disciplined</a:t>
             </a:r>
             <a:r>
-              <a:rPr lang="en-US" sz="1800" spc="-10" dirty="0">
-                <a:latin typeface="Times New Roman"/>
-                <a:cs typeface="Times New Roman"/>
-              </a:rPr>
-              <a:t> </a:t>
-            </a:r>
-            <a:r>
-              <a:rPr lang="en-US" sz="1800" spc="-20" dirty="0">
+              <a:rPr lang="en-US" spc="-10" dirty="0" smtClean="0">
+                <a:latin typeface="Times New Roman"/>
+                <a:cs typeface="Times New Roman"/>
+              </a:rPr>
+              <a:t> </a:t>
+            </a:r>
+            <a:r>
+              <a:rPr lang="en-US" spc="-20" dirty="0" smtClean="0">
                 <a:latin typeface="Times New Roman"/>
                 <a:cs typeface="Times New Roman"/>
               </a:rPr>
               <a:t>p</a:t>
             </a:r>
             <a:r>
-              <a:rPr lang="en-US" sz="1800" dirty="0">
+              <a:rPr lang="en-US" dirty="0" smtClean="0">
                 <a:latin typeface="Times New Roman"/>
                 <a:cs typeface="Times New Roman"/>
               </a:rPr>
@@ -20651,69 +21281,69 @@
               <a:buChar char=""/>
             </a:pPr>
             <a:r>
-              <a:rPr lang="en-US" sz="1600" spc="10" dirty="0" smtClean="0">
+              <a:rPr lang="en-US" spc="10" dirty="0" smtClean="0">
                 <a:latin typeface="Times New Roman"/>
                 <a:cs typeface="Times New Roman"/>
               </a:rPr>
               <a:t>with</a:t>
             </a:r>
             <a:r>
-              <a:rPr lang="en-US" sz="1600" spc="80" dirty="0" smtClean="0">
-                <a:latin typeface="Times New Roman"/>
-                <a:cs typeface="Times New Roman"/>
-              </a:rPr>
-              <a:t> </a:t>
-            </a:r>
-            <a:r>
-              <a:rPr lang="en-US" sz="1600" spc="-15" dirty="0">
+              <a:rPr lang="en-US" spc="80" dirty="0" smtClean="0">
+                <a:latin typeface="Times New Roman"/>
+                <a:cs typeface="Times New Roman"/>
+              </a:rPr>
+              <a:t> </a:t>
+            </a:r>
+            <a:r>
+              <a:rPr lang="en-US" spc="-15" dirty="0" smtClean="0">
                 <a:latin typeface="Times New Roman"/>
                 <a:cs typeface="Times New Roman"/>
               </a:rPr>
               <a:t>fe</a:t>
             </a:r>
             <a:r>
-              <a:rPr lang="en-US" sz="1600" spc="-50" dirty="0">
+              <a:rPr lang="en-US" spc="-50" dirty="0" smtClean="0">
                 <a:latin typeface="Times New Roman"/>
                 <a:cs typeface="Times New Roman"/>
               </a:rPr>
               <a:t>w</a:t>
             </a:r>
             <a:r>
-              <a:rPr lang="en-US" sz="1600" spc="10" dirty="0">
+              <a:rPr lang="en-US" spc="10" dirty="0" smtClean="0">
                 <a:latin typeface="Times New Roman"/>
                 <a:cs typeface="Times New Roman"/>
               </a:rPr>
               <a:t>er</a:t>
             </a:r>
             <a:r>
-              <a:rPr lang="en-US" sz="1600" spc="80" dirty="0">
-                <a:latin typeface="Times New Roman"/>
-                <a:cs typeface="Times New Roman"/>
-              </a:rPr>
-              <a:t> </a:t>
-            </a:r>
-            <a:r>
-              <a:rPr lang="en-US" sz="1600" spc="15" dirty="0">
+              <a:rPr lang="en-US" spc="80" dirty="0" smtClean="0">
+                <a:latin typeface="Times New Roman"/>
+                <a:cs typeface="Times New Roman"/>
+              </a:rPr>
+              <a:t> </a:t>
+            </a:r>
+            <a:r>
+              <a:rPr lang="en-US" spc="15" dirty="0" smtClean="0">
                 <a:latin typeface="Times New Roman"/>
                 <a:cs typeface="Times New Roman"/>
               </a:rPr>
               <a:t>race</a:t>
             </a:r>
             <a:r>
-              <a:rPr lang="en-US" sz="1600" spc="80" dirty="0">
-                <a:latin typeface="Times New Roman"/>
-                <a:cs typeface="Times New Roman"/>
-              </a:rPr>
-              <a:t> </a:t>
-            </a:r>
-            <a:r>
-              <a:rPr lang="en-US" sz="1600" spc="10" dirty="0" smtClean="0">
+              <a:rPr lang="en-US" spc="80" dirty="0" smtClean="0">
+                <a:latin typeface="Times New Roman"/>
+                <a:cs typeface="Times New Roman"/>
+              </a:rPr>
+              <a:t> </a:t>
+            </a:r>
+            <a:r>
+              <a:rPr lang="en-US" spc="10" dirty="0" smtClean="0">
                 <a:latin typeface="Times New Roman"/>
                 <a:cs typeface="Times New Roman"/>
               </a:rPr>
               <a:t>conditions</a:t>
             </a:r>
-            <a:endParaRPr lang="en-US" sz="1600" dirty="0">
+            <a:endParaRPr lang="en-US" dirty="0">
               <a:latin typeface="Times New Roman"/>
               <a:cs typeface="Times New Roman"/>
             </a:endParaRPr>
@@ -20737,8 +21367,28 @@
           <a:p>
             <a:pPr algn="r"/>
             <a:r>
-              <a:rPr lang="en-US" smtClean="0"/>
-              <a:t>Laxmikant Kalé and PPL (UIUC) – Parallel Migratable Objects </a:t>
+              <a:rPr lang="en-US" dirty="0" err="1" smtClean="0"/>
+              <a:t>Laxmikant</a:t>
+            </a:r>
+            <a:r>
+              <a:rPr lang="en-US" dirty="0" smtClean="0"/>
+              <a:t> </a:t>
+            </a:r>
+            <a:r>
+              <a:rPr lang="en-US" dirty="0" err="1" smtClean="0"/>
+              <a:t>Kalé</a:t>
+            </a:r>
+            <a:r>
+              <a:rPr lang="en-US" dirty="0" smtClean="0"/>
+              <a:t> and PPL (UIUC) – Parallel </a:t>
+            </a:r>
+            <a:r>
+              <a:rPr lang="en-US" dirty="0" err="1" smtClean="0"/>
+              <a:t>Migratable</a:t>
+            </a:r>
+            <a:r>
+              <a:rPr lang="en-US" dirty="0" smtClean="0"/>
+              <a:t> Objects </a:t>
             </a:r>
             <a:endParaRPr lang="en-US" dirty="0"/>
           </a:p>
@@ -25456,8 +26106,23 @@
                 <a:latin typeface="Times New Roman"/>
                 <a:cs typeface="Times New Roman"/>
               </a:rPr>
-              <a:t>pattern.</a:t>
-            </a:r>
+              <a:t>pattern</a:t>
+            </a:r>
+            <a:r>
+              <a:rPr lang="en-US" spc="30" dirty="0" smtClean="0">
+                <a:latin typeface="Times New Roman"/>
+                <a:cs typeface="Times New Roman"/>
+              </a:rPr>
+              <a:t>.</a:t>
+            </a:r>
+          </a:p>
+          <a:p>
+            <a:pPr marL="0" marR="12700" indent="0">
+              <a:spcBef>
+                <a:spcPts val="0"/>
+              </a:spcBef>
+              <a:buNone/>
+            </a:pPr>
             <a:endParaRPr lang="en-US" dirty="0">
               <a:latin typeface="Times New Roman"/>
               <a:cs typeface="Times New Roman"/>
@@ -25733,8 +26398,23 @@
                 <a:latin typeface="Times New Roman"/>
                 <a:cs typeface="Times New Roman"/>
               </a:rPr>
-              <a:t>etc.</a:t>
-            </a:r>
+              <a:t>etc</a:t>
+            </a:r>
+            <a:r>
+              <a:rPr lang="en-US" spc="25" dirty="0" smtClean="0">
+                <a:latin typeface="Times New Roman"/>
+                <a:cs typeface="Times New Roman"/>
+              </a:rPr>
+              <a:t>.</a:t>
+            </a:r>
+          </a:p>
+          <a:p>
+            <a:pPr marL="0" marR="274320" indent="0">
+              <a:spcBef>
+                <a:spcPts val="0"/>
+              </a:spcBef>
+              <a:buNone/>
+            </a:pPr>
             <a:endParaRPr lang="en-US" dirty="0">
               <a:latin typeface="Times New Roman"/>
               <a:cs typeface="Times New Roman"/>
@@ -27807,6 +28487,81 @@
               </a:rPr>
               <a:t>;</a:t>
             </a:r>
+          </a:p>
+          <a:p>
+            <a:pPr marL="0" indent="0">
+              <a:buNone/>
+            </a:pPr>
+            <a:r>
+              <a:rPr lang="en-US" dirty="0">
+                <a:latin typeface="Consolas"/>
+                <a:cs typeface="Consolas"/>
+              </a:rPr>
+              <a:t> </a:t>
+            </a:r>
+            <a:r>
+              <a:rPr lang="en-US" dirty="0" smtClean="0">
+                <a:latin typeface="Consolas"/>
+                <a:cs typeface="Consolas"/>
+              </a:rPr>
+              <a:t>        thisProxy</a:t>
+            </a:r>
+            <a:r>
+              <a:rPr lang="en-US" dirty="0">
+                <a:latin typeface="Consolas"/>
+                <a:cs typeface="Consolas"/>
+              </a:rPr>
+              <a:t>(wrapX(</a:t>
+            </a:r>
+            <a:r>
+              <a:rPr lang="en-US" dirty="0" smtClean="0">
+                <a:latin typeface="Consolas"/>
+                <a:cs typeface="Consolas"/>
+              </a:rPr>
+              <a:t>x-1</a:t>
+            </a:r>
+            <a:r>
+              <a:rPr lang="en-US" dirty="0">
+                <a:latin typeface="Consolas"/>
+                <a:cs typeface="Consolas"/>
+              </a:rPr>
+              <a:t>),</a:t>
+            </a:r>
+            <a:r>
+              <a:rPr lang="en-US" dirty="0" smtClean="0">
+                <a:latin typeface="Consolas"/>
+                <a:cs typeface="Consolas"/>
+              </a:rPr>
+              <a:t>y)</a:t>
+            </a:r>
+            <a:r>
+              <a:rPr lang="en-US" dirty="0">
+                <a:latin typeface="Consolas"/>
+                <a:cs typeface="Consolas"/>
+              </a:rPr>
+              <a:t>.updateGhosts(iter, RIGHT, </a:t>
+            </a:r>
+            <a:r>
+              <a:rPr lang="en-US" dirty="0" err="1" smtClean="0">
+                <a:latin typeface="Consolas"/>
+                <a:cs typeface="Consolas"/>
+              </a:rPr>
+              <a:t>bdY</a:t>
+            </a:r>
+            <a:r>
+              <a:rPr lang="en-US" dirty="0" smtClean="0">
+                <a:latin typeface="Consolas"/>
+                <a:cs typeface="Consolas"/>
+              </a:rPr>
+              <a:t>, </a:t>
+            </a:r>
+            <a:r>
+              <a:rPr lang="en-US" dirty="0">
+                <a:latin typeface="Consolas"/>
+                <a:cs typeface="Consolas"/>
+              </a:rPr>
+              <a:t>rightGhost); </a:t>
+            </a:r>
             <a:endParaRPr lang="en-US" dirty="0" smtClean="0">
               <a:latin typeface="Consolas"/>
               <a:cs typeface="Consolas"/>
@@ -27835,56 +28590,42 @@
                 <a:latin typeface="Consolas"/>
                 <a:cs typeface="Consolas"/>
               </a:rPr>
-              <a:t>(wrapX(</a:t>
+              <a:t>(wrapX(x+1),</a:t>
             </a:r>
             <a:r>
               <a:rPr lang="en-US" dirty="0" smtClean="0">
                 <a:latin typeface="Consolas"/>
                 <a:cs typeface="Consolas"/>
               </a:rPr>
-              <a:t>x-1</a:t>
+              <a:t>y)</a:t>
             </a:r>
             <a:r>
               <a:rPr lang="en-US" dirty="0">
                 <a:latin typeface="Consolas"/>
                 <a:cs typeface="Consolas"/>
               </a:rPr>
-              <a:t>),</a:t>
+              <a:t>.updateGhosts(iter, LEFT, </a:t>
+            </a:r>
+            <a:r>
+              <a:rPr lang="en-US" dirty="0" err="1" smtClean="0">
+                <a:latin typeface="Consolas"/>
+                <a:cs typeface="Consolas"/>
+              </a:rPr>
+              <a:t>bdY</a:t>
             </a:r>
             <a:r>
               <a:rPr lang="en-US" dirty="0" smtClean="0">
                 <a:latin typeface="Consolas"/>
                 <a:cs typeface="Consolas"/>
               </a:rPr>
-              <a:t>y)</a:t>
+              <a:t>, </a:t>
             </a:r>
             <a:r>
               <a:rPr lang="en-US" dirty="0">
                 <a:latin typeface="Consolas"/>
                 <a:cs typeface="Consolas"/>
               </a:rPr>
-              <a:t>.updateGhosts(iter, RIGHT, </a:t>
-            </a:r>
-            <a:r>
-              <a:rPr lang="en-US" dirty="0" err="1" smtClean="0">
-                <a:latin typeface="Consolas"/>
-                <a:cs typeface="Consolas"/>
-              </a:rPr>
-              <a:t>bdY</a:t>
-            </a:r>
-            <a:r>
-              <a:rPr lang="en-US" dirty="0" smtClean="0">
-                <a:latin typeface="Consolas"/>
-                <a:cs typeface="Consolas"/>
-              </a:rPr>
-              <a:t>, </a:t>
-            </a:r>
-            <a:r>
-              <a:rPr lang="en-US" dirty="0">
-                <a:latin typeface="Consolas"/>
-                <a:cs typeface="Consolas"/>
-              </a:rPr>
-              <a:t>rightGhost); </a:t>
+              <a:t>leftGhost); </a:t>
             </a:r>
             <a:endParaRPr lang="en-US" dirty="0" smtClean="0">
               <a:latin typeface="Consolas"/>
@@ -27914,28 +28655,28 @@
                 <a:latin typeface="Consolas"/>
                 <a:cs typeface="Consolas"/>
               </a:rPr>
-              <a:t>(wrapX(x+1),</a:t>
+              <a:t>(x,wrapY(</a:t>
             </a:r>
             <a:r>
               <a:rPr lang="en-US" dirty="0" smtClean="0">
                 <a:latin typeface="Consolas"/>
                 <a:cs typeface="Consolas"/>
               </a:rPr>
-              <a:t>y)</a:t>
+              <a:t>y-1))</a:t>
             </a:r>
             <a:r>
               <a:rPr lang="en-US" dirty="0">
                 <a:latin typeface="Consolas"/>
                 <a:cs typeface="Consolas"/>
               </a:rPr>
-              <a:t>.updateGhosts(iter, LEFT, </a:t>
+              <a:t>.updateGhosts(iter, TOP, </a:t>
             </a:r>
             <a:r>
               <a:rPr lang="en-US" dirty="0" err="1" smtClean="0">
                 <a:latin typeface="Consolas"/>
                 <a:cs typeface="Consolas"/>
               </a:rPr>
-              <a:t>bdY</a:t>
+              <a:t>bdX</a:t>
             </a:r>
             <a:r>
               <a:rPr lang="en-US" dirty="0" smtClean="0">
@@ -27949,7 +28690,7 @@
                 <a:latin typeface="Consolas"/>
                 <a:cs typeface="Consolas"/>
               </a:rPr>
-              <a:t>leftGhost); </a:t>
+              <a:t>topGhost); </a:t>
             </a:r>
             <a:endParaRPr lang="en-US" dirty="0" smtClean="0">
               <a:latin typeface="Consolas"/>
@@ -27979,49 +28720,42 @@
                 <a:latin typeface="Consolas"/>
                 <a:cs typeface="Consolas"/>
               </a:rPr>
-              <a:t>(x,wrapY(</a:t>
+              <a:t>(x,wrapY(y+1</a:t>
             </a:r>
             <a:r>
               <a:rPr lang="en-US" dirty="0" smtClean="0">
                 <a:latin typeface="Consolas"/>
                 <a:cs typeface="Consolas"/>
               </a:rPr>
-              <a:t>y-1</a:t>
+              <a:t>))</a:t>
+            </a:r>
+            <a:r>
+              <a:rPr lang="en-US" dirty="0">
+                <a:latin typeface="Consolas"/>
+                <a:cs typeface="Consolas"/>
+              </a:rPr>
+              <a:t>.updateGhosts(iter, BOTTOM, </a:t>
+            </a:r>
+            <a:r>
+              <a:rPr lang="en-US" dirty="0" err="1" smtClean="0">
+                <a:latin typeface="Consolas"/>
+                <a:cs typeface="Consolas"/>
+              </a:rPr>
+              <a:t>bdX</a:t>
             </a:r>
             <a:r>
               <a:rPr lang="en-US" dirty="0" smtClean="0">
                 <a:latin typeface="Consolas"/>
                 <a:cs typeface="Consolas"/>
               </a:rPr>
-              <a:t>))</a:t>
+              <a:t>, </a:t>
             </a:r>
             <a:r>
               <a:rPr lang="en-US" dirty="0">
                 <a:latin typeface="Consolas"/>
                 <a:cs typeface="Consolas"/>
               </a:rPr>
-              <a:t>.updateGhosts(iter, TOP, </a:t>
-            </a:r>
-            <a:r>
-              <a:rPr lang="en-US" dirty="0" err="1" smtClean="0">
-                <a:latin typeface="Consolas"/>
-                <a:cs typeface="Consolas"/>
-              </a:rPr>
-              <a:t>bdX</a:t>
-            </a:r>
-            <a:r>
-              <a:rPr lang="en-US" dirty="0" smtClean="0">
-                <a:latin typeface="Consolas"/>
-                <a:cs typeface="Consolas"/>
-              </a:rPr>
-              <a:t>, </a:t>
-            </a:r>
-            <a:r>
-              <a:rPr lang="en-US" dirty="0">
-                <a:latin typeface="Consolas"/>
-                <a:cs typeface="Consolas"/>
-              </a:rPr>
-              <a:t>topGhost); </a:t>
+              <a:t>bottomGhost); </a:t>
             </a:r>
             <a:endParaRPr lang="en-US" dirty="0" smtClean="0">
               <a:latin typeface="Consolas"/>
@@ -28044,105 +28778,33 @@
                 <a:latin typeface="Consolas"/>
                 <a:cs typeface="Consolas"/>
               </a:rPr>
-              <a:t>        thisProxy</a:t>
-            </a:r>
-            <a:r>
-              <a:rPr lang="en-US" dirty="0">
-                <a:latin typeface="Consolas"/>
-                <a:cs typeface="Consolas"/>
-              </a:rPr>
-              <a:t>(x,wrapY(y+1</a:t>
+              <a:t>        </a:t>
+            </a:r>
+            <a:r>
+              <a:rPr lang="en-US" dirty="0" err="1" smtClean="0">
+                <a:latin typeface="Consolas"/>
+                <a:cs typeface="Consolas"/>
+              </a:rPr>
+              <a:t>freeBoundaries</a:t>
             </a:r>
             <a:r>
               <a:rPr lang="en-US" dirty="0" smtClean="0">
                 <a:latin typeface="Consolas"/>
                 <a:cs typeface="Consolas"/>
               </a:rPr>
-              <a:t>))</a:t>
-            </a:r>
-            <a:r>
-              <a:rPr lang="en-US" dirty="0">
-                <a:latin typeface="Consolas"/>
-                <a:cs typeface="Consolas"/>
-              </a:rPr>
-              <a:t>.updateGhosts(iter, BOTTOM, </a:t>
-            </a:r>
-            <a:r>
-              <a:rPr lang="en-US" dirty="0" err="1" smtClean="0">
-                <a:latin typeface="Consolas"/>
-                <a:cs typeface="Consolas"/>
-              </a:rPr>
-              <a:t>bdX</a:t>
-            </a:r>
+              <a:t>(); </a:t>
+            </a:r>
+          </a:p>
+          <a:p>
+            <a:pPr marL="0" indent="0">
+              <a:buNone/>
+            </a:pPr>
             <a:r>
               <a:rPr lang="en-US" dirty="0" smtClean="0">
                 <a:latin typeface="Consolas"/>
                 <a:cs typeface="Consolas"/>
               </a:rPr>
-              <a:t>, </a:t>
-            </a:r>
-            <a:r>
-              <a:rPr lang="en-US" dirty="0">
-                <a:latin typeface="Consolas"/>
-                <a:cs typeface="Consolas"/>
-              </a:rPr>
-              <a:t>bottomGhost); </a:t>
-            </a:r>
-            <a:endParaRPr lang="en-US" dirty="0" smtClean="0">
-              <a:latin typeface="Consolas"/>
-              <a:cs typeface="Consolas"/>
-            </a:endParaRPr>
-          </a:p>
-          <a:p>
-            <a:pPr marL="0" indent="0">
-              <a:buNone/>
-            </a:pPr>
-            <a:r>
-              <a:rPr lang="en-US" dirty="0">
-                <a:latin typeface="Consolas"/>
-                <a:cs typeface="Consolas"/>
-              </a:rPr>
-              <a:t> </a:t>
-            </a:r>
-            <a:r>
-              <a:rPr lang="en-US" dirty="0" smtClean="0">
-                <a:latin typeface="Consolas"/>
-                <a:cs typeface="Consolas"/>
-              </a:rPr>
-              <a:t>        </a:t>
-            </a:r>
-            <a:r>
-              <a:rPr lang="en-US" dirty="0" err="1" smtClean="0">
-                <a:latin typeface="Consolas"/>
-                <a:cs typeface="Consolas"/>
-              </a:rPr>
-              <a:t>freeBoundaries</a:t>
-            </a:r>
-            <a:r>
-              <a:rPr lang="en-US" dirty="0" smtClean="0">
-                <a:latin typeface="Consolas"/>
-                <a:cs typeface="Consolas"/>
-              </a:rPr>
-              <a:t>(); </a:t>
-            </a:r>
-          </a:p>
-          <a:p>
-            <a:pPr marL="0" indent="0">
-              <a:buNone/>
-            </a:pPr>
-            <a:r>
-              <a:rPr lang="en-US" dirty="0" smtClean="0">
-                <a:latin typeface="Consolas"/>
-                <a:cs typeface="Consolas"/>
-              </a:rPr>
-              <a:t>      </a:t>
-            </a:r>
-            <a:r>
-              <a:rPr lang="en-US" dirty="0" smtClean="0">
-                <a:latin typeface="Consolas"/>
-                <a:cs typeface="Consolas"/>
-              </a:rPr>
-              <a:t>} </a:t>
+              <a:t>      } </a:t>
             </a:r>
             <a:endParaRPr lang="en-US" dirty="0">
               <a:latin typeface="Consolas"/>
@@ -29130,10 +29792,6 @@
               </a:rPr>
               <a:t>; </a:t>
             </a:r>
-            <a:endParaRPr lang="en-US" sz="1050" dirty="0" smtClean="0">
-              <a:latin typeface="Consolas"/>
-              <a:cs typeface="Consolas"/>
-            </a:endParaRPr>
           </a:p>
           <a:p>
             <a:pPr marL="0" indent="0">
@@ -30100,7 +30758,7 @@
         <p:spPr/>
         <p:txBody>
           <a:bodyPr>
-            <a:normAutofit fontScale="90000"/>
+            <a:normAutofit/>
           </a:bodyPr>
           <a:lstStyle/>
           <a:p>
@@ -30110,109 +30768,14 @@
               </a:lnSpc>
             </a:pPr>
             <a:r>
-              <a:rPr lang="en-US" sz="3600" spc="65" dirty="0">
+              <a:rPr lang="en-US" sz="3000" spc="0" dirty="0" smtClean="0">
                 <a:solidFill>
                   <a:srgbClr val="CC0000"/>
                 </a:solidFill>
-                <a:latin typeface="Times New Roman"/>
-                <a:cs typeface="Times New Roman"/>
-              </a:rPr>
-              <a:t>P</a:t>
-            </a:r>
-            <a:r>
-              <a:rPr lang="en-US" sz="3600" spc="-40" dirty="0">
-                <a:solidFill>
-                  <a:srgbClr val="CC0000"/>
-                </a:solidFill>
-                <a:latin typeface="Times New Roman"/>
-                <a:cs typeface="Times New Roman"/>
-              </a:rPr>
-              <a:t>o</a:t>
-            </a:r>
-            <a:r>
-              <a:rPr lang="en-US" sz="3600" spc="-105" dirty="0">
-                <a:solidFill>
-                  <a:srgbClr val="CC0000"/>
-                </a:solidFill>
-                <a:latin typeface="Times New Roman"/>
-                <a:cs typeface="Times New Roman"/>
-              </a:rPr>
-              <a:t>w</a:t>
-            </a:r>
-            <a:r>
-              <a:rPr lang="en-US" sz="3600" spc="5" dirty="0">
-                <a:solidFill>
-                  <a:srgbClr val="CC0000"/>
-                </a:solidFill>
-                <a:latin typeface="Times New Roman"/>
-                <a:cs typeface="Times New Roman"/>
-              </a:rPr>
-              <a:t>er</a:t>
-            </a:r>
-            <a:r>
-              <a:rPr lang="en-US" sz="3600" spc="120" dirty="0">
-                <a:solidFill>
-                  <a:srgbClr val="CC0000"/>
-                </a:solidFill>
-                <a:latin typeface="Times New Roman"/>
-                <a:cs typeface="Times New Roman"/>
-              </a:rPr>
-              <a:t> </a:t>
-            </a:r>
-            <a:r>
-              <a:rPr lang="en-US" sz="3600" spc="-25" dirty="0">
-                <a:solidFill>
-                  <a:srgbClr val="CC0000"/>
-                </a:solidFill>
-                <a:latin typeface="Times New Roman"/>
-                <a:cs typeface="Times New Roman"/>
-              </a:rPr>
-              <a:t>of</a:t>
-            </a:r>
-            <a:r>
-              <a:rPr lang="en-US" sz="3600" spc="114" dirty="0">
-                <a:solidFill>
-                  <a:srgbClr val="CC0000"/>
-                </a:solidFill>
-                <a:latin typeface="Times New Roman"/>
-                <a:cs typeface="Times New Roman"/>
-              </a:rPr>
-              <a:t> </a:t>
-            </a:r>
-            <a:r>
-              <a:rPr lang="en-US" sz="3600" spc="-15" dirty="0">
-                <a:solidFill>
-                  <a:srgbClr val="CC0000"/>
-                </a:solidFill>
-                <a:latin typeface="Times New Roman"/>
-                <a:cs typeface="Times New Roman"/>
-              </a:rPr>
-              <a:t>Asynchrony</a:t>
-            </a:r>
-            <a:r>
-              <a:rPr lang="en-US" sz="3600" dirty="0">
-                <a:latin typeface="Times New Roman"/>
-                <a:cs typeface="Times New Roman"/>
-              </a:rPr>
-              <a:t/>
-            </a:r>
-            <a:br>
-              <a:rPr lang="en-US" sz="3600" dirty="0">
-                <a:latin typeface="Times New Roman"/>
-                <a:cs typeface="Times New Roman"/>
-              </a:rPr>
-            </a:br>
-            <a:r>
-              <a:rPr lang="en-US" sz="2200" spc="0" dirty="0">
-                <a:solidFill>
-                  <a:srgbClr val="CC0000"/>
-                </a:solidFill>
-                <a:latin typeface="Times New Roman"/>
-                <a:cs typeface="Times New Roman"/>
               </a:rPr>
               <a:t>Example</a:t>
             </a:r>
-            <a:endParaRPr lang="en-US" dirty="0"/>
+            <a:endParaRPr lang="en-US" sz="3000" dirty="0"/>
           </a:p>
         </p:txBody>
       </p:sp>
@@ -30304,8 +30867,23 @@
                 <a:latin typeface="Times New Roman"/>
                 <a:cs typeface="Times New Roman"/>
               </a:rPr>
-              <a:t>roblem:</a:t>
-            </a:r>
+              <a:t>roblem</a:t>
+            </a:r>
+            <a:r>
+              <a:rPr lang="en-US" spc="-5" dirty="0" smtClean="0">
+                <a:latin typeface="Times New Roman"/>
+                <a:cs typeface="Times New Roman"/>
+              </a:rPr>
+              <a:t>:</a:t>
+            </a:r>
+          </a:p>
+          <a:p>
+            <a:pPr marL="0" indent="0">
+              <a:spcBef>
+                <a:spcPts val="0"/>
+              </a:spcBef>
+              <a:buNone/>
+            </a:pPr>
             <a:endParaRPr lang="en-US" dirty="0">
               <a:latin typeface="Times New Roman"/>
               <a:cs typeface="Times New Roman"/>
@@ -30607,26 +31185,41 @@
               <a:t> </a:t>
             </a:r>
             <a:r>
-              <a:rPr lang="en-US" sz="1800" spc="10" dirty="0">
+              <a:rPr lang="en-US" sz="1800" spc="10" dirty="0" err="1">
                 <a:latin typeface="Times New Roman"/>
                 <a:cs typeface="Times New Roman"/>
               </a:rPr>
               <a:t>ch</a:t>
             </a:r>
             <a:r>
-              <a:rPr lang="en-US" sz="1800" spc="-20" dirty="0">
+              <a:rPr lang="en-US" sz="1800" spc="-20" dirty="0" err="1">
                 <a:latin typeface="Times New Roman"/>
                 <a:cs typeface="Times New Roman"/>
               </a:rPr>
               <a:t>a</a:t>
             </a:r>
             <a:r>
-              <a:rPr lang="en-US" sz="1800" spc="10" dirty="0">
-                <a:latin typeface="Times New Roman"/>
-                <a:cs typeface="Times New Roman"/>
-              </a:rPr>
-              <a:t>res)</a:t>
-            </a:r>
+              <a:rPr lang="en-US" sz="1800" spc="10" dirty="0" err="1">
+                <a:latin typeface="Times New Roman"/>
+                <a:cs typeface="Times New Roman"/>
+              </a:rPr>
+              <a:t>res</a:t>
+            </a:r>
+            <a:r>
+              <a:rPr lang="en-US" sz="1800" spc="10" dirty="0" smtClean="0">
+                <a:latin typeface="Times New Roman"/>
+                <a:cs typeface="Times New Roman"/>
+              </a:rPr>
+              <a:t>)</a:t>
+            </a:r>
+          </a:p>
+          <a:p>
+            <a:pPr marL="152400" marR="52705" indent="0">
+              <a:spcBef>
+                <a:spcPts val="0"/>
+              </a:spcBef>
+              <a:buNone/>
+            </a:pPr>
             <a:endParaRPr lang="en-US" sz="1800" dirty="0">
               <a:latin typeface="Times New Roman"/>
               <a:cs typeface="Times New Roman"/>
@@ -30991,12 +31584,20 @@
               <a:t> </a:t>
             </a:r>
             <a:r>
-              <a:rPr lang="en-US" sz="1800" spc="15" dirty="0">
+              <a:rPr lang="en-US" sz="1800" spc="15" dirty="0" smtClean="0">
                 <a:latin typeface="Times New Roman"/>
                 <a:cs typeface="Times New Roman"/>
               </a:rPr>
               <a:t>computation</a:t>
             </a:r>
+          </a:p>
+          <a:p>
+            <a:pPr marL="152400" marR="137795" indent="0">
+              <a:spcBef>
+                <a:spcPts val="0"/>
+              </a:spcBef>
+              <a:buNone/>
+            </a:pPr>
             <a:endParaRPr lang="en-US" sz="1800" dirty="0">
               <a:latin typeface="Times New Roman"/>
               <a:cs typeface="Times New Roman"/>
@@ -31375,7 +31976,7 @@
                                         <p:tgtEl>
                                           <p:spTgt spid="3">
                                             <p:txEl>
-                                              <p:pRg st="2" end="2"/>
+                                              <p:pRg st="4" end="4"/>
                                             </p:txEl>
                                           </p:spTgt>
                                         </p:tgtEl>
@@ -31424,7 +32025,7 @@
                                         <p:tgtEl>
                                           <p:spTgt spid="3">
                                             <p:txEl>
-                                              <p:pRg st="3" end="3"/>
+                                              <p:pRg st="6" end="6"/>
                                             </p:txEl>
                                           </p:spTgt>
                                         </p:tgtEl>
@@ -33829,14 +34430,22 @@
               <a:t> </a:t>
             </a:r>
             <a:r>
-              <a:rPr lang="en-US" sz="2800" spc="15" dirty="0">
+              <a:rPr lang="en-US" sz="2800" spc="15" dirty="0" smtClean="0">
                 <a:latin typeface="Times New Roman"/>
                 <a:cs typeface="Times New Roman"/>
               </a:rPr>
               <a:t>created</a:t>
             </a:r>
-            <a:r>
-              <a:rPr lang="en-US" sz="2800" spc="10" dirty="0">
+          </a:p>
+          <a:p>
+            <a:pPr marL="0" marR="1764030" indent="0">
+              <a:spcBef>
+                <a:spcPts val="0"/>
+              </a:spcBef>
+              <a:buNone/>
+            </a:pPr>
+            <a:r>
+              <a:rPr lang="en-US" sz="2800" spc="10" dirty="0" smtClean="0">
                 <a:latin typeface="Times New Roman"/>
                 <a:cs typeface="Times New Roman"/>
               </a:rPr>
@@ -33914,98 +34523,23 @@
                 <a:latin typeface="Times New Roman"/>
                 <a:cs typeface="Times New Roman"/>
               </a:rPr>
-              <a:t>leaf,</a:t>
-            </a:r>
-            <a:endParaRPr lang="en-US" sz="2800" dirty="0">
-              <a:latin typeface="Times New Roman"/>
-              <a:cs typeface="Times New Roman"/>
-            </a:endParaRPr>
-          </a:p>
-          <a:p>
-            <a:pPr marL="323850" indent="-171450">
+              <a:t>leaf</a:t>
+            </a:r>
+            <a:r>
+              <a:rPr lang="en-US" sz="2800" spc="-5" dirty="0" smtClean="0">
+                <a:latin typeface="Times New Roman"/>
+                <a:cs typeface="Times New Roman"/>
+              </a:rPr>
+              <a:t>,</a:t>
+            </a:r>
+          </a:p>
+          <a:p>
+            <a:pPr marL="0" marR="1764030" indent="0">
               <a:spcBef>
                 <a:spcPts val="0"/>
               </a:spcBef>
-              <a:buFont typeface="Wingdings" charset="2"/>
-              <a:buChar char="Ø"/>
-            </a:pPr>
-            <a:r>
-              <a:rPr lang="en-US" sz="2000" spc="10" dirty="0">
-                <a:latin typeface="Times New Roman"/>
-                <a:cs typeface="Times New Roman"/>
-              </a:rPr>
-              <a:t>It</a:t>
-            </a:r>
-            <a:r>
-              <a:rPr lang="en-US" sz="2000" spc="80" dirty="0">
-                <a:latin typeface="Times New Roman"/>
-                <a:cs typeface="Times New Roman"/>
-              </a:rPr>
-              <a:t> </a:t>
-            </a:r>
-            <a:r>
-              <a:rPr lang="en-US" sz="2000" spc="-20" dirty="0">
-                <a:latin typeface="Times New Roman"/>
-                <a:cs typeface="Times New Roman"/>
-              </a:rPr>
-              <a:t>fires</a:t>
-            </a:r>
-            <a:r>
-              <a:rPr lang="en-US" sz="2000" spc="80" dirty="0">
-                <a:latin typeface="Times New Roman"/>
-                <a:cs typeface="Times New Roman"/>
-              </a:rPr>
-              <a:t> </a:t>
-            </a:r>
-            <a:r>
-              <a:rPr lang="en-US" sz="2000" spc="50" dirty="0">
-                <a:latin typeface="Times New Roman"/>
-                <a:cs typeface="Times New Roman"/>
-              </a:rPr>
-              <a:t>t</a:t>
-            </a:r>
-            <a:r>
-              <a:rPr lang="en-US" sz="2000" spc="-75" dirty="0">
-                <a:latin typeface="Times New Roman"/>
-                <a:cs typeface="Times New Roman"/>
-              </a:rPr>
-              <a:t>w</a:t>
-            </a:r>
-            <a:r>
-              <a:rPr lang="en-US" sz="2000" spc="-5" dirty="0">
-                <a:latin typeface="Times New Roman"/>
-                <a:cs typeface="Times New Roman"/>
-              </a:rPr>
-              <a:t>o</a:t>
-            </a:r>
-            <a:r>
-              <a:rPr lang="en-US" sz="2000" spc="80" dirty="0">
-                <a:latin typeface="Times New Roman"/>
-                <a:cs typeface="Times New Roman"/>
-              </a:rPr>
-              <a:t> </a:t>
-            </a:r>
-            <a:r>
-              <a:rPr lang="en-US" sz="2000" spc="10" dirty="0">
-                <a:latin typeface="Times New Roman"/>
-                <a:cs typeface="Times New Roman"/>
-              </a:rPr>
-              <a:t>ch</a:t>
-            </a:r>
-            <a:r>
-              <a:rPr lang="en-US" sz="2000" spc="-20" dirty="0">
-                <a:latin typeface="Times New Roman"/>
-                <a:cs typeface="Times New Roman"/>
-              </a:rPr>
-              <a:t>a</a:t>
-            </a:r>
-            <a:r>
-              <a:rPr lang="en-US" sz="2000" spc="-5" dirty="0">
-                <a:latin typeface="Times New Roman"/>
-                <a:cs typeface="Times New Roman"/>
-              </a:rPr>
-              <a:t>res</a:t>
-            </a:r>
+              <a:buNone/>
+            </a:pPr>
             <a:endParaRPr lang="en-US" sz="2000" dirty="0">
               <a:latin typeface="Times New Roman"/>
               <a:cs typeface="Times New Roman"/>
@@ -34020,11 +34554,11 @@
               <a:buChar char="Ø"/>
             </a:pPr>
             <a:r>
-              <a:rPr lang="en-US" sz="2000" spc="5" dirty="0">
-                <a:latin typeface="Times New Roman"/>
-                <a:cs typeface="Times New Roman"/>
-              </a:rPr>
-              <a:t>When</a:t>
+              <a:rPr lang="en-US" sz="2000" spc="10" dirty="0">
+                <a:latin typeface="Times New Roman"/>
+                <a:cs typeface="Times New Roman"/>
+              </a:rPr>
+              <a:t>It</a:t>
             </a:r>
             <a:r>
               <a:rPr lang="en-US" sz="2000" spc="80" dirty="0">
@@ -34034,18 +34568,11 @@
               <a:t> </a:t>
             </a:r>
             <a:r>
-              <a:rPr lang="en-US" sz="2000" spc="35" dirty="0">
-                <a:latin typeface="Times New Roman"/>
-                <a:cs typeface="Times New Roman"/>
-              </a:rPr>
-              <a:t>b</a:t>
-            </a:r>
-            <a:r>
-              <a:rPr lang="en-US" sz="2000" spc="25" dirty="0">
-                <a:latin typeface="Times New Roman"/>
-                <a:cs typeface="Times New Roman"/>
-              </a:rPr>
-              <a:t>oth</a:t>
+              <a:rPr lang="en-US" sz="2000" spc="-20" dirty="0">
+                <a:latin typeface="Times New Roman"/>
+                <a:cs typeface="Times New Roman"/>
+              </a:rPr>
+              <a:t>fires</a:t>
             </a:r>
             <a:r>
               <a:rPr lang="en-US" sz="2000" spc="80" dirty="0">
@@ -34055,67 +34582,25 @@
               <a:t> </a:t>
             </a:r>
             <a:r>
+              <a:rPr lang="en-US" sz="2000" spc="50" dirty="0">
+                <a:latin typeface="Times New Roman"/>
+                <a:cs typeface="Times New Roman"/>
+              </a:rPr>
+              <a:t>t</a:t>
+            </a:r>
+            <a:r>
+              <a:rPr lang="en-US" sz="2000" spc="-75" dirty="0">
+                <a:latin typeface="Times New Roman"/>
+                <a:cs typeface="Times New Roman"/>
+              </a:rPr>
+              <a:t>w</a:t>
+            </a:r>
+            <a:r>
               <a:rPr lang="en-US" sz="2000" spc="-5" dirty="0">
                 <a:latin typeface="Times New Roman"/>
                 <a:cs typeface="Times New Roman"/>
               </a:rPr>
-              <a:t>children</a:t>
-            </a:r>
-            <a:r>
-              <a:rPr lang="en-US" sz="2000" spc="85" dirty="0">
-                <a:latin typeface="Times New Roman"/>
-                <a:cs typeface="Times New Roman"/>
-              </a:rPr>
-              <a:t> </a:t>
-            </a:r>
-            <a:r>
-              <a:rPr lang="en-US" sz="2000" spc="15" dirty="0">
-                <a:latin typeface="Times New Roman"/>
-                <a:cs typeface="Times New Roman"/>
-              </a:rPr>
-              <a:t>return</a:t>
-            </a:r>
-            <a:r>
-              <a:rPr lang="en-US" sz="2000" spc="85" dirty="0">
-                <a:latin typeface="Times New Roman"/>
-                <a:cs typeface="Times New Roman"/>
-              </a:rPr>
-              <a:t> </a:t>
-            </a:r>
-            <a:r>
-              <a:rPr lang="en-US" sz="2000" dirty="0">
-                <a:latin typeface="Times New Roman"/>
-                <a:cs typeface="Times New Roman"/>
-              </a:rPr>
-              <a:t>results</a:t>
-            </a:r>
-            <a:r>
-              <a:rPr lang="en-US" sz="2000" spc="85" dirty="0">
-                <a:latin typeface="Times New Roman"/>
-                <a:cs typeface="Times New Roman"/>
-              </a:rPr>
-              <a:t> </a:t>
-            </a:r>
-            <a:r>
-              <a:rPr lang="en-US" sz="2000" spc="25" dirty="0">
-                <a:latin typeface="Times New Roman"/>
-                <a:cs typeface="Times New Roman"/>
-              </a:rPr>
-              <a:t>(</a:t>
-            </a:r>
-            <a:r>
-              <a:rPr lang="en-US" sz="2000" spc="10" dirty="0">
-                <a:latin typeface="Times New Roman"/>
-                <a:cs typeface="Times New Roman"/>
-              </a:rPr>
-              <a:t>b</a:t>
-            </a:r>
-            <a:r>
-              <a:rPr lang="en-US" sz="2000" spc="-45" dirty="0">
-                <a:latin typeface="Times New Roman"/>
-                <a:cs typeface="Times New Roman"/>
-              </a:rPr>
-              <a:t>y</a:t>
+              <a:t>o</a:t>
             </a:r>
             <a:r>
               <a:rPr lang="en-US" sz="2000" spc="80" dirty="0">
@@ -34125,46 +34610,194 @@
               <a:t> </a:t>
             </a:r>
             <a:r>
-              <a:rPr lang="en-US" sz="2000" spc="-15" dirty="0" smtClean="0">
-                <a:latin typeface="Times New Roman"/>
-                <a:cs typeface="Times New Roman"/>
-              </a:rPr>
-              <a:t>calling</a:t>
-            </a:r>
-            <a:r>
-              <a:rPr lang="en-US" sz="2000" spc="-114" dirty="0" smtClean="0">
-                <a:latin typeface="Times New Roman"/>
-                <a:cs typeface="Times New Roman"/>
-              </a:rPr>
-              <a:t> </a:t>
-            </a:r>
-            <a:r>
-              <a:rPr lang="en-US" sz="2000" spc="-80" dirty="0" smtClean="0">
-                <a:latin typeface="Lucida Console"/>
-                <a:cs typeface="Lucida Console"/>
-              </a:rPr>
-              <a:t>respond</a:t>
-            </a:r>
-            <a:r>
-              <a:rPr lang="en-US" sz="2000" spc="20" dirty="0" smtClean="0">
-                <a:latin typeface="Times New Roman"/>
-                <a:cs typeface="Times New Roman"/>
-              </a:rPr>
-              <a:t>)</a:t>
-            </a:r>
-            <a:r>
-              <a:rPr lang="en-US" sz="2000" spc="20" dirty="0">
-                <a:latin typeface="Times New Roman"/>
-                <a:cs typeface="Times New Roman"/>
-              </a:rPr>
-              <a:t>:</a:t>
-            </a:r>
+              <a:rPr lang="en-US" sz="2000" spc="10" dirty="0" err="1" smtClean="0">
+                <a:latin typeface="Times New Roman"/>
+                <a:cs typeface="Times New Roman"/>
+              </a:rPr>
+              <a:t>ch</a:t>
+            </a:r>
+            <a:r>
+              <a:rPr lang="en-US" sz="2000" spc="-20" dirty="0" err="1" smtClean="0">
+                <a:latin typeface="Times New Roman"/>
+                <a:cs typeface="Times New Roman"/>
+              </a:rPr>
+              <a:t>a</a:t>
+            </a:r>
+            <a:r>
+              <a:rPr lang="en-US" sz="2000" spc="-5" dirty="0" err="1" smtClean="0">
+                <a:latin typeface="Times New Roman"/>
+                <a:cs typeface="Times New Roman"/>
+              </a:rPr>
+              <a:t>res</a:t>
+            </a:r>
+            <a:endParaRPr lang="en-US" sz="2000" spc="-5" dirty="0"/>
+          </a:p>
+          <a:p>
+            <a:pPr marL="152400" indent="0">
+              <a:spcBef>
+                <a:spcPts val="0"/>
+              </a:spcBef>
+              <a:buNone/>
+            </a:pPr>
             <a:endParaRPr lang="en-US" sz="2000" dirty="0">
               <a:latin typeface="Times New Roman"/>
               <a:cs typeface="Times New Roman"/>
             </a:endParaRPr>
           </a:p>
           <a:p>
+            <a:pPr marL="323850" indent="-171450">
+              <a:spcBef>
+                <a:spcPts val="0"/>
+              </a:spcBef>
+              <a:buFont typeface="Wingdings" charset="2"/>
+              <a:buChar char="Ø"/>
+            </a:pPr>
+            <a:r>
+              <a:rPr lang="en-US" sz="2000" spc="5" dirty="0">
+                <a:latin typeface="Times New Roman"/>
+                <a:cs typeface="Times New Roman"/>
+              </a:rPr>
+              <a:t>When</a:t>
+            </a:r>
+            <a:r>
+              <a:rPr lang="en-US" sz="2000" spc="80" dirty="0">
+                <a:latin typeface="Times New Roman"/>
+                <a:cs typeface="Times New Roman"/>
+              </a:rPr>
+              <a:t> </a:t>
+            </a:r>
+            <a:r>
+              <a:rPr lang="en-US" sz="2000" spc="35" dirty="0">
+                <a:latin typeface="Times New Roman"/>
+                <a:cs typeface="Times New Roman"/>
+              </a:rPr>
+              <a:t>b</a:t>
+            </a:r>
+            <a:r>
+              <a:rPr lang="en-US" sz="2000" spc="25" dirty="0">
+                <a:latin typeface="Times New Roman"/>
+                <a:cs typeface="Times New Roman"/>
+              </a:rPr>
+              <a:t>oth</a:t>
+            </a:r>
+            <a:r>
+              <a:rPr lang="en-US" sz="2000" spc="80" dirty="0">
+                <a:latin typeface="Times New Roman"/>
+                <a:cs typeface="Times New Roman"/>
+              </a:rPr>
+              <a:t> </a:t>
+            </a:r>
+            <a:r>
+              <a:rPr lang="en-US" sz="2000" spc="-5" dirty="0">
+                <a:latin typeface="Times New Roman"/>
+                <a:cs typeface="Times New Roman"/>
+              </a:rPr>
+              <a:t>children</a:t>
+            </a:r>
+            <a:r>
+              <a:rPr lang="en-US" sz="2000" spc="85" dirty="0">
+                <a:latin typeface="Times New Roman"/>
+                <a:cs typeface="Times New Roman"/>
+              </a:rPr>
+              <a:t> </a:t>
+            </a:r>
+            <a:r>
+              <a:rPr lang="en-US" sz="2000" spc="15" dirty="0">
+                <a:latin typeface="Times New Roman"/>
+                <a:cs typeface="Times New Roman"/>
+              </a:rPr>
+              <a:t>return</a:t>
+            </a:r>
+            <a:r>
+              <a:rPr lang="en-US" sz="2000" spc="85" dirty="0">
+                <a:latin typeface="Times New Roman"/>
+                <a:cs typeface="Times New Roman"/>
+              </a:rPr>
+              <a:t> </a:t>
+            </a:r>
+            <a:r>
+              <a:rPr lang="en-US" sz="2000" dirty="0">
+                <a:latin typeface="Times New Roman"/>
+                <a:cs typeface="Times New Roman"/>
+              </a:rPr>
+              <a:t>results</a:t>
+            </a:r>
+            <a:r>
+              <a:rPr lang="en-US" sz="2000" spc="85" dirty="0">
+                <a:latin typeface="Times New Roman"/>
+                <a:cs typeface="Times New Roman"/>
+              </a:rPr>
+              <a:t> </a:t>
+            </a:r>
+            <a:r>
+              <a:rPr lang="en-US" sz="2000" spc="25" dirty="0">
+                <a:latin typeface="Times New Roman"/>
+                <a:cs typeface="Times New Roman"/>
+              </a:rPr>
+              <a:t>(</a:t>
+            </a:r>
+            <a:r>
+              <a:rPr lang="en-US" sz="2000" spc="10" dirty="0">
+                <a:latin typeface="Times New Roman"/>
+                <a:cs typeface="Times New Roman"/>
+              </a:rPr>
+              <a:t>b</a:t>
+            </a:r>
+            <a:r>
+              <a:rPr lang="en-US" sz="2000" spc="-45" dirty="0">
+                <a:latin typeface="Times New Roman"/>
+                <a:cs typeface="Times New Roman"/>
+              </a:rPr>
+              <a:t>y</a:t>
+            </a:r>
+            <a:r>
+              <a:rPr lang="en-US" sz="2000" spc="80" dirty="0">
+                <a:latin typeface="Times New Roman"/>
+                <a:cs typeface="Times New Roman"/>
+              </a:rPr>
+              <a:t> </a:t>
+            </a:r>
+            <a:r>
+              <a:rPr lang="en-US" sz="2000" spc="-15" dirty="0" smtClean="0">
+                <a:latin typeface="Times New Roman"/>
+                <a:cs typeface="Times New Roman"/>
+              </a:rPr>
+              <a:t>calling</a:t>
+            </a:r>
+            <a:r>
+              <a:rPr lang="en-US" sz="2000" spc="-114" dirty="0" smtClean="0">
+                <a:latin typeface="Times New Roman"/>
+                <a:cs typeface="Times New Roman"/>
+              </a:rPr>
+              <a:t> </a:t>
+            </a:r>
+            <a:r>
+              <a:rPr lang="en-US" sz="2000" spc="-80" dirty="0" smtClean="0">
+                <a:latin typeface="Lucida Console"/>
+                <a:cs typeface="Lucida Console"/>
+              </a:rPr>
+              <a:t>respond</a:t>
+            </a:r>
+            <a:r>
+              <a:rPr lang="en-US" sz="2000" spc="20" dirty="0" smtClean="0">
+                <a:latin typeface="Times New Roman"/>
+                <a:cs typeface="Times New Roman"/>
+              </a:rPr>
+              <a:t>)</a:t>
+            </a:r>
+            <a:r>
+              <a:rPr lang="en-US" sz="2000" spc="20" dirty="0">
+                <a:latin typeface="Times New Roman"/>
+                <a:cs typeface="Times New Roman"/>
+              </a:rPr>
+              <a:t>:</a:t>
+            </a:r>
+            <a:endParaRPr lang="en-US" sz="2000" dirty="0">
+              <a:latin typeface="Times New Roman"/>
+              <a:cs typeface="Times New Roman"/>
+            </a:endParaRPr>
+          </a:p>
+          <a:p>
             <a:pPr marL="895350" lvl="1" indent="-285750">
               <a:spcBef>
                 <a:spcPts val="0"/>
@@ -34341,12 +34974,20 @@
               <a:t> </a:t>
             </a:r>
             <a:r>
-              <a:rPr lang="en-US" sz="1800" spc="25" dirty="0">
+              <a:rPr lang="en-US" sz="1800" spc="25" dirty="0" smtClean="0">
                 <a:latin typeface="Times New Roman"/>
                 <a:cs typeface="Times New Roman"/>
               </a:rPr>
               <a:t>it</a:t>
             </a:r>
+          </a:p>
+          <a:p>
+            <a:pPr marL="609600" lvl="1" indent="0">
+              <a:spcBef>
+                <a:spcPts val="0"/>
+              </a:spcBef>
+              <a:buNone/>
+            </a:pPr>
             <a:endParaRPr lang="en-US" sz="1800" dirty="0">
               <a:latin typeface="Times New Roman"/>
               <a:cs typeface="Times New Roman"/>
@@ -34766,12 +35407,20 @@
               <a:t> </a:t>
             </a:r>
             <a:r>
-              <a:rPr lang="en-US" sz="1800" i="1" spc="25" dirty="0">
+              <a:rPr lang="en-US" sz="1800" i="1" spc="25" dirty="0" smtClean="0">
                 <a:latin typeface="Times New Roman"/>
                 <a:cs typeface="Times New Roman"/>
               </a:rPr>
               <a:t>.</a:t>
             </a:r>
+          </a:p>
+          <a:p>
+            <a:pPr marL="609600" lvl="1" indent="0">
+              <a:spcBef>
+                <a:spcPts val="0"/>
+              </a:spcBef>
+              <a:buNone/>
+            </a:pPr>
             <a:endParaRPr lang="en-US" sz="1800" dirty="0">
               <a:latin typeface="Times New Roman"/>
               <a:cs typeface="Times New Roman"/>
@@ -35193,8 +35842,8 @@
         </p:nvSpPr>
         <p:spPr>
           <a:xfrm>
-            <a:off x="261865" y="1941287"/>
-            <a:ext cx="8615360" cy="1248846"/>
+            <a:off x="261865" y="1322980"/>
+            <a:ext cx="8615360" cy="1867153"/>
           </a:xfrm>
         </p:spPr>
         <p:txBody>
@@ -35237,13 +35886,21 @@
               <a:t> </a:t>
             </a:r>
             <a:r>
-              <a:rPr lang="en-US" sz="2800" spc="15" dirty="0">
+              <a:rPr lang="en-US" sz="2800" spc="15" dirty="0" smtClean="0">
                 <a:latin typeface="Times New Roman"/>
                 <a:cs typeface="Times New Roman"/>
               </a:rPr>
               <a:t>construct</a:t>
             </a:r>
-            <a:endParaRPr lang="en-US" sz="2800" dirty="0">
+          </a:p>
+          <a:p>
+            <a:pPr marL="0" indent="0">
+              <a:lnSpc>
+                <a:spcPct val="100000"/>
+              </a:lnSpc>
+              <a:buNone/>
+            </a:pPr>
+            <a:endParaRPr lang="en-US" sz="2000" dirty="0">
               <a:latin typeface="Times New Roman"/>
               <a:cs typeface="Times New Roman"/>
             </a:endParaRPr>
@@ -35421,19 +36078,30 @@
               <a:t> </a:t>
             </a:r>
             <a:r>
-              <a:rPr lang="en-US" sz="2000" dirty="0">
+              <a:rPr lang="en-US" sz="2000" dirty="0" smtClean="0">
                 <a:latin typeface="Times New Roman"/>
                 <a:cs typeface="Times New Roman"/>
               </a:rPr>
               <a:t>rec</a:t>
             </a:r>
             <a:r>
-              <a:rPr lang="en-US" sz="2000" spc="-20" dirty="0">
+              <a:rPr lang="en-US" sz="2000" spc="-20" dirty="0" smtClean="0">
                 <a:latin typeface="Times New Roman"/>
                 <a:cs typeface="Times New Roman"/>
               </a:rPr>
               <a:t>eived</a:t>
             </a:r>
+          </a:p>
+          <a:p>
+            <a:pPr marL="152400" indent="0">
+              <a:lnSpc>
+                <a:spcPct val="100000"/>
+              </a:lnSpc>
+              <a:spcBef>
+                <a:spcPts val="175"/>
+              </a:spcBef>
+              <a:buNone/>
+            </a:pPr>
             <a:endParaRPr lang="en-US" sz="2000" dirty="0">
               <a:latin typeface="Times New Roman"/>
               <a:cs typeface="Times New Roman"/>
@@ -35648,7 +36316,7 @@
         </p:nvSpPr>
         <p:spPr>
           <a:xfrm>
-            <a:off x="261865" y="3232791"/>
+            <a:off x="261865" y="3351861"/>
             <a:ext cx="8615360" cy="1618394"/>
           </a:xfrm>
           <a:prstGeom prst="rect">
@@ -36347,13 +37015,13 @@
         </p:nvSpPr>
         <p:spPr>
           <a:xfrm>
-            <a:off x="261865" y="1143000"/>
-            <a:ext cx="8615360" cy="3156857"/>
+            <a:off x="261865" y="926086"/>
+            <a:ext cx="8615360" cy="3734223"/>
           </a:xfrm>
         </p:spPr>
         <p:txBody>
           <a:bodyPr>
-            <a:normAutofit/>
+            <a:normAutofit fontScale="92500" lnSpcReduction="10000"/>
           </a:bodyPr>
           <a:lstStyle/>
           <a:p>
@@ -36399,21 +37067,13 @@
             </a:r>
           </a:p>
           <a:p>
-            <a:pPr marL="323850" indent="-171450">
+            <a:pPr marL="0" indent="0">
               <a:spcBef>
                 <a:spcPts val="0"/>
               </a:spcBef>
-              <a:buFont typeface="Wingdings" charset="2"/>
-              <a:buChar char="Ø"/>
-            </a:pPr>
-            <a:r>
-              <a:rPr lang="en-US" sz="2000" spc="-5" dirty="0" smtClean="0">
-                <a:latin typeface="Times New Roman"/>
-                <a:cs typeface="Times New Roman"/>
-              </a:rPr>
-              <a:t>A sequencial block of C++ code in the .ci file</a:t>
-            </a:r>
-            <a:endParaRPr lang="en-US" sz="2000" dirty="0" smtClean="0">
+              <a:buNone/>
+            </a:pPr>
+            <a:endParaRPr lang="en-US" sz="1000" spc="15" dirty="0" smtClean="0">
               <a:latin typeface="Times New Roman"/>
               <a:cs typeface="Times New Roman"/>
             </a:endParaRPr>
@@ -36427,6 +37087,41 @@
               <a:buChar char="Ø"/>
             </a:pPr>
             <a:r>
+              <a:rPr lang="en-US" sz="2000" spc="-5" dirty="0" smtClean="0">
+                <a:latin typeface="Times New Roman"/>
+                <a:cs typeface="Times New Roman"/>
+              </a:rPr>
+              <a:t>A sequencial block of C++ code in the .ci </a:t>
+            </a:r>
+            <a:r>
+              <a:rPr lang="en-US" sz="2000" spc="-5" dirty="0" smtClean="0">
+                <a:latin typeface="Times New Roman"/>
+                <a:cs typeface="Times New Roman"/>
+              </a:rPr>
+              <a:t>file</a:t>
+            </a:r>
+          </a:p>
+          <a:p>
+            <a:pPr marL="152400" indent="0">
+              <a:spcBef>
+                <a:spcPts val="0"/>
+              </a:spcBef>
+              <a:buNone/>
+            </a:pPr>
+            <a:endParaRPr lang="en-US" sz="1000" dirty="0" smtClean="0">
+              <a:latin typeface="Times New Roman"/>
+              <a:cs typeface="Times New Roman"/>
+            </a:endParaRPr>
+          </a:p>
+          <a:p>
+            <a:pPr marL="323850" indent="-171450">
+              <a:spcBef>
+                <a:spcPts val="0"/>
+              </a:spcBef>
+              <a:buFont typeface="Wingdings" charset="2"/>
+              <a:buChar char="Ø"/>
+            </a:pPr>
+            <a:r>
               <a:rPr lang="en-US" sz="2000" spc="-25" dirty="0" smtClean="0">
                 <a:latin typeface="Times New Roman"/>
                 <a:cs typeface="Times New Roman"/>
@@ -36445,8 +37140,27 @@
                 <a:latin typeface="Times New Roman"/>
                 <a:cs typeface="Times New Roman"/>
               </a:rPr>
-              <a:t> means that the code block will be executed without interruption/preemption, like an entry method</a:t>
-            </a:r>
+              <a:t> means that the code block will be executed without interruption/preemption, like an entry </a:t>
+            </a:r>
+            <a:r>
+              <a:rPr lang="en-US" sz="2000" spc="-25" dirty="0" smtClean="0">
+                <a:latin typeface="Times New Roman"/>
+                <a:cs typeface="Times New Roman"/>
+              </a:rPr>
+              <a:t>method</a:t>
+            </a:r>
+          </a:p>
+          <a:p>
+            <a:pPr marL="152400" indent="0">
+              <a:spcBef>
+                <a:spcPts val="0"/>
+              </a:spcBef>
+              <a:buNone/>
+            </a:pPr>
+            <a:endParaRPr lang="en-US" sz="1000" spc="-25" dirty="0" smtClean="0">
+              <a:latin typeface="Times New Roman"/>
+              <a:cs typeface="Times New Roman"/>
+            </a:endParaRPr>
           </a:p>
           <a:p>
             <a:pPr marL="323850" indent="-171450">
@@ -36468,43 +37182,62 @@
                 <a:latin typeface="Lucida Console"/>
                 <a:cs typeface="Lucida Console"/>
               </a:rPr>
-              <a:t>serial &lt;optionalString&gt; { /* C++ code */ }</a:t>
-            </a:r>
-          </a:p>
-          <a:p>
-            <a:pPr marL="323850" indent="-171450">
-              <a:spcBef>
-                <a:spcPts val="0"/>
-              </a:spcBef>
-              <a:buFont typeface="Wingdings" charset="2"/>
-              <a:buChar char="Ø"/>
-            </a:pPr>
-            <a:r>
-              <a:rPr lang="en-US" sz="2000" spc="-25" dirty="0" smtClean="0">
-                <a:latin typeface="Times New Roman"/>
-                <a:cs typeface="Times New Roman"/>
-              </a:rPr>
-              <a:t>The </a:t>
+              <a:t>serial &lt;optionalString&gt; { /* C++ code */ </a:t>
             </a:r>
             <a:r>
               <a:rPr lang="en-US" sz="2000" spc="-25" dirty="0" smtClean="0">
                 <a:latin typeface="Lucida Console"/>
                 <a:cs typeface="Lucida Console"/>
               </a:rPr>
-              <a:t>&lt;optionalString&gt; </a:t>
-            </a:r>
+              <a:t>}</a:t>
+            </a:r>
+          </a:p>
+          <a:p>
+            <a:pPr marL="152400" indent="0">
+              <a:spcBef>
+                <a:spcPts val="0"/>
+              </a:spcBef>
+              <a:buNone/>
+            </a:pPr>
+            <a:endParaRPr lang="en-US" sz="1000" spc="-25" dirty="0" smtClean="0">
+              <a:latin typeface="Lucida Console"/>
+              <a:cs typeface="Lucida Console"/>
+            </a:endParaRPr>
+          </a:p>
+          <a:p>
+            <a:pPr marL="323850" indent="-171450">
+              <a:spcBef>
+                <a:spcPts val="0"/>
+              </a:spcBef>
+              <a:buFont typeface="Wingdings" charset="2"/>
+              <a:buChar char="Ø"/>
+            </a:pPr>
             <a:r>
               <a:rPr lang="en-US" sz="2000" spc="-25" dirty="0" smtClean="0">
                 <a:latin typeface="Times New Roman"/>
                 <a:cs typeface="Times New Roman"/>
               </a:rPr>
-              <a:t>is used for identifying the </a:t>
+              <a:t>The </a:t>
             </a:r>
             <a:r>
               <a:rPr lang="en-US" sz="2000" spc="-25" dirty="0" smtClean="0">
                 <a:latin typeface="Lucida Console"/>
                 <a:cs typeface="Lucida Console"/>
               </a:rPr>
+              <a:t>&lt;optionalString&gt; </a:t>
+            </a:r>
+            <a:r>
+              <a:rPr lang="en-US" sz="2000" spc="-25" dirty="0" smtClean="0">
+                <a:latin typeface="Times New Roman"/>
+                <a:cs typeface="Times New Roman"/>
+              </a:rPr>
+              <a:t>is used for identifying the </a:t>
+            </a:r>
+            <a:r>
+              <a:rPr lang="en-US" sz="2000" spc="-25" dirty="0" smtClean="0">
+                <a:latin typeface="Lucida Console"/>
+                <a:cs typeface="Lucida Console"/>
+              </a:rPr>
               <a:t>serial</a:t>
             </a:r>
             <a:r>
@@ -36512,8 +37245,27 @@
                 <a:latin typeface="Times New Roman"/>
                 <a:cs typeface="Times New Roman"/>
               </a:rPr>
-              <a:t> for performance analysis</a:t>
-            </a:r>
+              <a:t> for performance </a:t>
+            </a:r>
+            <a:r>
+              <a:rPr lang="en-US" sz="2000" spc="-25" dirty="0" smtClean="0">
+                <a:latin typeface="Times New Roman"/>
+                <a:cs typeface="Times New Roman"/>
+              </a:rPr>
+              <a:t>analysis</a:t>
+            </a:r>
+          </a:p>
+          <a:p>
+            <a:pPr marL="152400" indent="0">
+              <a:spcBef>
+                <a:spcPts val="0"/>
+              </a:spcBef>
+              <a:buNone/>
+            </a:pPr>
+            <a:endParaRPr lang="en-US" sz="1000" spc="-25" dirty="0" smtClean="0">
+              <a:latin typeface="Times New Roman"/>
+              <a:cs typeface="Times New Roman"/>
+            </a:endParaRPr>
           </a:p>
           <a:p>
             <a:pPr marL="323850" indent="-171450">
@@ -36528,9 +37280,24 @@
                 <a:latin typeface="Times New Roman"/>
                 <a:cs typeface="Times New Roman"/>
               </a:rPr>
-              <a:t>Serial blocks can access all members of the class they belong to</a:t>
-            </a:r>
-            <a:endParaRPr lang="en-US" sz="2000" dirty="0" smtClean="0">
+              <a:t>Serial blocks can access all members of the class they belong </a:t>
+            </a:r>
+            <a:r>
+              <a:rPr lang="en-US" sz="2000" spc="-25" dirty="0" smtClean="0">
+                <a:latin typeface="Times New Roman"/>
+                <a:cs typeface="Times New Roman"/>
+              </a:rPr>
+              <a:t>to</a:t>
+            </a:r>
+          </a:p>
+          <a:p>
+            <a:pPr marL="152400" indent="0">
+              <a:spcBef>
+                <a:spcPts val="0"/>
+              </a:spcBef>
+              <a:buNone/>
+            </a:pPr>
+            <a:endParaRPr lang="en-US" sz="1100" dirty="0" smtClean="0">
               <a:latin typeface="Times New Roman"/>
               <a:cs typeface="Times New Roman"/>
             </a:endParaRPr>
@@ -37297,9 +38064,383 @@
   <p:timing>
     <p:tnLst>
       <p:par>
-        <p:cTn xmlns:p14="http://schemas.microsoft.com/office/powerpoint/2010/main" id="1" dur="indefinite" restart="never" nodeType="tmRoot"/>
+        <p:cTn xmlns:p14="http://schemas.microsoft.com/office/powerpoint/2010/main" id="1" dur="indefinite" restart="never" nodeType="tmRoot">
+          <p:childTnLst>
+            <p:seq concurrent="1" nextAc="seek">
+              <p:cTn id="2" dur="indefinite" nodeType="mainSeq">
+                <p:childTnLst>
+                  <p:par>
+                    <p:cTn id="3" fill="hold">
+                      <p:stCondLst>
+                        <p:cond delay="indefinite"/>
+                        <p:cond evt="onBegin" delay="0">
+                          <p:tn val="2"/>
+                        </p:cond>
+                      </p:stCondLst>
+                      <p:childTnLst>
+                        <p:par>
+                          <p:cTn id="4" fill="hold">
+                            <p:stCondLst>
+                              <p:cond delay="0"/>
+                            </p:stCondLst>
+                            <p:childTnLst>
+                              <p:par>
+                                <p:cTn id="5" presetID="1" presetClass="entr" presetSubtype="0" fill="hold" grpId="0" nodeType="withEffect">
+                                  <p:stCondLst>
+                                    <p:cond delay="0"/>
+                                  </p:stCondLst>
+                                  <p:childTnLst>
+                                    <p:set>
+                                      <p:cBhvr>
+                                        <p:cTn id="6" dur="1" fill="hold">
+                                          <p:stCondLst>
+                                            <p:cond delay="0"/>
+                                          </p:stCondLst>
+                                        </p:cTn>
+                                        <p:tgtEl>
+                                          <p:spTgt spid="3">
+                                            <p:txEl>
+                                              <p:pRg st="0" end="0"/>
+                                            </p:txEl>
+                                          </p:spTgt>
+                                        </p:tgtEl>
+                                        <p:attrNameLst>
+                                          <p:attrName>style.visibility</p:attrName>
+                                        </p:attrNameLst>
+                                      </p:cBhvr>
+                                      <p:to>
+                                        <p:strVal val="visible"/>
+                                      </p:to>
+                                    </p:set>
+                                  </p:childTnLst>
+                                </p:cTn>
+                              </p:par>
+                              <p:par>
+                                <p:cTn id="7" presetID="1" presetClass="entr" presetSubtype="0" fill="hold" grpId="0" nodeType="withEffect">
+                                  <p:stCondLst>
+                                    <p:cond delay="0"/>
+                                  </p:stCondLst>
+                                  <p:childTnLst>
+                                    <p:set>
+                                      <p:cBhvr>
+                                        <p:cTn id="8" dur="1" fill="hold">
+                                          <p:stCondLst>
+                                            <p:cond delay="0"/>
+                                          </p:stCondLst>
+                                        </p:cTn>
+                                        <p:tgtEl>
+                                          <p:spTgt spid="3">
+                                            <p:txEl>
+                                              <p:pRg st="2" end="2"/>
+                                            </p:txEl>
+                                          </p:spTgt>
+                                        </p:tgtEl>
+                                        <p:attrNameLst>
+                                          <p:attrName>style.visibility</p:attrName>
+                                        </p:attrNameLst>
+                                      </p:cBhvr>
+                                      <p:to>
+                                        <p:strVal val="visible"/>
+                                      </p:to>
+                                    </p:set>
+                                  </p:childTnLst>
+                                </p:cTn>
+                              </p:par>
+                            </p:childTnLst>
+                          </p:cTn>
+                        </p:par>
+                      </p:childTnLst>
+                    </p:cTn>
+                  </p:par>
+                  <p:par>
+                    <p:cTn id="9" fill="hold">
+                      <p:stCondLst>
+                        <p:cond delay="indefinite"/>
+                      </p:stCondLst>
+                      <p:childTnLst>
+                        <p:par>
+                          <p:cTn id="10" fill="hold">
+                            <p:stCondLst>
+                              <p:cond delay="0"/>
+                            </p:stCondLst>
+                            <p:childTnLst>
+                              <p:par>
+                                <p:cTn id="11" presetID="1" presetClass="entr" presetSubtype="0" fill="hold" grpId="0" nodeType="clickEffect">
+                                  <p:stCondLst>
+                                    <p:cond delay="0"/>
+                                  </p:stCondLst>
+                                  <p:childTnLst>
+                                    <p:set>
+                                      <p:cBhvr>
+                                        <p:cTn id="12" dur="1" fill="hold">
+                                          <p:stCondLst>
+                                            <p:cond delay="0"/>
+                                          </p:stCondLst>
+                                        </p:cTn>
+                                        <p:tgtEl>
+                                          <p:spTgt spid="3">
+                                            <p:txEl>
+                                              <p:pRg st="4" end="4"/>
+                                            </p:txEl>
+                                          </p:spTgt>
+                                        </p:tgtEl>
+                                        <p:attrNameLst>
+                                          <p:attrName>style.visibility</p:attrName>
+                                        </p:attrNameLst>
+                                      </p:cBhvr>
+                                      <p:to>
+                                        <p:strVal val="visible"/>
+                                      </p:to>
+                                    </p:set>
+                                  </p:childTnLst>
+                                </p:cTn>
+                              </p:par>
+                              <p:par>
+                                <p:cTn id="13" presetID="1" presetClass="entr" presetSubtype="0" fill="hold" grpId="0" nodeType="withEffect">
+                                  <p:stCondLst>
+                                    <p:cond delay="0"/>
+                                  </p:stCondLst>
+                                  <p:childTnLst>
+                                    <p:set>
+                                      <p:cBhvr>
+                                        <p:cTn id="14" dur="1" fill="hold">
+                                          <p:stCondLst>
+                                            <p:cond delay="0"/>
+                                          </p:stCondLst>
+                                        </p:cTn>
+                                        <p:tgtEl>
+                                          <p:spTgt spid="3">
+                                            <p:txEl>
+                                              <p:pRg st="6" end="6"/>
+                                            </p:txEl>
+                                          </p:spTgt>
+                                        </p:tgtEl>
+                                        <p:attrNameLst>
+                                          <p:attrName>style.visibility</p:attrName>
+                                        </p:attrNameLst>
+                                      </p:cBhvr>
+                                      <p:to>
+                                        <p:strVal val="visible"/>
+                                      </p:to>
+                                    </p:set>
+                                  </p:childTnLst>
+                                </p:cTn>
+                              </p:par>
+                            </p:childTnLst>
+                          </p:cTn>
+                        </p:par>
+                      </p:childTnLst>
+                    </p:cTn>
+                  </p:par>
+                  <p:par>
+                    <p:cTn id="15" fill="hold">
+                      <p:stCondLst>
+                        <p:cond delay="indefinite"/>
+                      </p:stCondLst>
+                      <p:childTnLst>
+                        <p:par>
+                          <p:cTn id="16" fill="hold">
+                            <p:stCondLst>
+                              <p:cond delay="0"/>
+                            </p:stCondLst>
+                            <p:childTnLst>
+                              <p:par>
+                                <p:cTn id="17" presetID="1" presetClass="entr" presetSubtype="0" fill="hold" grpId="0" nodeType="clickEffect">
+                                  <p:stCondLst>
+                                    <p:cond delay="0"/>
+                                  </p:stCondLst>
+                                  <p:childTnLst>
+                                    <p:set>
+                                      <p:cBhvr>
+                                        <p:cTn id="18" dur="1" fill="hold">
+                                          <p:stCondLst>
+                                            <p:cond delay="0"/>
+                                          </p:stCondLst>
+                                        </p:cTn>
+                                        <p:tgtEl>
+                                          <p:spTgt spid="3">
+                                            <p:txEl>
+                                              <p:pRg st="8" end="8"/>
+                                            </p:txEl>
+                                          </p:spTgt>
+                                        </p:tgtEl>
+                                        <p:attrNameLst>
+                                          <p:attrName>style.visibility</p:attrName>
+                                        </p:attrNameLst>
+                                      </p:cBhvr>
+                                      <p:to>
+                                        <p:strVal val="visible"/>
+                                      </p:to>
+                                    </p:set>
+                                  </p:childTnLst>
+                                </p:cTn>
+                              </p:par>
+                              <p:par>
+                                <p:cTn id="19" presetID="1" presetClass="entr" presetSubtype="0" fill="hold" grpId="0" nodeType="withEffect">
+                                  <p:stCondLst>
+                                    <p:cond delay="0"/>
+                                  </p:stCondLst>
+                                  <p:childTnLst>
+                                    <p:set>
+                                      <p:cBhvr>
+                                        <p:cTn id="20" dur="1" fill="hold">
+                                          <p:stCondLst>
+                                            <p:cond delay="0"/>
+                                          </p:stCondLst>
+                                        </p:cTn>
+                                        <p:tgtEl>
+                                          <p:spTgt spid="3">
+                                            <p:txEl>
+                                              <p:pRg st="10" end="10"/>
+                                            </p:txEl>
+                                          </p:spTgt>
+                                        </p:tgtEl>
+                                        <p:attrNameLst>
+                                          <p:attrName>style.visibility</p:attrName>
+                                        </p:attrNameLst>
+                                      </p:cBhvr>
+                                      <p:to>
+                                        <p:strVal val="visible"/>
+                                      </p:to>
+                                    </p:set>
+                                  </p:childTnLst>
+                                </p:cTn>
+                              </p:par>
+                            </p:childTnLst>
+                          </p:cTn>
+                        </p:par>
+                      </p:childTnLst>
+                    </p:cTn>
+                  </p:par>
+                  <p:par>
+                    <p:cTn id="21" fill="hold">
+                      <p:stCondLst>
+                        <p:cond delay="indefinite"/>
+                      </p:stCondLst>
+                      <p:childTnLst>
+                        <p:par>
+                          <p:cTn id="22" fill="hold">
+                            <p:stCondLst>
+                              <p:cond delay="0"/>
+                            </p:stCondLst>
+                            <p:childTnLst>
+                              <p:par>
+                                <p:cTn id="23" presetID="1" presetClass="entr" presetSubtype="0" fill="hold" grpId="0" nodeType="clickEffect">
+                                  <p:stCondLst>
+                                    <p:cond delay="0"/>
+                                  </p:stCondLst>
+                                  <p:childTnLst>
+                                    <p:set>
+                                      <p:cBhvr>
+                                        <p:cTn id="24" dur="1" fill="hold">
+                                          <p:stCondLst>
+                                            <p:cond delay="0"/>
+                                          </p:stCondLst>
+                                        </p:cTn>
+                                        <p:tgtEl>
+                                          <p:spTgt spid="3">
+                                            <p:txEl>
+                                              <p:pRg st="12" end="12"/>
+                                            </p:txEl>
+                                          </p:spTgt>
+                                        </p:tgtEl>
+                                        <p:attrNameLst>
+                                          <p:attrName>style.visibility</p:attrName>
+                                        </p:attrNameLst>
+                                      </p:cBhvr>
+                                      <p:to>
+                                        <p:strVal val="visible"/>
+                                      </p:to>
+                                    </p:set>
+                                  </p:childTnLst>
+                                </p:cTn>
+                              </p:par>
+                              <p:par>
+                                <p:cTn id="25" presetID="1" presetClass="entr" presetSubtype="0" fill="hold" grpId="0" nodeType="withEffect">
+                                  <p:stCondLst>
+                                    <p:cond delay="0"/>
+                                  </p:stCondLst>
+                                  <p:childTnLst>
+                                    <p:set>
+                                      <p:cBhvr>
+                                        <p:cTn id="26" dur="1" fill="hold">
+                                          <p:stCondLst>
+                                            <p:cond delay="0"/>
+                                          </p:stCondLst>
+                                        </p:cTn>
+                                        <p:tgtEl>
+                                          <p:spTgt spid="5"/>
+                                        </p:tgtEl>
+                                        <p:attrNameLst>
+                                          <p:attrName>style.visibility</p:attrName>
+                                        </p:attrNameLst>
+                                      </p:cBhvr>
+                                      <p:to>
+                                        <p:strVal val="visible"/>
+                                      </p:to>
+                                    </p:set>
+                                  </p:childTnLst>
+                                </p:cTn>
+                              </p:par>
+                              <p:par>
+                                <p:cTn id="27" presetID="1" presetClass="entr" presetSubtype="0" fill="hold" grpId="0" nodeType="withEffect">
+                                  <p:stCondLst>
+                                    <p:cond delay="0"/>
+                                  </p:stCondLst>
+                                  <p:childTnLst>
+                                    <p:set>
+                                      <p:cBhvr>
+                                        <p:cTn id="28" dur="1" fill="hold">
+                                          <p:stCondLst>
+                                            <p:cond delay="0"/>
+                                          </p:stCondLst>
+                                        </p:cTn>
+                                        <p:tgtEl>
+                                          <p:spTgt spid="6"/>
+                                        </p:tgtEl>
+                                        <p:attrNameLst>
+                                          <p:attrName>style.visibility</p:attrName>
+                                        </p:attrNameLst>
+                                      </p:cBhvr>
+                                      <p:to>
+                                        <p:strVal val="visible"/>
+                                      </p:to>
+                                    </p:set>
+                                  </p:childTnLst>
+                                </p:cTn>
+                              </p:par>
+                            </p:childTnLst>
+                          </p:cTn>
+                        </p:par>
+                      </p:childTnLst>
+                    </p:cTn>
+                  </p:par>
+                </p:childTnLst>
+              </p:cTn>
+              <p:prevCondLst>
+                <p:cond evt="onPrev" delay="0">
+                  <p:tgtEl>
+                    <p:sldTgt/>
+                  </p:tgtEl>
+                </p:cond>
+              </p:prevCondLst>
+              <p:nextCondLst>
+                <p:cond evt="onNext" delay="0">
+                  <p:tgtEl>
+                    <p:sldTgt/>
+                  </p:tgtEl>
+                </p:cond>
+              </p:nextCondLst>
+            </p:seq>
+          </p:childTnLst>
+        </p:cTn>
       </p:par>
     </p:tnLst>
+    <p:bldLst>
+      <p:bldP spid="3" grpId="0" build="p"/>
+      <p:bldP spid="5" grpId="0" animBg="1"/>
+      <p:bldP spid="6" grpId="0" animBg="1"/>
+    </p:bldLst>
   </p:timing>
 </p:sld>
 </file>
@@ -37382,12 +38523,12 @@
         <p:spPr>
           <a:xfrm>
             <a:off x="261866" y="3488769"/>
-            <a:ext cx="8615359" cy="2238263"/>
+            <a:ext cx="8615359" cy="2530792"/>
           </a:xfrm>
         </p:spPr>
         <p:txBody>
           <a:bodyPr>
-            <a:normAutofit/>
+            <a:normAutofit fontScale="92500" lnSpcReduction="10000"/>
           </a:bodyPr>
           <a:lstStyle/>
           <a:p>
@@ -37397,12 +38538,24 @@
               </a:lnSpc>
             </a:pPr>
             <a:r>
-              <a:rPr lang="en-US" sz="2800" dirty="0">
+              <a:rPr lang="en-US" sz="2800" dirty="0" smtClean="0">
                 <a:latin typeface="Times New Roman"/>
                 <a:cs typeface="Times New Roman"/>
               </a:rPr>
               <a:t>Sequence</a:t>
             </a:r>
+          </a:p>
+          <a:p>
+            <a:pPr marL="0" indent="0">
+              <a:lnSpc>
+                <a:spcPct val="100000"/>
+              </a:lnSpc>
+              <a:buNone/>
+            </a:pPr>
+            <a:endParaRPr lang="en-US" sz="1100" dirty="0">
+              <a:latin typeface="Times New Roman"/>
+              <a:cs typeface="Times New Roman"/>
+            </a:endParaRPr>
           </a:p>
           <a:p>
             <a:pPr marL="323850" indent="-171450">
@@ -37448,9 +38601,27 @@
                 <a:latin typeface="Lucida Console"/>
                 <a:cs typeface="Lucida Console"/>
               </a:rPr>
-              <a:t>/* block1 */</a:t>
-            </a:r>
-            <a:endParaRPr lang="en-US" sz="2000" dirty="0">
+              <a:t>/* block1 *</a:t>
+            </a:r>
+            <a:r>
+              <a:rPr lang="en-US" sz="2000" spc="-80" dirty="0" smtClean="0">
+                <a:latin typeface="Lucida Console"/>
+                <a:cs typeface="Lucida Console"/>
+              </a:rPr>
+              <a:t>/</a:t>
+            </a:r>
+          </a:p>
+          <a:p>
+            <a:pPr marL="152400" indent="0">
+              <a:lnSpc>
+                <a:spcPct val="100000"/>
+              </a:lnSpc>
+              <a:spcBef>
+                <a:spcPts val="280"/>
+              </a:spcBef>
+              <a:buNone/>
+            </a:pPr>
+            <a:endParaRPr lang="en-US" sz="1100" dirty="0">
               <a:latin typeface="Lucida Console"/>
               <a:cs typeface="Lucida Console"/>
             </a:endParaRPr>
@@ -37779,9 +38950,27 @@
                 <a:latin typeface="Lucida Console"/>
                 <a:cs typeface="Lucida Console"/>
               </a:rPr>
-              <a:t>/* block2 */</a:t>
-            </a:r>
-            <a:endParaRPr lang="en-US" sz="2000" dirty="0">
+              <a:t>/* block2 *</a:t>
+            </a:r>
+            <a:r>
+              <a:rPr lang="en-US" sz="2000" spc="-80" dirty="0" smtClean="0">
+                <a:latin typeface="Lucida Console"/>
+                <a:cs typeface="Lucida Console"/>
+              </a:rPr>
+              <a:t>/</a:t>
+            </a:r>
+          </a:p>
+          <a:p>
+            <a:pPr marL="152400" indent="0">
+              <a:lnSpc>
+                <a:spcPct val="100000"/>
+              </a:lnSpc>
+              <a:spcBef>
+                <a:spcPts val="190"/>
+              </a:spcBef>
+              <a:buNone/>
+            </a:pPr>
+            <a:endParaRPr lang="en-US" sz="1100" dirty="0">
               <a:latin typeface="Lucida Console"/>
               <a:cs typeface="Lucida Console"/>
             </a:endParaRPr>
@@ -38625,7 +39814,7 @@
                                         <p:tgtEl>
                                           <p:spTgt spid="3">
                                             <p:txEl>
-                                              <p:pRg st="1" end="1"/>
+                                              <p:pRg st="2" end="2"/>
                                             </p:txEl>
                                           </p:spTgt>
                                         </p:tgtEl>
@@ -38674,7 +39863,7 @@
                                         <p:tgtEl>
                                           <p:spTgt spid="3">
                                             <p:txEl>
-                                              <p:pRg st="2" end="2"/>
+                                              <p:pRg st="4" end="4"/>
                                             </p:txEl>
                                           </p:spTgt>
                                         </p:tgtEl>
@@ -38723,7 +39912,7 @@
                                         <p:tgtEl>
                                           <p:spTgt spid="3">
                                             <p:txEl>
-                                              <p:pRg st="3" end="3"/>
+                                              <p:pRg st="6" end="6"/>
                                             </p:txEl>
                                           </p:spTgt>
                                         </p:tgtEl>
@@ -40623,9 +41812,186 @@
   <p:timing>
     <p:tnLst>
       <p:par>
-        <p:cTn xmlns:p14="http://schemas.microsoft.com/office/powerpoint/2010/main" id="1" dur="indefinite" restart="never" nodeType="tmRoot"/>
+        <p:cTn xmlns:p14="http://schemas.microsoft.com/office/powerpoint/2010/main" id="1" dur="indefinite" restart="never" nodeType="tmRoot">
+          <p:childTnLst>
+            <p:seq concurrent="1" nextAc="seek">
+              <p:cTn id="2" dur="indefinite" nodeType="mainSeq">
+                <p:childTnLst>
+                  <p:par>
+                    <p:cTn id="3" fill="hold">
+                      <p:stCondLst>
+                        <p:cond delay="indefinite"/>
+                      </p:stCondLst>
+                      <p:childTnLst>
+                        <p:par>
+                          <p:cTn id="4" fill="hold">
+                            <p:stCondLst>
+                              <p:cond delay="0"/>
+                            </p:stCondLst>
+                            <p:childTnLst>
+                              <p:par>
+                                <p:cTn id="5" presetID="1" presetClass="entr" presetSubtype="0" fill="hold" grpId="0" nodeType="clickEffect">
+                                  <p:stCondLst>
+                                    <p:cond delay="0"/>
+                                  </p:stCondLst>
+                                  <p:childTnLst>
+                                    <p:set>
+                                      <p:cBhvr>
+                                        <p:cTn id="6" dur="1" fill="hold">
+                                          <p:stCondLst>
+                                            <p:cond delay="0"/>
+                                          </p:stCondLst>
+                                        </p:cTn>
+                                        <p:tgtEl>
+                                          <p:spTgt spid="6"/>
+                                        </p:tgtEl>
+                                        <p:attrNameLst>
+                                          <p:attrName>style.visibility</p:attrName>
+                                        </p:attrNameLst>
+                                      </p:cBhvr>
+                                      <p:to>
+                                        <p:strVal val="visible"/>
+                                      </p:to>
+                                    </p:set>
+                                  </p:childTnLst>
+                                </p:cTn>
+                              </p:par>
+                              <p:par>
+                                <p:cTn id="7" presetID="1" presetClass="entr" presetSubtype="0" fill="hold" grpId="0" nodeType="withEffect">
+                                  <p:stCondLst>
+                                    <p:cond delay="0"/>
+                                  </p:stCondLst>
+                                  <p:childTnLst>
+                                    <p:set>
+                                      <p:cBhvr>
+                                        <p:cTn id="8" dur="1" fill="hold">
+                                          <p:stCondLst>
+                                            <p:cond delay="0"/>
+                                          </p:stCondLst>
+                                        </p:cTn>
+                                        <p:tgtEl>
+                                          <p:spTgt spid="7"/>
+                                        </p:tgtEl>
+                                        <p:attrNameLst>
+                                          <p:attrName>style.visibility</p:attrName>
+                                        </p:attrNameLst>
+                                      </p:cBhvr>
+                                      <p:to>
+                                        <p:strVal val="visible"/>
+                                      </p:to>
+                                    </p:set>
+                                  </p:childTnLst>
+                                </p:cTn>
+                              </p:par>
+                            </p:childTnLst>
+                          </p:cTn>
+                        </p:par>
+                      </p:childTnLst>
+                    </p:cTn>
+                  </p:par>
+                  <p:par>
+                    <p:cTn id="9" fill="hold">
+                      <p:stCondLst>
+                        <p:cond delay="indefinite"/>
+                      </p:stCondLst>
+                      <p:childTnLst>
+                        <p:par>
+                          <p:cTn id="10" fill="hold">
+                            <p:stCondLst>
+                              <p:cond delay="0"/>
+                            </p:stCondLst>
+                            <p:childTnLst>
+                              <p:par>
+                                <p:cTn id="11" presetID="1" presetClass="entr" presetSubtype="0" fill="hold" grpId="0" nodeType="clickEffect">
+                                  <p:stCondLst>
+                                    <p:cond delay="0"/>
+                                  </p:stCondLst>
+                                  <p:childTnLst>
+                                    <p:set>
+                                      <p:cBhvr>
+                                        <p:cTn id="12" dur="1" fill="hold">
+                                          <p:stCondLst>
+                                            <p:cond delay="0"/>
+                                          </p:stCondLst>
+                                        </p:cTn>
+                                        <p:tgtEl>
+                                          <p:spTgt spid="3">
+                                            <p:txEl>
+                                              <p:pRg st="0" end="0"/>
+                                            </p:txEl>
+                                          </p:spTgt>
+                                        </p:tgtEl>
+                                        <p:attrNameLst>
+                                          <p:attrName>style.visibility</p:attrName>
+                                        </p:attrNameLst>
+                                      </p:cBhvr>
+                                      <p:to>
+                                        <p:strVal val="visible"/>
+                                      </p:to>
+                                    </p:set>
+                                  </p:childTnLst>
+                                </p:cTn>
+                              </p:par>
+                              <p:par>
+                                <p:cTn id="13" presetID="1" presetClass="entr" presetSubtype="0" fill="hold" grpId="0" nodeType="withEffect">
+                                  <p:stCondLst>
+                                    <p:cond delay="0"/>
+                                  </p:stCondLst>
+                                  <p:childTnLst>
+                                    <p:set>
+                                      <p:cBhvr>
+                                        <p:cTn id="14" dur="1" fill="hold">
+                                          <p:stCondLst>
+                                            <p:cond delay="0"/>
+                                          </p:stCondLst>
+                                        </p:cTn>
+                                        <p:tgtEl>
+                                          <p:spTgt spid="9"/>
+                                        </p:tgtEl>
+                                        <p:attrNameLst>
+                                          <p:attrName>style.visibility</p:attrName>
+                                        </p:attrNameLst>
+                                      </p:cBhvr>
+                                      <p:to>
+                                        <p:strVal val="visible"/>
+                                      </p:to>
+                                    </p:set>
+                                  </p:childTnLst>
+                                </p:cTn>
+                              </p:par>
+                            </p:childTnLst>
+                          </p:cTn>
+                        </p:par>
+                      </p:childTnLst>
+                    </p:cTn>
+                  </p:par>
+                </p:childTnLst>
+              </p:cTn>
+              <p:prevCondLst>
+                <p:cond evt="onPrev" delay="0">
+                  <p:tgtEl>
+                    <p:sldTgt/>
+                  </p:tgtEl>
+                </p:cond>
+              </p:prevCondLst>
+              <p:nextCondLst>
+                <p:cond evt="onNext" delay="0">
+                  <p:tgtEl>
+                    <p:sldTgt/>
+                  </p:tgtEl>
+                </p:cond>
+              </p:nextCondLst>
+            </p:seq>
+          </p:childTnLst>
+        </p:cTn>
       </p:par>
     </p:tnLst>
+    <p:bldLst>
+      <p:bldP spid="3" grpId="0" build="p"/>
+      <p:bldP spid="6" grpId="0"/>
+      <p:bldP spid="7" grpId="0" animBg="1"/>
+      <p:bldP spid="9" grpId="0" animBg="1"/>
+    </p:bldLst>
   </p:timing>
 </p:sld>
 </file>
